--- a/presentatie/Classified_MLiP_final_presentation_2.pptx
+++ b/presentatie/Classified_MLiP_final_presentation_2.pptx
@@ -8,22 +8,21 @@
     <p:sldMasterId id="2147483722" r:id="rId4"/>
   </p:sldMasterIdLst>
   <p:notesMasterIdLst>
-    <p:notesMasterId r:id="rId15"/>
+    <p:notesMasterId r:id="rId14"/>
   </p:notesMasterIdLst>
   <p:handoutMasterIdLst>
-    <p:handoutMasterId r:id="rId16"/>
+    <p:handoutMasterId r:id="rId15"/>
   </p:handoutMasterIdLst>
   <p:sldIdLst>
     <p:sldId id="376" r:id="rId5"/>
     <p:sldId id="377" r:id="rId6"/>
-    <p:sldId id="378" r:id="rId7"/>
-    <p:sldId id="379" r:id="rId8"/>
-    <p:sldId id="380" r:id="rId9"/>
-    <p:sldId id="381" r:id="rId10"/>
-    <p:sldId id="382" r:id="rId11"/>
-    <p:sldId id="383" r:id="rId12"/>
-    <p:sldId id="384" r:id="rId13"/>
-    <p:sldId id="385" r:id="rId14"/>
+    <p:sldId id="379" r:id="rId7"/>
+    <p:sldId id="380" r:id="rId8"/>
+    <p:sldId id="381" r:id="rId9"/>
+    <p:sldId id="382" r:id="rId10"/>
+    <p:sldId id="383" r:id="rId11"/>
+    <p:sldId id="384" r:id="rId12"/>
+    <p:sldId id="385" r:id="rId13"/>
   </p:sldIdLst>
   <p:sldSz cx="13003213" cy="9756775"/>
   <p:notesSz cx="6858000" cy="9144000"/>
@@ -154,7 +153,7 @@
   </p:defaultTextStyle>
   <p:extLst>
     <p:ext uri="{EFAFB233-063F-42B5-8137-9DF3F51BA10A}">
-      <p15:sldGuideLst xmlns:p15="http://schemas.microsoft.com/office/powerpoint/2012/main" xmlns="">
+      <p15:sldGuideLst xmlns="" xmlns:p15="http://schemas.microsoft.com/office/powerpoint/2012/main">
         <p15:guide id="1" orient="horz" pos="3073">
           <p15:clr>
             <a:srgbClr val="A4A3A4"/>
@@ -168,7 +167,7 @@
       </p15:sldGuideLst>
     </p:ext>
     <p:ext uri="{2D200454-40CA-4A62-9FC3-DE9A4176ACB9}">
-      <p15:notesGuideLst xmlns:p15="http://schemas.microsoft.com/office/powerpoint/2012/main" xmlns="">
+      <p15:notesGuideLst xmlns="" xmlns:p15="http://schemas.microsoft.com/office/powerpoint/2012/main">
         <p15:guide id="1" orient="horz" pos="2880">
           <p15:clr>
             <a:srgbClr val="A4A3A4"/>
@@ -823,6 +822,114 @@
     </a:lvl9pPr>
   </p:notesStyle>
 </p:notesMaster>
+</file>
+
+<file path=ppt/notesSlides/notesSlide1.xml><?xml version="1.0" encoding="utf-8"?>
+<p:notes xmlns:a="http://schemas.openxmlformats.org/drawingml/2006/main" xmlns:r="http://schemas.openxmlformats.org/officeDocument/2006/relationships" xmlns:p="http://schemas.openxmlformats.org/presentationml/2006/main">
+  <p:cSld>
+    <p:spTree>
+      <p:nvGrpSpPr>
+        <p:cNvPr id="1" name=""/>
+        <p:cNvGrpSpPr/>
+        <p:nvPr/>
+      </p:nvGrpSpPr>
+      <p:grpSpPr>
+        <a:xfrm>
+          <a:off x="0" y="0"/>
+          <a:ext cx="0" cy="0"/>
+          <a:chOff x="0" y="0"/>
+          <a:chExt cx="0" cy="0"/>
+        </a:xfrm>
+      </p:grpSpPr>
+      <p:sp>
+        <p:nvSpPr>
+          <p:cNvPr id="2" name="Tijdelijke aanduiding voor dia-afbeelding 1"/>
+          <p:cNvSpPr>
+            <a:spLocks noGrp="1" noRot="1" noChangeAspect="1"/>
+          </p:cNvSpPr>
+          <p:nvPr>
+            <p:ph type="sldImg"/>
+          </p:nvPr>
+        </p:nvSpPr>
+        <p:spPr/>
+      </p:sp>
+      <p:sp>
+        <p:nvSpPr>
+          <p:cNvPr id="3" name="Tijdelijke aanduiding voor notities 2"/>
+          <p:cNvSpPr>
+            <a:spLocks noGrp="1"/>
+          </p:cNvSpPr>
+          <p:nvPr>
+            <p:ph type="body" idx="1"/>
+          </p:nvPr>
+        </p:nvSpPr>
+        <p:spPr/>
+        <p:txBody>
+          <a:bodyPr/>
+          <a:lstStyle/>
+          <a:p>
+            <a:pPr marL="0" marR="0" indent="0" algn="l" defTabSz="649288" rtl="0" eaLnBrk="0" fontAlgn="base" latinLnBrk="0" hangingPunct="0">
+              <a:lnSpc>
+                <a:spcPct val="100000"/>
+              </a:lnSpc>
+              <a:spcBef>
+                <a:spcPct val="30000"/>
+              </a:spcBef>
+              <a:spcAft>
+                <a:spcPct val="0"/>
+              </a:spcAft>
+              <a:buClrTx/>
+              <a:buSzTx/>
+              <a:buFontTx/>
+              <a:buNone/>
+              <a:tabLst/>
+              <a:defRPr/>
+            </a:pPr>
+            <a:r>
+              <a:rPr lang="nl-NL" dirty="0" smtClean="0"/>
+              <a:t>train.csv </a:t>
+            </a:r>
+            <a:r>
+              <a:rPr lang="en-US" dirty="0" smtClean="0"/>
+              <a:t>(build year, material, number of floors, etc.)</a:t>
+            </a:r>
+          </a:p>
+          <a:p>
+            <a:pPr marL="0" marR="0" indent="0" algn="l" defTabSz="649288" rtl="0" eaLnBrk="0" fontAlgn="base" latinLnBrk="0" hangingPunct="0">
+              <a:lnSpc>
+                <a:spcPct val="100000"/>
+              </a:lnSpc>
+              <a:spcBef>
+                <a:spcPct val="30000"/>
+              </a:spcBef>
+              <a:spcAft>
+                <a:spcPct val="0"/>
+              </a:spcAft>
+              <a:buClrTx/>
+              <a:buSzTx/>
+              <a:buFontTx/>
+              <a:buNone/>
+              <a:tabLst/>
+              <a:defRPr/>
+            </a:pPr>
+            <a:r>
+              <a:rPr lang="en-US" dirty="0" smtClean="0"/>
+              <a:t>macro.csv (e.g. employment, salary, mortality)</a:t>
+            </a:r>
+          </a:p>
+        </p:txBody>
+      </p:sp>
+    </p:spTree>
+    <p:extLst>
+      <p:ext uri="{BB962C8B-B14F-4D97-AF65-F5344CB8AC3E}">
+        <p14:creationId xmlns:p14="http://schemas.microsoft.com/office/powerpoint/2010/main" val="134893625"/>
+      </p:ext>
+    </p:extLst>
+  </p:cSld>
+  <p:clrMapOvr>
+    <a:masterClrMapping/>
+  </p:clrMapOvr>
+</p:notes>
 </file>
 
 <file path=ppt/slideLayouts/slideLayout1.xml><?xml version="1.0" encoding="utf-8"?>
@@ -13162,7 +13269,7 @@
               </a14:hiddenLine>
             </a:ext>
             <a:ext uri="{FAA26D3D-D897-4be2-8F04-BA451C77F1D7}">
-              <ma14:placeholderFlag xmlns="" xmlns:ma14="http://schemas.microsoft.com/office/mac/drawingml/2011/main" val="1"/>
+              <ma14:placeholderFlag xmlns:ma14="http://schemas.microsoft.com/office/mac/drawingml/2011/main" xmlns="" val="1"/>
             </a:ext>
           </a:extLst>
         </p:spPr>
@@ -13223,7 +13330,7 @@
               </a14:hiddenLine>
             </a:ext>
             <a:ext uri="{FAA26D3D-D897-4be2-8F04-BA451C77F1D7}">
-              <ma14:placeholderFlag xmlns="" xmlns:ma14="http://schemas.microsoft.com/office/mac/drawingml/2011/main" val="1"/>
+              <ma14:placeholderFlag xmlns:ma14="http://schemas.microsoft.com/office/mac/drawingml/2011/main" xmlns="" val="1"/>
             </a:ext>
           </a:extLst>
         </p:spPr>
@@ -13946,7 +14053,7 @@
               </a14:hiddenLine>
             </a:ext>
             <a:ext uri="{FAA26D3D-D897-4be2-8F04-BA451C77F1D7}">
-              <ma14:placeholderFlag xmlns="" xmlns:ma14="http://schemas.microsoft.com/office/mac/drawingml/2011/main" val="1"/>
+              <ma14:placeholderFlag xmlns:ma14="http://schemas.microsoft.com/office/mac/drawingml/2011/main" xmlns="" val="1"/>
             </a:ext>
           </a:extLst>
         </p:spPr>
@@ -14007,7 +14114,7 @@
               </a14:hiddenLine>
             </a:ext>
             <a:ext uri="{FAA26D3D-D897-4be2-8F04-BA451C77F1D7}">
-              <ma14:placeholderFlag xmlns="" xmlns:ma14="http://schemas.microsoft.com/office/mac/drawingml/2011/main" val="1"/>
+              <ma14:placeholderFlag xmlns:ma14="http://schemas.microsoft.com/office/mac/drawingml/2011/main" xmlns="" val="1"/>
             </a:ext>
           </a:extLst>
         </p:spPr>
@@ -14692,7 +14799,7 @@
               </a14:hiddenLine>
             </a:ext>
             <a:ext uri="{FAA26D3D-D897-4be2-8F04-BA451C77F1D7}">
-              <ma14:placeholderFlag xmlns="" xmlns:ma14="http://schemas.microsoft.com/office/mac/drawingml/2011/main" val="1"/>
+              <ma14:placeholderFlag xmlns:ma14="http://schemas.microsoft.com/office/mac/drawingml/2011/main" xmlns="" val="1"/>
             </a:ext>
           </a:extLst>
         </p:spPr>
@@ -14753,7 +14860,7 @@
               </a14:hiddenLine>
             </a:ext>
             <a:ext uri="{FAA26D3D-D897-4be2-8F04-BA451C77F1D7}">
-              <ma14:placeholderFlag xmlns="" xmlns:ma14="http://schemas.microsoft.com/office/mac/drawingml/2011/main" val="1"/>
+              <ma14:placeholderFlag xmlns:ma14="http://schemas.microsoft.com/office/mac/drawingml/2011/main" xmlns="" val="1"/>
             </a:ext>
           </a:extLst>
         </p:spPr>
@@ -15461,7 +15568,7 @@
               </a14:hiddenLine>
             </a:ext>
             <a:ext uri="{FAA26D3D-D897-4be2-8F04-BA451C77F1D7}">
-              <ma14:placeholderFlag xmlns="" xmlns:ma14="http://schemas.microsoft.com/office/mac/drawingml/2011/main" val="1"/>
+              <ma14:placeholderFlag xmlns:ma14="http://schemas.microsoft.com/office/mac/drawingml/2011/main" xmlns="" val="1"/>
             </a:ext>
           </a:extLst>
         </p:spPr>
@@ -15522,7 +15629,7 @@
               </a14:hiddenLine>
             </a:ext>
             <a:ext uri="{FAA26D3D-D897-4be2-8F04-BA451C77F1D7}">
-              <ma14:placeholderFlag xmlns="" xmlns:ma14="http://schemas.microsoft.com/office/mac/drawingml/2011/main" val="1"/>
+              <ma14:placeholderFlag xmlns:ma14="http://schemas.microsoft.com/office/mac/drawingml/2011/main" xmlns="" val="1"/>
             </a:ext>
           </a:extLst>
         </p:spPr>
@@ -16219,22 +16326,14 @@
           <a:lstStyle/>
           <a:p>
             <a:r>
-              <a:rPr lang="nl-NL" dirty="0" err="1" smtClean="0"/>
+              <a:rPr lang="en-US" dirty="0" err="1" smtClean="0"/>
               <a:t>Sberbank</a:t>
             </a:r>
             <a:r>
-              <a:rPr lang="nl-NL" dirty="0" smtClean="0"/>
-              <a:t> Russian </a:t>
-            </a:r>
-            <a:r>
-              <a:rPr lang="nl-NL" dirty="0" err="1" smtClean="0"/>
-              <a:t>Housing</a:t>
-            </a:r>
-            <a:r>
-              <a:rPr lang="nl-NL" dirty="0" smtClean="0"/>
-              <a:t> Market</a:t>
-            </a:r>
-            <a:endParaRPr lang="nl-NL" dirty="0"/>
+              <a:rPr lang="en-US" dirty="0" smtClean="0"/>
+              <a:t> Russian Housing Market</a:t>
+            </a:r>
+            <a:endParaRPr lang="en-US" dirty="0"/>
           </a:p>
         </p:txBody>
       </p:sp>
@@ -16254,84 +16353,83 @@
           <a:lstStyle/>
           <a:p>
             <a:r>
-              <a:rPr lang="nl-NL" sz="4000" dirty="0" smtClean="0">
+              <a:rPr lang="en-US" sz="4000" dirty="0" smtClean="0">
                 <a:latin typeface="+mj-lt"/>
               </a:rPr>
-              <a:t>Team </a:t>
-            </a:r>
-            <a:r>
-              <a:rPr lang="nl-NL" sz="4000" dirty="0" err="1" smtClean="0">
-                <a:latin typeface="+mj-lt"/>
-              </a:rPr>
-              <a:t>Classified</a:t>
-            </a:r>
-            <a:endParaRPr lang="nl-NL" sz="4000" dirty="0" smtClean="0">
-              <a:latin typeface="+mj-lt"/>
-            </a:endParaRPr>
-          </a:p>
-          <a:p>
-            <a:endParaRPr lang="nl-NL" dirty="0"/>
+              <a:t>Team Classified</a:t>
+            </a:r>
+          </a:p>
+          <a:p>
+            <a:endParaRPr lang="en-US" dirty="0" smtClean="0"/>
           </a:p>
           <a:p>
             <a:pPr algn="l"/>
             <a:r>
-              <a:rPr lang="nl-NL" dirty="0"/>
+              <a:rPr lang="en-US" dirty="0" smtClean="0"/>
               <a:t>Jordi </a:t>
             </a:r>
             <a:r>
-              <a:rPr lang="nl-NL" dirty="0" err="1" smtClean="0"/>
+              <a:rPr lang="en-US" dirty="0" err="1" smtClean="0"/>
               <a:t>Beernink</a:t>
             </a:r>
-            <a:endParaRPr lang="nl-NL" dirty="0" smtClean="0"/>
+            <a:endParaRPr lang="en-US" dirty="0" smtClean="0"/>
           </a:p>
           <a:p>
             <a:pPr algn="l"/>
             <a:r>
-              <a:rPr lang="nl-NL" dirty="0" smtClean="0"/>
-              <a:t>Roel Bouman</a:t>
-            </a:r>
+              <a:rPr lang="en-US" dirty="0" err="1" smtClean="0"/>
+              <a:t>Roel</a:t>
+            </a:r>
+            <a:r>
+              <a:rPr lang="en-US" dirty="0" smtClean="0"/>
+              <a:t> </a:t>
+            </a:r>
+            <a:r>
+              <a:rPr lang="en-US" dirty="0" err="1" smtClean="0"/>
+              <a:t>Bouman</a:t>
+            </a:r>
+            <a:endParaRPr lang="en-US" dirty="0" smtClean="0"/>
           </a:p>
           <a:p>
             <a:pPr algn="l"/>
             <a:r>
-              <a:rPr lang="nl-NL" dirty="0" smtClean="0"/>
+              <a:rPr lang="en-US" dirty="0" smtClean="0"/>
               <a:t>Jeffrey </a:t>
             </a:r>
             <a:r>
-              <a:rPr lang="nl-NL" dirty="0" err="1" smtClean="0"/>
+              <a:rPr lang="en-US" dirty="0" err="1" smtClean="0"/>
               <a:t>Luppes</a:t>
             </a:r>
-            <a:endParaRPr lang="nl-NL" dirty="0" smtClean="0"/>
+            <a:endParaRPr lang="en-US" dirty="0" smtClean="0"/>
           </a:p>
           <a:p>
             <a:pPr algn="l"/>
             <a:r>
-              <a:rPr lang="nl-NL" dirty="0" err="1" smtClean="0"/>
+              <a:rPr lang="en-US" dirty="0" err="1" smtClean="0"/>
               <a:t>Gerdriaan</a:t>
             </a:r>
             <a:r>
-              <a:rPr lang="nl-NL" dirty="0" smtClean="0"/>
+              <a:rPr lang="en-US" dirty="0" smtClean="0"/>
               <a:t> Mulder</a:t>
             </a:r>
-            <a:endParaRPr lang="nl-NL" dirty="0"/>
           </a:p>
           <a:p>
             <a:pPr algn="l"/>
             <a:r>
-              <a:rPr lang="nl-NL" dirty="0" smtClean="0"/>
+              <a:rPr lang="en-US" dirty="0" smtClean="0"/>
               <a:t>Thijs </a:t>
             </a:r>
             <a:r>
-              <a:rPr lang="nl-NL" dirty="0" err="1" smtClean="0"/>
+              <a:rPr lang="en-US" dirty="0" err="1" smtClean="0"/>
               <a:t>Werrij</a:t>
             </a:r>
-            <a:endParaRPr lang="nl-NL" dirty="0" smtClean="0"/>
-          </a:p>
-          <a:p>
-            <a:endParaRPr lang="nl-NL" dirty="0" smtClean="0"/>
-          </a:p>
-          <a:p>
-            <a:endParaRPr lang="nl-NL" dirty="0"/>
+            <a:endParaRPr lang="en-US" dirty="0" smtClean="0"/>
+          </a:p>
+          <a:p>
+            <a:endParaRPr lang="en-US" dirty="0" smtClean="0"/>
+          </a:p>
+          <a:p>
+            <a:endParaRPr lang="en-US" dirty="0"/>
           </a:p>
         </p:txBody>
       </p:sp>
@@ -16339,204 +16437,6 @@
     <p:extLst>
       <p:ext uri="{BB962C8B-B14F-4D97-AF65-F5344CB8AC3E}">
         <p14:creationId xmlns:p14="http://schemas.microsoft.com/office/powerpoint/2010/main" val="30353527"/>
-      </p:ext>
-    </p:extLst>
-  </p:cSld>
-  <p:clrMapOvr>
-    <a:masterClrMapping/>
-  </p:clrMapOvr>
-  <p:transition spd="med">
-    <p:fade/>
-  </p:transition>
-  <p:timing>
-    <p:tnLst>
-      <p:par>
-        <p:cTn id="1" dur="indefinite" restart="never" nodeType="tmRoot"/>
-      </p:par>
-    </p:tnLst>
-  </p:timing>
-</p:sld>
-</file>
-
-<file path=ppt/slides/slide10.xml><?xml version="1.0" encoding="utf-8"?>
-<p:sld xmlns:a="http://schemas.openxmlformats.org/drawingml/2006/main" xmlns:r="http://schemas.openxmlformats.org/officeDocument/2006/relationships" xmlns:p="http://schemas.openxmlformats.org/presentationml/2006/main">
-  <p:cSld>
-    <p:spTree>
-      <p:nvGrpSpPr>
-        <p:cNvPr id="1" name=""/>
-        <p:cNvGrpSpPr/>
-        <p:nvPr/>
-      </p:nvGrpSpPr>
-      <p:grpSpPr>
-        <a:xfrm>
-          <a:off x="0" y="0"/>
-          <a:ext cx="0" cy="0"/>
-          <a:chOff x="0" y="0"/>
-          <a:chExt cx="0" cy="0"/>
-        </a:xfrm>
-      </p:grpSpPr>
-      <p:sp>
-        <p:nvSpPr>
-          <p:cNvPr id="4" name="Titel 3"/>
-          <p:cNvSpPr>
-            <a:spLocks noGrp="1"/>
-          </p:cNvSpPr>
-          <p:nvPr>
-            <p:ph type="title"/>
-          </p:nvPr>
-        </p:nvSpPr>
-        <p:spPr/>
-        <p:txBody>
-          <a:bodyPr/>
-          <a:lstStyle/>
-          <a:p>
-            <a:r>
-              <a:rPr lang="nl-NL" dirty="0" err="1" smtClean="0"/>
-              <a:t>Sberbank</a:t>
-            </a:r>
-            <a:r>
-              <a:rPr lang="nl-NL" dirty="0" smtClean="0"/>
-              <a:t> Russian </a:t>
-            </a:r>
-            <a:r>
-              <a:rPr lang="nl-NL" dirty="0" err="1" smtClean="0"/>
-              <a:t>Housing</a:t>
-            </a:r>
-            <a:r>
-              <a:rPr lang="nl-NL" dirty="0" smtClean="0"/>
-              <a:t> Market</a:t>
-            </a:r>
-            <a:endParaRPr lang="nl-NL" dirty="0"/>
-          </a:p>
-        </p:txBody>
-      </p:sp>
-      <p:sp>
-        <p:nvSpPr>
-          <p:cNvPr id="5" name="Tijdelijke aanduiding voor inhoud 4"/>
-          <p:cNvSpPr>
-            <a:spLocks noGrp="1"/>
-          </p:cNvSpPr>
-          <p:nvPr>
-            <p:ph idx="1"/>
-          </p:nvPr>
-        </p:nvSpPr>
-        <p:spPr/>
-        <p:txBody>
-          <a:bodyPr/>
-          <a:lstStyle/>
-          <a:p>
-            <a:r>
-              <a:rPr lang="nl-NL" sz="4000" dirty="0" smtClean="0">
-                <a:latin typeface="+mj-lt"/>
-              </a:rPr>
-              <a:t>Team </a:t>
-            </a:r>
-            <a:r>
-              <a:rPr lang="nl-NL" sz="4000" dirty="0" err="1" smtClean="0">
-                <a:latin typeface="+mj-lt"/>
-              </a:rPr>
-              <a:t>Classified</a:t>
-            </a:r>
-            <a:endParaRPr lang="nl-NL" sz="4000" dirty="0" smtClean="0">
-              <a:latin typeface="+mj-lt"/>
-            </a:endParaRPr>
-          </a:p>
-          <a:p>
-            <a:endParaRPr lang="nl-NL" dirty="0"/>
-          </a:p>
-          <a:p>
-            <a:pPr marL="457200" indent="-457200" algn="l">
-              <a:buFont typeface="Arial" panose="020B0604020202020204" pitchFamily="34" charset="0"/>
-              <a:buChar char="•"/>
-            </a:pPr>
-            <a:r>
-              <a:rPr lang="nl-NL" dirty="0" err="1" smtClean="0"/>
-              <a:t>Maybe</a:t>
-            </a:r>
-            <a:r>
-              <a:rPr lang="nl-NL" dirty="0" smtClean="0"/>
-              <a:t> a short</a:t>
-            </a:r>
-          </a:p>
-          <a:p>
-            <a:pPr marL="457200" indent="-457200" algn="l">
-              <a:buFont typeface="Arial" panose="020B0604020202020204" pitchFamily="34" charset="0"/>
-              <a:buChar char="•"/>
-            </a:pPr>
-            <a:r>
-              <a:rPr lang="nl-NL" dirty="0" smtClean="0"/>
-              <a:t>Summary of stuff</a:t>
-            </a:r>
-          </a:p>
-          <a:p>
-            <a:pPr marL="457200" indent="-457200" algn="l">
-              <a:buFont typeface="Arial" panose="020B0604020202020204" pitchFamily="34" charset="0"/>
-              <a:buChar char="•"/>
-            </a:pPr>
-            <a:r>
-              <a:rPr lang="nl-NL" dirty="0" err="1" smtClean="0"/>
-              <a:t>Discussed</a:t>
-            </a:r>
-            <a:endParaRPr lang="nl-NL" dirty="0" smtClean="0"/>
-          </a:p>
-          <a:p>
-            <a:pPr marL="457200" indent="-457200" algn="l">
-              <a:buFont typeface="Arial" panose="020B0604020202020204" pitchFamily="34" charset="0"/>
-              <a:buChar char="•"/>
-            </a:pPr>
-            <a:endParaRPr lang="nl-NL" dirty="0"/>
-          </a:p>
-          <a:p>
-            <a:r>
-              <a:rPr lang="nl-NL" dirty="0" err="1" smtClean="0"/>
-              <a:t>Thanks</a:t>
-            </a:r>
-            <a:r>
-              <a:rPr lang="nl-NL" dirty="0" smtClean="0"/>
-              <a:t> </a:t>
-            </a:r>
-            <a:r>
-              <a:rPr lang="nl-NL" dirty="0" err="1" smtClean="0"/>
-              <a:t>for</a:t>
-            </a:r>
-            <a:r>
-              <a:rPr lang="nl-NL" dirty="0" smtClean="0"/>
-              <a:t> </a:t>
-            </a:r>
-            <a:r>
-              <a:rPr lang="nl-NL" dirty="0" err="1" smtClean="0"/>
-              <a:t>your</a:t>
-            </a:r>
-            <a:r>
-              <a:rPr lang="nl-NL" dirty="0" smtClean="0"/>
-              <a:t> attention!</a:t>
-            </a:r>
-          </a:p>
-          <a:p>
-            <a:r>
-              <a:rPr lang="nl-NL" dirty="0" err="1" smtClean="0"/>
-              <a:t>Any</a:t>
-            </a:r>
-            <a:r>
-              <a:rPr lang="nl-NL" dirty="0" smtClean="0"/>
-              <a:t> </a:t>
-            </a:r>
-            <a:r>
-              <a:rPr lang="nl-NL" dirty="0" err="1" smtClean="0"/>
-              <a:t>questions</a:t>
-            </a:r>
-            <a:r>
-              <a:rPr lang="nl-NL" dirty="0" smtClean="0"/>
-              <a:t>?</a:t>
-            </a:r>
-            <a:endParaRPr lang="nl-NL" dirty="0"/>
-          </a:p>
-        </p:txBody>
-      </p:sp>
-    </p:spTree>
-    <p:extLst>
-      <p:ext uri="{BB962C8B-B14F-4D97-AF65-F5344CB8AC3E}">
-        <p14:creationId xmlns:p14="http://schemas.microsoft.com/office/powerpoint/2010/main" val="2891404509"/>
       </p:ext>
     </p:extLst>
   </p:cSld>
@@ -16589,24 +16489,8 @@
           <a:lstStyle/>
           <a:p>
             <a:r>
-              <a:rPr lang="nl-NL" dirty="0" err="1" smtClean="0"/>
-              <a:t>Introduction</a:t>
-            </a:r>
-            <a:r>
-              <a:rPr lang="nl-NL" dirty="0" smtClean="0"/>
-              <a:t> </a:t>
-            </a:r>
-            <a:r>
-              <a:rPr lang="nl-NL" dirty="0" smtClean="0"/>
-              <a:t>- </a:t>
-            </a:r>
-            <a:r>
-              <a:rPr lang="nl-NL" dirty="0" smtClean="0"/>
-              <a:t>The </a:t>
-            </a:r>
-            <a:r>
               <a:rPr lang="en-US" dirty="0" smtClean="0"/>
-              <a:t>competition</a:t>
+              <a:t>Introduction - The competition</a:t>
             </a:r>
             <a:endParaRPr lang="en-US" dirty="0"/>
           </a:p>
@@ -16627,7 +16511,73 @@
           <a:bodyPr/>
           <a:lstStyle/>
           <a:p>
-            <a:endParaRPr lang="nl-NL"/>
+            <a:r>
+              <a:rPr lang="en-US" dirty="0" smtClean="0"/>
+              <a:t>Predict prices of housing in Moscow area</a:t>
+            </a:r>
+          </a:p>
+          <a:p>
+            <a:endParaRPr lang="en-US" dirty="0" smtClean="0"/>
+          </a:p>
+          <a:p>
+            <a:endParaRPr lang="en-US" dirty="0" smtClean="0"/>
+          </a:p>
+          <a:p>
+            <a:r>
+              <a:rPr lang="en-US" dirty="0" smtClean="0"/>
+              <a:t>Data set consists of:</a:t>
+            </a:r>
+          </a:p>
+          <a:p>
+            <a:endParaRPr lang="en-US" dirty="0" smtClean="0"/>
+          </a:p>
+          <a:p>
+            <a:pPr marL="457200" indent="-457200">
+              <a:buFont typeface="Arial" panose="020B0604020202020204" pitchFamily="34" charset="0"/>
+              <a:buChar char="•"/>
+            </a:pPr>
+            <a:r>
+              <a:rPr lang="en-US" dirty="0" smtClean="0"/>
+              <a:t>t</a:t>
+            </a:r>
+            <a:r>
+              <a:rPr lang="en-US" dirty="0" smtClean="0"/>
+              <a:t>rain.csv, </a:t>
+            </a:r>
+            <a:r>
+              <a:rPr lang="en-US" dirty="0" smtClean="0"/>
+              <a:t>30473 entries with information about houses/apartments</a:t>
+            </a:r>
+          </a:p>
+          <a:p>
+            <a:pPr marL="457200" indent="-457200">
+              <a:buFont typeface="Arial" panose="020B0604020202020204" pitchFamily="34" charset="0"/>
+              <a:buChar char="•"/>
+            </a:pPr>
+            <a:endParaRPr lang="en-US" dirty="0"/>
+          </a:p>
+          <a:p>
+            <a:pPr marL="457200" indent="-457200">
+              <a:buFont typeface="Arial" panose="020B0604020202020204" pitchFamily="34" charset="0"/>
+              <a:buChar char="•"/>
+            </a:pPr>
+            <a:r>
+              <a:rPr lang="en-US" dirty="0" smtClean="0"/>
+              <a:t>macro.csv, </a:t>
+            </a:r>
+            <a:r>
+              <a:rPr lang="en-US" dirty="0" smtClean="0"/>
+              <a:t>data on Russia's </a:t>
+            </a:r>
+            <a:r>
+              <a:rPr lang="en-US" dirty="0" err="1" smtClean="0"/>
+              <a:t>macroeconomy</a:t>
+            </a:r>
+            <a:r>
+              <a:rPr lang="en-US" dirty="0" smtClean="0"/>
+              <a:t> and financial sector</a:t>
+            </a:r>
+            <a:endParaRPr lang="en-US" dirty="0"/>
           </a:p>
         </p:txBody>
       </p:sp>
@@ -16687,20 +16637,8 @@
           <a:lstStyle/>
           <a:p>
             <a:r>
-              <a:rPr lang="nl-NL" dirty="0" err="1" smtClean="0"/>
-              <a:t>Introduction</a:t>
-            </a:r>
-            <a:r>
-              <a:rPr lang="nl-NL" dirty="0" smtClean="0"/>
-              <a:t> </a:t>
-            </a:r>
-            <a:r>
-              <a:rPr lang="nl-NL" dirty="0" smtClean="0"/>
-              <a:t>- </a:t>
-            </a:r>
-            <a:r>
-              <a:rPr lang="nl-NL" dirty="0" smtClean="0"/>
-              <a:t>The data set</a:t>
+              <a:rPr lang="nl-NL" dirty="0" smtClean="0"/>
+              <a:t>Approach - Pre-processing</a:t>
             </a:r>
             <a:endParaRPr lang="nl-NL" dirty="0"/>
           </a:p>
@@ -16728,7 +16666,7 @@
     </p:spTree>
     <p:extLst>
       <p:ext uri="{BB962C8B-B14F-4D97-AF65-F5344CB8AC3E}">
-        <p14:creationId xmlns:p14="http://schemas.microsoft.com/office/powerpoint/2010/main" val="1649803900"/>
+        <p14:creationId xmlns:p14="http://schemas.microsoft.com/office/powerpoint/2010/main" val="1753334808"/>
       </p:ext>
     </p:extLst>
   </p:cSld>
@@ -16782,7 +16720,11 @@
           <a:p>
             <a:r>
               <a:rPr lang="nl-NL" dirty="0" smtClean="0"/>
-              <a:t>Approach - Pre-processing</a:t>
+              <a:t>Approach - </a:t>
+            </a:r>
+            <a:r>
+              <a:rPr lang="nl-NL" dirty="0" err="1" smtClean="0"/>
+              <a:t>Methods</a:t>
             </a:r>
             <a:endParaRPr lang="nl-NL" dirty="0"/>
           </a:p>
@@ -16810,7 +16752,7 @@
     </p:spTree>
     <p:extLst>
       <p:ext uri="{BB962C8B-B14F-4D97-AF65-F5344CB8AC3E}">
-        <p14:creationId xmlns:p14="http://schemas.microsoft.com/office/powerpoint/2010/main" val="1753334808"/>
+        <p14:creationId xmlns:p14="http://schemas.microsoft.com/office/powerpoint/2010/main" val="2768329112"/>
       </p:ext>
     </p:extLst>
   </p:cSld>
@@ -16863,12 +16805,8 @@
           <a:lstStyle/>
           <a:p>
             <a:r>
-              <a:rPr lang="nl-NL" dirty="0" smtClean="0"/>
-              <a:t>Approach - </a:t>
-            </a:r>
-            <a:r>
               <a:rPr lang="nl-NL" dirty="0" err="1" smtClean="0"/>
-              <a:t>Methods</a:t>
+              <a:t>Results</a:t>
             </a:r>
             <a:endParaRPr lang="nl-NL" dirty="0"/>
           </a:p>
@@ -16896,7 +16834,7 @@
     </p:spTree>
     <p:extLst>
       <p:ext uri="{BB962C8B-B14F-4D97-AF65-F5344CB8AC3E}">
-        <p14:creationId xmlns:p14="http://schemas.microsoft.com/office/powerpoint/2010/main" val="2768329112"/>
+        <p14:creationId xmlns:p14="http://schemas.microsoft.com/office/powerpoint/2010/main" val="126911451"/>
       </p:ext>
     </p:extLst>
   </p:cSld>
@@ -16948,10 +16886,6 @@
           <a:bodyPr/>
           <a:lstStyle/>
           <a:p>
-            <a:r>
-              <a:rPr lang="nl-NL" dirty="0" err="1" smtClean="0"/>
-              <a:t>Results</a:t>
-            </a:r>
             <a:endParaRPr lang="nl-NL" dirty="0"/>
           </a:p>
         </p:txBody>
@@ -16971,14 +16905,18 @@
           <a:bodyPr/>
           <a:lstStyle/>
           <a:p>
-            <a:endParaRPr lang="nl-NL"/>
+            <a:r>
+              <a:rPr lang="en-US" dirty="0"/>
+              <a:t>(discuss other things worth mentioning here)</a:t>
+            </a:r>
+            <a:endParaRPr lang="nl-NL" dirty="0"/>
           </a:p>
         </p:txBody>
       </p:sp>
     </p:spTree>
     <p:extLst>
       <p:ext uri="{BB962C8B-B14F-4D97-AF65-F5344CB8AC3E}">
-        <p14:creationId xmlns:p14="http://schemas.microsoft.com/office/powerpoint/2010/main" val="126911451"/>
+        <p14:creationId xmlns:p14="http://schemas.microsoft.com/office/powerpoint/2010/main" val="986293090"/>
       </p:ext>
     </p:extLst>
   </p:cSld>
@@ -17030,6 +16968,18 @@
           <a:bodyPr/>
           <a:lstStyle/>
           <a:p>
+            <a:r>
+              <a:rPr lang="nl-NL" dirty="0" err="1" smtClean="0"/>
+              <a:t>Further</a:t>
+            </a:r>
+            <a:r>
+              <a:rPr lang="nl-NL" dirty="0" smtClean="0"/>
+              <a:t> </a:t>
+            </a:r>
+            <a:r>
+              <a:rPr lang="nl-NL" dirty="0" err="1" smtClean="0"/>
+              <a:t>work</a:t>
+            </a:r>
             <a:endParaRPr lang="nl-NL" dirty="0"/>
           </a:p>
         </p:txBody>
@@ -17049,10 +16999,6 @@
           <a:bodyPr/>
           <a:lstStyle/>
           <a:p>
-            <a:r>
-              <a:rPr lang="en-US" dirty="0"/>
-              <a:t>(discuss other things worth mentioning here)</a:t>
-            </a:r>
             <a:endParaRPr lang="nl-NL" dirty="0"/>
           </a:p>
         </p:txBody>
@@ -17060,7 +17006,7 @@
     </p:spTree>
     <p:extLst>
       <p:ext uri="{BB962C8B-B14F-4D97-AF65-F5344CB8AC3E}">
-        <p14:creationId xmlns:p14="http://schemas.microsoft.com/office/powerpoint/2010/main" val="986293090"/>
+        <p14:creationId xmlns:p14="http://schemas.microsoft.com/office/powerpoint/2010/main" val="3234233365"/>
       </p:ext>
     </p:extLst>
   </p:cSld>
@@ -17114,15 +17060,7 @@
           <a:p>
             <a:r>
               <a:rPr lang="nl-NL" dirty="0" err="1" smtClean="0"/>
-              <a:t>Further</a:t>
-            </a:r>
-            <a:r>
-              <a:rPr lang="nl-NL" dirty="0" smtClean="0"/>
-              <a:t> </a:t>
-            </a:r>
-            <a:r>
-              <a:rPr lang="nl-NL" dirty="0" err="1" smtClean="0"/>
-              <a:t>work</a:t>
+              <a:t>Conclusion</a:t>
             </a:r>
             <a:endParaRPr lang="nl-NL" dirty="0"/>
           </a:p>
@@ -17143,14 +17081,14 @@
           <a:bodyPr/>
           <a:lstStyle/>
           <a:p>
-            <a:endParaRPr lang="nl-NL" dirty="0"/>
+            <a:endParaRPr lang="nl-NL"/>
           </a:p>
         </p:txBody>
       </p:sp>
     </p:spTree>
     <p:extLst>
       <p:ext uri="{BB962C8B-B14F-4D97-AF65-F5344CB8AC3E}">
-        <p14:creationId xmlns:p14="http://schemas.microsoft.com/office/powerpoint/2010/main" val="3234233365"/>
+        <p14:creationId xmlns:p14="http://schemas.microsoft.com/office/powerpoint/2010/main" val="3638369078"/>
       </p:ext>
     </p:extLst>
   </p:cSld>
@@ -17189,7 +17127,7 @@
       </p:grpSpPr>
       <p:sp>
         <p:nvSpPr>
-          <p:cNvPr id="2" name="Titel 1"/>
+          <p:cNvPr id="4" name="Titel 3"/>
           <p:cNvSpPr>
             <a:spLocks noGrp="1"/>
           </p:cNvSpPr>
@@ -17204,7 +17142,19 @@
           <a:p>
             <a:r>
               <a:rPr lang="nl-NL" dirty="0" err="1" smtClean="0"/>
-              <a:t>Conclusion</a:t>
+              <a:t>Sberbank</a:t>
+            </a:r>
+            <a:r>
+              <a:rPr lang="nl-NL" dirty="0" smtClean="0"/>
+              <a:t> Russian </a:t>
+            </a:r>
+            <a:r>
+              <a:rPr lang="nl-NL" dirty="0" err="1" smtClean="0"/>
+              <a:t>Housing</a:t>
+            </a:r>
+            <a:r>
+              <a:rPr lang="nl-NL" dirty="0" smtClean="0"/>
+              <a:t> Market</a:t>
             </a:r>
             <a:endParaRPr lang="nl-NL" dirty="0"/>
           </a:p>
@@ -17212,7 +17162,7 @@
       </p:sp>
       <p:sp>
         <p:nvSpPr>
-          <p:cNvPr id="3" name="Tijdelijke aanduiding voor inhoud 2"/>
+          <p:cNvPr id="5" name="Tijdelijke aanduiding voor inhoud 4"/>
           <p:cNvSpPr>
             <a:spLocks noGrp="1"/>
           </p:cNvSpPr>
@@ -17225,14 +17175,72 @@
           <a:bodyPr/>
           <a:lstStyle/>
           <a:p>
-            <a:endParaRPr lang="nl-NL"/>
+            <a:r>
+              <a:rPr lang="en-US" sz="4000" dirty="0" smtClean="0">
+                <a:latin typeface="+mj-lt"/>
+              </a:rPr>
+              <a:t>Team Classified</a:t>
+            </a:r>
+          </a:p>
+          <a:p>
+            <a:endParaRPr lang="en-US" dirty="0" smtClean="0"/>
+          </a:p>
+          <a:p>
+            <a:pPr marL="457200" indent="-457200" algn="l">
+              <a:buFont typeface="Arial" panose="020B0604020202020204" pitchFamily="34" charset="0"/>
+              <a:buChar char="•"/>
+            </a:pPr>
+            <a:r>
+              <a:rPr lang="en-US" dirty="0" smtClean="0"/>
+              <a:t>Maybe a short</a:t>
+            </a:r>
+          </a:p>
+          <a:p>
+            <a:pPr marL="457200" indent="-457200" algn="l">
+              <a:buFont typeface="Arial" panose="020B0604020202020204" pitchFamily="34" charset="0"/>
+              <a:buChar char="•"/>
+            </a:pPr>
+            <a:r>
+              <a:rPr lang="en-US" dirty="0" smtClean="0"/>
+              <a:t>Summary of stuff</a:t>
+            </a:r>
+          </a:p>
+          <a:p>
+            <a:pPr marL="457200" indent="-457200" algn="l">
+              <a:buFont typeface="Arial" panose="020B0604020202020204" pitchFamily="34" charset="0"/>
+              <a:buChar char="•"/>
+            </a:pPr>
+            <a:r>
+              <a:rPr lang="en-US" dirty="0" smtClean="0"/>
+              <a:t>Discussed</a:t>
+            </a:r>
+          </a:p>
+          <a:p>
+            <a:pPr marL="457200" indent="-457200" algn="l">
+              <a:buFont typeface="Arial" panose="020B0604020202020204" pitchFamily="34" charset="0"/>
+              <a:buChar char="•"/>
+            </a:pPr>
+            <a:endParaRPr lang="en-US" dirty="0" smtClean="0"/>
+          </a:p>
+          <a:p>
+            <a:r>
+              <a:rPr lang="en-US" dirty="0" smtClean="0"/>
+              <a:t>Thanks for your attention!</a:t>
+            </a:r>
+          </a:p>
+          <a:p>
+            <a:r>
+              <a:rPr lang="en-US" dirty="0" smtClean="0"/>
+              <a:t>Any questions?</a:t>
+            </a:r>
+            <a:endParaRPr lang="en-US" dirty="0"/>
           </a:p>
         </p:txBody>
       </p:sp>
     </p:spTree>
     <p:extLst>
       <p:ext uri="{BB962C8B-B14F-4D97-AF65-F5344CB8AC3E}">
-        <p14:creationId xmlns:p14="http://schemas.microsoft.com/office/powerpoint/2010/main" val="3638369078"/>
+        <p14:creationId xmlns:p14="http://schemas.microsoft.com/office/powerpoint/2010/main" val="2891404509"/>
       </p:ext>
     </p:extLst>
   </p:cSld>
@@ -17586,7 +17594,7 @@
   <a:extraClrSchemeLst/>
   <a:extLst>
     <a:ext uri="{05A4C25C-085E-4340-85A3-A5531E510DB2}">
-      <thm15:themeFamily xmlns:thm15="http://schemas.microsoft.com/office/thememl/2012/main" xmlns="" name="RU_Powerpoint_Sjabloon_1701_01" id="{828DFFF2-5273-C34C-ABD2-9CECC33A392B}" vid="{23D08B45-5954-D846-9929-9B0FE5D401C8}"/>
+      <thm15:themeFamily xmlns="" xmlns:thm15="http://schemas.microsoft.com/office/thememl/2012/main" name="RU_Powerpoint_Sjabloon_1701_01" id="{828DFFF2-5273-C34C-ABD2-9CECC33A392B}" vid="{23D08B45-5954-D846-9929-9B0FE5D401C8}"/>
     </a:ext>
   </a:extLst>
 </a:theme>
@@ -17926,7 +17934,7 @@
   <a:extraClrSchemeLst/>
   <a:extLst>
     <a:ext uri="{05A4C25C-085E-4340-85A3-A5531E510DB2}">
-      <thm15:themeFamily xmlns:thm15="http://schemas.microsoft.com/office/thememl/2012/main" xmlns="" name="RU_Powerpoint_Sjabloon_1701_01" id="{828DFFF2-5273-C34C-ABD2-9CECC33A392B}" vid="{74A80C64-C312-7D45-AC0F-390CF2F274F6}"/>
+      <thm15:themeFamily xmlns="" xmlns:thm15="http://schemas.microsoft.com/office/thememl/2012/main" name="RU_Powerpoint_Sjabloon_1701_01" id="{828DFFF2-5273-C34C-ABD2-9CECC33A392B}" vid="{74A80C64-C312-7D45-AC0F-390CF2F274F6}"/>
     </a:ext>
   </a:extLst>
 </a:theme>
@@ -18266,7 +18274,7 @@
   <a:extraClrSchemeLst/>
   <a:extLst>
     <a:ext uri="{05A4C25C-085E-4340-85A3-A5531E510DB2}">
-      <thm15:themeFamily xmlns:thm15="http://schemas.microsoft.com/office/thememl/2012/main" xmlns="" name="RU_Powerpoint_Sjabloon_1701_01" id="{828DFFF2-5273-C34C-ABD2-9CECC33A392B}" vid="{D9D59CB7-FFB0-994D-A0FE-D55D805C5F99}"/>
+      <thm15:themeFamily xmlns="" xmlns:thm15="http://schemas.microsoft.com/office/thememl/2012/main" name="RU_Powerpoint_Sjabloon_1701_01" id="{828DFFF2-5273-C34C-ABD2-9CECC33A392B}" vid="{D9D59CB7-FFB0-994D-A0FE-D55D805C5F99}"/>
     </a:ext>
   </a:extLst>
 </a:theme>
@@ -18606,7 +18614,7 @@
   <a:extraClrSchemeLst/>
   <a:extLst>
     <a:ext uri="{05A4C25C-085E-4340-85A3-A5531E510DB2}">
-      <thm15:themeFamily xmlns:thm15="http://schemas.microsoft.com/office/thememl/2012/main" xmlns="" name="RU_Powerpoint_Sjabloon_1701_01" id="{828DFFF2-5273-C34C-ABD2-9CECC33A392B}" vid="{D9D59CB7-FFB0-994D-A0FE-D55D805C5F99}"/>
+      <thm15:themeFamily xmlns="" xmlns:thm15="http://schemas.microsoft.com/office/thememl/2012/main" name="RU_Powerpoint_Sjabloon_1701_01" id="{828DFFF2-5273-C34C-ABD2-9CECC33A392B}" vid="{D9D59CB7-FFB0-994D-A0FE-D55D805C5F99}"/>
     </a:ext>
   </a:extLst>
 </a:theme>

--- a/presentatie/Classified_MLiP_final_presentation_2.pptx
+++ b/presentatie/Classified_MLiP_final_presentation_2.pptx
@@ -8,21 +8,23 @@
     <p:sldMasterId id="2147483722" r:id="rId4"/>
   </p:sldMasterIdLst>
   <p:notesMasterIdLst>
-    <p:notesMasterId r:id="rId14"/>
+    <p:notesMasterId r:id="rId16"/>
   </p:notesMasterIdLst>
   <p:handoutMasterIdLst>
-    <p:handoutMasterId r:id="rId15"/>
+    <p:handoutMasterId r:id="rId17"/>
   </p:handoutMasterIdLst>
   <p:sldIdLst>
     <p:sldId id="376" r:id="rId5"/>
     <p:sldId id="377" r:id="rId6"/>
-    <p:sldId id="379" r:id="rId7"/>
-    <p:sldId id="380" r:id="rId8"/>
-    <p:sldId id="381" r:id="rId9"/>
-    <p:sldId id="382" r:id="rId10"/>
-    <p:sldId id="383" r:id="rId11"/>
-    <p:sldId id="384" r:id="rId12"/>
-    <p:sldId id="385" r:id="rId13"/>
+    <p:sldId id="387" r:id="rId7"/>
+    <p:sldId id="379" r:id="rId8"/>
+    <p:sldId id="386" r:id="rId9"/>
+    <p:sldId id="380" r:id="rId10"/>
+    <p:sldId id="381" r:id="rId11"/>
+    <p:sldId id="382" r:id="rId12"/>
+    <p:sldId id="383" r:id="rId13"/>
+    <p:sldId id="384" r:id="rId14"/>
+    <p:sldId id="385" r:id="rId15"/>
   </p:sldIdLst>
   <p:sldSz cx="13003213" cy="9756775"/>
   <p:notesSz cx="6858000" cy="9144000"/>
@@ -153,7 +155,7 @@
   </p:defaultTextStyle>
   <p:extLst>
     <p:ext uri="{EFAFB233-063F-42B5-8137-9DF3F51BA10A}">
-      <p15:sldGuideLst xmlns="" xmlns:p15="http://schemas.microsoft.com/office/powerpoint/2012/main">
+      <p15:sldGuideLst xmlns:p15="http://schemas.microsoft.com/office/powerpoint/2012/main" xmlns="">
         <p15:guide id="1" orient="horz" pos="3073">
           <p15:clr>
             <a:srgbClr val="A4A3A4"/>
@@ -167,7 +169,7 @@
       </p15:sldGuideLst>
     </p:ext>
     <p:ext uri="{2D200454-40CA-4A62-9FC3-DE9A4176ACB9}">
-      <p15:notesGuideLst xmlns="" xmlns:p15="http://schemas.microsoft.com/office/powerpoint/2012/main">
+      <p15:notesGuideLst xmlns:p15="http://schemas.microsoft.com/office/powerpoint/2012/main" xmlns="">
         <p15:guide id="1" orient="horz" pos="2880">
           <p15:clr>
             <a:srgbClr val="A4A3A4"/>
@@ -289,7 +291,7 @@
             <a:fld id="{17A39E9D-B438-D94D-AF2A-93757548558C}" type="datetime1">
               <a:rPr lang="nl-NL" altLang="nl-NL"/>
               <a:pPr/>
-              <a:t>13-6-2017</a:t>
+              <a:t>19-6-2017</a:t>
             </a:fld>
             <a:endParaRPr lang="nl-NL" altLang="nl-NL"/>
           </a:p>
@@ -501,7 +503,7 @@
             <a:fld id="{3AA95554-0BC3-EC48-BCE0-DB850053191D}" type="datetime1">
               <a:rPr lang="nl-NL" altLang="nl-NL"/>
               <a:pPr/>
-              <a:t>13-6-2017</a:t>
+              <a:t>19-6-2017</a:t>
             </a:fld>
             <a:endParaRPr lang="nl-NL" altLang="nl-NL"/>
           </a:p>
@@ -932,6 +934,67 @@
 </p:notes>
 </file>
 
+<file path=ppt/notesSlides/notesSlide2.xml><?xml version="1.0" encoding="utf-8"?>
+<p:notes xmlns:a="http://schemas.openxmlformats.org/drawingml/2006/main" xmlns:r="http://schemas.openxmlformats.org/officeDocument/2006/relationships" xmlns:p="http://schemas.openxmlformats.org/presentationml/2006/main">
+  <p:cSld>
+    <p:spTree>
+      <p:nvGrpSpPr>
+        <p:cNvPr id="1" name=""/>
+        <p:cNvGrpSpPr/>
+        <p:nvPr/>
+      </p:nvGrpSpPr>
+      <p:grpSpPr>
+        <a:xfrm>
+          <a:off x="0" y="0"/>
+          <a:ext cx="0" cy="0"/>
+          <a:chOff x="0" y="0"/>
+          <a:chExt cx="0" cy="0"/>
+        </a:xfrm>
+      </p:grpSpPr>
+      <p:sp>
+        <p:nvSpPr>
+          <p:cNvPr id="2" name="Tijdelijke aanduiding voor dia-afbeelding 1"/>
+          <p:cNvSpPr>
+            <a:spLocks noGrp="1" noRot="1" noChangeAspect="1"/>
+          </p:cNvSpPr>
+          <p:nvPr>
+            <p:ph type="sldImg"/>
+          </p:nvPr>
+        </p:nvSpPr>
+        <p:spPr/>
+      </p:sp>
+      <p:sp>
+        <p:nvSpPr>
+          <p:cNvPr id="3" name="Tijdelijke aanduiding voor notities 2"/>
+          <p:cNvSpPr>
+            <a:spLocks noGrp="1"/>
+          </p:cNvSpPr>
+          <p:nvPr>
+            <p:ph type="body" idx="1"/>
+          </p:nvPr>
+        </p:nvSpPr>
+        <p:spPr/>
+        <p:txBody>
+          <a:bodyPr/>
+          <a:lstStyle/>
+          <a:p>
+            <a:endParaRPr lang="nl-NL" dirty="0"/>
+          </a:p>
+        </p:txBody>
+      </p:sp>
+    </p:spTree>
+    <p:extLst>
+      <p:ext uri="{BB962C8B-B14F-4D97-AF65-F5344CB8AC3E}">
+        <p14:creationId xmlns:p14="http://schemas.microsoft.com/office/powerpoint/2010/main" val="1220208074"/>
+      </p:ext>
+    </p:extLst>
+  </p:cSld>
+  <p:clrMapOvr>
+    <a:masterClrMapping/>
+  </p:clrMapOvr>
+</p:notes>
+</file>
+
 <file path=ppt/slideLayouts/slideLayout1.xml><?xml version="1.0" encoding="utf-8"?>
 <p:sldLayout xmlns:a="http://schemas.openxmlformats.org/drawingml/2006/main" xmlns:r="http://schemas.openxmlformats.org/officeDocument/2006/relationships" xmlns:p="http://schemas.openxmlformats.org/presentationml/2006/main" preserve="1" userDrawn="1">
   <p:cSld name="NL_tekst">
@@ -1136,7 +1199,7 @@
           <a:p>
             <a:fld id="{9E1ED08B-741D-9E48-95DA-82644AB503BC}" type="datetime1">
               <a:rPr lang="nl-NL" altLang="nl-NL" smtClean="0"/>
-              <a:t>13-6-2017</a:t>
+              <a:t>19-6-2017</a:t>
             </a:fld>
             <a:endParaRPr lang="nl-NL" altLang="nl-NL"/>
           </a:p>
@@ -1615,7 +1678,7 @@
           <a:p>
             <a:fld id="{9E1ED08B-741D-9E48-95DA-82644AB503BC}" type="datetime1">
               <a:rPr lang="nl-NL" altLang="nl-NL" smtClean="0"/>
-              <a:t>13-6-2017</a:t>
+              <a:t>19-6-2017</a:t>
             </a:fld>
             <a:endParaRPr lang="nl-NL" altLang="nl-NL"/>
           </a:p>
@@ -1902,7 +1965,7 @@
           <a:p>
             <a:fld id="{608F782F-1D95-9A4C-AD3D-D316CA9BDFD5}" type="datetime1">
               <a:rPr lang="nl-NL" altLang="nl-NL" smtClean="0"/>
-              <a:t>13-6-2017</a:t>
+              <a:t>19-6-2017</a:t>
             </a:fld>
             <a:endParaRPr lang="nl-NL" altLang="nl-NL"/>
           </a:p>
@@ -2219,7 +2282,7 @@
           <a:p>
             <a:fld id="{418C17E9-359A-1148-9DEA-7F27ED0F3E46}" type="datetime1">
               <a:rPr lang="nl-NL" altLang="nl-NL" smtClean="0"/>
-              <a:t>13-6-2017</a:t>
+              <a:t>19-6-2017</a:t>
             </a:fld>
             <a:endParaRPr lang="nl-NL" altLang="nl-NL"/>
           </a:p>
@@ -2482,7 +2545,7 @@
           <a:p>
             <a:fld id="{CF8B8386-A974-FF4E-BD29-537F8262CB7C}" type="datetime1">
               <a:rPr lang="nl-NL" altLang="nl-NL" smtClean="0"/>
-              <a:t>13-6-2017</a:t>
+              <a:t>19-6-2017</a:t>
             </a:fld>
             <a:endParaRPr lang="nl-NL" altLang="nl-NL"/>
           </a:p>
@@ -2775,7 +2838,7 @@
           <a:p>
             <a:fld id="{ACBE605D-6213-F84A-AE4E-12C54CCD99AB}" type="datetime1">
               <a:rPr lang="nl-NL" altLang="nl-NL" smtClean="0"/>
-              <a:t>13-6-2017</a:t>
+              <a:t>19-6-2017</a:t>
             </a:fld>
             <a:endParaRPr lang="nl-NL" altLang="nl-NL"/>
           </a:p>
@@ -3038,7 +3101,7 @@
           <a:p>
             <a:fld id="{A87A5597-2394-0B4C-AF7E-484AD05A228C}" type="datetime1">
               <a:rPr lang="nl-NL" altLang="nl-NL" smtClean="0"/>
-              <a:t>13-6-2017</a:t>
+              <a:t>19-6-2017</a:t>
             </a:fld>
             <a:endParaRPr lang="nl-NL" altLang="nl-NL"/>
           </a:p>
@@ -3331,7 +3394,7 @@
           <a:p>
             <a:fld id="{ACBE605D-6213-F84A-AE4E-12C54CCD99AB}" type="datetime1">
               <a:rPr lang="nl-NL" altLang="nl-NL" smtClean="0"/>
-              <a:t>13-6-2017</a:t>
+              <a:t>19-6-2017</a:t>
             </a:fld>
             <a:endParaRPr lang="nl-NL" altLang="nl-NL"/>
           </a:p>
@@ -3594,7 +3657,7 @@
           <a:p>
             <a:fld id="{A87A5597-2394-0B4C-AF7E-484AD05A228C}" type="datetime1">
               <a:rPr lang="nl-NL" altLang="nl-NL" smtClean="0"/>
-              <a:t>13-6-2017</a:t>
+              <a:t>19-6-2017</a:t>
             </a:fld>
             <a:endParaRPr lang="nl-NL" altLang="nl-NL"/>
           </a:p>
@@ -3887,7 +3950,7 @@
           <a:p>
             <a:fld id="{37831E05-92AA-4C47-B967-94E2C38C4046}" type="datetime1">
               <a:rPr lang="nl-NL" altLang="nl-NL" smtClean="0"/>
-              <a:t>13-6-2017</a:t>
+              <a:t>19-6-2017</a:t>
             </a:fld>
             <a:endParaRPr lang="nl-NL" altLang="nl-NL"/>
           </a:p>
@@ -4193,7 +4256,7 @@
           <a:p>
             <a:fld id="{608F782F-1D95-9A4C-AD3D-D316CA9BDFD5}" type="datetime1">
               <a:rPr lang="nl-NL" altLang="nl-NL" smtClean="0"/>
-              <a:t>13-6-2017</a:t>
+              <a:t>19-6-2017</a:t>
             </a:fld>
             <a:endParaRPr lang="nl-NL" altLang="nl-NL"/>
           </a:p>
@@ -4559,7 +4622,7 @@
           <a:p>
             <a:fld id="{4C70BFCD-0652-514D-9DB7-4DCBE1BFC73D}" type="datetime1">
               <a:rPr lang="nl-NL" altLang="nl-NL" smtClean="0"/>
-              <a:t>13-6-2017</a:t>
+              <a:t>19-6-2017</a:t>
             </a:fld>
             <a:endParaRPr lang="nl-NL" altLang="nl-NL"/>
           </a:p>
@@ -4735,7 +4798,7 @@
           <a:p>
             <a:fld id="{46CB0545-8C00-A544-A88F-C33FBC7A7630}" type="datetime1">
               <a:rPr lang="nl-NL" altLang="nl-NL" smtClean="0"/>
-              <a:t>13-6-2017</a:t>
+              <a:t>19-6-2017</a:t>
             </a:fld>
             <a:endParaRPr lang="nl-NL" altLang="nl-NL"/>
           </a:p>
@@ -5218,7 +5281,7 @@
           <a:p>
             <a:fld id="{98F94D7E-F237-6D4A-B01C-0BC3B0DEBA43}" type="datetime1">
               <a:rPr lang="nl-NL" altLang="nl-NL" smtClean="0"/>
-              <a:t>13-6-2017</a:t>
+              <a:t>19-6-2017</a:t>
             </a:fld>
             <a:endParaRPr lang="nl-NL" altLang="nl-NL"/>
           </a:p>
@@ -5394,7 +5457,7 @@
           <a:p>
             <a:fld id="{F1AF568A-CC5B-A143-99CE-FD1A1EA55BBF}" type="datetime1">
               <a:rPr lang="nl-NL" altLang="nl-NL" smtClean="0"/>
-              <a:t>13-6-2017</a:t>
+              <a:t>19-6-2017</a:t>
             </a:fld>
             <a:endParaRPr lang="nl-NL" altLang="nl-NL"/>
           </a:p>
@@ -5877,7 +5940,7 @@
           <a:p>
             <a:fld id="{2F16CF90-EC29-5643-A08A-299EE863C059}" type="datetime1">
               <a:rPr lang="nl-NL" altLang="nl-NL" smtClean="0"/>
-              <a:t>13-6-2017</a:t>
+              <a:t>19-6-2017</a:t>
             </a:fld>
             <a:endParaRPr lang="nl-NL" altLang="nl-NL"/>
           </a:p>
@@ -6053,7 +6116,7 @@
           <a:p>
             <a:fld id="{84516684-1511-F141-8022-D870829764D0}" type="datetime1">
               <a:rPr lang="nl-NL" altLang="nl-NL" smtClean="0"/>
-              <a:t>13-6-2017</a:t>
+              <a:t>19-6-2017</a:t>
             </a:fld>
             <a:endParaRPr lang="nl-NL" altLang="nl-NL"/>
           </a:p>
@@ -6482,7 +6545,7 @@
           <a:p>
             <a:fld id="{2F16CF90-EC29-5643-A08A-299EE863C059}" type="datetime1">
               <a:rPr lang="nl-NL" altLang="nl-NL" smtClean="0"/>
-              <a:t>13-6-2017</a:t>
+              <a:t>19-6-2017</a:t>
             </a:fld>
             <a:endParaRPr lang="nl-NL" altLang="nl-NL"/>
           </a:p>
@@ -6688,7 +6751,7 @@
           <a:p>
             <a:fld id="{84516684-1511-F141-8022-D870829764D0}" type="datetime1">
               <a:rPr lang="nl-NL" altLang="nl-NL" smtClean="0"/>
-              <a:t>13-6-2017</a:t>
+              <a:t>19-6-2017</a:t>
             </a:fld>
             <a:endParaRPr lang="nl-NL" altLang="nl-NL"/>
           </a:p>
@@ -7093,7 +7156,7 @@
           <a:p>
             <a:fld id="{2F16CF90-EC29-5643-A08A-299EE863C059}" type="datetime1">
               <a:rPr lang="nl-NL" altLang="nl-NL" smtClean="0"/>
-              <a:t>13-6-2017</a:t>
+              <a:t>19-6-2017</a:t>
             </a:fld>
             <a:endParaRPr lang="nl-NL" altLang="nl-NL"/>
           </a:p>
@@ -7419,7 +7482,7 @@
           <a:p>
             <a:fld id="{84516684-1511-F141-8022-D870829764D0}" type="datetime1">
               <a:rPr lang="nl-NL" altLang="nl-NL" smtClean="0"/>
-              <a:t>13-6-2017</a:t>
+              <a:t>19-6-2017</a:t>
             </a:fld>
             <a:endParaRPr lang="nl-NL" altLang="nl-NL"/>
           </a:p>
@@ -7798,7 +7861,7 @@
           <a:p>
             <a:fld id="{418C17E9-359A-1148-9DEA-7F27ED0F3E46}" type="datetime1">
               <a:rPr lang="nl-NL" altLang="nl-NL" smtClean="0"/>
-              <a:t>13-6-2017</a:t>
+              <a:t>19-6-2017</a:t>
             </a:fld>
             <a:endParaRPr lang="nl-NL" altLang="nl-NL"/>
           </a:p>
@@ -8155,7 +8218,7 @@
                 </a:solidFill>
               </a:rPr>
               <a:pPr/>
-              <a:t>13-6-2017</a:t>
+              <a:t>19-6-2017</a:t>
             </a:fld>
             <a:endParaRPr lang="nl-NL" altLang="nl-NL">
               <a:solidFill>
@@ -8356,7 +8419,7 @@
                 </a:solidFill>
               </a:rPr>
               <a:pPr/>
-              <a:t>13-6-2017</a:t>
+              <a:t>19-6-2017</a:t>
             </a:fld>
             <a:endParaRPr lang="nl-NL" altLang="nl-NL">
               <a:solidFill>
@@ -8864,7 +8927,7 @@
                 </a:solidFill>
               </a:rPr>
               <a:pPr/>
-              <a:t>13-6-2017</a:t>
+              <a:t>19-6-2017</a:t>
             </a:fld>
             <a:endParaRPr lang="nl-NL" altLang="nl-NL">
               <a:solidFill>
@@ -9065,7 +9128,7 @@
                 </a:solidFill>
               </a:rPr>
               <a:pPr/>
-              <a:t>13-6-2017</a:t>
+              <a:t>19-6-2017</a:t>
             </a:fld>
             <a:endParaRPr lang="nl-NL" altLang="nl-NL">
               <a:solidFill>
@@ -9573,7 +9636,7 @@
                 </a:solidFill>
               </a:rPr>
               <a:pPr/>
-              <a:t>13-6-2017</a:t>
+              <a:t>19-6-2017</a:t>
             </a:fld>
             <a:endParaRPr lang="nl-NL" altLang="nl-NL">
               <a:solidFill>
@@ -9774,7 +9837,7 @@
                 </a:solidFill>
               </a:rPr>
               <a:pPr/>
-              <a:t>13-6-2017</a:t>
+              <a:t>19-6-2017</a:t>
             </a:fld>
             <a:endParaRPr lang="nl-NL" altLang="nl-NL">
               <a:solidFill>
@@ -10228,7 +10291,7 @@
                 </a:solidFill>
               </a:rPr>
               <a:pPr/>
-              <a:t>13-6-2017</a:t>
+              <a:t>19-6-2017</a:t>
             </a:fld>
             <a:endParaRPr lang="nl-NL" altLang="nl-NL">
               <a:solidFill>
@@ -10459,7 +10522,7 @@
                 </a:solidFill>
               </a:rPr>
               <a:pPr/>
-              <a:t>13-6-2017</a:t>
+              <a:t>19-6-2017</a:t>
             </a:fld>
             <a:endParaRPr lang="nl-NL" altLang="nl-NL">
               <a:solidFill>
@@ -10889,7 +10952,7 @@
                 </a:solidFill>
               </a:rPr>
               <a:pPr/>
-              <a:t>13-6-2017</a:t>
+              <a:t>19-6-2017</a:t>
             </a:fld>
             <a:endParaRPr lang="nl-NL" altLang="nl-NL">
               <a:solidFill>
@@ -11244,7 +11307,7 @@
                 </a:solidFill>
               </a:rPr>
               <a:pPr/>
-              <a:t>13-6-2017</a:t>
+              <a:t>19-6-2017</a:t>
             </a:fld>
             <a:endParaRPr lang="nl-NL" altLang="nl-NL">
               <a:solidFill>
@@ -11627,7 +11690,7 @@
           <a:p>
             <a:fld id="{CF8B8386-A974-FF4E-BD29-537F8262CB7C}" type="datetime1">
               <a:rPr lang="nl-NL" altLang="nl-NL" smtClean="0"/>
-              <a:t>13-6-2017</a:t>
+              <a:t>19-6-2017</a:t>
             </a:fld>
             <a:endParaRPr lang="nl-NL" altLang="nl-NL"/>
           </a:p>
@@ -11996,7 +12059,7 @@
           <a:p>
             <a:fld id="{ACBE605D-6213-F84A-AE4E-12C54CCD99AB}" type="datetime1">
               <a:rPr lang="nl-NL" altLang="nl-NL" smtClean="0"/>
-              <a:t>13-6-2017</a:t>
+              <a:t>19-6-2017</a:t>
             </a:fld>
             <a:endParaRPr lang="nl-NL" altLang="nl-NL"/>
           </a:p>
@@ -12229,7 +12292,7 @@
           <a:p>
             <a:fld id="{A87A5597-2394-0B4C-AF7E-484AD05A228C}" type="datetime1">
               <a:rPr lang="nl-NL" altLang="nl-NL" smtClean="0"/>
-              <a:t>13-6-2017</a:t>
+              <a:t>19-6-2017</a:t>
             </a:fld>
             <a:endParaRPr lang="nl-NL" altLang="nl-NL"/>
           </a:p>
@@ -12545,7 +12608,7 @@
           <a:p>
             <a:fld id="{ACBE605D-6213-F84A-AE4E-12C54CCD99AB}" type="datetime1">
               <a:rPr lang="nl-NL" altLang="nl-NL" smtClean="0"/>
-              <a:t>13-6-2017</a:t>
+              <a:t>19-6-2017</a:t>
             </a:fld>
             <a:endParaRPr lang="nl-NL" altLang="nl-NL"/>
           </a:p>
@@ -12808,7 +12871,7 @@
           <a:p>
             <a:fld id="{A87A5597-2394-0B4C-AF7E-484AD05A228C}" type="datetime1">
               <a:rPr lang="nl-NL" altLang="nl-NL" smtClean="0"/>
-              <a:t>13-6-2017</a:t>
+              <a:t>19-6-2017</a:t>
             </a:fld>
             <a:endParaRPr lang="nl-NL" altLang="nl-NL"/>
           </a:p>
@@ -13101,7 +13164,7 @@
           <a:p>
             <a:fld id="{37831E05-92AA-4C47-B967-94E2C38C4046}" type="datetime1">
               <a:rPr lang="nl-NL" altLang="nl-NL" smtClean="0"/>
-              <a:t>13-6-2017</a:t>
+              <a:t>19-6-2017</a:t>
             </a:fld>
             <a:endParaRPr lang="nl-NL" altLang="nl-NL"/>
           </a:p>
@@ -13269,7 +13332,7 @@
               </a14:hiddenLine>
             </a:ext>
             <a:ext uri="{FAA26D3D-D897-4be2-8F04-BA451C77F1D7}">
-              <ma14:placeholderFlag xmlns:ma14="http://schemas.microsoft.com/office/mac/drawingml/2011/main" xmlns="" val="1"/>
+              <ma14:placeholderFlag xmlns="" xmlns:ma14="http://schemas.microsoft.com/office/mac/drawingml/2011/main" val="1"/>
             </a:ext>
           </a:extLst>
         </p:spPr>
@@ -13330,7 +13393,7 @@
               </a14:hiddenLine>
             </a:ext>
             <a:ext uri="{FAA26D3D-D897-4be2-8F04-BA451C77F1D7}">
-              <ma14:placeholderFlag xmlns:ma14="http://schemas.microsoft.com/office/mac/drawingml/2011/main" xmlns="" val="1"/>
+              <ma14:placeholderFlag xmlns="" xmlns:ma14="http://schemas.microsoft.com/office/mac/drawingml/2011/main" val="1"/>
             </a:ext>
           </a:extLst>
         </p:spPr>
@@ -13515,7 +13578,7 @@
           <a:p>
             <a:fld id="{B3873A8C-A209-FC40-86BC-D3E9A671FD81}" type="datetime1">
               <a:rPr lang="nl-NL" altLang="nl-NL" smtClean="0"/>
-              <a:t>13-6-2017</a:t>
+              <a:t>19-6-2017</a:t>
             </a:fld>
             <a:endParaRPr lang="nl-NL" altLang="nl-NL" dirty="0"/>
           </a:p>
@@ -14053,7 +14116,7 @@
               </a14:hiddenLine>
             </a:ext>
             <a:ext uri="{FAA26D3D-D897-4be2-8F04-BA451C77F1D7}">
-              <ma14:placeholderFlag xmlns:ma14="http://schemas.microsoft.com/office/mac/drawingml/2011/main" xmlns="" val="1"/>
+              <ma14:placeholderFlag xmlns="" xmlns:ma14="http://schemas.microsoft.com/office/mac/drawingml/2011/main" val="1"/>
             </a:ext>
           </a:extLst>
         </p:spPr>
@@ -14114,7 +14177,7 @@
               </a14:hiddenLine>
             </a:ext>
             <a:ext uri="{FAA26D3D-D897-4be2-8F04-BA451C77F1D7}">
-              <ma14:placeholderFlag xmlns:ma14="http://schemas.microsoft.com/office/mac/drawingml/2011/main" xmlns="" val="1"/>
+              <ma14:placeholderFlag xmlns="" xmlns:ma14="http://schemas.microsoft.com/office/mac/drawingml/2011/main" val="1"/>
             </a:ext>
           </a:extLst>
         </p:spPr>
@@ -14300,7 +14363,7 @@
             <a:fld id="{B3873A8C-A209-FC40-86BC-D3E9A671FD81}" type="datetime1">
               <a:rPr lang="nl-NL" altLang="nl-NL" smtClean="0"/>
               <a:pPr/>
-              <a:t>13-6-2017</a:t>
+              <a:t>19-6-2017</a:t>
             </a:fld>
             <a:endParaRPr lang="nl-NL" altLang="nl-NL" dirty="0"/>
           </a:p>
@@ -14799,7 +14862,7 @@
               </a14:hiddenLine>
             </a:ext>
             <a:ext uri="{FAA26D3D-D897-4be2-8F04-BA451C77F1D7}">
-              <ma14:placeholderFlag xmlns:ma14="http://schemas.microsoft.com/office/mac/drawingml/2011/main" xmlns="" val="1"/>
+              <ma14:placeholderFlag xmlns="" xmlns:ma14="http://schemas.microsoft.com/office/mac/drawingml/2011/main" val="1"/>
             </a:ext>
           </a:extLst>
         </p:spPr>
@@ -14860,7 +14923,7 @@
               </a14:hiddenLine>
             </a:ext>
             <a:ext uri="{FAA26D3D-D897-4be2-8F04-BA451C77F1D7}">
-              <ma14:placeholderFlag xmlns:ma14="http://schemas.microsoft.com/office/mac/drawingml/2011/main" xmlns="" val="1"/>
+              <ma14:placeholderFlag xmlns="" xmlns:ma14="http://schemas.microsoft.com/office/mac/drawingml/2011/main" val="1"/>
             </a:ext>
           </a:extLst>
         </p:spPr>
@@ -15037,7 +15100,7 @@
           <a:p>
             <a:fld id="{FB5CF2AB-20FF-5442-9E53-3C6EDD7FBCEA}" type="datetime1">
               <a:rPr lang="nl-NL" altLang="nl-NL" smtClean="0"/>
-              <a:t>13-6-2017</a:t>
+              <a:t>19-6-2017</a:t>
             </a:fld>
             <a:endParaRPr lang="nl-NL" altLang="nl-NL" dirty="0"/>
           </a:p>
@@ -15568,7 +15631,7 @@
               </a14:hiddenLine>
             </a:ext>
             <a:ext uri="{FAA26D3D-D897-4be2-8F04-BA451C77F1D7}">
-              <ma14:placeholderFlag xmlns:ma14="http://schemas.microsoft.com/office/mac/drawingml/2011/main" xmlns="" val="1"/>
+              <ma14:placeholderFlag xmlns="" xmlns:ma14="http://schemas.microsoft.com/office/mac/drawingml/2011/main" val="1"/>
             </a:ext>
           </a:extLst>
         </p:spPr>
@@ -15629,7 +15692,7 @@
               </a14:hiddenLine>
             </a:ext>
             <a:ext uri="{FAA26D3D-D897-4be2-8F04-BA451C77F1D7}">
-              <ma14:placeholderFlag xmlns:ma14="http://schemas.microsoft.com/office/mac/drawingml/2011/main" xmlns="" val="1"/>
+              <ma14:placeholderFlag xmlns="" xmlns:ma14="http://schemas.microsoft.com/office/mac/drawingml/2011/main" val="1"/>
             </a:ext>
           </a:extLst>
         </p:spPr>
@@ -15823,7 +15886,7 @@
                 </a:solidFill>
               </a:rPr>
               <a:pPr/>
-              <a:t>13-6-2017</a:t>
+              <a:t>19-6-2017</a:t>
             </a:fld>
             <a:endParaRPr lang="nl-NL" altLang="nl-NL" dirty="0">
               <a:solidFill>
@@ -16456,6 +16519,240 @@
 </p:sld>
 </file>
 
+<file path=ppt/slides/slide10.xml><?xml version="1.0" encoding="utf-8"?>
+<p:sld xmlns:a="http://schemas.openxmlformats.org/drawingml/2006/main" xmlns:r="http://schemas.openxmlformats.org/officeDocument/2006/relationships" xmlns:p="http://schemas.openxmlformats.org/presentationml/2006/main">
+  <p:cSld>
+    <p:spTree>
+      <p:nvGrpSpPr>
+        <p:cNvPr id="1" name=""/>
+        <p:cNvGrpSpPr/>
+        <p:nvPr/>
+      </p:nvGrpSpPr>
+      <p:grpSpPr>
+        <a:xfrm>
+          <a:off x="0" y="0"/>
+          <a:ext cx="0" cy="0"/>
+          <a:chOff x="0" y="0"/>
+          <a:chExt cx="0" cy="0"/>
+        </a:xfrm>
+      </p:grpSpPr>
+      <p:sp>
+        <p:nvSpPr>
+          <p:cNvPr id="2" name="Titel 1"/>
+          <p:cNvSpPr>
+            <a:spLocks noGrp="1"/>
+          </p:cNvSpPr>
+          <p:nvPr>
+            <p:ph type="title"/>
+          </p:nvPr>
+        </p:nvSpPr>
+        <p:spPr/>
+        <p:txBody>
+          <a:bodyPr/>
+          <a:lstStyle/>
+          <a:p>
+            <a:r>
+              <a:rPr lang="nl-NL" dirty="0" err="1" smtClean="0"/>
+              <a:t>Conclusion</a:t>
+            </a:r>
+            <a:endParaRPr lang="nl-NL" dirty="0"/>
+          </a:p>
+        </p:txBody>
+      </p:sp>
+      <p:sp>
+        <p:nvSpPr>
+          <p:cNvPr id="3" name="Tijdelijke aanduiding voor inhoud 2"/>
+          <p:cNvSpPr>
+            <a:spLocks noGrp="1"/>
+          </p:cNvSpPr>
+          <p:nvPr>
+            <p:ph idx="1"/>
+          </p:nvPr>
+        </p:nvSpPr>
+        <p:spPr/>
+        <p:txBody>
+          <a:bodyPr/>
+          <a:lstStyle/>
+          <a:p>
+            <a:endParaRPr lang="nl-NL"/>
+          </a:p>
+        </p:txBody>
+      </p:sp>
+    </p:spTree>
+    <p:extLst>
+      <p:ext uri="{BB962C8B-B14F-4D97-AF65-F5344CB8AC3E}">
+        <p14:creationId xmlns:p14="http://schemas.microsoft.com/office/powerpoint/2010/main" val="3638369078"/>
+      </p:ext>
+    </p:extLst>
+  </p:cSld>
+  <p:clrMapOvr>
+    <a:masterClrMapping/>
+  </p:clrMapOvr>
+  <p:transition spd="med">
+    <p:fade/>
+  </p:transition>
+  <p:timing>
+    <p:tnLst>
+      <p:par>
+        <p:cTn id="1" dur="indefinite" restart="never" nodeType="tmRoot"/>
+      </p:par>
+    </p:tnLst>
+  </p:timing>
+</p:sld>
+</file>
+
+<file path=ppt/slides/slide11.xml><?xml version="1.0" encoding="utf-8"?>
+<p:sld xmlns:a="http://schemas.openxmlformats.org/drawingml/2006/main" xmlns:r="http://schemas.openxmlformats.org/officeDocument/2006/relationships" xmlns:p="http://schemas.openxmlformats.org/presentationml/2006/main">
+  <p:cSld>
+    <p:spTree>
+      <p:nvGrpSpPr>
+        <p:cNvPr id="1" name=""/>
+        <p:cNvGrpSpPr/>
+        <p:nvPr/>
+      </p:nvGrpSpPr>
+      <p:grpSpPr>
+        <a:xfrm>
+          <a:off x="0" y="0"/>
+          <a:ext cx="0" cy="0"/>
+          <a:chOff x="0" y="0"/>
+          <a:chExt cx="0" cy="0"/>
+        </a:xfrm>
+      </p:grpSpPr>
+      <p:sp>
+        <p:nvSpPr>
+          <p:cNvPr id="4" name="Titel 3"/>
+          <p:cNvSpPr>
+            <a:spLocks noGrp="1"/>
+          </p:cNvSpPr>
+          <p:nvPr>
+            <p:ph type="title"/>
+          </p:nvPr>
+        </p:nvSpPr>
+        <p:spPr/>
+        <p:txBody>
+          <a:bodyPr/>
+          <a:lstStyle/>
+          <a:p>
+            <a:r>
+              <a:rPr lang="nl-NL" dirty="0" err="1" smtClean="0"/>
+              <a:t>Sberbank</a:t>
+            </a:r>
+            <a:r>
+              <a:rPr lang="nl-NL" dirty="0" smtClean="0"/>
+              <a:t> Russian </a:t>
+            </a:r>
+            <a:r>
+              <a:rPr lang="nl-NL" dirty="0" err="1" smtClean="0"/>
+              <a:t>Housing</a:t>
+            </a:r>
+            <a:r>
+              <a:rPr lang="nl-NL" dirty="0" smtClean="0"/>
+              <a:t> Market</a:t>
+            </a:r>
+            <a:endParaRPr lang="nl-NL" dirty="0"/>
+          </a:p>
+        </p:txBody>
+      </p:sp>
+      <p:sp>
+        <p:nvSpPr>
+          <p:cNvPr id="5" name="Tijdelijke aanduiding voor inhoud 4"/>
+          <p:cNvSpPr>
+            <a:spLocks noGrp="1"/>
+          </p:cNvSpPr>
+          <p:nvPr>
+            <p:ph idx="1"/>
+          </p:nvPr>
+        </p:nvSpPr>
+        <p:spPr/>
+        <p:txBody>
+          <a:bodyPr/>
+          <a:lstStyle/>
+          <a:p>
+            <a:r>
+              <a:rPr lang="en-US" sz="4000" dirty="0" smtClean="0">
+                <a:latin typeface="+mj-lt"/>
+              </a:rPr>
+              <a:t>Team Classified</a:t>
+            </a:r>
+          </a:p>
+          <a:p>
+            <a:endParaRPr lang="en-US" dirty="0" smtClean="0"/>
+          </a:p>
+          <a:p>
+            <a:pPr marL="457200" indent="-457200" algn="l">
+              <a:buFont typeface="Arial" panose="020B0604020202020204" pitchFamily="34" charset="0"/>
+              <a:buChar char="•"/>
+            </a:pPr>
+            <a:r>
+              <a:rPr lang="en-US" dirty="0" smtClean="0"/>
+              <a:t>Maybe a short</a:t>
+            </a:r>
+          </a:p>
+          <a:p>
+            <a:pPr marL="457200" indent="-457200" algn="l">
+              <a:buFont typeface="Arial" panose="020B0604020202020204" pitchFamily="34" charset="0"/>
+              <a:buChar char="•"/>
+            </a:pPr>
+            <a:r>
+              <a:rPr lang="en-US" dirty="0" smtClean="0"/>
+              <a:t>Summary of stuff</a:t>
+            </a:r>
+          </a:p>
+          <a:p>
+            <a:pPr marL="457200" indent="-457200" algn="l">
+              <a:buFont typeface="Arial" panose="020B0604020202020204" pitchFamily="34" charset="0"/>
+              <a:buChar char="•"/>
+            </a:pPr>
+            <a:r>
+              <a:rPr lang="en-US" dirty="0" smtClean="0"/>
+              <a:t>Discussed</a:t>
+            </a:r>
+          </a:p>
+          <a:p>
+            <a:pPr marL="457200" indent="-457200" algn="l">
+              <a:buFont typeface="Arial" panose="020B0604020202020204" pitchFamily="34" charset="0"/>
+              <a:buChar char="•"/>
+            </a:pPr>
+            <a:endParaRPr lang="en-US" dirty="0" smtClean="0"/>
+          </a:p>
+          <a:p>
+            <a:r>
+              <a:rPr lang="en-US" dirty="0" smtClean="0"/>
+              <a:t>Thanks for your attention!</a:t>
+            </a:r>
+          </a:p>
+          <a:p>
+            <a:r>
+              <a:rPr lang="en-US" dirty="0" smtClean="0"/>
+              <a:t>Any questions?</a:t>
+            </a:r>
+            <a:endParaRPr lang="en-US" dirty="0"/>
+          </a:p>
+        </p:txBody>
+      </p:sp>
+    </p:spTree>
+    <p:extLst>
+      <p:ext uri="{BB962C8B-B14F-4D97-AF65-F5344CB8AC3E}">
+        <p14:creationId xmlns:p14="http://schemas.microsoft.com/office/powerpoint/2010/main" val="2891404509"/>
+      </p:ext>
+    </p:extLst>
+  </p:cSld>
+  <p:clrMapOvr>
+    <a:masterClrMapping/>
+  </p:clrMapOvr>
+  <p:transition spd="med">
+    <p:fade/>
+  </p:transition>
+  <p:timing>
+    <p:tnLst>
+      <p:par>
+        <p:cTn id="1" dur="indefinite" restart="never" nodeType="tmRoot"/>
+      </p:par>
+    </p:tnLst>
+  </p:timing>
+</p:sld>
+</file>
+
 <file path=ppt/slides/slide2.xml><?xml version="1.0" encoding="utf-8"?>
 <p:sld xmlns:a="http://schemas.openxmlformats.org/drawingml/2006/main" xmlns:r="http://schemas.openxmlformats.org/officeDocument/2006/relationships" xmlns:p="http://schemas.openxmlformats.org/presentationml/2006/main">
   <p:cSld>
@@ -16490,7 +16787,11 @@
           <a:p>
             <a:r>
               <a:rPr lang="en-US" dirty="0" smtClean="0"/>
-              <a:t>Introduction - The competition</a:t>
+              <a:t>Introduction - The </a:t>
+            </a:r>
+            <a:r>
+              <a:rPr lang="en-US" dirty="0" smtClean="0"/>
+              <a:t>competition</a:t>
             </a:r>
             <a:endParaRPr lang="en-US" dirty="0"/>
           </a:p>
@@ -16538,15 +16839,7 @@
             </a:pPr>
             <a:r>
               <a:rPr lang="en-US" dirty="0" smtClean="0"/>
-              <a:t>t</a:t>
-            </a:r>
-            <a:r>
-              <a:rPr lang="en-US" dirty="0" smtClean="0"/>
-              <a:t>rain.csv, </a:t>
-            </a:r>
-            <a:r>
-              <a:rPr lang="en-US" dirty="0" smtClean="0"/>
-              <a:t>30473 entries with information about houses/apartments</a:t>
+              <a:t>train.csv, 30473 entries with information about houses/apartments</a:t>
             </a:r>
           </a:p>
           <a:p>
@@ -16563,11 +16856,7 @@
             </a:pPr>
             <a:r>
               <a:rPr lang="en-US" dirty="0" smtClean="0"/>
-              <a:t>macro.csv, </a:t>
-            </a:r>
-            <a:r>
-              <a:rPr lang="en-US" dirty="0" smtClean="0"/>
-              <a:t>data on Russia's </a:t>
+              <a:t>macro.csv, data on Russia's </a:t>
             </a:r>
             <a:r>
               <a:rPr lang="en-US" dirty="0" err="1" smtClean="0"/>
@@ -16637,8 +16926,16 @@
           <a:lstStyle/>
           <a:p>
             <a:r>
+              <a:rPr lang="nl-NL" dirty="0" err="1" smtClean="0"/>
+              <a:t>Introduction</a:t>
+            </a:r>
+            <a:r>
               <a:rPr lang="nl-NL" dirty="0" smtClean="0"/>
-              <a:t>Approach - Pre-processing</a:t>
+              <a:t> - Data </a:t>
+            </a:r>
+            <a:r>
+              <a:rPr lang="nl-NL" dirty="0" err="1" smtClean="0"/>
+              <a:t>exploration</a:t>
             </a:r>
             <a:endParaRPr lang="nl-NL" dirty="0"/>
           </a:p>
@@ -16666,7 +16963,7 @@
     </p:spTree>
     <p:extLst>
       <p:ext uri="{BB962C8B-B14F-4D97-AF65-F5344CB8AC3E}">
-        <p14:creationId xmlns:p14="http://schemas.microsoft.com/office/powerpoint/2010/main" val="1753334808"/>
+        <p14:creationId xmlns:p14="http://schemas.microsoft.com/office/powerpoint/2010/main" val="2969730363"/>
       </p:ext>
     </p:extLst>
   </p:cSld>
@@ -16676,13 +16973,6 @@
   <p:transition spd="med">
     <p:fade/>
   </p:transition>
-  <p:timing>
-    <p:tnLst>
-      <p:par>
-        <p:cTn id="1" dur="indefinite" restart="never" nodeType="tmRoot"/>
-      </p:par>
-    </p:tnLst>
-  </p:timing>
 </p:sld>
 </file>
 
@@ -16720,11 +17010,7 @@
           <a:p>
             <a:r>
               <a:rPr lang="nl-NL" dirty="0" smtClean="0"/>
-              <a:t>Approach - </a:t>
-            </a:r>
-            <a:r>
-              <a:rPr lang="nl-NL" dirty="0" err="1" smtClean="0"/>
-              <a:t>Methods</a:t>
+              <a:t>Approach - Pre-processing</a:t>
             </a:r>
             <a:endParaRPr lang="nl-NL" dirty="0"/>
           </a:p>
@@ -16745,14 +17031,87 @@
           <a:bodyPr/>
           <a:lstStyle/>
           <a:p>
-            <a:endParaRPr lang="nl-NL"/>
+            <a:r>
+              <a:rPr lang="nl-NL" dirty="0" err="1" smtClean="0"/>
+              <a:t>Transform</a:t>
+            </a:r>
+            <a:r>
+              <a:rPr lang="nl-NL" dirty="0" smtClean="0"/>
+              <a:t> </a:t>
+            </a:r>
+            <a:r>
+              <a:rPr lang="nl-NL" dirty="0" err="1" smtClean="0"/>
+              <a:t>the</a:t>
+            </a:r>
+            <a:r>
+              <a:rPr lang="nl-NL" dirty="0" smtClean="0"/>
+              <a:t> data </a:t>
+            </a:r>
+            <a:r>
+              <a:rPr lang="nl-NL" dirty="0" err="1" smtClean="0"/>
+              <a:t>using</a:t>
+            </a:r>
+            <a:r>
+              <a:rPr lang="nl-NL" dirty="0" smtClean="0"/>
+              <a:t> </a:t>
+            </a:r>
+            <a:r>
+              <a:rPr lang="nl-NL" dirty="0" err="1" smtClean="0"/>
+              <a:t>one</a:t>
+            </a:r>
+            <a:r>
+              <a:rPr lang="nl-NL" dirty="0" smtClean="0"/>
+              <a:t>-hot </a:t>
+            </a:r>
+            <a:r>
+              <a:rPr lang="nl-NL" dirty="0" err="1" smtClean="0"/>
+              <a:t>encoding</a:t>
+            </a:r>
+            <a:r>
+              <a:rPr lang="nl-NL" dirty="0" smtClean="0"/>
+              <a:t> </a:t>
+            </a:r>
+            <a:r>
+              <a:rPr lang="nl-NL" dirty="0" err="1" smtClean="0"/>
+              <a:t>for</a:t>
+            </a:r>
+            <a:r>
+              <a:rPr lang="nl-NL" dirty="0" smtClean="0"/>
+              <a:t> </a:t>
+            </a:r>
+            <a:r>
+              <a:rPr lang="nl-NL" dirty="0" err="1" smtClean="0"/>
+              <a:t>categories</a:t>
+            </a:r>
+            <a:r>
+              <a:rPr lang="nl-NL" dirty="0" smtClean="0"/>
+              <a:t>, but preserving </a:t>
+            </a:r>
+            <a:r>
+              <a:rPr lang="nl-NL" dirty="0" err="1" smtClean="0"/>
+              <a:t>numerical</a:t>
+            </a:r>
+            <a:r>
+              <a:rPr lang="nl-NL" dirty="0" smtClean="0"/>
+              <a:t> data</a:t>
+            </a:r>
+          </a:p>
+          <a:p>
+            <a:endParaRPr lang="nl-NL" dirty="0"/>
+          </a:p>
+          <a:p>
+            <a:r>
+              <a:rPr lang="nl-NL" dirty="0" smtClean="0"/>
+              <a:t>[missing data?]</a:t>
+            </a:r>
+            <a:endParaRPr lang="nl-NL" dirty="0"/>
           </a:p>
         </p:txBody>
       </p:sp>
     </p:spTree>
     <p:extLst>
       <p:ext uri="{BB962C8B-B14F-4D97-AF65-F5344CB8AC3E}">
-        <p14:creationId xmlns:p14="http://schemas.microsoft.com/office/powerpoint/2010/main" val="2768329112"/>
+        <p14:creationId xmlns:p14="http://schemas.microsoft.com/office/powerpoint/2010/main" val="1753334808"/>
       </p:ext>
     </p:extLst>
   </p:cSld>
@@ -16805,8 +17164,20 @@
           <a:lstStyle/>
           <a:p>
             <a:r>
+              <a:rPr lang="nl-NL" dirty="0" smtClean="0"/>
+              <a:t>Approach - </a:t>
+            </a:r>
+            <a:r>
               <a:rPr lang="nl-NL" dirty="0" err="1" smtClean="0"/>
-              <a:t>Results</a:t>
+              <a:t>Testing</a:t>
+            </a:r>
+            <a:r>
+              <a:rPr lang="nl-NL" dirty="0" smtClean="0"/>
+              <a:t> different </a:t>
+            </a:r>
+            <a:r>
+              <a:rPr lang="nl-NL" dirty="0" err="1" smtClean="0"/>
+              <a:t>methods</a:t>
             </a:r>
             <a:endParaRPr lang="nl-NL" dirty="0"/>
           </a:p>
@@ -16827,14 +17198,218 @@
           <a:bodyPr/>
           <a:lstStyle/>
           <a:p>
-            <a:endParaRPr lang="nl-NL"/>
+            <a:r>
+              <a:rPr lang="nl-NL" dirty="0" smtClean="0"/>
+              <a:t>Split </a:t>
+            </a:r>
+            <a:r>
+              <a:rPr lang="nl-NL" dirty="0" err="1" smtClean="0"/>
+              <a:t>the</a:t>
+            </a:r>
+            <a:r>
+              <a:rPr lang="nl-NL" dirty="0" smtClean="0"/>
+              <a:t> training data </a:t>
+            </a:r>
+            <a:r>
+              <a:rPr lang="nl-NL" dirty="0" err="1" smtClean="0"/>
+              <a:t>between</a:t>
+            </a:r>
+            <a:r>
+              <a:rPr lang="nl-NL" dirty="0" smtClean="0"/>
+              <a:t> entries </a:t>
+            </a:r>
+            <a:r>
+              <a:rPr lang="nl-NL" dirty="0" err="1" smtClean="0"/>
+              <a:t>before</a:t>
+            </a:r>
+            <a:r>
+              <a:rPr lang="nl-NL" dirty="0" smtClean="0"/>
+              <a:t> 2015 </a:t>
+            </a:r>
+            <a:r>
+              <a:rPr lang="nl-NL" dirty="0" err="1" smtClean="0"/>
+              <a:t>and</a:t>
+            </a:r>
+            <a:r>
+              <a:rPr lang="nl-NL" dirty="0" smtClean="0"/>
+              <a:t> in 2015, </a:t>
+            </a:r>
+            <a:r>
+              <a:rPr lang="nl-NL" dirty="0" err="1" smtClean="0"/>
+              <a:t>for</a:t>
+            </a:r>
+            <a:r>
+              <a:rPr lang="nl-NL" dirty="0" smtClean="0"/>
+              <a:t> </a:t>
+            </a:r>
+            <a:r>
+              <a:rPr lang="nl-NL" dirty="0" err="1" smtClean="0"/>
+              <a:t>internal</a:t>
+            </a:r>
+            <a:r>
+              <a:rPr lang="nl-NL" dirty="0" smtClean="0"/>
+              <a:t> </a:t>
+            </a:r>
+            <a:r>
+              <a:rPr lang="nl-NL" dirty="0" err="1" smtClean="0"/>
+              <a:t>validation</a:t>
+            </a:r>
+            <a:endParaRPr lang="nl-NL" dirty="0" smtClean="0"/>
+          </a:p>
+          <a:p>
+            <a:endParaRPr lang="nl-NL" dirty="0"/>
+          </a:p>
+          <a:p>
+            <a:r>
+              <a:rPr lang="nl-NL" dirty="0" err="1" smtClean="0"/>
+              <a:t>Tested</a:t>
+            </a:r>
+            <a:r>
+              <a:rPr lang="nl-NL" dirty="0" smtClean="0"/>
+              <a:t> </a:t>
+            </a:r>
+            <a:r>
+              <a:rPr lang="nl-NL" dirty="0" err="1" smtClean="0"/>
+              <a:t>several</a:t>
+            </a:r>
+            <a:r>
+              <a:rPr lang="nl-NL" dirty="0" smtClean="0"/>
+              <a:t> </a:t>
+            </a:r>
+            <a:r>
+              <a:rPr lang="nl-NL" dirty="0" err="1" smtClean="0"/>
+              <a:t>methods</a:t>
+            </a:r>
+            <a:r>
+              <a:rPr lang="nl-NL" dirty="0" smtClean="0"/>
+              <a:t>:</a:t>
+            </a:r>
+          </a:p>
+          <a:p>
+            <a:pPr marL="457200" indent="-457200">
+              <a:buFont typeface="Arial" panose="020B0604020202020204" pitchFamily="34" charset="0"/>
+              <a:buChar char="•"/>
+            </a:pPr>
+            <a:r>
+              <a:rPr lang="nl-NL" dirty="0" smtClean="0"/>
+              <a:t>…</a:t>
+            </a:r>
+          </a:p>
+          <a:p>
+            <a:pPr marL="457200" indent="-457200">
+              <a:buFont typeface="Arial" panose="020B0604020202020204" pitchFamily="34" charset="0"/>
+              <a:buChar char="•"/>
+            </a:pPr>
+            <a:r>
+              <a:rPr lang="nl-NL" dirty="0" err="1" smtClean="0"/>
+              <a:t>XGBoost</a:t>
+            </a:r>
+            <a:endParaRPr lang="nl-NL" dirty="0" smtClean="0"/>
+          </a:p>
+          <a:p>
+            <a:pPr marL="457200" indent="-457200">
+              <a:buFont typeface="Arial" panose="020B0604020202020204" pitchFamily="34" charset="0"/>
+              <a:buChar char="•"/>
+            </a:pPr>
+            <a:endParaRPr lang="nl-NL" dirty="0"/>
+          </a:p>
+          <a:p>
+            <a:r>
+              <a:rPr lang="nl-NL" dirty="0" err="1" smtClean="0"/>
+              <a:t>XGBoost</a:t>
+            </a:r>
+            <a:r>
+              <a:rPr lang="nl-NL" dirty="0" smtClean="0"/>
+              <a:t> </a:t>
+            </a:r>
+            <a:r>
+              <a:rPr lang="nl-NL" dirty="0" err="1" smtClean="0"/>
+              <a:t>outperformed</a:t>
+            </a:r>
+            <a:r>
+              <a:rPr lang="nl-NL" dirty="0" smtClean="0"/>
+              <a:t> </a:t>
+            </a:r>
+            <a:r>
+              <a:rPr lang="nl-NL" dirty="0" err="1" smtClean="0"/>
+              <a:t>all</a:t>
+            </a:r>
+            <a:r>
+              <a:rPr lang="nl-NL" dirty="0" smtClean="0"/>
+              <a:t> </a:t>
+            </a:r>
+            <a:r>
+              <a:rPr lang="nl-NL" dirty="0" err="1" smtClean="0"/>
+              <a:t>other</a:t>
+            </a:r>
+            <a:r>
+              <a:rPr lang="nl-NL" dirty="0" smtClean="0"/>
+              <a:t> </a:t>
+            </a:r>
+            <a:r>
+              <a:rPr lang="nl-NL" dirty="0" err="1" smtClean="0"/>
+              <a:t>methods</a:t>
+            </a:r>
+            <a:r>
+              <a:rPr lang="nl-NL" dirty="0" smtClean="0"/>
+              <a:t>, </a:t>
+            </a:r>
+            <a:r>
+              <a:rPr lang="nl-NL" dirty="0" err="1" smtClean="0"/>
+              <a:t>which</a:t>
+            </a:r>
+            <a:r>
+              <a:rPr lang="nl-NL" dirty="0" smtClean="0"/>
+              <a:t> </a:t>
+            </a:r>
+            <a:r>
+              <a:rPr lang="nl-NL" dirty="0" err="1" smtClean="0"/>
+              <a:t>became</a:t>
+            </a:r>
+            <a:r>
+              <a:rPr lang="nl-NL" dirty="0" smtClean="0"/>
+              <a:t> even more </a:t>
+            </a:r>
+            <a:r>
+              <a:rPr lang="nl-NL" dirty="0" err="1" smtClean="0"/>
+              <a:t>obvious</a:t>
+            </a:r>
+            <a:r>
+              <a:rPr lang="nl-NL" dirty="0" smtClean="0"/>
+              <a:t> </a:t>
+            </a:r>
+            <a:r>
+              <a:rPr lang="nl-NL" dirty="0" err="1" smtClean="0"/>
+              <a:t>after</a:t>
+            </a:r>
+            <a:r>
+              <a:rPr lang="nl-NL" dirty="0" smtClean="0"/>
+              <a:t> a </a:t>
+            </a:r>
+            <a:r>
+              <a:rPr lang="nl-NL" dirty="0" err="1" smtClean="0"/>
+              <a:t>kernel</a:t>
+            </a:r>
+            <a:r>
+              <a:rPr lang="nl-NL" dirty="0" smtClean="0"/>
+              <a:t> was </a:t>
+            </a:r>
+            <a:r>
+              <a:rPr lang="nl-NL" dirty="0" err="1" smtClean="0"/>
+              <a:t>published</a:t>
+            </a:r>
+            <a:r>
+              <a:rPr lang="nl-NL" dirty="0" smtClean="0"/>
+              <a:t>…</a:t>
+            </a:r>
+            <a:endParaRPr lang="nl-NL" dirty="0"/>
           </a:p>
         </p:txBody>
       </p:sp>
     </p:spTree>
     <p:extLst>
       <p:ext uri="{BB962C8B-B14F-4D97-AF65-F5344CB8AC3E}">
-        <p14:creationId xmlns:p14="http://schemas.microsoft.com/office/powerpoint/2010/main" val="126911451"/>
+        <p14:creationId xmlns:p14="http://schemas.microsoft.com/office/powerpoint/2010/main" val="2970387076"/>
       </p:ext>
     </p:extLst>
   </p:cSld>
@@ -16844,13 +17419,6 @@
   <p:transition spd="med">
     <p:fade/>
   </p:transition>
-  <p:timing>
-    <p:tnLst>
-      <p:par>
-        <p:cTn id="1" dur="indefinite" restart="never" nodeType="tmRoot"/>
-      </p:par>
-    </p:tnLst>
-  </p:timing>
 </p:sld>
 </file>
 
@@ -16886,37 +17454,4200 @@
           <a:bodyPr/>
           <a:lstStyle/>
           <a:p>
+            <a:r>
+              <a:rPr lang="nl-NL" dirty="0" smtClean="0"/>
+              <a:t>Approach </a:t>
+            </a:r>
+            <a:r>
+              <a:rPr lang="nl-NL" dirty="0" smtClean="0"/>
+              <a:t>– </a:t>
+            </a:r>
+            <a:r>
+              <a:rPr lang="nl-NL" dirty="0" err="1" smtClean="0"/>
+              <a:t>XGBoost</a:t>
+            </a:r>
+            <a:r>
+              <a:rPr lang="nl-NL" dirty="0" smtClean="0"/>
+              <a:t> ensemble</a:t>
+            </a:r>
             <a:endParaRPr lang="nl-NL" dirty="0"/>
           </a:p>
         </p:txBody>
       </p:sp>
       <p:sp>
         <p:nvSpPr>
-          <p:cNvPr id="3" name="Tijdelijke aanduiding voor inhoud 2"/>
-          <p:cNvSpPr>
-            <a:spLocks noGrp="1"/>
-          </p:cNvSpPr>
-          <p:nvPr>
-            <p:ph idx="1"/>
-          </p:nvPr>
-        </p:nvSpPr>
-        <p:spPr/>
-        <p:txBody>
-          <a:bodyPr/>
+          <p:cNvPr id="150" name="Rectangle 193"/>
+          <p:cNvSpPr>
+            <a:spLocks noChangeArrowheads="1"/>
+          </p:cNvSpPr>
+          <p:nvPr/>
+        </p:nvSpPr>
+        <p:spPr bwMode="auto">
+          <a:xfrm>
+            <a:off x="0" y="0"/>
+            <a:ext cx="13003213" cy="457200"/>
+          </a:xfrm>
+          <a:prstGeom prst="rect">
+            <a:avLst/>
+          </a:prstGeom>
+          <a:noFill/>
+          <a:ln>
+            <a:noFill/>
+          </a:ln>
+          <a:effectLst/>
+          <a:extLst>
+            <a:ext uri="{909E8E84-426E-40DD-AFC4-6F175D3DCCD1}">
+              <a14:hiddenFill xmlns:a14="http://schemas.microsoft.com/office/drawing/2010/main">
+                <a:solidFill>
+                  <a:schemeClr val="accent1"/>
+                </a:solidFill>
+              </a14:hiddenFill>
+            </a:ext>
+            <a:ext uri="{91240B29-F687-4F45-9708-019B960494DF}">
+              <a14:hiddenLine xmlns:a14="http://schemas.microsoft.com/office/drawing/2010/main" w="9525">
+                <a:solidFill>
+                  <a:schemeClr val="tx1"/>
+                </a:solidFill>
+                <a:miter lim="800000"/>
+                <a:headEnd/>
+                <a:tailEnd/>
+              </a14:hiddenLine>
+            </a:ext>
+            <a:ext uri="{AF507438-7753-43E0-B8FC-AC1667EBCBE1}">
+              <a14:hiddenEffects xmlns:a14="http://schemas.microsoft.com/office/drawing/2010/main">
+                <a:effectLst>
+                  <a:outerShdw dist="35921" dir="2700000" algn="ctr" rotWithShape="0">
+                    <a:schemeClr val="bg2"/>
+                  </a:outerShdw>
+                </a:effectLst>
+              </a14:hiddenEffects>
+            </a:ext>
+          </a:extLst>
+        </p:spPr>
+        <p:txBody>
+          <a:bodyPr vert="horz" wrap="none" lIns="91440" tIns="45720" rIns="91440" bIns="45720" numCol="1" anchor="ctr" anchorCtr="0" compatLnSpc="1">
+            <a:prstTxWarp prst="textNoShape">
+              <a:avLst/>
+            </a:prstTxWarp>
+            <a:spAutoFit/>
+          </a:bodyPr>
           <a:lstStyle/>
           <a:p>
-            <a:r>
-              <a:rPr lang="en-US" dirty="0"/>
-              <a:t>(discuss other things worth mentioning here)</a:t>
-            </a:r>
-            <a:endParaRPr lang="nl-NL" dirty="0"/>
+            <a:endParaRPr lang="nl-NL"/>
+          </a:p>
+        </p:txBody>
+      </p:sp>
+      <p:grpSp>
+        <p:nvGrpSpPr>
+          <p:cNvPr id="306" name="Groep 305"/>
+          <p:cNvGrpSpPr/>
+          <p:nvPr/>
+        </p:nvGrpSpPr>
+        <p:grpSpPr>
+          <a:xfrm>
+            <a:off x="3005137" y="1888332"/>
+            <a:ext cx="6992938" cy="6438900"/>
+            <a:chOff x="-404813" y="609600"/>
+            <a:chExt cx="6992938" cy="6786563"/>
+          </a:xfrm>
+        </p:grpSpPr>
+        <p:sp>
+          <p:nvSpPr>
+            <p:cNvPr id="255" name="AutoShape 266"/>
+            <p:cNvSpPr>
+              <a:spLocks noChangeArrowheads="1"/>
+            </p:cNvSpPr>
+            <p:nvPr/>
+          </p:nvSpPr>
+          <p:spPr bwMode="auto">
+            <a:xfrm>
+              <a:off x="-352425" y="2976563"/>
+              <a:ext cx="485775" cy="2105025"/>
+            </a:xfrm>
+            <a:prstGeom prst="downArrow">
+              <a:avLst>
+                <a:gd name="adj1" fmla="val 46148"/>
+                <a:gd name="adj2" fmla="val 137784"/>
+              </a:avLst>
+            </a:prstGeom>
+            <a:solidFill>
+              <a:srgbClr val="FFFFFF"/>
+            </a:solidFill>
+            <a:ln w="9525">
+              <a:solidFill>
+                <a:srgbClr val="000000"/>
+              </a:solidFill>
+              <a:miter lim="800000"/>
+              <a:headEnd/>
+              <a:tailEnd/>
+            </a:ln>
+          </p:spPr>
+          <p:txBody>
+            <a:bodyPr vert="eaVert" wrap="square" lIns="91440" tIns="45720" rIns="91440" bIns="45720" numCol="1" anchor="t" anchorCtr="0" compatLnSpc="1">
+              <a:prstTxWarp prst="textNoShape">
+                <a:avLst/>
+              </a:prstTxWarp>
+            </a:bodyPr>
+            <a:lstStyle/>
+            <a:p>
+              <a:endParaRPr lang="nl-NL"/>
+            </a:p>
+          </p:txBody>
+        </p:sp>
+        <p:sp>
+          <p:nvSpPr>
+            <p:cNvPr id="256" name="Text Box 265"/>
+            <p:cNvSpPr txBox="1">
+              <a:spLocks noChangeArrowheads="1"/>
+            </p:cNvSpPr>
+            <p:nvPr/>
+          </p:nvSpPr>
+          <p:spPr bwMode="auto">
+            <a:xfrm>
+              <a:off x="-404813" y="1833563"/>
+              <a:ext cx="2047876" cy="285750"/>
+            </a:xfrm>
+            <a:prstGeom prst="rect">
+              <a:avLst/>
+            </a:prstGeom>
+            <a:solidFill>
+              <a:srgbClr val="FFFFFF"/>
+            </a:solidFill>
+            <a:ln w="31750">
+              <a:solidFill>
+                <a:srgbClr val="000000"/>
+              </a:solidFill>
+              <a:miter lim="800000"/>
+              <a:headEnd/>
+              <a:tailEnd/>
+            </a:ln>
+            <a:effectLst/>
+            <a:extLst>
+              <a:ext uri="{AF507438-7753-43E0-B8FC-AC1667EBCBE1}">
+                <a14:hiddenEffects xmlns:a14="http://schemas.microsoft.com/office/drawing/2010/main">
+                  <a:effectLst>
+                    <a:outerShdw dist="35921" dir="2700000" algn="ctr" rotWithShape="0">
+                      <a:srgbClr val="868686"/>
+                    </a:outerShdw>
+                  </a:effectLst>
+                </a14:hiddenEffects>
+              </a:ext>
+            </a:extLst>
+          </p:spPr>
+          <p:txBody>
+            <a:bodyPr vert="horz" wrap="square" lIns="91440" tIns="45720" rIns="91440" bIns="45720" numCol="1" anchor="t" anchorCtr="0" compatLnSpc="1">
+              <a:prstTxWarp prst="textNoShape">
+                <a:avLst/>
+              </a:prstTxWarp>
+            </a:bodyPr>
+            <a:lstStyle/>
+            <a:p>
+              <a:pPr marL="0" marR="0" lvl="0" indent="0" algn="l" defTabSz="914400" rtl="0" eaLnBrk="1" fontAlgn="base" latinLnBrk="0" hangingPunct="1">
+                <a:lnSpc>
+                  <a:spcPct val="100000"/>
+                </a:lnSpc>
+                <a:spcBef>
+                  <a:spcPct val="0"/>
+                </a:spcBef>
+                <a:spcAft>
+                  <a:spcPct val="0"/>
+                </a:spcAft>
+                <a:buClrTx/>
+                <a:buSzTx/>
+                <a:buFontTx/>
+                <a:buNone/>
+                <a:tabLst/>
+              </a:pPr>
+              <a:r>
+                <a:rPr kumimoji="0" lang="nl-NL" altLang="nl-NL" sz="1100" b="0" i="0" u="none" strike="noStrike" cap="none" normalizeH="0" baseline="0" smtClean="0">
+                  <a:ln>
+                    <a:noFill/>
+                  </a:ln>
+                  <a:solidFill>
+                    <a:schemeClr val="tx1"/>
+                  </a:solidFill>
+                  <a:effectLst/>
+                  <a:latin typeface="Calibri" pitchFamily="34" charset="0"/>
+                  <a:ea typeface="Times New Roman" pitchFamily="18" charset="0"/>
+                  <a:cs typeface="Times New Roman" pitchFamily="18" charset="0"/>
+                </a:rPr>
+                <a:t>Set manual outliers to NaN</a:t>
+              </a:r>
+              <a:endParaRPr kumimoji="0" lang="nl-NL" altLang="nl-NL" sz="1800" b="0" i="0" u="none" strike="noStrike" cap="none" normalizeH="0" baseline="0" smtClean="0">
+                <a:ln>
+                  <a:noFill/>
+                </a:ln>
+                <a:solidFill>
+                  <a:schemeClr val="tx1"/>
+                </a:solidFill>
+                <a:effectLst/>
+                <a:latin typeface="Arial" pitchFamily="34" charset="0"/>
+                <a:cs typeface="Arial" pitchFamily="34" charset="0"/>
+              </a:endParaRPr>
+            </a:p>
+          </p:txBody>
+        </p:sp>
+        <p:sp>
+          <p:nvSpPr>
+            <p:cNvPr id="257" name="Text Box 264"/>
+            <p:cNvSpPr txBox="1">
+              <a:spLocks noChangeArrowheads="1"/>
+            </p:cNvSpPr>
+            <p:nvPr/>
+          </p:nvSpPr>
+          <p:spPr bwMode="auto">
+            <a:xfrm>
+              <a:off x="-404813" y="2119313"/>
+              <a:ext cx="2047876" cy="285750"/>
+            </a:xfrm>
+            <a:prstGeom prst="rect">
+              <a:avLst/>
+            </a:prstGeom>
+            <a:solidFill>
+              <a:srgbClr val="FFFFFF"/>
+            </a:solidFill>
+            <a:ln w="31750">
+              <a:solidFill>
+                <a:srgbClr val="000000"/>
+              </a:solidFill>
+              <a:miter lim="800000"/>
+              <a:headEnd/>
+              <a:tailEnd/>
+            </a:ln>
+            <a:effectLst/>
+            <a:extLst>
+              <a:ext uri="{AF507438-7753-43E0-B8FC-AC1667EBCBE1}">
+                <a14:hiddenEffects xmlns:a14="http://schemas.microsoft.com/office/drawing/2010/main">
+                  <a:effectLst>
+                    <a:outerShdw dist="35921" dir="2700000" algn="ctr" rotWithShape="0">
+                      <a:srgbClr val="868686"/>
+                    </a:outerShdw>
+                  </a:effectLst>
+                </a14:hiddenEffects>
+              </a:ext>
+            </a:extLst>
+          </p:spPr>
+          <p:txBody>
+            <a:bodyPr vert="horz" wrap="square" lIns="91440" tIns="45720" rIns="91440" bIns="45720" numCol="1" anchor="t" anchorCtr="0" compatLnSpc="1">
+              <a:prstTxWarp prst="textNoShape">
+                <a:avLst/>
+              </a:prstTxWarp>
+            </a:bodyPr>
+            <a:lstStyle/>
+            <a:p>
+              <a:pPr marL="0" marR="0" lvl="0" indent="0" algn="l" defTabSz="914400" rtl="0" eaLnBrk="1" fontAlgn="base" latinLnBrk="0" hangingPunct="1">
+                <a:lnSpc>
+                  <a:spcPct val="100000"/>
+                </a:lnSpc>
+                <a:spcBef>
+                  <a:spcPct val="0"/>
+                </a:spcBef>
+                <a:spcAft>
+                  <a:spcPct val="0"/>
+                </a:spcAft>
+                <a:buClrTx/>
+                <a:buSzTx/>
+                <a:buFontTx/>
+                <a:buNone/>
+                <a:tabLst/>
+              </a:pPr>
+              <a:r>
+                <a:rPr kumimoji="0" lang="nl-NL" altLang="nl-NL" sz="1100" b="0" i="0" u="none" strike="noStrike" cap="none" normalizeH="0" baseline="0" smtClean="0">
+                  <a:ln>
+                    <a:noFill/>
+                  </a:ln>
+                  <a:solidFill>
+                    <a:schemeClr val="tx1"/>
+                  </a:solidFill>
+                  <a:effectLst/>
+                  <a:latin typeface="Calibri" pitchFamily="34" charset="0"/>
+                  <a:ea typeface="Times New Roman" pitchFamily="18" charset="0"/>
+                  <a:cs typeface="Times New Roman" pitchFamily="18" charset="0"/>
+                </a:rPr>
+                <a:t>Remove possible fraud cases</a:t>
+              </a:r>
+              <a:endParaRPr kumimoji="0" lang="nl-NL" altLang="nl-NL" sz="1100" b="0" i="0" u="none" strike="noStrike" cap="none" normalizeH="0" baseline="0" smtClean="0">
+                <a:ln>
+                  <a:noFill/>
+                </a:ln>
+                <a:solidFill>
+                  <a:schemeClr val="tx1"/>
+                </a:solidFill>
+                <a:effectLst/>
+                <a:latin typeface="Arial" pitchFamily="34" charset="0"/>
+                <a:cs typeface="Arial" pitchFamily="34" charset="0"/>
+              </a:endParaRPr>
+            </a:p>
+            <a:p>
+              <a:pPr marL="0" marR="0" lvl="0" indent="0" algn="l" defTabSz="914400" rtl="0" eaLnBrk="0" fontAlgn="base" latinLnBrk="0" hangingPunct="0">
+                <a:lnSpc>
+                  <a:spcPct val="100000"/>
+                </a:lnSpc>
+                <a:spcBef>
+                  <a:spcPct val="0"/>
+                </a:spcBef>
+                <a:spcAft>
+                  <a:spcPct val="0"/>
+                </a:spcAft>
+                <a:buClrTx/>
+                <a:buSzTx/>
+                <a:buFontTx/>
+                <a:buNone/>
+                <a:tabLst/>
+              </a:pPr>
+              <a:endParaRPr kumimoji="0" lang="nl-NL" altLang="nl-NL" sz="1800" b="0" i="0" u="none" strike="noStrike" cap="none" normalizeH="0" baseline="0" smtClean="0">
+                <a:ln>
+                  <a:noFill/>
+                </a:ln>
+                <a:solidFill>
+                  <a:schemeClr val="tx1"/>
+                </a:solidFill>
+                <a:effectLst/>
+                <a:latin typeface="Arial" pitchFamily="34" charset="0"/>
+                <a:cs typeface="Arial" pitchFamily="34" charset="0"/>
+              </a:endParaRPr>
+            </a:p>
+          </p:txBody>
+        </p:sp>
+        <p:sp>
+          <p:nvSpPr>
+            <p:cNvPr id="258" name="Text Box 263"/>
+            <p:cNvSpPr txBox="1">
+              <a:spLocks noChangeArrowheads="1"/>
+            </p:cNvSpPr>
+            <p:nvPr/>
+          </p:nvSpPr>
+          <p:spPr bwMode="auto">
+            <a:xfrm>
+              <a:off x="-404813" y="2405063"/>
+              <a:ext cx="2047876" cy="285750"/>
+            </a:xfrm>
+            <a:prstGeom prst="rect">
+              <a:avLst/>
+            </a:prstGeom>
+            <a:solidFill>
+              <a:srgbClr val="FFFFFF"/>
+            </a:solidFill>
+            <a:ln w="31750">
+              <a:solidFill>
+                <a:srgbClr val="000000"/>
+              </a:solidFill>
+              <a:miter lim="800000"/>
+              <a:headEnd/>
+              <a:tailEnd/>
+            </a:ln>
+            <a:effectLst/>
+            <a:extLst>
+              <a:ext uri="{AF507438-7753-43E0-B8FC-AC1667EBCBE1}">
+                <a14:hiddenEffects xmlns:a14="http://schemas.microsoft.com/office/drawing/2010/main">
+                  <a:effectLst>
+                    <a:outerShdw dist="35921" dir="2700000" algn="ctr" rotWithShape="0">
+                      <a:srgbClr val="868686"/>
+                    </a:outerShdw>
+                  </a:effectLst>
+                </a14:hiddenEffects>
+              </a:ext>
+            </a:extLst>
+          </p:spPr>
+          <p:txBody>
+            <a:bodyPr vert="horz" wrap="square" lIns="91440" tIns="45720" rIns="91440" bIns="45720" numCol="1" anchor="t" anchorCtr="0" compatLnSpc="1">
+              <a:prstTxWarp prst="textNoShape">
+                <a:avLst/>
+              </a:prstTxWarp>
+            </a:bodyPr>
+            <a:lstStyle/>
+            <a:p>
+              <a:pPr marL="0" marR="0" lvl="0" indent="0" algn="l" defTabSz="914400" rtl="0" eaLnBrk="1" fontAlgn="base" latinLnBrk="0" hangingPunct="1">
+                <a:lnSpc>
+                  <a:spcPct val="100000"/>
+                </a:lnSpc>
+                <a:spcBef>
+                  <a:spcPct val="0"/>
+                </a:spcBef>
+                <a:spcAft>
+                  <a:spcPct val="0"/>
+                </a:spcAft>
+                <a:buClrTx/>
+                <a:buSzTx/>
+                <a:buFontTx/>
+                <a:buNone/>
+                <a:tabLst/>
+              </a:pPr>
+              <a:r>
+                <a:rPr kumimoji="0" lang="nl-NL" altLang="nl-NL" sz="1100" b="0" i="0" u="none" strike="noStrike" cap="none" normalizeH="0" baseline="0" dirty="0" err="1" smtClean="0">
+                  <a:ln>
+                    <a:noFill/>
+                  </a:ln>
+                  <a:solidFill>
+                    <a:schemeClr val="tx1"/>
+                  </a:solidFill>
+                  <a:effectLst/>
+                  <a:latin typeface="Calibri" pitchFamily="34" charset="0"/>
+                  <a:ea typeface="Times New Roman" pitchFamily="18" charset="0"/>
+                  <a:cs typeface="Times New Roman" pitchFamily="18" charset="0"/>
+                </a:rPr>
+                <a:t>Add</a:t>
+              </a:r>
+              <a:r>
+                <a:rPr kumimoji="0" lang="nl-NL" altLang="nl-NL" sz="1100" b="0" i="0" u="none" strike="noStrike" cap="none" normalizeH="0" baseline="0" dirty="0" smtClean="0">
+                  <a:ln>
+                    <a:noFill/>
+                  </a:ln>
+                  <a:solidFill>
+                    <a:schemeClr val="tx1"/>
+                  </a:solidFill>
+                  <a:effectLst/>
+                  <a:latin typeface="Calibri" pitchFamily="34" charset="0"/>
+                  <a:ea typeface="Times New Roman" pitchFamily="18" charset="0"/>
+                  <a:cs typeface="Times New Roman" pitchFamily="18" charset="0"/>
+                </a:rPr>
+                <a:t> manual features</a:t>
+              </a:r>
+              <a:endParaRPr kumimoji="0" lang="nl-NL" altLang="nl-NL" sz="1800" b="0" i="0" u="none" strike="noStrike" cap="none" normalizeH="0" baseline="0" dirty="0" smtClean="0">
+                <a:ln>
+                  <a:noFill/>
+                </a:ln>
+                <a:solidFill>
+                  <a:schemeClr val="tx1"/>
+                </a:solidFill>
+                <a:effectLst/>
+                <a:latin typeface="Arial" pitchFamily="34" charset="0"/>
+                <a:cs typeface="Arial" pitchFamily="34" charset="0"/>
+              </a:endParaRPr>
+            </a:p>
+          </p:txBody>
+        </p:sp>
+        <p:sp>
+          <p:nvSpPr>
+            <p:cNvPr id="259" name="Text Box 262"/>
+            <p:cNvSpPr txBox="1">
+              <a:spLocks noChangeArrowheads="1"/>
+            </p:cNvSpPr>
+            <p:nvPr/>
+          </p:nvSpPr>
+          <p:spPr bwMode="auto">
+            <a:xfrm>
+              <a:off x="-404813" y="2690813"/>
+              <a:ext cx="2047876" cy="285750"/>
+            </a:xfrm>
+            <a:prstGeom prst="rect">
+              <a:avLst/>
+            </a:prstGeom>
+            <a:solidFill>
+              <a:srgbClr val="FFFFFF"/>
+            </a:solidFill>
+            <a:ln w="31750">
+              <a:solidFill>
+                <a:srgbClr val="000000"/>
+              </a:solidFill>
+              <a:miter lim="800000"/>
+              <a:headEnd/>
+              <a:tailEnd/>
+            </a:ln>
+            <a:effectLst/>
+            <a:extLst>
+              <a:ext uri="{AF507438-7753-43E0-B8FC-AC1667EBCBE1}">
+                <a14:hiddenEffects xmlns:a14="http://schemas.microsoft.com/office/drawing/2010/main">
+                  <a:effectLst>
+                    <a:outerShdw dist="35921" dir="2700000" algn="ctr" rotWithShape="0">
+                      <a:srgbClr val="868686"/>
+                    </a:outerShdw>
+                  </a:effectLst>
+                </a14:hiddenEffects>
+              </a:ext>
+            </a:extLst>
+          </p:spPr>
+          <p:txBody>
+            <a:bodyPr vert="horz" wrap="square" lIns="91440" tIns="45720" rIns="91440" bIns="45720" numCol="1" anchor="t" anchorCtr="0" compatLnSpc="1">
+              <a:prstTxWarp prst="textNoShape">
+                <a:avLst/>
+              </a:prstTxWarp>
+            </a:bodyPr>
+            <a:lstStyle/>
+            <a:p>
+              <a:pPr marL="0" marR="0" lvl="0" indent="0" algn="l" defTabSz="914400" rtl="0" eaLnBrk="1" fontAlgn="base" latinLnBrk="0" hangingPunct="1">
+                <a:lnSpc>
+                  <a:spcPct val="100000"/>
+                </a:lnSpc>
+                <a:spcBef>
+                  <a:spcPct val="0"/>
+                </a:spcBef>
+                <a:spcAft>
+                  <a:spcPct val="0"/>
+                </a:spcAft>
+                <a:buClrTx/>
+                <a:buSzTx/>
+                <a:buFontTx/>
+                <a:buNone/>
+                <a:tabLst/>
+              </a:pPr>
+              <a:r>
+                <a:rPr kumimoji="0" lang="nl-NL" altLang="nl-NL" sz="1100" b="0" i="0" u="none" strike="noStrike" cap="none" normalizeH="0" baseline="0" smtClean="0">
+                  <a:ln>
+                    <a:noFill/>
+                  </a:ln>
+                  <a:solidFill>
+                    <a:schemeClr val="tx1"/>
+                  </a:solidFill>
+                  <a:effectLst/>
+                  <a:latin typeface="Calibri" pitchFamily="34" charset="0"/>
+                  <a:ea typeface="Times New Roman" pitchFamily="18" charset="0"/>
+                  <a:cs typeface="Times New Roman" pitchFamily="18" charset="0"/>
+                </a:rPr>
+                <a:t>Correct for inflation</a:t>
+              </a:r>
+              <a:endParaRPr kumimoji="0" lang="nl-NL" altLang="nl-NL" sz="1100" b="0" i="0" u="none" strike="noStrike" cap="none" normalizeH="0" baseline="0" smtClean="0">
+                <a:ln>
+                  <a:noFill/>
+                </a:ln>
+                <a:solidFill>
+                  <a:schemeClr val="tx1"/>
+                </a:solidFill>
+                <a:effectLst/>
+                <a:latin typeface="Arial" pitchFamily="34" charset="0"/>
+                <a:cs typeface="Arial" pitchFamily="34" charset="0"/>
+              </a:endParaRPr>
+            </a:p>
+            <a:p>
+              <a:pPr marL="0" marR="0" lvl="0" indent="0" algn="l" defTabSz="914400" rtl="0" eaLnBrk="0" fontAlgn="base" latinLnBrk="0" hangingPunct="0">
+                <a:lnSpc>
+                  <a:spcPct val="100000"/>
+                </a:lnSpc>
+                <a:spcBef>
+                  <a:spcPct val="0"/>
+                </a:spcBef>
+                <a:spcAft>
+                  <a:spcPct val="0"/>
+                </a:spcAft>
+                <a:buClrTx/>
+                <a:buSzTx/>
+                <a:buFontTx/>
+                <a:buNone/>
+                <a:tabLst/>
+              </a:pPr>
+              <a:endParaRPr kumimoji="0" lang="nl-NL" altLang="nl-NL" sz="1800" b="0" i="0" u="none" strike="noStrike" cap="none" normalizeH="0" baseline="0" smtClean="0">
+                <a:ln>
+                  <a:noFill/>
+                </a:ln>
+                <a:solidFill>
+                  <a:schemeClr val="tx1"/>
+                </a:solidFill>
+                <a:effectLst/>
+                <a:latin typeface="Arial" pitchFamily="34" charset="0"/>
+                <a:cs typeface="Arial" pitchFamily="34" charset="0"/>
+              </a:endParaRPr>
+            </a:p>
+          </p:txBody>
+        </p:sp>
+        <p:sp>
+          <p:nvSpPr>
+            <p:cNvPr id="260" name="AutoShape 261"/>
+            <p:cNvSpPr>
+              <a:spLocks noChangeShapeType="1"/>
+            </p:cNvSpPr>
+            <p:nvPr/>
+          </p:nvSpPr>
+          <p:spPr bwMode="auto">
+            <a:xfrm rot="10800000">
+              <a:off x="1643063" y="2786063"/>
+              <a:ext cx="66675" cy="0"/>
+            </a:xfrm>
+            <a:prstGeom prst="straightConnector1">
+              <a:avLst/>
+            </a:prstGeom>
+            <a:noFill/>
+            <a:ln w="9525">
+              <a:solidFill>
+                <a:srgbClr val="FF0000"/>
+              </a:solidFill>
+              <a:round/>
+              <a:headEnd/>
+              <a:tailEnd type="triangle" w="med" len="med"/>
+            </a:ln>
+            <a:extLst>
+              <a:ext uri="{909E8E84-426E-40DD-AFC4-6F175D3DCCD1}">
+                <a14:hiddenFill xmlns:a14="http://schemas.microsoft.com/office/drawing/2010/main">
+                  <a:noFill/>
+                </a14:hiddenFill>
+              </a:ext>
+            </a:extLst>
+          </p:spPr>
+          <p:txBody>
+            <a:bodyPr vert="horz" wrap="square" lIns="91440" tIns="45720" rIns="91440" bIns="45720" numCol="1" anchor="t" anchorCtr="0" compatLnSpc="1">
+              <a:prstTxWarp prst="textNoShape">
+                <a:avLst/>
+              </a:prstTxWarp>
+            </a:bodyPr>
+            <a:lstStyle/>
+            <a:p>
+              <a:endParaRPr lang="nl-NL"/>
+            </a:p>
+          </p:txBody>
+        </p:sp>
+        <p:sp>
+          <p:nvSpPr>
+            <p:cNvPr id="262" name="Text Box 259"/>
+            <p:cNvSpPr txBox="1">
+              <a:spLocks noChangeArrowheads="1"/>
+            </p:cNvSpPr>
+            <p:nvPr/>
+          </p:nvSpPr>
+          <p:spPr bwMode="auto">
+            <a:xfrm>
+              <a:off x="-290513" y="5081588"/>
+              <a:ext cx="2047876" cy="285750"/>
+            </a:xfrm>
+            <a:prstGeom prst="rect">
+              <a:avLst/>
+            </a:prstGeom>
+            <a:solidFill>
+              <a:srgbClr val="FFFFFF"/>
+            </a:solidFill>
+            <a:ln w="31750">
+              <a:solidFill>
+                <a:srgbClr val="000000"/>
+              </a:solidFill>
+              <a:miter lim="800000"/>
+              <a:headEnd/>
+              <a:tailEnd/>
+            </a:ln>
+            <a:effectLst/>
+            <a:extLst>
+              <a:ext uri="{AF507438-7753-43E0-B8FC-AC1667EBCBE1}">
+                <a14:hiddenEffects xmlns:a14="http://schemas.microsoft.com/office/drawing/2010/main">
+                  <a:effectLst>
+                    <a:outerShdw dist="35921" dir="2700000" algn="ctr" rotWithShape="0">
+                      <a:srgbClr val="868686"/>
+                    </a:outerShdw>
+                  </a:effectLst>
+                </a14:hiddenEffects>
+              </a:ext>
+            </a:extLst>
+          </p:spPr>
+          <p:txBody>
+            <a:bodyPr vert="horz" wrap="square" lIns="91440" tIns="45720" rIns="91440" bIns="45720" numCol="1" anchor="t" anchorCtr="0" compatLnSpc="1">
+              <a:prstTxWarp prst="textNoShape">
+                <a:avLst/>
+              </a:prstTxWarp>
+            </a:bodyPr>
+            <a:lstStyle/>
+            <a:p>
+              <a:pPr marL="0" marR="0" lvl="0" indent="0" algn="l" defTabSz="914400" rtl="0" eaLnBrk="1" fontAlgn="base" latinLnBrk="0" hangingPunct="1">
+                <a:lnSpc>
+                  <a:spcPct val="100000"/>
+                </a:lnSpc>
+                <a:spcBef>
+                  <a:spcPct val="0"/>
+                </a:spcBef>
+                <a:spcAft>
+                  <a:spcPct val="0"/>
+                </a:spcAft>
+                <a:buClrTx/>
+                <a:buSzTx/>
+                <a:buFontTx/>
+                <a:buNone/>
+                <a:tabLst/>
+              </a:pPr>
+              <a:r>
+                <a:rPr kumimoji="0" lang="nl-NL" altLang="nl-NL" sz="1100" b="0" i="0" u="none" strike="noStrike" cap="none" normalizeH="0" baseline="0" smtClean="0">
+                  <a:ln>
+                    <a:noFill/>
+                  </a:ln>
+                  <a:solidFill>
+                    <a:schemeClr val="tx1"/>
+                  </a:solidFill>
+                  <a:effectLst/>
+                  <a:latin typeface="Calibri" pitchFamily="34" charset="0"/>
+                  <a:ea typeface="Times New Roman" pitchFamily="18" charset="0"/>
+                  <a:cs typeface="Times New Roman" pitchFamily="18" charset="0"/>
+                </a:rPr>
+                <a:t>Prediction model 1</a:t>
+              </a:r>
+              <a:endParaRPr kumimoji="0" lang="nl-NL" altLang="nl-NL" sz="1100" b="0" i="0" u="none" strike="noStrike" cap="none" normalizeH="0" baseline="0" smtClean="0">
+                <a:ln>
+                  <a:noFill/>
+                </a:ln>
+                <a:solidFill>
+                  <a:schemeClr val="tx1"/>
+                </a:solidFill>
+                <a:effectLst/>
+                <a:latin typeface="Arial" pitchFamily="34" charset="0"/>
+                <a:cs typeface="Arial" pitchFamily="34" charset="0"/>
+              </a:endParaRPr>
+            </a:p>
+            <a:p>
+              <a:pPr marL="0" marR="0" lvl="0" indent="0" algn="l" defTabSz="914400" rtl="0" eaLnBrk="0" fontAlgn="base" latinLnBrk="0" hangingPunct="0">
+                <a:lnSpc>
+                  <a:spcPct val="100000"/>
+                </a:lnSpc>
+                <a:spcBef>
+                  <a:spcPct val="0"/>
+                </a:spcBef>
+                <a:spcAft>
+                  <a:spcPct val="0"/>
+                </a:spcAft>
+                <a:buClrTx/>
+                <a:buSzTx/>
+                <a:buFontTx/>
+                <a:buNone/>
+                <a:tabLst/>
+              </a:pPr>
+              <a:endParaRPr kumimoji="0" lang="nl-NL" altLang="nl-NL" sz="1800" b="0" i="0" u="none" strike="noStrike" cap="none" normalizeH="0" baseline="0" smtClean="0">
+                <a:ln>
+                  <a:noFill/>
+                </a:ln>
+                <a:solidFill>
+                  <a:schemeClr val="tx1"/>
+                </a:solidFill>
+                <a:effectLst/>
+                <a:latin typeface="Arial" pitchFamily="34" charset="0"/>
+                <a:cs typeface="Arial" pitchFamily="34" charset="0"/>
+              </a:endParaRPr>
+            </a:p>
+          </p:txBody>
+        </p:sp>
+        <p:sp>
+          <p:nvSpPr>
+            <p:cNvPr id="263" name="Text Box 258"/>
+            <p:cNvSpPr txBox="1">
+              <a:spLocks noChangeArrowheads="1"/>
+            </p:cNvSpPr>
+            <p:nvPr/>
+          </p:nvSpPr>
+          <p:spPr bwMode="auto">
+            <a:xfrm>
+              <a:off x="188913" y="3671888"/>
+              <a:ext cx="1568450" cy="1362075"/>
+            </a:xfrm>
+            <a:prstGeom prst="rect">
+              <a:avLst/>
+            </a:prstGeom>
+            <a:solidFill>
+              <a:srgbClr val="FFFFFF"/>
+            </a:solidFill>
+            <a:ln w="12700">
+              <a:solidFill>
+                <a:srgbClr val="000000"/>
+              </a:solidFill>
+              <a:prstDash val="dash"/>
+              <a:miter lim="800000"/>
+              <a:headEnd/>
+              <a:tailEnd/>
+            </a:ln>
+            <a:effectLst/>
+            <a:extLst>
+              <a:ext uri="{AF507438-7753-43E0-B8FC-AC1667EBCBE1}">
+                <a14:hiddenEffects xmlns:a14="http://schemas.microsoft.com/office/drawing/2010/main">
+                  <a:effectLst>
+                    <a:outerShdw dist="35921" dir="2700000" algn="ctr" rotWithShape="0">
+                      <a:srgbClr val="868686"/>
+                    </a:outerShdw>
+                  </a:effectLst>
+                </a14:hiddenEffects>
+              </a:ext>
+            </a:extLst>
+          </p:spPr>
+          <p:txBody>
+            <a:bodyPr vert="horz" wrap="square" lIns="91440" tIns="45720" rIns="91440" bIns="45720" numCol="1" anchor="t" anchorCtr="0" compatLnSpc="1">
+              <a:prstTxWarp prst="textNoShape">
+                <a:avLst/>
+              </a:prstTxWarp>
+            </a:bodyPr>
+            <a:lstStyle/>
+            <a:p>
+              <a:pPr marL="0" marR="0" lvl="0" indent="0" algn="l" defTabSz="914400" rtl="0" eaLnBrk="1" fontAlgn="base" latinLnBrk="0" hangingPunct="1">
+                <a:lnSpc>
+                  <a:spcPct val="100000"/>
+                </a:lnSpc>
+                <a:spcBef>
+                  <a:spcPct val="0"/>
+                </a:spcBef>
+                <a:spcAft>
+                  <a:spcPct val="0"/>
+                </a:spcAft>
+                <a:buClrTx/>
+                <a:buSzTx/>
+                <a:buFontTx/>
+                <a:buNone/>
+                <a:tabLst/>
+              </a:pPr>
+              <a:r>
+                <a:rPr kumimoji="0" lang="en-US" altLang="nl-NL" sz="1100" b="0" i="0" u="none" strike="noStrike" cap="none" normalizeH="0" baseline="0" smtClean="0">
+                  <a:ln>
+                    <a:noFill/>
+                  </a:ln>
+                  <a:solidFill>
+                    <a:schemeClr val="tx1"/>
+                  </a:solidFill>
+                  <a:effectLst/>
+                  <a:latin typeface="Calibri" pitchFamily="34" charset="0"/>
+                  <a:ea typeface="Times New Roman" pitchFamily="18" charset="0"/>
+                  <a:cs typeface="Times New Roman" pitchFamily="18" charset="0"/>
+                </a:rPr>
+                <a:t>XGBoost model:</a:t>
+              </a:r>
+              <a:br>
+                <a:rPr kumimoji="0" lang="en-US" altLang="nl-NL" sz="1100" b="0" i="0" u="none" strike="noStrike" cap="none" normalizeH="0" baseline="0" smtClean="0">
+                  <a:ln>
+                    <a:noFill/>
+                  </a:ln>
+                  <a:solidFill>
+                    <a:schemeClr val="tx1"/>
+                  </a:solidFill>
+                  <a:effectLst/>
+                  <a:latin typeface="Calibri" pitchFamily="34" charset="0"/>
+                  <a:ea typeface="Times New Roman" pitchFamily="18" charset="0"/>
+                  <a:cs typeface="Times New Roman" pitchFamily="18" charset="0"/>
+                </a:rPr>
+              </a:br>
+              <a:r>
+                <a:rPr kumimoji="0" lang="en-US" altLang="nl-NL" sz="1100" b="0" i="0" u="none" strike="noStrike" cap="none" normalizeH="0" baseline="0" smtClean="0">
+                  <a:ln>
+                    <a:noFill/>
+                  </a:ln>
+                  <a:solidFill>
+                    <a:schemeClr val="tx1"/>
+                  </a:solidFill>
+                  <a:effectLst/>
+                  <a:latin typeface="Calibri" pitchFamily="34" charset="0"/>
+                  <a:ea typeface="Times New Roman" pitchFamily="18" charset="0"/>
+                  <a:cs typeface="Times New Roman" pitchFamily="18" charset="0"/>
+                </a:rPr>
+                <a:t>eta: 0.05, </a:t>
+              </a:r>
+              <a:br>
+                <a:rPr kumimoji="0" lang="en-US" altLang="nl-NL" sz="1100" b="0" i="0" u="none" strike="noStrike" cap="none" normalizeH="0" baseline="0" smtClean="0">
+                  <a:ln>
+                    <a:noFill/>
+                  </a:ln>
+                  <a:solidFill>
+                    <a:schemeClr val="tx1"/>
+                  </a:solidFill>
+                  <a:effectLst/>
+                  <a:latin typeface="Calibri" pitchFamily="34" charset="0"/>
+                  <a:ea typeface="Times New Roman" pitchFamily="18" charset="0"/>
+                  <a:cs typeface="Times New Roman" pitchFamily="18" charset="0"/>
+                </a:rPr>
+              </a:br>
+              <a:r>
+                <a:rPr kumimoji="0" lang="en-US" altLang="nl-NL" sz="1100" b="0" i="0" u="none" strike="noStrike" cap="none" normalizeH="0" baseline="0" smtClean="0">
+                  <a:ln>
+                    <a:noFill/>
+                  </a:ln>
+                  <a:solidFill>
+                    <a:schemeClr val="tx1"/>
+                  </a:solidFill>
+                  <a:effectLst/>
+                  <a:latin typeface="Calibri" pitchFamily="34" charset="0"/>
+                  <a:ea typeface="Times New Roman" pitchFamily="18" charset="0"/>
+                  <a:cs typeface="Times New Roman" pitchFamily="18" charset="0"/>
+                </a:rPr>
+                <a:t>max depth: 6, subsample: 0.6, </a:t>
+              </a:r>
+              <a:br>
+                <a:rPr kumimoji="0" lang="en-US" altLang="nl-NL" sz="1100" b="0" i="0" u="none" strike="noStrike" cap="none" normalizeH="0" baseline="0" smtClean="0">
+                  <a:ln>
+                    <a:noFill/>
+                  </a:ln>
+                  <a:solidFill>
+                    <a:schemeClr val="tx1"/>
+                  </a:solidFill>
+                  <a:effectLst/>
+                  <a:latin typeface="Calibri" pitchFamily="34" charset="0"/>
+                  <a:ea typeface="Times New Roman" pitchFamily="18" charset="0"/>
+                  <a:cs typeface="Times New Roman" pitchFamily="18" charset="0"/>
+                </a:rPr>
+              </a:br>
+              <a:r>
+                <a:rPr kumimoji="0" lang="en-US" altLang="nl-NL" sz="1100" b="0" i="0" u="none" strike="noStrike" cap="none" normalizeH="0" baseline="0" smtClean="0">
+                  <a:ln>
+                    <a:noFill/>
+                  </a:ln>
+                  <a:solidFill>
+                    <a:schemeClr val="tx1"/>
+                  </a:solidFill>
+                  <a:effectLst/>
+                  <a:latin typeface="Calibri" pitchFamily="34" charset="0"/>
+                  <a:ea typeface="Times New Roman" pitchFamily="18" charset="0"/>
+                  <a:cs typeface="Times New Roman" pitchFamily="18" charset="0"/>
+                </a:rPr>
+                <a:t>colsample per tree: 1</a:t>
+              </a:r>
+              <a:br>
+                <a:rPr kumimoji="0" lang="en-US" altLang="nl-NL" sz="1100" b="0" i="0" u="none" strike="noStrike" cap="none" normalizeH="0" baseline="0" smtClean="0">
+                  <a:ln>
+                    <a:noFill/>
+                  </a:ln>
+                  <a:solidFill>
+                    <a:schemeClr val="tx1"/>
+                  </a:solidFill>
+                  <a:effectLst/>
+                  <a:latin typeface="Calibri" pitchFamily="34" charset="0"/>
+                  <a:ea typeface="Times New Roman" pitchFamily="18" charset="0"/>
+                  <a:cs typeface="Times New Roman" pitchFamily="18" charset="0"/>
+                </a:rPr>
+              </a:br>
+              <a:r>
+                <a:rPr kumimoji="0" lang="en-US" altLang="nl-NL" sz="1100" b="0" i="0" u="none" strike="noStrike" cap="none" normalizeH="0" baseline="0" smtClean="0">
+                  <a:ln>
+                    <a:noFill/>
+                  </a:ln>
+                  <a:solidFill>
+                    <a:schemeClr val="tx1"/>
+                  </a:solidFill>
+                  <a:effectLst/>
+                  <a:latin typeface="Calibri" pitchFamily="34" charset="0"/>
+                  <a:ea typeface="Times New Roman" pitchFamily="18" charset="0"/>
+                  <a:cs typeface="Times New Roman" pitchFamily="18" charset="0"/>
+                </a:rPr>
+                <a:t>num rounds: 422</a:t>
+              </a:r>
+              <a:endParaRPr kumimoji="0" lang="en-US" altLang="nl-NL" sz="1100" b="0" i="0" u="none" strike="noStrike" cap="none" normalizeH="0" baseline="0" smtClean="0">
+                <a:ln>
+                  <a:noFill/>
+                </a:ln>
+                <a:solidFill>
+                  <a:schemeClr val="tx1"/>
+                </a:solidFill>
+                <a:effectLst/>
+                <a:latin typeface="Arial" pitchFamily="34" charset="0"/>
+                <a:cs typeface="Arial" pitchFamily="34" charset="0"/>
+              </a:endParaRPr>
+            </a:p>
+            <a:p>
+              <a:pPr marL="0" marR="0" lvl="0" indent="0" algn="l" defTabSz="914400" rtl="0" eaLnBrk="0" fontAlgn="base" latinLnBrk="0" hangingPunct="0">
+                <a:lnSpc>
+                  <a:spcPct val="100000"/>
+                </a:lnSpc>
+                <a:spcBef>
+                  <a:spcPct val="0"/>
+                </a:spcBef>
+                <a:spcAft>
+                  <a:spcPct val="0"/>
+                </a:spcAft>
+                <a:buClrTx/>
+                <a:buSzTx/>
+                <a:buFontTx/>
+                <a:buNone/>
+                <a:tabLst/>
+              </a:pPr>
+              <a:endParaRPr kumimoji="0" lang="en-US" altLang="nl-NL" sz="1800" b="0" i="0" u="none" strike="noStrike" cap="none" normalizeH="0" baseline="0" smtClean="0">
+                <a:ln>
+                  <a:noFill/>
+                </a:ln>
+                <a:solidFill>
+                  <a:schemeClr val="tx1"/>
+                </a:solidFill>
+                <a:effectLst/>
+                <a:latin typeface="Arial" pitchFamily="34" charset="0"/>
+                <a:cs typeface="Arial" pitchFamily="34" charset="0"/>
+              </a:endParaRPr>
+            </a:p>
+          </p:txBody>
+        </p:sp>
+        <p:sp>
+          <p:nvSpPr>
+            <p:cNvPr id="264" name="Text Box 257"/>
+            <p:cNvSpPr txBox="1">
+              <a:spLocks noChangeArrowheads="1"/>
+            </p:cNvSpPr>
+            <p:nvPr/>
+          </p:nvSpPr>
+          <p:spPr bwMode="auto">
+            <a:xfrm>
+              <a:off x="1804988" y="1833563"/>
+              <a:ext cx="2047875" cy="514350"/>
+            </a:xfrm>
+            <a:prstGeom prst="rect">
+              <a:avLst/>
+            </a:prstGeom>
+            <a:solidFill>
+              <a:srgbClr val="FFFFFF"/>
+            </a:solidFill>
+            <a:ln w="31750">
+              <a:solidFill>
+                <a:srgbClr val="000000"/>
+              </a:solidFill>
+              <a:miter lim="800000"/>
+              <a:headEnd/>
+              <a:tailEnd/>
+            </a:ln>
+            <a:effectLst/>
+            <a:extLst>
+              <a:ext uri="{AF507438-7753-43E0-B8FC-AC1667EBCBE1}">
+                <a14:hiddenEffects xmlns:a14="http://schemas.microsoft.com/office/drawing/2010/main">
+                  <a:effectLst>
+                    <a:outerShdw dist="35921" dir="2700000" algn="ctr" rotWithShape="0">
+                      <a:srgbClr val="868686"/>
+                    </a:outerShdw>
+                  </a:effectLst>
+                </a14:hiddenEffects>
+              </a:ext>
+            </a:extLst>
+          </p:spPr>
+          <p:txBody>
+            <a:bodyPr vert="horz" wrap="square" lIns="91440" tIns="45720" rIns="91440" bIns="45720" numCol="1" anchor="t" anchorCtr="0" compatLnSpc="1">
+              <a:prstTxWarp prst="textNoShape">
+                <a:avLst/>
+              </a:prstTxWarp>
+            </a:bodyPr>
+            <a:lstStyle/>
+            <a:p>
+              <a:pPr marL="0" marR="0" lvl="0" indent="0" algn="l" defTabSz="914400" rtl="0" eaLnBrk="1" fontAlgn="base" latinLnBrk="0" hangingPunct="1">
+                <a:lnSpc>
+                  <a:spcPct val="100000"/>
+                </a:lnSpc>
+                <a:spcBef>
+                  <a:spcPct val="0"/>
+                </a:spcBef>
+                <a:spcAft>
+                  <a:spcPct val="0"/>
+                </a:spcAft>
+                <a:buClrTx/>
+                <a:buSzTx/>
+                <a:buFontTx/>
+                <a:buNone/>
+                <a:tabLst/>
+              </a:pPr>
+              <a:r>
+                <a:rPr kumimoji="0" lang="en-US" altLang="nl-NL" sz="1100" b="0" i="0" u="none" strike="noStrike" cap="none" normalizeH="0" baseline="0" smtClean="0">
+                  <a:ln>
+                    <a:noFill/>
+                  </a:ln>
+                  <a:solidFill>
+                    <a:schemeClr val="tx1"/>
+                  </a:solidFill>
+                  <a:effectLst/>
+                  <a:latin typeface="Calibri" pitchFamily="34" charset="0"/>
+                  <a:ea typeface="Times New Roman" pitchFamily="18" charset="0"/>
+                  <a:cs typeface="Times New Roman" pitchFamily="18" charset="0"/>
+                </a:rPr>
+                <a:t>Correct for inflation on train prices</a:t>
+              </a:r>
+              <a:endParaRPr kumimoji="0" lang="en-US" altLang="nl-NL" sz="1800" b="0" i="0" u="none" strike="noStrike" cap="none" normalizeH="0" baseline="0" smtClean="0">
+                <a:ln>
+                  <a:noFill/>
+                </a:ln>
+                <a:solidFill>
+                  <a:schemeClr val="tx1"/>
+                </a:solidFill>
+                <a:effectLst/>
+                <a:latin typeface="Arial" pitchFamily="34" charset="0"/>
+                <a:cs typeface="Arial" pitchFamily="34" charset="0"/>
+              </a:endParaRPr>
+            </a:p>
+          </p:txBody>
+        </p:sp>
+        <p:sp>
+          <p:nvSpPr>
+            <p:cNvPr id="265" name="AutoShape 256"/>
+            <p:cNvSpPr>
+              <a:spLocks noChangeShapeType="1"/>
+            </p:cNvSpPr>
+            <p:nvPr/>
+          </p:nvSpPr>
+          <p:spPr bwMode="auto">
+            <a:xfrm rot="10800000">
+              <a:off x="3833813" y="2071688"/>
+              <a:ext cx="142875" cy="0"/>
+            </a:xfrm>
+            <a:prstGeom prst="straightConnector1">
+              <a:avLst/>
+            </a:prstGeom>
+            <a:noFill/>
+            <a:ln w="9525">
+              <a:solidFill>
+                <a:srgbClr val="FF0000"/>
+              </a:solidFill>
+              <a:round/>
+              <a:headEnd/>
+              <a:tailEnd type="triangle" w="med" len="med"/>
+            </a:ln>
+            <a:extLst>
+              <a:ext uri="{909E8E84-426E-40DD-AFC4-6F175D3DCCD1}">
+                <a14:hiddenFill xmlns:a14="http://schemas.microsoft.com/office/drawing/2010/main">
+                  <a:noFill/>
+                </a14:hiddenFill>
+              </a:ext>
+            </a:extLst>
+          </p:spPr>
+          <p:txBody>
+            <a:bodyPr vert="horz" wrap="square" lIns="91440" tIns="45720" rIns="91440" bIns="45720" numCol="1" anchor="t" anchorCtr="0" compatLnSpc="1">
+              <a:prstTxWarp prst="textNoShape">
+                <a:avLst/>
+              </a:prstTxWarp>
+            </a:bodyPr>
+            <a:lstStyle/>
+            <a:p>
+              <a:endParaRPr lang="nl-NL"/>
+            </a:p>
+          </p:txBody>
+        </p:sp>
+        <p:sp>
+          <p:nvSpPr>
+            <p:cNvPr id="266" name="AutoShape 255"/>
+            <p:cNvSpPr>
+              <a:spLocks noChangeArrowheads="1"/>
+            </p:cNvSpPr>
+            <p:nvPr/>
+          </p:nvSpPr>
+          <p:spPr bwMode="auto">
+            <a:xfrm>
+              <a:off x="1804988" y="2347913"/>
+              <a:ext cx="485775" cy="2733675"/>
+            </a:xfrm>
+            <a:prstGeom prst="downArrow">
+              <a:avLst>
+                <a:gd name="adj1" fmla="val 50000"/>
+                <a:gd name="adj2" fmla="val 140686"/>
+              </a:avLst>
+            </a:prstGeom>
+            <a:solidFill>
+              <a:srgbClr val="FFFFFF"/>
+            </a:solidFill>
+            <a:ln w="9525">
+              <a:solidFill>
+                <a:srgbClr val="000000"/>
+              </a:solidFill>
+              <a:miter lim="800000"/>
+              <a:headEnd/>
+              <a:tailEnd/>
+            </a:ln>
+          </p:spPr>
+          <p:txBody>
+            <a:bodyPr vert="eaVert" wrap="square" lIns="91440" tIns="45720" rIns="91440" bIns="45720" numCol="1" anchor="t" anchorCtr="0" compatLnSpc="1">
+              <a:prstTxWarp prst="textNoShape">
+                <a:avLst/>
+              </a:prstTxWarp>
+            </a:bodyPr>
+            <a:lstStyle/>
+            <a:p>
+              <a:endParaRPr lang="nl-NL"/>
+            </a:p>
+          </p:txBody>
+        </p:sp>
+        <p:sp>
+          <p:nvSpPr>
+            <p:cNvPr id="267" name="Text Box 254"/>
+            <p:cNvSpPr txBox="1">
+              <a:spLocks noChangeArrowheads="1"/>
+            </p:cNvSpPr>
+            <p:nvPr/>
+          </p:nvSpPr>
+          <p:spPr bwMode="auto">
+            <a:xfrm>
+              <a:off x="1868488" y="5081588"/>
+              <a:ext cx="2047875" cy="285750"/>
+            </a:xfrm>
+            <a:prstGeom prst="rect">
+              <a:avLst/>
+            </a:prstGeom>
+            <a:solidFill>
+              <a:srgbClr val="FFFFFF"/>
+            </a:solidFill>
+            <a:ln w="31750">
+              <a:solidFill>
+                <a:srgbClr val="000000"/>
+              </a:solidFill>
+              <a:miter lim="800000"/>
+              <a:headEnd/>
+              <a:tailEnd/>
+            </a:ln>
+            <a:effectLst/>
+            <a:extLst>
+              <a:ext uri="{AF507438-7753-43E0-B8FC-AC1667EBCBE1}">
+                <a14:hiddenEffects xmlns:a14="http://schemas.microsoft.com/office/drawing/2010/main">
+                  <a:effectLst>
+                    <a:outerShdw dist="35921" dir="2700000" algn="ctr" rotWithShape="0">
+                      <a:srgbClr val="868686"/>
+                    </a:outerShdw>
+                  </a:effectLst>
+                </a14:hiddenEffects>
+              </a:ext>
+            </a:extLst>
+          </p:spPr>
+          <p:txBody>
+            <a:bodyPr vert="horz" wrap="square" lIns="91440" tIns="45720" rIns="91440" bIns="45720" numCol="1" anchor="t" anchorCtr="0" compatLnSpc="1">
+              <a:prstTxWarp prst="textNoShape">
+                <a:avLst/>
+              </a:prstTxWarp>
+            </a:bodyPr>
+            <a:lstStyle/>
+            <a:p>
+              <a:pPr marL="0" marR="0" lvl="0" indent="0" algn="l" defTabSz="914400" rtl="0" eaLnBrk="1" fontAlgn="base" latinLnBrk="0" hangingPunct="1">
+                <a:lnSpc>
+                  <a:spcPct val="100000"/>
+                </a:lnSpc>
+                <a:spcBef>
+                  <a:spcPct val="0"/>
+                </a:spcBef>
+                <a:spcAft>
+                  <a:spcPct val="0"/>
+                </a:spcAft>
+                <a:buClrTx/>
+                <a:buSzTx/>
+                <a:buFontTx/>
+                <a:buNone/>
+                <a:tabLst/>
+              </a:pPr>
+              <a:r>
+                <a:rPr kumimoji="0" lang="nl-NL" altLang="nl-NL" sz="1100" b="0" i="0" u="none" strike="noStrike" cap="none" normalizeH="0" baseline="0" smtClean="0">
+                  <a:ln>
+                    <a:noFill/>
+                  </a:ln>
+                  <a:solidFill>
+                    <a:schemeClr val="tx1"/>
+                  </a:solidFill>
+                  <a:effectLst/>
+                  <a:latin typeface="Calibri" pitchFamily="34" charset="0"/>
+                  <a:ea typeface="Times New Roman" pitchFamily="18" charset="0"/>
+                  <a:cs typeface="Times New Roman" pitchFamily="18" charset="0"/>
+                </a:rPr>
+                <a:t>Prediction model 2</a:t>
+              </a:r>
+              <a:endParaRPr kumimoji="0" lang="nl-NL" altLang="nl-NL" sz="1100" b="0" i="0" u="none" strike="noStrike" cap="none" normalizeH="0" baseline="0" smtClean="0">
+                <a:ln>
+                  <a:noFill/>
+                </a:ln>
+                <a:solidFill>
+                  <a:schemeClr val="tx1"/>
+                </a:solidFill>
+                <a:effectLst/>
+                <a:latin typeface="Arial" pitchFamily="34" charset="0"/>
+                <a:cs typeface="Arial" pitchFamily="34" charset="0"/>
+              </a:endParaRPr>
+            </a:p>
+            <a:p>
+              <a:pPr marL="0" marR="0" lvl="0" indent="0" algn="l" defTabSz="914400" rtl="0" eaLnBrk="0" fontAlgn="base" latinLnBrk="0" hangingPunct="0">
+                <a:lnSpc>
+                  <a:spcPct val="100000"/>
+                </a:lnSpc>
+                <a:spcBef>
+                  <a:spcPct val="0"/>
+                </a:spcBef>
+                <a:spcAft>
+                  <a:spcPct val="0"/>
+                </a:spcAft>
+                <a:buClrTx/>
+                <a:buSzTx/>
+                <a:buFontTx/>
+                <a:buNone/>
+                <a:tabLst/>
+              </a:pPr>
+              <a:endParaRPr kumimoji="0" lang="nl-NL" altLang="nl-NL" sz="1800" b="0" i="0" u="none" strike="noStrike" cap="none" normalizeH="0" baseline="0" smtClean="0">
+                <a:ln>
+                  <a:noFill/>
+                </a:ln>
+                <a:solidFill>
+                  <a:schemeClr val="tx1"/>
+                </a:solidFill>
+                <a:effectLst/>
+                <a:latin typeface="Arial" pitchFamily="34" charset="0"/>
+                <a:cs typeface="Arial" pitchFamily="34" charset="0"/>
+              </a:endParaRPr>
+            </a:p>
+          </p:txBody>
+        </p:sp>
+        <p:sp>
+          <p:nvSpPr>
+            <p:cNvPr id="268" name="Text Box 253"/>
+            <p:cNvSpPr txBox="1">
+              <a:spLocks noChangeArrowheads="1"/>
+            </p:cNvSpPr>
+            <p:nvPr/>
+          </p:nvSpPr>
+          <p:spPr bwMode="auto">
+            <a:xfrm>
+              <a:off x="2351088" y="3671888"/>
+              <a:ext cx="1565275" cy="1362075"/>
+            </a:xfrm>
+            <a:prstGeom prst="rect">
+              <a:avLst/>
+            </a:prstGeom>
+            <a:solidFill>
+              <a:srgbClr val="FFFFFF"/>
+            </a:solidFill>
+            <a:ln w="12700">
+              <a:solidFill>
+                <a:srgbClr val="000000"/>
+              </a:solidFill>
+              <a:prstDash val="dash"/>
+              <a:miter lim="800000"/>
+              <a:headEnd/>
+              <a:tailEnd/>
+            </a:ln>
+            <a:effectLst/>
+            <a:extLst>
+              <a:ext uri="{AF507438-7753-43E0-B8FC-AC1667EBCBE1}">
+                <a14:hiddenEffects xmlns:a14="http://schemas.microsoft.com/office/drawing/2010/main">
+                  <a:effectLst>
+                    <a:outerShdw dist="35921" dir="2700000" algn="ctr" rotWithShape="0">
+                      <a:srgbClr val="868686"/>
+                    </a:outerShdw>
+                  </a:effectLst>
+                </a14:hiddenEffects>
+              </a:ext>
+            </a:extLst>
+          </p:spPr>
+          <p:txBody>
+            <a:bodyPr vert="horz" wrap="square" lIns="91440" tIns="45720" rIns="91440" bIns="45720" numCol="1" anchor="t" anchorCtr="0" compatLnSpc="1">
+              <a:prstTxWarp prst="textNoShape">
+                <a:avLst/>
+              </a:prstTxWarp>
+            </a:bodyPr>
+            <a:lstStyle/>
+            <a:p>
+              <a:pPr marL="0" marR="0" lvl="0" indent="0" algn="l" defTabSz="914400" rtl="0" eaLnBrk="1" fontAlgn="base" latinLnBrk="0" hangingPunct="1">
+                <a:lnSpc>
+                  <a:spcPct val="100000"/>
+                </a:lnSpc>
+                <a:spcBef>
+                  <a:spcPct val="0"/>
+                </a:spcBef>
+                <a:spcAft>
+                  <a:spcPct val="0"/>
+                </a:spcAft>
+                <a:buClrTx/>
+                <a:buSzTx/>
+                <a:buFontTx/>
+                <a:buNone/>
+                <a:tabLst/>
+              </a:pPr>
+              <a:r>
+                <a:rPr kumimoji="0" lang="en-US" altLang="nl-NL" sz="1100" b="0" i="0" u="none" strike="noStrike" cap="none" normalizeH="0" baseline="0" smtClean="0">
+                  <a:ln>
+                    <a:noFill/>
+                  </a:ln>
+                  <a:solidFill>
+                    <a:schemeClr val="tx1"/>
+                  </a:solidFill>
+                  <a:effectLst/>
+                  <a:latin typeface="Calibri" pitchFamily="34" charset="0"/>
+                  <a:ea typeface="Times New Roman" pitchFamily="18" charset="0"/>
+                  <a:cs typeface="Times New Roman" pitchFamily="18" charset="0"/>
+                </a:rPr>
+                <a:t>XGBoost model:</a:t>
+              </a:r>
+              <a:br>
+                <a:rPr kumimoji="0" lang="en-US" altLang="nl-NL" sz="1100" b="0" i="0" u="none" strike="noStrike" cap="none" normalizeH="0" baseline="0" smtClean="0">
+                  <a:ln>
+                    <a:noFill/>
+                  </a:ln>
+                  <a:solidFill>
+                    <a:schemeClr val="tx1"/>
+                  </a:solidFill>
+                  <a:effectLst/>
+                  <a:latin typeface="Calibri" pitchFamily="34" charset="0"/>
+                  <a:ea typeface="Times New Roman" pitchFamily="18" charset="0"/>
+                  <a:cs typeface="Times New Roman" pitchFamily="18" charset="0"/>
+                </a:rPr>
+              </a:br>
+              <a:r>
+                <a:rPr kumimoji="0" lang="en-US" altLang="nl-NL" sz="1100" b="0" i="0" u="none" strike="noStrike" cap="none" normalizeH="0" baseline="0" smtClean="0">
+                  <a:ln>
+                    <a:noFill/>
+                  </a:ln>
+                  <a:solidFill>
+                    <a:schemeClr val="tx1"/>
+                  </a:solidFill>
+                  <a:effectLst/>
+                  <a:latin typeface="Calibri" pitchFamily="34" charset="0"/>
+                  <a:ea typeface="Times New Roman" pitchFamily="18" charset="0"/>
+                  <a:cs typeface="Times New Roman" pitchFamily="18" charset="0"/>
+                </a:rPr>
+                <a:t>eta: 0.05, </a:t>
+              </a:r>
+              <a:br>
+                <a:rPr kumimoji="0" lang="en-US" altLang="nl-NL" sz="1100" b="0" i="0" u="none" strike="noStrike" cap="none" normalizeH="0" baseline="0" smtClean="0">
+                  <a:ln>
+                    <a:noFill/>
+                  </a:ln>
+                  <a:solidFill>
+                    <a:schemeClr val="tx1"/>
+                  </a:solidFill>
+                  <a:effectLst/>
+                  <a:latin typeface="Calibri" pitchFamily="34" charset="0"/>
+                  <a:ea typeface="Times New Roman" pitchFamily="18" charset="0"/>
+                  <a:cs typeface="Times New Roman" pitchFamily="18" charset="0"/>
+                </a:rPr>
+              </a:br>
+              <a:r>
+                <a:rPr kumimoji="0" lang="en-US" altLang="nl-NL" sz="1100" b="0" i="0" u="none" strike="noStrike" cap="none" normalizeH="0" baseline="0" smtClean="0">
+                  <a:ln>
+                    <a:noFill/>
+                  </a:ln>
+                  <a:solidFill>
+                    <a:schemeClr val="tx1"/>
+                  </a:solidFill>
+                  <a:effectLst/>
+                  <a:latin typeface="Calibri" pitchFamily="34" charset="0"/>
+                  <a:ea typeface="Times New Roman" pitchFamily="18" charset="0"/>
+                  <a:cs typeface="Times New Roman" pitchFamily="18" charset="0"/>
+                </a:rPr>
+                <a:t>max depth:5, subsample: 0.7, </a:t>
+              </a:r>
+              <a:br>
+                <a:rPr kumimoji="0" lang="en-US" altLang="nl-NL" sz="1100" b="0" i="0" u="none" strike="noStrike" cap="none" normalizeH="0" baseline="0" smtClean="0">
+                  <a:ln>
+                    <a:noFill/>
+                  </a:ln>
+                  <a:solidFill>
+                    <a:schemeClr val="tx1"/>
+                  </a:solidFill>
+                  <a:effectLst/>
+                  <a:latin typeface="Calibri" pitchFamily="34" charset="0"/>
+                  <a:ea typeface="Times New Roman" pitchFamily="18" charset="0"/>
+                  <a:cs typeface="Times New Roman" pitchFamily="18" charset="0"/>
+                </a:rPr>
+              </a:br>
+              <a:r>
+                <a:rPr kumimoji="0" lang="en-US" altLang="nl-NL" sz="1100" b="0" i="0" u="none" strike="noStrike" cap="none" normalizeH="0" baseline="0" smtClean="0">
+                  <a:ln>
+                    <a:noFill/>
+                  </a:ln>
+                  <a:solidFill>
+                    <a:schemeClr val="tx1"/>
+                  </a:solidFill>
+                  <a:effectLst/>
+                  <a:latin typeface="Calibri" pitchFamily="34" charset="0"/>
+                  <a:ea typeface="Times New Roman" pitchFamily="18" charset="0"/>
+                  <a:cs typeface="Times New Roman" pitchFamily="18" charset="0"/>
+                </a:rPr>
+                <a:t>colsample per tree: 0.7</a:t>
+              </a:r>
+              <a:br>
+                <a:rPr kumimoji="0" lang="en-US" altLang="nl-NL" sz="1100" b="0" i="0" u="none" strike="noStrike" cap="none" normalizeH="0" baseline="0" smtClean="0">
+                  <a:ln>
+                    <a:noFill/>
+                  </a:ln>
+                  <a:solidFill>
+                    <a:schemeClr val="tx1"/>
+                  </a:solidFill>
+                  <a:effectLst/>
+                  <a:latin typeface="Calibri" pitchFamily="34" charset="0"/>
+                  <a:ea typeface="Times New Roman" pitchFamily="18" charset="0"/>
+                  <a:cs typeface="Times New Roman" pitchFamily="18" charset="0"/>
+                </a:rPr>
+              </a:br>
+              <a:r>
+                <a:rPr kumimoji="0" lang="en-US" altLang="nl-NL" sz="1100" b="0" i="0" u="none" strike="noStrike" cap="none" normalizeH="0" baseline="0" smtClean="0">
+                  <a:ln>
+                    <a:noFill/>
+                  </a:ln>
+                  <a:solidFill>
+                    <a:schemeClr val="tx1"/>
+                  </a:solidFill>
+                  <a:effectLst/>
+                  <a:latin typeface="Calibri" pitchFamily="34" charset="0"/>
+                  <a:ea typeface="Times New Roman" pitchFamily="18" charset="0"/>
+                  <a:cs typeface="Times New Roman" pitchFamily="18" charset="0"/>
+                </a:rPr>
+                <a:t>num rounds: 385</a:t>
+              </a:r>
+              <a:endParaRPr kumimoji="0" lang="en-US" altLang="nl-NL" sz="1100" b="0" i="0" u="none" strike="noStrike" cap="none" normalizeH="0" baseline="0" smtClean="0">
+                <a:ln>
+                  <a:noFill/>
+                </a:ln>
+                <a:solidFill>
+                  <a:schemeClr val="tx1"/>
+                </a:solidFill>
+                <a:effectLst/>
+                <a:latin typeface="Arial" pitchFamily="34" charset="0"/>
+                <a:cs typeface="Arial" pitchFamily="34" charset="0"/>
+              </a:endParaRPr>
+            </a:p>
+            <a:p>
+              <a:pPr marL="0" marR="0" lvl="0" indent="0" algn="l" defTabSz="914400" rtl="0" eaLnBrk="0" fontAlgn="base" latinLnBrk="0" hangingPunct="0">
+                <a:lnSpc>
+                  <a:spcPct val="100000"/>
+                </a:lnSpc>
+                <a:spcBef>
+                  <a:spcPct val="0"/>
+                </a:spcBef>
+                <a:spcAft>
+                  <a:spcPct val="0"/>
+                </a:spcAft>
+                <a:buClrTx/>
+                <a:buSzTx/>
+                <a:buFontTx/>
+                <a:buNone/>
+                <a:tabLst/>
+              </a:pPr>
+              <a:endParaRPr kumimoji="0" lang="en-US" altLang="nl-NL" sz="1800" b="0" i="0" u="none" strike="noStrike" cap="none" normalizeH="0" baseline="0" smtClean="0">
+                <a:ln>
+                  <a:noFill/>
+                </a:ln>
+                <a:solidFill>
+                  <a:schemeClr val="tx1"/>
+                </a:solidFill>
+                <a:effectLst/>
+                <a:latin typeface="Arial" pitchFamily="34" charset="0"/>
+                <a:cs typeface="Arial" pitchFamily="34" charset="0"/>
+              </a:endParaRPr>
+            </a:p>
+          </p:txBody>
+        </p:sp>
+        <p:sp>
+          <p:nvSpPr>
+            <p:cNvPr id="269" name="Text Box 252"/>
+            <p:cNvSpPr txBox="1">
+              <a:spLocks noChangeArrowheads="1"/>
+            </p:cNvSpPr>
+            <p:nvPr/>
+          </p:nvSpPr>
+          <p:spPr bwMode="auto">
+            <a:xfrm>
+              <a:off x="4090988" y="1833563"/>
+              <a:ext cx="2047875" cy="285750"/>
+            </a:xfrm>
+            <a:prstGeom prst="rect">
+              <a:avLst/>
+            </a:prstGeom>
+            <a:solidFill>
+              <a:srgbClr val="FFFFFF"/>
+            </a:solidFill>
+            <a:ln w="31750">
+              <a:solidFill>
+                <a:srgbClr val="000000"/>
+              </a:solidFill>
+              <a:miter lim="800000"/>
+              <a:headEnd/>
+              <a:tailEnd/>
+            </a:ln>
+            <a:effectLst/>
+            <a:extLst>
+              <a:ext uri="{AF507438-7753-43E0-B8FC-AC1667EBCBE1}">
+                <a14:hiddenEffects xmlns:a14="http://schemas.microsoft.com/office/drawing/2010/main">
+                  <a:effectLst>
+                    <a:outerShdw dist="35921" dir="2700000" algn="ctr" rotWithShape="0">
+                      <a:srgbClr val="868686"/>
+                    </a:outerShdw>
+                  </a:effectLst>
+                </a14:hiddenEffects>
+              </a:ext>
+            </a:extLst>
+          </p:spPr>
+          <p:txBody>
+            <a:bodyPr vert="horz" wrap="square" lIns="91440" tIns="45720" rIns="91440" bIns="45720" numCol="1" anchor="t" anchorCtr="0" compatLnSpc="1">
+              <a:prstTxWarp prst="textNoShape">
+                <a:avLst/>
+              </a:prstTxWarp>
+            </a:bodyPr>
+            <a:lstStyle/>
+            <a:p>
+              <a:pPr marL="0" marR="0" lvl="0" indent="0" algn="l" defTabSz="914400" rtl="0" eaLnBrk="1" fontAlgn="base" latinLnBrk="0" hangingPunct="1">
+                <a:lnSpc>
+                  <a:spcPct val="100000"/>
+                </a:lnSpc>
+                <a:spcBef>
+                  <a:spcPct val="0"/>
+                </a:spcBef>
+                <a:spcAft>
+                  <a:spcPct val="0"/>
+                </a:spcAft>
+                <a:buClrTx/>
+                <a:buSzTx/>
+                <a:buFontTx/>
+                <a:buNone/>
+                <a:tabLst/>
+              </a:pPr>
+              <a:r>
+                <a:rPr kumimoji="0" lang="nl-NL" altLang="nl-NL" sz="1100" b="0" i="0" u="none" strike="noStrike" cap="none" normalizeH="0" baseline="0" smtClean="0">
+                  <a:ln>
+                    <a:noFill/>
+                  </a:ln>
+                  <a:solidFill>
+                    <a:schemeClr val="tx1"/>
+                  </a:solidFill>
+                  <a:effectLst/>
+                  <a:latin typeface="Calibri" pitchFamily="34" charset="0"/>
+                  <a:ea typeface="Times New Roman" pitchFamily="18" charset="0"/>
+                  <a:cs typeface="Times New Roman" pitchFamily="18" charset="0"/>
+                </a:rPr>
+                <a:t>Remove possible fraud cases</a:t>
+              </a:r>
+              <a:endParaRPr kumimoji="0" lang="nl-NL" altLang="nl-NL" sz="1100" b="0" i="0" u="none" strike="noStrike" cap="none" normalizeH="0" baseline="0" smtClean="0">
+                <a:ln>
+                  <a:noFill/>
+                </a:ln>
+                <a:solidFill>
+                  <a:schemeClr val="tx1"/>
+                </a:solidFill>
+                <a:effectLst/>
+                <a:latin typeface="Arial" pitchFamily="34" charset="0"/>
+                <a:cs typeface="Arial" pitchFamily="34" charset="0"/>
+              </a:endParaRPr>
+            </a:p>
+            <a:p>
+              <a:pPr marL="0" marR="0" lvl="0" indent="0" algn="l" defTabSz="914400" rtl="0" eaLnBrk="0" fontAlgn="base" latinLnBrk="0" hangingPunct="0">
+                <a:lnSpc>
+                  <a:spcPct val="100000"/>
+                </a:lnSpc>
+                <a:spcBef>
+                  <a:spcPct val="0"/>
+                </a:spcBef>
+                <a:spcAft>
+                  <a:spcPct val="0"/>
+                </a:spcAft>
+                <a:buClrTx/>
+                <a:buSzTx/>
+                <a:buFontTx/>
+                <a:buNone/>
+                <a:tabLst/>
+              </a:pPr>
+              <a:endParaRPr kumimoji="0" lang="nl-NL" altLang="nl-NL" sz="1800" b="0" i="0" u="none" strike="noStrike" cap="none" normalizeH="0" baseline="0" smtClean="0">
+                <a:ln>
+                  <a:noFill/>
+                </a:ln>
+                <a:solidFill>
+                  <a:schemeClr val="tx1"/>
+                </a:solidFill>
+                <a:effectLst/>
+                <a:latin typeface="Arial" pitchFamily="34" charset="0"/>
+                <a:cs typeface="Arial" pitchFamily="34" charset="0"/>
+              </a:endParaRPr>
+            </a:p>
+          </p:txBody>
+        </p:sp>
+        <p:sp>
+          <p:nvSpPr>
+            <p:cNvPr id="270" name="Text Box 251"/>
+            <p:cNvSpPr txBox="1">
+              <a:spLocks noChangeArrowheads="1"/>
+            </p:cNvSpPr>
+            <p:nvPr/>
+          </p:nvSpPr>
+          <p:spPr bwMode="auto">
+            <a:xfrm>
+              <a:off x="4090988" y="2119313"/>
+              <a:ext cx="2047875" cy="514350"/>
+            </a:xfrm>
+            <a:prstGeom prst="rect">
+              <a:avLst/>
+            </a:prstGeom>
+            <a:solidFill>
+              <a:srgbClr val="FFFFFF"/>
+            </a:solidFill>
+            <a:ln w="31750">
+              <a:solidFill>
+                <a:srgbClr val="000000"/>
+              </a:solidFill>
+              <a:miter lim="800000"/>
+              <a:headEnd/>
+              <a:tailEnd/>
+            </a:ln>
+            <a:effectLst/>
+            <a:extLst>
+              <a:ext uri="{AF507438-7753-43E0-B8FC-AC1667EBCBE1}">
+                <a14:hiddenEffects xmlns:a14="http://schemas.microsoft.com/office/drawing/2010/main">
+                  <a:effectLst>
+                    <a:outerShdw dist="35921" dir="2700000" algn="ctr" rotWithShape="0">
+                      <a:srgbClr val="868686"/>
+                    </a:outerShdw>
+                  </a:effectLst>
+                </a14:hiddenEffects>
+              </a:ext>
+            </a:extLst>
+          </p:spPr>
+          <p:txBody>
+            <a:bodyPr vert="horz" wrap="square" lIns="91440" tIns="45720" rIns="91440" bIns="45720" numCol="1" anchor="t" anchorCtr="0" compatLnSpc="1">
+              <a:prstTxWarp prst="textNoShape">
+                <a:avLst/>
+              </a:prstTxWarp>
+            </a:bodyPr>
+            <a:lstStyle/>
+            <a:p>
+              <a:pPr marL="0" marR="0" lvl="0" indent="0" algn="l" defTabSz="914400" rtl="0" eaLnBrk="1" fontAlgn="base" latinLnBrk="0" hangingPunct="1">
+                <a:lnSpc>
+                  <a:spcPct val="100000"/>
+                </a:lnSpc>
+                <a:spcBef>
+                  <a:spcPct val="0"/>
+                </a:spcBef>
+                <a:spcAft>
+                  <a:spcPct val="0"/>
+                </a:spcAft>
+                <a:buClrTx/>
+                <a:buSzTx/>
+                <a:buFontTx/>
+                <a:buNone/>
+                <a:tabLst/>
+              </a:pPr>
+              <a:r>
+                <a:rPr kumimoji="0" lang="en-US" altLang="nl-NL" sz="1100" b="0" i="0" u="none" strike="noStrike" cap="none" normalizeH="0" baseline="0" smtClean="0">
+                  <a:ln>
+                    <a:noFill/>
+                  </a:ln>
+                  <a:solidFill>
+                    <a:schemeClr val="tx1"/>
+                  </a:solidFill>
+                  <a:effectLst/>
+                  <a:latin typeface="Calibri" pitchFamily="34" charset="0"/>
+                  <a:ea typeface="Times New Roman" pitchFamily="18" charset="0"/>
+                  <a:cs typeface="Times New Roman" pitchFamily="18" charset="0"/>
+                </a:rPr>
+                <a:t>Correct for inflation on train prices</a:t>
+              </a:r>
+              <a:endParaRPr kumimoji="0" lang="en-US" altLang="nl-NL" sz="1800" b="0" i="0" u="none" strike="noStrike" cap="none" normalizeH="0" baseline="0" smtClean="0">
+                <a:ln>
+                  <a:noFill/>
+                </a:ln>
+                <a:solidFill>
+                  <a:schemeClr val="tx1"/>
+                </a:solidFill>
+                <a:effectLst/>
+                <a:latin typeface="Arial" pitchFamily="34" charset="0"/>
+                <a:cs typeface="Arial" pitchFamily="34" charset="0"/>
+              </a:endParaRPr>
+            </a:p>
+          </p:txBody>
+        </p:sp>
+        <p:sp>
+          <p:nvSpPr>
+            <p:cNvPr id="271" name="Text Box 250"/>
+            <p:cNvSpPr txBox="1">
+              <a:spLocks noChangeArrowheads="1"/>
+            </p:cNvSpPr>
+            <p:nvPr/>
+          </p:nvSpPr>
+          <p:spPr bwMode="auto">
+            <a:xfrm>
+              <a:off x="4090988" y="2633663"/>
+              <a:ext cx="2047875" cy="285750"/>
+            </a:xfrm>
+            <a:prstGeom prst="rect">
+              <a:avLst/>
+            </a:prstGeom>
+            <a:solidFill>
+              <a:srgbClr val="FFFFFF"/>
+            </a:solidFill>
+            <a:ln w="31750">
+              <a:solidFill>
+                <a:srgbClr val="000000"/>
+              </a:solidFill>
+              <a:miter lim="800000"/>
+              <a:headEnd/>
+              <a:tailEnd/>
+            </a:ln>
+            <a:effectLst/>
+            <a:extLst>
+              <a:ext uri="{AF507438-7753-43E0-B8FC-AC1667EBCBE1}">
+                <a14:hiddenEffects xmlns:a14="http://schemas.microsoft.com/office/drawing/2010/main">
+                  <a:effectLst>
+                    <a:outerShdw dist="35921" dir="2700000" algn="ctr" rotWithShape="0">
+                      <a:srgbClr val="868686"/>
+                    </a:outerShdw>
+                  </a:effectLst>
+                </a14:hiddenEffects>
+              </a:ext>
+            </a:extLst>
+          </p:spPr>
+          <p:txBody>
+            <a:bodyPr vert="horz" wrap="square" lIns="91440" tIns="45720" rIns="91440" bIns="45720" numCol="1" anchor="t" anchorCtr="0" compatLnSpc="1">
+              <a:prstTxWarp prst="textNoShape">
+                <a:avLst/>
+              </a:prstTxWarp>
+            </a:bodyPr>
+            <a:lstStyle/>
+            <a:p>
+              <a:pPr marL="0" marR="0" lvl="0" indent="0" algn="l" defTabSz="914400" rtl="0" eaLnBrk="1" fontAlgn="base" latinLnBrk="0" hangingPunct="1">
+                <a:lnSpc>
+                  <a:spcPct val="100000"/>
+                </a:lnSpc>
+                <a:spcBef>
+                  <a:spcPct val="0"/>
+                </a:spcBef>
+                <a:spcAft>
+                  <a:spcPct val="0"/>
+                </a:spcAft>
+                <a:buClrTx/>
+                <a:buSzTx/>
+                <a:buFontTx/>
+                <a:buNone/>
+                <a:tabLst/>
+              </a:pPr>
+              <a:r>
+                <a:rPr kumimoji="0" lang="nl-NL" altLang="nl-NL" sz="1100" b="0" i="0" u="none" strike="noStrike" cap="none" normalizeH="0" baseline="0" smtClean="0">
+                  <a:ln>
+                    <a:noFill/>
+                  </a:ln>
+                  <a:solidFill>
+                    <a:schemeClr val="tx1"/>
+                  </a:solidFill>
+                  <a:effectLst/>
+                  <a:latin typeface="Calibri" pitchFamily="34" charset="0"/>
+                  <a:ea typeface="Times New Roman" pitchFamily="18" charset="0"/>
+                  <a:cs typeface="Times New Roman" pitchFamily="18" charset="0"/>
+                </a:rPr>
+                <a:t>Add manual features</a:t>
+              </a:r>
+              <a:endParaRPr kumimoji="0" lang="nl-NL" altLang="nl-NL" sz="1800" b="0" i="0" u="none" strike="noStrike" cap="none" normalizeH="0" baseline="0" smtClean="0">
+                <a:ln>
+                  <a:noFill/>
+                </a:ln>
+                <a:solidFill>
+                  <a:schemeClr val="tx1"/>
+                </a:solidFill>
+                <a:effectLst/>
+                <a:latin typeface="Arial" pitchFamily="34" charset="0"/>
+                <a:cs typeface="Arial" pitchFamily="34" charset="0"/>
+              </a:endParaRPr>
+            </a:p>
+          </p:txBody>
+        </p:sp>
+        <p:sp>
+          <p:nvSpPr>
+            <p:cNvPr id="272" name="Text Box 249"/>
+            <p:cNvSpPr txBox="1">
+              <a:spLocks noChangeArrowheads="1"/>
+            </p:cNvSpPr>
+            <p:nvPr/>
+          </p:nvSpPr>
+          <p:spPr bwMode="auto">
+            <a:xfrm>
+              <a:off x="4090988" y="2919413"/>
+              <a:ext cx="2047875" cy="285750"/>
+            </a:xfrm>
+            <a:prstGeom prst="rect">
+              <a:avLst/>
+            </a:prstGeom>
+            <a:solidFill>
+              <a:srgbClr val="FFFFFF"/>
+            </a:solidFill>
+            <a:ln w="31750">
+              <a:solidFill>
+                <a:srgbClr val="000000"/>
+              </a:solidFill>
+              <a:miter lim="800000"/>
+              <a:headEnd/>
+              <a:tailEnd/>
+            </a:ln>
+            <a:effectLst/>
+            <a:extLst>
+              <a:ext uri="{AF507438-7753-43E0-B8FC-AC1667EBCBE1}">
+                <a14:hiddenEffects xmlns:a14="http://schemas.microsoft.com/office/drawing/2010/main">
+                  <a:effectLst>
+                    <a:outerShdw dist="35921" dir="2700000" algn="ctr" rotWithShape="0">
+                      <a:srgbClr val="868686"/>
+                    </a:outerShdw>
+                  </a:effectLst>
+                </a14:hiddenEffects>
+              </a:ext>
+            </a:extLst>
+          </p:spPr>
+          <p:txBody>
+            <a:bodyPr vert="horz" wrap="square" lIns="91440" tIns="45720" rIns="91440" bIns="45720" numCol="1" anchor="t" anchorCtr="0" compatLnSpc="1">
+              <a:prstTxWarp prst="textNoShape">
+                <a:avLst/>
+              </a:prstTxWarp>
+            </a:bodyPr>
+            <a:lstStyle/>
+            <a:p>
+              <a:pPr marL="0" marR="0" lvl="0" indent="0" algn="l" defTabSz="914400" rtl="0" eaLnBrk="1" fontAlgn="base" latinLnBrk="0" hangingPunct="1">
+                <a:lnSpc>
+                  <a:spcPct val="100000"/>
+                </a:lnSpc>
+                <a:spcBef>
+                  <a:spcPct val="0"/>
+                </a:spcBef>
+                <a:spcAft>
+                  <a:spcPct val="0"/>
+                </a:spcAft>
+                <a:buClrTx/>
+                <a:buSzTx/>
+                <a:buFontTx/>
+                <a:buNone/>
+                <a:tabLst/>
+              </a:pPr>
+              <a:r>
+                <a:rPr kumimoji="0" lang="nl-NL" altLang="nl-NL" sz="1100" b="0" i="0" u="none" strike="noStrike" cap="none" normalizeH="0" baseline="0" smtClean="0">
+                  <a:ln>
+                    <a:noFill/>
+                  </a:ln>
+                  <a:solidFill>
+                    <a:schemeClr val="tx1"/>
+                  </a:solidFill>
+                  <a:effectLst/>
+                  <a:latin typeface="Calibri" pitchFamily="34" charset="0"/>
+                  <a:ea typeface="Times New Roman" pitchFamily="18" charset="0"/>
+                  <a:cs typeface="Times New Roman" pitchFamily="18" charset="0"/>
+                </a:rPr>
+                <a:t>Add macro-economic data</a:t>
+              </a:r>
+              <a:endParaRPr kumimoji="0" lang="nl-NL" altLang="nl-NL" sz="1100" b="0" i="0" u="none" strike="noStrike" cap="none" normalizeH="0" baseline="0" smtClean="0">
+                <a:ln>
+                  <a:noFill/>
+                </a:ln>
+                <a:solidFill>
+                  <a:schemeClr val="tx1"/>
+                </a:solidFill>
+                <a:effectLst/>
+                <a:latin typeface="Arial" pitchFamily="34" charset="0"/>
+                <a:cs typeface="Arial" pitchFamily="34" charset="0"/>
+              </a:endParaRPr>
+            </a:p>
+            <a:p>
+              <a:pPr marL="0" marR="0" lvl="0" indent="0" algn="l" defTabSz="914400" rtl="0" eaLnBrk="0" fontAlgn="base" latinLnBrk="0" hangingPunct="0">
+                <a:lnSpc>
+                  <a:spcPct val="100000"/>
+                </a:lnSpc>
+                <a:spcBef>
+                  <a:spcPct val="0"/>
+                </a:spcBef>
+                <a:spcAft>
+                  <a:spcPct val="0"/>
+                </a:spcAft>
+                <a:buClrTx/>
+                <a:buSzTx/>
+                <a:buFontTx/>
+                <a:buNone/>
+                <a:tabLst/>
+              </a:pPr>
+              <a:endParaRPr kumimoji="0" lang="nl-NL" altLang="nl-NL" sz="1800" b="0" i="0" u="none" strike="noStrike" cap="none" normalizeH="0" baseline="0" smtClean="0">
+                <a:ln>
+                  <a:noFill/>
+                </a:ln>
+                <a:solidFill>
+                  <a:schemeClr val="tx1"/>
+                </a:solidFill>
+                <a:effectLst/>
+                <a:latin typeface="Arial" pitchFamily="34" charset="0"/>
+                <a:cs typeface="Arial" pitchFamily="34" charset="0"/>
+              </a:endParaRPr>
+            </a:p>
+          </p:txBody>
+        </p:sp>
+        <p:sp>
+          <p:nvSpPr>
+            <p:cNvPr id="273" name="AutoShape 248"/>
+            <p:cNvSpPr>
+              <a:spLocks noChangeArrowheads="1"/>
+            </p:cNvSpPr>
+            <p:nvPr/>
+          </p:nvSpPr>
+          <p:spPr bwMode="auto">
+            <a:xfrm>
+              <a:off x="4029075" y="3205163"/>
+              <a:ext cx="485775" cy="1876425"/>
+            </a:xfrm>
+            <a:prstGeom prst="downArrow">
+              <a:avLst>
+                <a:gd name="adj1" fmla="val 46148"/>
+                <a:gd name="adj2" fmla="val 122821"/>
+              </a:avLst>
+            </a:prstGeom>
+            <a:solidFill>
+              <a:srgbClr val="FFFFFF"/>
+            </a:solidFill>
+            <a:ln w="9525">
+              <a:solidFill>
+                <a:srgbClr val="000000"/>
+              </a:solidFill>
+              <a:miter lim="800000"/>
+              <a:headEnd/>
+              <a:tailEnd/>
+            </a:ln>
+          </p:spPr>
+          <p:txBody>
+            <a:bodyPr vert="eaVert" wrap="square" lIns="91440" tIns="45720" rIns="91440" bIns="45720" numCol="1" anchor="t" anchorCtr="0" compatLnSpc="1">
+              <a:prstTxWarp prst="textNoShape">
+                <a:avLst/>
+              </a:prstTxWarp>
+            </a:bodyPr>
+            <a:lstStyle/>
+            <a:p>
+              <a:endParaRPr lang="nl-NL"/>
+            </a:p>
+          </p:txBody>
+        </p:sp>
+        <p:sp>
+          <p:nvSpPr>
+            <p:cNvPr id="274" name="Text Box 247"/>
+            <p:cNvSpPr txBox="1">
+              <a:spLocks noChangeArrowheads="1"/>
+            </p:cNvSpPr>
+            <p:nvPr/>
+          </p:nvSpPr>
+          <p:spPr bwMode="auto">
+            <a:xfrm>
+              <a:off x="4090988" y="5081588"/>
+              <a:ext cx="2047875" cy="285750"/>
+            </a:xfrm>
+            <a:prstGeom prst="rect">
+              <a:avLst/>
+            </a:prstGeom>
+            <a:solidFill>
+              <a:srgbClr val="FFFFFF"/>
+            </a:solidFill>
+            <a:ln w="31750">
+              <a:solidFill>
+                <a:srgbClr val="000000"/>
+              </a:solidFill>
+              <a:miter lim="800000"/>
+              <a:headEnd/>
+              <a:tailEnd/>
+            </a:ln>
+            <a:effectLst/>
+            <a:extLst>
+              <a:ext uri="{AF507438-7753-43E0-B8FC-AC1667EBCBE1}">
+                <a14:hiddenEffects xmlns:a14="http://schemas.microsoft.com/office/drawing/2010/main">
+                  <a:effectLst>
+                    <a:outerShdw dist="35921" dir="2700000" algn="ctr" rotWithShape="0">
+                      <a:srgbClr val="868686"/>
+                    </a:outerShdw>
+                  </a:effectLst>
+                </a14:hiddenEffects>
+              </a:ext>
+            </a:extLst>
+          </p:spPr>
+          <p:txBody>
+            <a:bodyPr vert="horz" wrap="square" lIns="91440" tIns="45720" rIns="91440" bIns="45720" numCol="1" anchor="t" anchorCtr="0" compatLnSpc="1">
+              <a:prstTxWarp prst="textNoShape">
+                <a:avLst/>
+              </a:prstTxWarp>
+            </a:bodyPr>
+            <a:lstStyle/>
+            <a:p>
+              <a:pPr marL="0" marR="0" lvl="0" indent="0" algn="l" defTabSz="914400" rtl="0" eaLnBrk="1" fontAlgn="base" latinLnBrk="0" hangingPunct="1">
+                <a:lnSpc>
+                  <a:spcPct val="100000"/>
+                </a:lnSpc>
+                <a:spcBef>
+                  <a:spcPct val="0"/>
+                </a:spcBef>
+                <a:spcAft>
+                  <a:spcPct val="0"/>
+                </a:spcAft>
+                <a:buClrTx/>
+                <a:buSzTx/>
+                <a:buFontTx/>
+                <a:buNone/>
+                <a:tabLst/>
+              </a:pPr>
+              <a:r>
+                <a:rPr kumimoji="0" lang="nl-NL" altLang="nl-NL" sz="1100" b="0" i="0" u="none" strike="noStrike" cap="none" normalizeH="0" baseline="0" smtClean="0">
+                  <a:ln>
+                    <a:noFill/>
+                  </a:ln>
+                  <a:solidFill>
+                    <a:schemeClr val="tx1"/>
+                  </a:solidFill>
+                  <a:effectLst/>
+                  <a:latin typeface="Calibri" pitchFamily="34" charset="0"/>
+                  <a:ea typeface="Times New Roman" pitchFamily="18" charset="0"/>
+                  <a:cs typeface="Times New Roman" pitchFamily="18" charset="0"/>
+                </a:rPr>
+                <a:t>Prediction model 3</a:t>
+              </a:r>
+              <a:endParaRPr kumimoji="0" lang="nl-NL" altLang="nl-NL" sz="1100" b="0" i="0" u="none" strike="noStrike" cap="none" normalizeH="0" baseline="0" smtClean="0">
+                <a:ln>
+                  <a:noFill/>
+                </a:ln>
+                <a:solidFill>
+                  <a:schemeClr val="tx1"/>
+                </a:solidFill>
+                <a:effectLst/>
+                <a:latin typeface="Arial" pitchFamily="34" charset="0"/>
+                <a:cs typeface="Arial" pitchFamily="34" charset="0"/>
+              </a:endParaRPr>
+            </a:p>
+            <a:p>
+              <a:pPr marL="0" marR="0" lvl="0" indent="0" algn="l" defTabSz="914400" rtl="0" eaLnBrk="0" fontAlgn="base" latinLnBrk="0" hangingPunct="0">
+                <a:lnSpc>
+                  <a:spcPct val="100000"/>
+                </a:lnSpc>
+                <a:spcBef>
+                  <a:spcPct val="0"/>
+                </a:spcBef>
+                <a:spcAft>
+                  <a:spcPct val="0"/>
+                </a:spcAft>
+                <a:buClrTx/>
+                <a:buSzTx/>
+                <a:buFontTx/>
+                <a:buNone/>
+                <a:tabLst/>
+              </a:pPr>
+              <a:endParaRPr kumimoji="0" lang="nl-NL" altLang="nl-NL" sz="1800" b="0" i="0" u="none" strike="noStrike" cap="none" normalizeH="0" baseline="0" smtClean="0">
+                <a:ln>
+                  <a:noFill/>
+                </a:ln>
+                <a:solidFill>
+                  <a:schemeClr val="tx1"/>
+                </a:solidFill>
+                <a:effectLst/>
+                <a:latin typeface="Arial" pitchFamily="34" charset="0"/>
+                <a:cs typeface="Arial" pitchFamily="34" charset="0"/>
+              </a:endParaRPr>
+            </a:p>
+          </p:txBody>
+        </p:sp>
+        <p:sp>
+          <p:nvSpPr>
+            <p:cNvPr id="275" name="Text Box 246"/>
+            <p:cNvSpPr txBox="1">
+              <a:spLocks noChangeArrowheads="1"/>
+            </p:cNvSpPr>
+            <p:nvPr/>
+          </p:nvSpPr>
+          <p:spPr bwMode="auto">
+            <a:xfrm>
+              <a:off x="4570413" y="3671888"/>
+              <a:ext cx="1568450" cy="1362075"/>
+            </a:xfrm>
+            <a:prstGeom prst="rect">
+              <a:avLst/>
+            </a:prstGeom>
+            <a:solidFill>
+              <a:srgbClr val="FFFFFF"/>
+            </a:solidFill>
+            <a:ln w="12700">
+              <a:solidFill>
+                <a:srgbClr val="000000"/>
+              </a:solidFill>
+              <a:prstDash val="dash"/>
+              <a:miter lim="800000"/>
+              <a:headEnd/>
+              <a:tailEnd/>
+            </a:ln>
+            <a:effectLst/>
+            <a:extLst>
+              <a:ext uri="{AF507438-7753-43E0-B8FC-AC1667EBCBE1}">
+                <a14:hiddenEffects xmlns:a14="http://schemas.microsoft.com/office/drawing/2010/main">
+                  <a:effectLst>
+                    <a:outerShdw dist="35921" dir="2700000" algn="ctr" rotWithShape="0">
+                      <a:srgbClr val="868686"/>
+                    </a:outerShdw>
+                  </a:effectLst>
+                </a14:hiddenEffects>
+              </a:ext>
+            </a:extLst>
+          </p:spPr>
+          <p:txBody>
+            <a:bodyPr vert="horz" wrap="square" lIns="91440" tIns="45720" rIns="91440" bIns="45720" numCol="1" anchor="t" anchorCtr="0" compatLnSpc="1">
+              <a:prstTxWarp prst="textNoShape">
+                <a:avLst/>
+              </a:prstTxWarp>
+            </a:bodyPr>
+            <a:lstStyle/>
+            <a:p>
+              <a:pPr marL="0" marR="0" lvl="0" indent="0" algn="l" defTabSz="914400" rtl="0" eaLnBrk="1" fontAlgn="base" latinLnBrk="0" hangingPunct="1">
+                <a:lnSpc>
+                  <a:spcPct val="100000"/>
+                </a:lnSpc>
+                <a:spcBef>
+                  <a:spcPct val="0"/>
+                </a:spcBef>
+                <a:spcAft>
+                  <a:spcPct val="0"/>
+                </a:spcAft>
+                <a:buClrTx/>
+                <a:buSzTx/>
+                <a:buFontTx/>
+                <a:buNone/>
+                <a:tabLst/>
+              </a:pPr>
+              <a:r>
+                <a:rPr kumimoji="0" lang="en-US" altLang="nl-NL" sz="1100" b="0" i="0" u="none" strike="noStrike" cap="none" normalizeH="0" baseline="0" smtClean="0">
+                  <a:ln>
+                    <a:noFill/>
+                  </a:ln>
+                  <a:solidFill>
+                    <a:schemeClr val="tx1"/>
+                  </a:solidFill>
+                  <a:effectLst/>
+                  <a:latin typeface="Calibri" pitchFamily="34" charset="0"/>
+                  <a:ea typeface="Times New Roman" pitchFamily="18" charset="0"/>
+                  <a:cs typeface="Times New Roman" pitchFamily="18" charset="0"/>
+                </a:rPr>
+                <a:t>XGBoost model:</a:t>
+              </a:r>
+              <a:br>
+                <a:rPr kumimoji="0" lang="en-US" altLang="nl-NL" sz="1100" b="0" i="0" u="none" strike="noStrike" cap="none" normalizeH="0" baseline="0" smtClean="0">
+                  <a:ln>
+                    <a:noFill/>
+                  </a:ln>
+                  <a:solidFill>
+                    <a:schemeClr val="tx1"/>
+                  </a:solidFill>
+                  <a:effectLst/>
+                  <a:latin typeface="Calibri" pitchFamily="34" charset="0"/>
+                  <a:ea typeface="Times New Roman" pitchFamily="18" charset="0"/>
+                  <a:cs typeface="Times New Roman" pitchFamily="18" charset="0"/>
+                </a:rPr>
+              </a:br>
+              <a:r>
+                <a:rPr kumimoji="0" lang="en-US" altLang="nl-NL" sz="1100" b="0" i="0" u="none" strike="noStrike" cap="none" normalizeH="0" baseline="0" smtClean="0">
+                  <a:ln>
+                    <a:noFill/>
+                  </a:ln>
+                  <a:solidFill>
+                    <a:schemeClr val="tx1"/>
+                  </a:solidFill>
+                  <a:effectLst/>
+                  <a:latin typeface="Calibri" pitchFamily="34" charset="0"/>
+                  <a:ea typeface="Times New Roman" pitchFamily="18" charset="0"/>
+                  <a:cs typeface="Times New Roman" pitchFamily="18" charset="0"/>
+                </a:rPr>
+                <a:t>eta: 0.05, </a:t>
+              </a:r>
+              <a:br>
+                <a:rPr kumimoji="0" lang="en-US" altLang="nl-NL" sz="1100" b="0" i="0" u="none" strike="noStrike" cap="none" normalizeH="0" baseline="0" smtClean="0">
+                  <a:ln>
+                    <a:noFill/>
+                  </a:ln>
+                  <a:solidFill>
+                    <a:schemeClr val="tx1"/>
+                  </a:solidFill>
+                  <a:effectLst/>
+                  <a:latin typeface="Calibri" pitchFamily="34" charset="0"/>
+                  <a:ea typeface="Times New Roman" pitchFamily="18" charset="0"/>
+                  <a:cs typeface="Times New Roman" pitchFamily="18" charset="0"/>
+                </a:rPr>
+              </a:br>
+              <a:r>
+                <a:rPr kumimoji="0" lang="en-US" altLang="nl-NL" sz="1100" b="0" i="0" u="none" strike="noStrike" cap="none" normalizeH="0" baseline="0" smtClean="0">
+                  <a:ln>
+                    <a:noFill/>
+                  </a:ln>
+                  <a:solidFill>
+                    <a:schemeClr val="tx1"/>
+                  </a:solidFill>
+                  <a:effectLst/>
+                  <a:latin typeface="Calibri" pitchFamily="34" charset="0"/>
+                  <a:ea typeface="Times New Roman" pitchFamily="18" charset="0"/>
+                  <a:cs typeface="Times New Roman" pitchFamily="18" charset="0"/>
+                </a:rPr>
+                <a:t>max depth:5, subsample: 0.7, </a:t>
+              </a:r>
+              <a:br>
+                <a:rPr kumimoji="0" lang="en-US" altLang="nl-NL" sz="1100" b="0" i="0" u="none" strike="noStrike" cap="none" normalizeH="0" baseline="0" smtClean="0">
+                  <a:ln>
+                    <a:noFill/>
+                  </a:ln>
+                  <a:solidFill>
+                    <a:schemeClr val="tx1"/>
+                  </a:solidFill>
+                  <a:effectLst/>
+                  <a:latin typeface="Calibri" pitchFamily="34" charset="0"/>
+                  <a:ea typeface="Times New Roman" pitchFamily="18" charset="0"/>
+                  <a:cs typeface="Times New Roman" pitchFamily="18" charset="0"/>
+                </a:rPr>
+              </a:br>
+              <a:r>
+                <a:rPr kumimoji="0" lang="en-US" altLang="nl-NL" sz="1100" b="0" i="0" u="none" strike="noStrike" cap="none" normalizeH="0" baseline="0" smtClean="0">
+                  <a:ln>
+                    <a:noFill/>
+                  </a:ln>
+                  <a:solidFill>
+                    <a:schemeClr val="tx1"/>
+                  </a:solidFill>
+                  <a:effectLst/>
+                  <a:latin typeface="Calibri" pitchFamily="34" charset="0"/>
+                  <a:ea typeface="Times New Roman" pitchFamily="18" charset="0"/>
+                  <a:cs typeface="Times New Roman" pitchFamily="18" charset="0"/>
+                </a:rPr>
+                <a:t>colsample per tree: 0.7</a:t>
+              </a:r>
+              <a:br>
+                <a:rPr kumimoji="0" lang="en-US" altLang="nl-NL" sz="1100" b="0" i="0" u="none" strike="noStrike" cap="none" normalizeH="0" baseline="0" smtClean="0">
+                  <a:ln>
+                    <a:noFill/>
+                  </a:ln>
+                  <a:solidFill>
+                    <a:schemeClr val="tx1"/>
+                  </a:solidFill>
+                  <a:effectLst/>
+                  <a:latin typeface="Calibri" pitchFamily="34" charset="0"/>
+                  <a:ea typeface="Times New Roman" pitchFamily="18" charset="0"/>
+                  <a:cs typeface="Times New Roman" pitchFamily="18" charset="0"/>
+                </a:rPr>
+              </a:br>
+              <a:r>
+                <a:rPr kumimoji="0" lang="en-US" altLang="nl-NL" sz="1100" b="0" i="0" u="none" strike="noStrike" cap="none" normalizeH="0" baseline="0" smtClean="0">
+                  <a:ln>
+                    <a:noFill/>
+                  </a:ln>
+                  <a:solidFill>
+                    <a:schemeClr val="tx1"/>
+                  </a:solidFill>
+                  <a:effectLst/>
+                  <a:latin typeface="Calibri" pitchFamily="34" charset="0"/>
+                  <a:ea typeface="Times New Roman" pitchFamily="18" charset="0"/>
+                  <a:cs typeface="Times New Roman" pitchFamily="18" charset="0"/>
+                </a:rPr>
+                <a:t>num rounds: 420</a:t>
+              </a:r>
+              <a:endParaRPr kumimoji="0" lang="en-US" altLang="nl-NL" sz="1100" b="0" i="0" u="none" strike="noStrike" cap="none" normalizeH="0" baseline="0" smtClean="0">
+                <a:ln>
+                  <a:noFill/>
+                </a:ln>
+                <a:solidFill>
+                  <a:schemeClr val="tx1"/>
+                </a:solidFill>
+                <a:effectLst/>
+                <a:latin typeface="Arial" pitchFamily="34" charset="0"/>
+                <a:cs typeface="Arial" pitchFamily="34" charset="0"/>
+              </a:endParaRPr>
+            </a:p>
+            <a:p>
+              <a:pPr marL="0" marR="0" lvl="0" indent="0" algn="l" defTabSz="914400" rtl="0" eaLnBrk="0" fontAlgn="base" latinLnBrk="0" hangingPunct="0">
+                <a:lnSpc>
+                  <a:spcPct val="100000"/>
+                </a:lnSpc>
+                <a:spcBef>
+                  <a:spcPct val="0"/>
+                </a:spcBef>
+                <a:spcAft>
+                  <a:spcPct val="0"/>
+                </a:spcAft>
+                <a:buClrTx/>
+                <a:buSzTx/>
+                <a:buFontTx/>
+                <a:buNone/>
+                <a:tabLst/>
+              </a:pPr>
+              <a:endParaRPr kumimoji="0" lang="en-US" altLang="nl-NL" sz="1800" b="0" i="0" u="none" strike="noStrike" cap="none" normalizeH="0" baseline="0" smtClean="0">
+                <a:ln>
+                  <a:noFill/>
+                </a:ln>
+                <a:solidFill>
+                  <a:schemeClr val="tx1"/>
+                </a:solidFill>
+                <a:effectLst/>
+                <a:latin typeface="Arial" pitchFamily="34" charset="0"/>
+                <a:cs typeface="Arial" pitchFamily="34" charset="0"/>
+              </a:endParaRPr>
+            </a:p>
+          </p:txBody>
+        </p:sp>
+        <p:grpSp>
+          <p:nvGrpSpPr>
+            <p:cNvPr id="276" name="Group 226"/>
+            <p:cNvGrpSpPr>
+              <a:grpSpLocks/>
+            </p:cNvGrpSpPr>
+            <p:nvPr/>
+          </p:nvGrpSpPr>
+          <p:grpSpPr bwMode="auto">
+            <a:xfrm>
+              <a:off x="-404813" y="609600"/>
+              <a:ext cx="6886579" cy="2762250"/>
+              <a:chOff x="540" y="885"/>
+              <a:chExt cx="10846" cy="4350"/>
+            </a:xfrm>
+          </p:grpSpPr>
+          <p:sp>
+            <p:nvSpPr>
+              <p:cNvPr id="277" name="AutoShape 245"/>
+              <p:cNvSpPr>
+                <a:spLocks noChangeShapeType="1"/>
+              </p:cNvSpPr>
+              <p:nvPr/>
+            </p:nvSpPr>
+            <p:spPr bwMode="auto">
+              <a:xfrm rot="5400000" flipV="1">
+                <a:off x="8869" y="2442"/>
+                <a:ext cx="742" cy="1"/>
+              </a:xfrm>
+              <a:prstGeom prst="straightConnector1">
+                <a:avLst/>
+              </a:prstGeom>
+              <a:noFill/>
+              <a:ln w="9525">
+                <a:solidFill>
+                  <a:srgbClr val="0000FF"/>
+                </a:solidFill>
+                <a:round/>
+                <a:headEnd/>
+                <a:tailEnd type="triangle" w="med" len="med"/>
+              </a:ln>
+              <a:extLst>
+                <a:ext uri="{909E8E84-426E-40DD-AFC4-6F175D3DCCD1}">
+                  <a14:hiddenFill xmlns:a14="http://schemas.microsoft.com/office/drawing/2010/main">
+                    <a:noFill/>
+                  </a14:hiddenFill>
+                </a:ext>
+              </a:extLst>
+            </p:spPr>
+            <p:txBody>
+              <a:bodyPr vert="horz" wrap="square" lIns="91440" tIns="45720" rIns="91440" bIns="45720" numCol="1" anchor="t" anchorCtr="0" compatLnSpc="1">
+                <a:prstTxWarp prst="textNoShape">
+                  <a:avLst/>
+                </a:prstTxWarp>
+              </a:bodyPr>
+              <a:lstStyle/>
+              <a:p>
+                <a:endParaRPr lang="nl-NL"/>
+              </a:p>
+            </p:txBody>
+          </p:sp>
+          <p:sp>
+            <p:nvSpPr>
+              <p:cNvPr id="278" name="AutoShape 244"/>
+              <p:cNvSpPr>
+                <a:spLocks noChangeShapeType="1"/>
+              </p:cNvSpPr>
+              <p:nvPr/>
+            </p:nvSpPr>
+            <p:spPr bwMode="auto">
+              <a:xfrm rot="10800000">
+                <a:off x="10845" y="5234"/>
+                <a:ext cx="302" cy="1"/>
+              </a:xfrm>
+              <a:prstGeom prst="bentConnector3">
+                <a:avLst>
+                  <a:gd name="adj1" fmla="val 50000"/>
+                </a:avLst>
+              </a:prstGeom>
+              <a:noFill/>
+              <a:ln w="9525">
+                <a:solidFill>
+                  <a:srgbClr val="92D050"/>
+                </a:solidFill>
+                <a:miter lim="800000"/>
+                <a:headEnd/>
+                <a:tailEnd type="triangle" w="med" len="med"/>
+              </a:ln>
+              <a:extLst>
+                <a:ext uri="{909E8E84-426E-40DD-AFC4-6F175D3DCCD1}">
+                  <a14:hiddenFill xmlns:a14="http://schemas.microsoft.com/office/drawing/2010/main">
+                    <a:noFill/>
+                  </a14:hiddenFill>
+                </a:ext>
+              </a:extLst>
+            </p:spPr>
+            <p:txBody>
+              <a:bodyPr vert="horz" wrap="square" lIns="91440" tIns="45720" rIns="91440" bIns="45720" numCol="1" anchor="t" anchorCtr="0" compatLnSpc="1">
+                <a:prstTxWarp prst="textNoShape">
+                  <a:avLst/>
+                </a:prstTxWarp>
+              </a:bodyPr>
+              <a:lstStyle/>
+              <a:p>
+                <a:endParaRPr lang="nl-NL"/>
+              </a:p>
+            </p:txBody>
+          </p:sp>
+          <p:grpSp>
+            <p:nvGrpSpPr>
+              <p:cNvPr id="279" name="Group 227"/>
+              <p:cNvGrpSpPr>
+                <a:grpSpLocks/>
+              </p:cNvGrpSpPr>
+              <p:nvPr/>
+            </p:nvGrpSpPr>
+            <p:grpSpPr bwMode="auto">
+              <a:xfrm>
+                <a:off x="540" y="885"/>
+                <a:ext cx="10846" cy="4349"/>
+                <a:chOff x="540" y="885"/>
+                <a:chExt cx="10846" cy="4349"/>
+              </a:xfrm>
+            </p:grpSpPr>
+            <p:grpSp>
+              <p:nvGrpSpPr>
+                <p:cNvPr id="280" name="Group 240"/>
+                <p:cNvGrpSpPr>
+                  <a:grpSpLocks/>
+                </p:cNvGrpSpPr>
+                <p:nvPr/>
+              </p:nvGrpSpPr>
+              <p:grpSpPr bwMode="auto">
+                <a:xfrm>
+                  <a:off x="540" y="885"/>
+                  <a:ext cx="10230" cy="450"/>
+                  <a:chOff x="540" y="885"/>
+                  <a:chExt cx="10230" cy="450"/>
+                </a:xfrm>
+              </p:grpSpPr>
+              <p:sp>
+                <p:nvSpPr>
+                  <p:cNvPr id="293" name="Text Box 243"/>
+                  <p:cNvSpPr txBox="1">
+                    <a:spLocks noChangeArrowheads="1"/>
+                  </p:cNvSpPr>
+                  <p:nvPr/>
+                </p:nvSpPr>
+                <p:spPr bwMode="auto">
+                  <a:xfrm>
+                    <a:off x="540" y="885"/>
+                    <a:ext cx="3225" cy="450"/>
+                  </a:xfrm>
+                  <a:prstGeom prst="rect">
+                    <a:avLst/>
+                  </a:prstGeom>
+                  <a:solidFill>
+                    <a:srgbClr val="4BACC6"/>
+                  </a:solidFill>
+                  <a:ln w="38100">
+                    <a:solidFill>
+                      <a:srgbClr val="F2F2F2"/>
+                    </a:solidFill>
+                    <a:miter lim="800000"/>
+                    <a:headEnd/>
+                    <a:tailEnd/>
+                  </a:ln>
+                  <a:effectLst>
+                    <a:outerShdw dist="28398" dir="3806097" algn="ctr" rotWithShape="0">
+                      <a:srgbClr val="205867">
+                        <a:alpha val="50000"/>
+                      </a:srgbClr>
+                    </a:outerShdw>
+                  </a:effectLst>
+                </p:spPr>
+                <p:txBody>
+                  <a:bodyPr vert="horz" wrap="square" lIns="91440" tIns="45720" rIns="91440" bIns="45720" numCol="1" anchor="t" anchorCtr="0" compatLnSpc="1">
+                    <a:prstTxWarp prst="textNoShape">
+                      <a:avLst/>
+                    </a:prstTxWarp>
+                  </a:bodyPr>
+                  <a:lstStyle/>
+                  <a:p>
+                    <a:pPr marL="0" marR="0" lvl="0" indent="0" algn="l" defTabSz="914400" rtl="0" eaLnBrk="1" fontAlgn="base" latinLnBrk="0" hangingPunct="1">
+                      <a:lnSpc>
+                        <a:spcPct val="100000"/>
+                      </a:lnSpc>
+                      <a:spcBef>
+                        <a:spcPct val="0"/>
+                      </a:spcBef>
+                      <a:spcAft>
+                        <a:spcPct val="0"/>
+                      </a:spcAft>
+                      <a:buClrTx/>
+                      <a:buSzTx/>
+                      <a:buFontTx/>
+                      <a:buNone/>
+                      <a:tabLst/>
+                    </a:pPr>
+                    <a:r>
+                      <a:rPr kumimoji="0" lang="nl-NL" altLang="nl-NL" sz="1100" b="0" i="0" u="none" strike="noStrike" cap="none" normalizeH="0" baseline="0" dirty="0" smtClean="0">
+                        <a:ln>
+                          <a:noFill/>
+                        </a:ln>
+                        <a:solidFill>
+                          <a:schemeClr val="tx1"/>
+                        </a:solidFill>
+                        <a:effectLst/>
+                        <a:latin typeface="Calibri" pitchFamily="34" charset="0"/>
+                        <a:ea typeface="Times New Roman" pitchFamily="18" charset="0"/>
+                        <a:cs typeface="Times New Roman" pitchFamily="18" charset="0"/>
+                      </a:rPr>
+                      <a:t>Train/Test Data</a:t>
+                    </a:r>
+                    <a:endParaRPr kumimoji="0" lang="nl-NL" altLang="nl-NL" sz="1800" b="0" i="0" u="none" strike="noStrike" cap="none" normalizeH="0" baseline="0" dirty="0" smtClean="0">
+                      <a:ln>
+                        <a:noFill/>
+                      </a:ln>
+                      <a:solidFill>
+                        <a:schemeClr val="tx1"/>
+                      </a:solidFill>
+                      <a:effectLst/>
+                      <a:latin typeface="Arial" pitchFamily="34" charset="0"/>
+                      <a:cs typeface="Arial" pitchFamily="34" charset="0"/>
+                    </a:endParaRPr>
+                  </a:p>
+                </p:txBody>
+              </p:sp>
+              <p:sp>
+                <p:nvSpPr>
+                  <p:cNvPr id="294" name="Text Box 242"/>
+                  <p:cNvSpPr txBox="1">
+                    <a:spLocks noChangeArrowheads="1"/>
+                  </p:cNvSpPr>
+                  <p:nvPr/>
+                </p:nvSpPr>
+                <p:spPr bwMode="auto">
+                  <a:xfrm>
+                    <a:off x="3945" y="885"/>
+                    <a:ext cx="3225" cy="450"/>
+                  </a:xfrm>
+                  <a:prstGeom prst="rect">
+                    <a:avLst/>
+                  </a:prstGeom>
+                  <a:solidFill>
+                    <a:srgbClr val="9BBB59"/>
+                  </a:solidFill>
+                  <a:ln w="38100">
+                    <a:solidFill>
+                      <a:srgbClr val="F2F2F2"/>
+                    </a:solidFill>
+                    <a:miter lim="800000"/>
+                    <a:headEnd/>
+                    <a:tailEnd/>
+                  </a:ln>
+                  <a:effectLst>
+                    <a:outerShdw dist="28398" dir="3806097" algn="ctr" rotWithShape="0">
+                      <a:srgbClr val="4E6128">
+                        <a:alpha val="50000"/>
+                      </a:srgbClr>
+                    </a:outerShdw>
+                  </a:effectLst>
+                </p:spPr>
+                <p:txBody>
+                  <a:bodyPr vert="horz" wrap="square" lIns="91440" tIns="45720" rIns="91440" bIns="45720" numCol="1" anchor="t" anchorCtr="0" compatLnSpc="1">
+                    <a:prstTxWarp prst="textNoShape">
+                      <a:avLst/>
+                    </a:prstTxWarp>
+                  </a:bodyPr>
+                  <a:lstStyle/>
+                  <a:p>
+                    <a:pPr marL="0" marR="0" lvl="0" indent="0" algn="l" defTabSz="914400" rtl="0" eaLnBrk="1" fontAlgn="base" latinLnBrk="0" hangingPunct="1">
+                      <a:lnSpc>
+                        <a:spcPct val="100000"/>
+                      </a:lnSpc>
+                      <a:spcBef>
+                        <a:spcPct val="0"/>
+                      </a:spcBef>
+                      <a:spcAft>
+                        <a:spcPct val="0"/>
+                      </a:spcAft>
+                      <a:buClrTx/>
+                      <a:buSzTx/>
+                      <a:buFontTx/>
+                      <a:buNone/>
+                      <a:tabLst/>
+                    </a:pPr>
+                    <a:r>
+                      <a:rPr kumimoji="0" lang="nl-NL" altLang="nl-NL" sz="1100" b="0" i="0" u="none" strike="noStrike" cap="none" normalizeH="0" baseline="0" smtClean="0">
+                        <a:ln>
+                          <a:noFill/>
+                        </a:ln>
+                        <a:solidFill>
+                          <a:schemeClr val="tx1"/>
+                        </a:solidFill>
+                        <a:effectLst/>
+                        <a:latin typeface="Calibri" pitchFamily="34" charset="0"/>
+                        <a:ea typeface="Times New Roman" pitchFamily="18" charset="0"/>
+                        <a:cs typeface="Times New Roman" pitchFamily="18" charset="0"/>
+                      </a:rPr>
+                      <a:t>Macro-economic data</a:t>
+                    </a:r>
+                    <a:endParaRPr kumimoji="0" lang="nl-NL" altLang="nl-NL" sz="1100" b="0" i="0" u="none" strike="noStrike" cap="none" normalizeH="0" baseline="0" smtClean="0">
+                      <a:ln>
+                        <a:noFill/>
+                      </a:ln>
+                      <a:solidFill>
+                        <a:schemeClr val="tx1"/>
+                      </a:solidFill>
+                      <a:effectLst/>
+                      <a:latin typeface="Arial" pitchFamily="34" charset="0"/>
+                      <a:cs typeface="Arial" pitchFamily="34" charset="0"/>
+                    </a:endParaRPr>
+                  </a:p>
+                  <a:p>
+                    <a:pPr marL="0" marR="0" lvl="0" indent="0" algn="l" defTabSz="914400" rtl="0" eaLnBrk="0" fontAlgn="base" latinLnBrk="0" hangingPunct="0">
+                      <a:lnSpc>
+                        <a:spcPct val="100000"/>
+                      </a:lnSpc>
+                      <a:spcBef>
+                        <a:spcPct val="0"/>
+                      </a:spcBef>
+                      <a:spcAft>
+                        <a:spcPct val="0"/>
+                      </a:spcAft>
+                      <a:buClrTx/>
+                      <a:buSzTx/>
+                      <a:buFontTx/>
+                      <a:buNone/>
+                      <a:tabLst/>
+                    </a:pPr>
+                    <a:endParaRPr kumimoji="0" lang="nl-NL" altLang="nl-NL" sz="1800" b="0" i="0" u="none" strike="noStrike" cap="none" normalizeH="0" baseline="0" smtClean="0">
+                      <a:ln>
+                        <a:noFill/>
+                      </a:ln>
+                      <a:solidFill>
+                        <a:schemeClr val="tx1"/>
+                      </a:solidFill>
+                      <a:effectLst/>
+                      <a:latin typeface="Arial" pitchFamily="34" charset="0"/>
+                      <a:cs typeface="Arial" pitchFamily="34" charset="0"/>
+                    </a:endParaRPr>
+                  </a:p>
+                </p:txBody>
+              </p:sp>
+              <p:sp>
+                <p:nvSpPr>
+                  <p:cNvPr id="295" name="Text Box 241"/>
+                  <p:cNvSpPr txBox="1">
+                    <a:spLocks noChangeArrowheads="1"/>
+                  </p:cNvSpPr>
+                  <p:nvPr/>
+                </p:nvSpPr>
+                <p:spPr bwMode="auto">
+                  <a:xfrm>
+                    <a:off x="7545" y="885"/>
+                    <a:ext cx="3225" cy="450"/>
+                  </a:xfrm>
+                  <a:prstGeom prst="rect">
+                    <a:avLst/>
+                  </a:prstGeom>
+                  <a:solidFill>
+                    <a:srgbClr val="C0504D"/>
+                  </a:solidFill>
+                  <a:ln w="38100">
+                    <a:solidFill>
+                      <a:srgbClr val="F2F2F2"/>
+                    </a:solidFill>
+                    <a:miter lim="800000"/>
+                    <a:headEnd/>
+                    <a:tailEnd/>
+                  </a:ln>
+                  <a:effectLst>
+                    <a:outerShdw dist="28398" dir="3806097" algn="ctr" rotWithShape="0">
+                      <a:srgbClr val="622423">
+                        <a:alpha val="50000"/>
+                      </a:srgbClr>
+                    </a:outerShdw>
+                  </a:effectLst>
+                </p:spPr>
+                <p:txBody>
+                  <a:bodyPr vert="horz" wrap="square" lIns="91440" tIns="45720" rIns="91440" bIns="45720" numCol="1" anchor="t" anchorCtr="0" compatLnSpc="1">
+                    <a:prstTxWarp prst="textNoShape">
+                      <a:avLst/>
+                    </a:prstTxWarp>
+                  </a:bodyPr>
+                  <a:lstStyle/>
+                  <a:p>
+                    <a:pPr marL="0" marR="0" lvl="0" indent="0" algn="l" defTabSz="914400" rtl="0" eaLnBrk="1" fontAlgn="base" latinLnBrk="0" hangingPunct="1">
+                      <a:lnSpc>
+                        <a:spcPct val="100000"/>
+                      </a:lnSpc>
+                      <a:spcBef>
+                        <a:spcPct val="0"/>
+                      </a:spcBef>
+                      <a:spcAft>
+                        <a:spcPct val="0"/>
+                      </a:spcAft>
+                      <a:buClrTx/>
+                      <a:buSzTx/>
+                      <a:buFontTx/>
+                      <a:buNone/>
+                      <a:tabLst/>
+                    </a:pPr>
+                    <a:r>
+                      <a:rPr kumimoji="0" lang="nl-NL" altLang="nl-NL" sz="1100" b="0" i="0" u="none" strike="noStrike" cap="none" normalizeH="0" baseline="0" smtClean="0">
+                        <a:ln>
+                          <a:noFill/>
+                        </a:ln>
+                        <a:solidFill>
+                          <a:schemeClr val="tx1"/>
+                        </a:solidFill>
+                        <a:effectLst/>
+                        <a:latin typeface="Calibri" pitchFamily="34" charset="0"/>
+                        <a:ea typeface="Times New Roman" pitchFamily="18" charset="0"/>
+                        <a:cs typeface="Times New Roman" pitchFamily="18" charset="0"/>
+                      </a:rPr>
+                      <a:t>External Data</a:t>
+                    </a:r>
+                    <a:endParaRPr kumimoji="0" lang="nl-NL" altLang="nl-NL" sz="1800" b="0" i="0" u="none" strike="noStrike" cap="none" normalizeH="0" baseline="0" smtClean="0">
+                      <a:ln>
+                        <a:noFill/>
+                      </a:ln>
+                      <a:solidFill>
+                        <a:schemeClr val="tx1"/>
+                      </a:solidFill>
+                      <a:effectLst/>
+                      <a:latin typeface="Arial" pitchFamily="34" charset="0"/>
+                      <a:cs typeface="Arial" pitchFamily="34" charset="0"/>
+                    </a:endParaRPr>
+                  </a:p>
+                </p:txBody>
+              </p:sp>
+            </p:grpSp>
+            <p:sp>
+              <p:nvSpPr>
+                <p:cNvPr id="281" name="AutoShape 239"/>
+                <p:cNvSpPr>
+                  <a:spLocks noChangeShapeType="1"/>
+                </p:cNvSpPr>
+                <p:nvPr/>
+              </p:nvSpPr>
+              <p:spPr bwMode="auto">
+                <a:xfrm rot="5400000">
+                  <a:off x="1271" y="2074"/>
+                  <a:ext cx="1478" cy="0"/>
+                </a:xfrm>
+                <a:prstGeom prst="straightConnector1">
+                  <a:avLst/>
+                </a:prstGeom>
+                <a:noFill/>
+                <a:ln w="9525">
+                  <a:solidFill>
+                    <a:srgbClr val="0000FF"/>
+                  </a:solidFill>
+                  <a:round/>
+                  <a:headEnd/>
+                  <a:tailEnd type="triangle" w="med" len="med"/>
+                </a:ln>
+                <a:extLst>
+                  <a:ext uri="{909E8E84-426E-40DD-AFC4-6F175D3DCCD1}">
+                    <a14:hiddenFill xmlns:a14="http://schemas.microsoft.com/office/drawing/2010/main">
+                      <a:noFill/>
+                    </a14:hiddenFill>
+                  </a:ext>
+                </a:extLst>
+              </p:spPr>
+              <p:txBody>
+                <a:bodyPr vert="horz" wrap="square" lIns="91440" tIns="45720" rIns="91440" bIns="45720" numCol="1" anchor="t" anchorCtr="0" compatLnSpc="1">
+                  <a:prstTxWarp prst="textNoShape">
+                    <a:avLst/>
+                  </a:prstTxWarp>
+                </a:bodyPr>
+                <a:lstStyle/>
+                <a:p>
+                  <a:endParaRPr lang="nl-NL"/>
+                </a:p>
+              </p:txBody>
+            </p:sp>
+            <p:sp>
+              <p:nvSpPr>
+                <p:cNvPr id="282" name="AutoShape 238"/>
+                <p:cNvSpPr>
+                  <a:spLocks noChangeShapeType="1"/>
+                </p:cNvSpPr>
+                <p:nvPr/>
+              </p:nvSpPr>
+              <p:spPr bwMode="auto">
+                <a:xfrm flipH="1" flipV="1">
+                  <a:off x="3870" y="1831"/>
+                  <a:ext cx="0" cy="2467"/>
+                </a:xfrm>
+                <a:prstGeom prst="straightConnector1">
+                  <a:avLst/>
+                </a:prstGeom>
+                <a:noFill/>
+                <a:ln w="9525">
+                  <a:solidFill>
+                    <a:srgbClr val="FF0000"/>
+                  </a:solidFill>
+                  <a:round/>
+                  <a:headEnd/>
+                  <a:tailEnd/>
+                </a:ln>
+                <a:extLst>
+                  <a:ext uri="{909E8E84-426E-40DD-AFC4-6F175D3DCCD1}">
+                    <a14:hiddenFill xmlns:a14="http://schemas.microsoft.com/office/drawing/2010/main">
+                      <a:noFill/>
+                    </a14:hiddenFill>
+                  </a:ext>
+                </a:extLst>
+              </p:spPr>
+              <p:txBody>
+                <a:bodyPr vert="horz" wrap="square" lIns="91440" tIns="45720" rIns="91440" bIns="45720" numCol="1" anchor="t" anchorCtr="0" compatLnSpc="1">
+                  <a:prstTxWarp prst="textNoShape">
+                    <a:avLst/>
+                  </a:prstTxWarp>
+                </a:bodyPr>
+                <a:lstStyle/>
+                <a:p>
+                  <a:endParaRPr lang="nl-NL"/>
+                </a:p>
+              </p:txBody>
+            </p:sp>
+            <p:sp>
+              <p:nvSpPr>
+                <p:cNvPr id="283" name="AutoShape 237"/>
+                <p:cNvSpPr>
+                  <a:spLocks noChangeShapeType="1"/>
+                </p:cNvSpPr>
+                <p:nvPr/>
+              </p:nvSpPr>
+              <p:spPr bwMode="auto">
+                <a:xfrm flipV="1">
+                  <a:off x="8881" y="1335"/>
+                  <a:ext cx="2" cy="495"/>
+                </a:xfrm>
+                <a:prstGeom prst="straightConnector1">
+                  <a:avLst/>
+                </a:prstGeom>
+                <a:noFill/>
+                <a:ln w="9525">
+                  <a:solidFill>
+                    <a:srgbClr val="FF0000"/>
+                  </a:solidFill>
+                  <a:round/>
+                  <a:headEnd/>
+                  <a:tailEnd/>
+                </a:ln>
+                <a:extLst>
+                  <a:ext uri="{909E8E84-426E-40DD-AFC4-6F175D3DCCD1}">
+                    <a14:hiddenFill xmlns:a14="http://schemas.microsoft.com/office/drawing/2010/main">
+                      <a:noFill/>
+                    </a14:hiddenFill>
+                  </a:ext>
+                </a:extLst>
+              </p:spPr>
+              <p:txBody>
+                <a:bodyPr vert="horz" wrap="square" lIns="91440" tIns="45720" rIns="91440" bIns="45720" numCol="1" anchor="t" anchorCtr="0" compatLnSpc="1">
+                  <a:prstTxWarp prst="textNoShape">
+                    <a:avLst/>
+                  </a:prstTxWarp>
+                </a:bodyPr>
+                <a:lstStyle/>
+                <a:p>
+                  <a:endParaRPr lang="nl-NL"/>
+                </a:p>
+              </p:txBody>
+            </p:sp>
+            <p:sp>
+              <p:nvSpPr>
+                <p:cNvPr id="284" name="AutoShape 236"/>
+                <p:cNvSpPr>
+                  <a:spLocks noChangeShapeType="1"/>
+                </p:cNvSpPr>
+                <p:nvPr/>
+              </p:nvSpPr>
+              <p:spPr bwMode="auto">
+                <a:xfrm flipV="1">
+                  <a:off x="7441" y="1831"/>
+                  <a:ext cx="0" cy="1357"/>
+                </a:xfrm>
+                <a:prstGeom prst="straightConnector1">
+                  <a:avLst/>
+                </a:prstGeom>
+                <a:noFill/>
+                <a:ln w="9525">
+                  <a:solidFill>
+                    <a:srgbClr val="FF0000"/>
+                  </a:solidFill>
+                  <a:round/>
+                  <a:headEnd/>
+                  <a:tailEnd/>
+                </a:ln>
+                <a:extLst>
+                  <a:ext uri="{909E8E84-426E-40DD-AFC4-6F175D3DCCD1}">
+                    <a14:hiddenFill xmlns:a14="http://schemas.microsoft.com/office/drawing/2010/main">
+                      <a:noFill/>
+                    </a14:hiddenFill>
+                  </a:ext>
+                </a:extLst>
+              </p:spPr>
+              <p:txBody>
+                <a:bodyPr vert="horz" wrap="square" lIns="91440" tIns="45720" rIns="91440" bIns="45720" numCol="1" anchor="t" anchorCtr="0" compatLnSpc="1">
+                  <a:prstTxWarp prst="textNoShape">
+                    <a:avLst/>
+                  </a:prstTxWarp>
+                </a:bodyPr>
+                <a:lstStyle/>
+                <a:p>
+                  <a:endParaRPr lang="nl-NL"/>
+                </a:p>
+              </p:txBody>
+            </p:sp>
+            <p:sp>
+              <p:nvSpPr>
+                <p:cNvPr id="285" name="AutoShape 235"/>
+                <p:cNvSpPr>
+                  <a:spLocks noChangeShapeType="1"/>
+                </p:cNvSpPr>
+                <p:nvPr/>
+              </p:nvSpPr>
+              <p:spPr bwMode="auto">
+                <a:xfrm>
+                  <a:off x="2010" y="2071"/>
+                  <a:ext cx="3555" cy="1"/>
+                </a:xfrm>
+                <a:prstGeom prst="straightConnector1">
+                  <a:avLst/>
+                </a:prstGeom>
+                <a:noFill/>
+                <a:ln w="9525">
+                  <a:solidFill>
+                    <a:srgbClr val="0000FF"/>
+                  </a:solidFill>
+                  <a:round/>
+                  <a:headEnd/>
+                  <a:tailEnd/>
+                </a:ln>
+                <a:extLst>
+                  <a:ext uri="{909E8E84-426E-40DD-AFC4-6F175D3DCCD1}">
+                    <a14:hiddenFill xmlns:a14="http://schemas.microsoft.com/office/drawing/2010/main">
+                      <a:noFill/>
+                    </a14:hiddenFill>
+                  </a:ext>
+                </a:extLst>
+              </p:spPr>
+              <p:txBody>
+                <a:bodyPr vert="horz" wrap="square" lIns="91440" tIns="45720" rIns="91440" bIns="45720" numCol="1" anchor="t" anchorCtr="0" compatLnSpc="1">
+                  <a:prstTxWarp prst="textNoShape">
+                    <a:avLst/>
+                  </a:prstTxWarp>
+                </a:bodyPr>
+                <a:lstStyle/>
+                <a:p>
+                  <a:endParaRPr lang="nl-NL"/>
+                </a:p>
+              </p:txBody>
+            </p:sp>
+            <p:sp>
+              <p:nvSpPr>
+                <p:cNvPr id="286" name="AutoShape 234"/>
+                <p:cNvSpPr>
+                  <a:spLocks noChangeShapeType="1"/>
+                </p:cNvSpPr>
+                <p:nvPr/>
+              </p:nvSpPr>
+              <p:spPr bwMode="auto">
+                <a:xfrm rot="5400000">
+                  <a:off x="5190" y="2438"/>
+                  <a:ext cx="742" cy="8"/>
+                </a:xfrm>
+                <a:prstGeom prst="straightConnector1">
+                  <a:avLst/>
+                </a:prstGeom>
+                <a:noFill/>
+                <a:ln w="9525">
+                  <a:solidFill>
+                    <a:srgbClr val="0000FF"/>
+                  </a:solidFill>
+                  <a:round/>
+                  <a:headEnd/>
+                  <a:tailEnd type="triangle" w="med" len="med"/>
+                </a:ln>
+                <a:extLst>
+                  <a:ext uri="{909E8E84-426E-40DD-AFC4-6F175D3DCCD1}">
+                    <a14:hiddenFill xmlns:a14="http://schemas.microsoft.com/office/drawing/2010/main">
+                      <a:noFill/>
+                    </a14:hiddenFill>
+                  </a:ext>
+                </a:extLst>
+              </p:spPr>
+              <p:txBody>
+                <a:bodyPr vert="horz" wrap="square" lIns="91440" tIns="45720" rIns="91440" bIns="45720" numCol="1" anchor="t" anchorCtr="0" compatLnSpc="1">
+                  <a:prstTxWarp prst="textNoShape">
+                    <a:avLst/>
+                  </a:prstTxWarp>
+                </a:bodyPr>
+                <a:lstStyle/>
+                <a:p>
+                  <a:endParaRPr lang="nl-NL"/>
+                </a:p>
+              </p:txBody>
+            </p:sp>
+            <p:sp>
+              <p:nvSpPr>
+                <p:cNvPr id="287" name="AutoShape 233"/>
+                <p:cNvSpPr>
+                  <a:spLocks noChangeShapeType="1"/>
+                </p:cNvSpPr>
+                <p:nvPr/>
+              </p:nvSpPr>
+              <p:spPr bwMode="auto">
+                <a:xfrm flipV="1">
+                  <a:off x="5565" y="2071"/>
+                  <a:ext cx="3675" cy="1"/>
+                </a:xfrm>
+                <a:prstGeom prst="straightConnector1">
+                  <a:avLst/>
+                </a:prstGeom>
+                <a:noFill/>
+                <a:ln w="9525">
+                  <a:solidFill>
+                    <a:srgbClr val="0000FF"/>
+                  </a:solidFill>
+                  <a:round/>
+                  <a:headEnd/>
+                  <a:tailEnd/>
+                </a:ln>
+                <a:extLst>
+                  <a:ext uri="{909E8E84-426E-40DD-AFC4-6F175D3DCCD1}">
+                    <a14:hiddenFill xmlns:a14="http://schemas.microsoft.com/office/drawing/2010/main">
+                      <a:noFill/>
+                    </a14:hiddenFill>
+                  </a:ext>
+                </a:extLst>
+              </p:spPr>
+              <p:txBody>
+                <a:bodyPr vert="horz" wrap="square" lIns="91440" tIns="45720" rIns="91440" bIns="45720" numCol="1" anchor="t" anchorCtr="0" compatLnSpc="1">
+                  <a:prstTxWarp prst="textNoShape">
+                    <a:avLst/>
+                  </a:prstTxWarp>
+                </a:bodyPr>
+                <a:lstStyle/>
+                <a:p>
+                  <a:endParaRPr lang="nl-NL"/>
+                </a:p>
+              </p:txBody>
+            </p:sp>
+            <p:sp>
+              <p:nvSpPr>
+                <p:cNvPr id="288" name="AutoShape 232"/>
+                <p:cNvSpPr>
+                  <a:spLocks noChangeShapeType="1"/>
+                </p:cNvSpPr>
+                <p:nvPr/>
+              </p:nvSpPr>
+              <p:spPr bwMode="auto">
+                <a:xfrm flipV="1">
+                  <a:off x="5566" y="1335"/>
+                  <a:ext cx="0" cy="300"/>
+                </a:xfrm>
+                <a:prstGeom prst="straightConnector1">
+                  <a:avLst/>
+                </a:prstGeom>
+                <a:noFill/>
+                <a:ln w="9525">
+                  <a:solidFill>
+                    <a:srgbClr val="000000"/>
+                  </a:solidFill>
+                  <a:round/>
+                  <a:headEnd/>
+                  <a:tailEnd/>
+                </a:ln>
+                <a:extLst>
+                  <a:ext uri="{909E8E84-426E-40DD-AFC4-6F175D3DCCD1}">
+                    <a14:hiddenFill xmlns:a14="http://schemas.microsoft.com/office/drawing/2010/main">
+                      <a:noFill/>
+                    </a14:hiddenFill>
+                  </a:ext>
+                </a:extLst>
+              </p:spPr>
+              <p:txBody>
+                <a:bodyPr vert="horz" wrap="square" lIns="91440" tIns="45720" rIns="91440" bIns="45720" numCol="1" anchor="t" anchorCtr="0" compatLnSpc="1">
+                  <a:prstTxWarp prst="textNoShape">
+                    <a:avLst/>
+                  </a:prstTxWarp>
+                </a:bodyPr>
+                <a:lstStyle/>
+                <a:p>
+                  <a:endParaRPr lang="nl-NL"/>
+                </a:p>
+              </p:txBody>
+            </p:sp>
+            <p:sp>
+              <p:nvSpPr>
+                <p:cNvPr id="289" name="AutoShape 231"/>
+                <p:cNvSpPr>
+                  <a:spLocks noChangeShapeType="1"/>
+                </p:cNvSpPr>
+                <p:nvPr/>
+              </p:nvSpPr>
+              <p:spPr bwMode="auto">
+                <a:xfrm>
+                  <a:off x="5565" y="1634"/>
+                  <a:ext cx="5580" cy="1"/>
+                </a:xfrm>
+                <a:prstGeom prst="straightConnector1">
+                  <a:avLst/>
+                </a:prstGeom>
+                <a:noFill/>
+                <a:ln w="9525">
+                  <a:solidFill>
+                    <a:srgbClr val="92D050"/>
+                  </a:solidFill>
+                  <a:round/>
+                  <a:headEnd/>
+                  <a:tailEnd/>
+                </a:ln>
+                <a:extLst>
+                  <a:ext uri="{909E8E84-426E-40DD-AFC4-6F175D3DCCD1}">
+                    <a14:hiddenFill xmlns:a14="http://schemas.microsoft.com/office/drawing/2010/main">
+                      <a:noFill/>
+                    </a14:hiddenFill>
+                  </a:ext>
+                </a:extLst>
+              </p:spPr>
+              <p:txBody>
+                <a:bodyPr vert="horz" wrap="square" lIns="91440" tIns="45720" rIns="91440" bIns="45720" numCol="1" anchor="t" anchorCtr="0" compatLnSpc="1">
+                  <a:prstTxWarp prst="textNoShape">
+                    <a:avLst/>
+                  </a:prstTxWarp>
+                </a:bodyPr>
+                <a:lstStyle/>
+                <a:p>
+                  <a:endParaRPr lang="nl-NL"/>
+                </a:p>
+              </p:txBody>
+            </p:sp>
+            <p:sp>
+              <p:nvSpPr>
+                <p:cNvPr id="290" name="AutoShape 230"/>
+                <p:cNvSpPr>
+                  <a:spLocks noChangeShapeType="1"/>
+                </p:cNvSpPr>
+                <p:nvPr/>
+              </p:nvSpPr>
+              <p:spPr bwMode="auto">
+                <a:xfrm flipV="1">
+                  <a:off x="11146" y="1635"/>
+                  <a:ext cx="1" cy="3599"/>
+                </a:xfrm>
+                <a:prstGeom prst="straightConnector1">
+                  <a:avLst/>
+                </a:prstGeom>
+                <a:noFill/>
+                <a:ln w="9525">
+                  <a:solidFill>
+                    <a:srgbClr val="92D050"/>
+                  </a:solidFill>
+                  <a:round/>
+                  <a:headEnd/>
+                  <a:tailEnd/>
+                </a:ln>
+                <a:extLst>
+                  <a:ext uri="{909E8E84-426E-40DD-AFC4-6F175D3DCCD1}">
+                    <a14:hiddenFill xmlns:a14="http://schemas.microsoft.com/office/drawing/2010/main">
+                      <a:noFill/>
+                    </a14:hiddenFill>
+                  </a:ext>
+                </a:extLst>
+              </p:spPr>
+              <p:txBody>
+                <a:bodyPr vert="horz" wrap="square" lIns="91440" tIns="45720" rIns="91440" bIns="45720" numCol="1" anchor="t" anchorCtr="0" compatLnSpc="1">
+                  <a:prstTxWarp prst="textNoShape">
+                    <a:avLst/>
+                  </a:prstTxWarp>
+                </a:bodyPr>
+                <a:lstStyle/>
+                <a:p>
+                  <a:endParaRPr lang="nl-NL"/>
+                </a:p>
+              </p:txBody>
+            </p:sp>
+            <p:sp>
+              <p:nvSpPr>
+                <p:cNvPr id="291" name="AutoShape 229"/>
+                <p:cNvSpPr>
+                  <a:spLocks noChangeShapeType="1"/>
+                </p:cNvSpPr>
+                <p:nvPr/>
+              </p:nvSpPr>
+              <p:spPr bwMode="auto">
+                <a:xfrm>
+                  <a:off x="3870" y="1829"/>
+                  <a:ext cx="7515" cy="0"/>
+                </a:xfrm>
+                <a:prstGeom prst="straightConnector1">
+                  <a:avLst/>
+                </a:prstGeom>
+                <a:noFill/>
+                <a:ln w="9525">
+                  <a:solidFill>
+                    <a:srgbClr val="FF0000"/>
+                  </a:solidFill>
+                  <a:round/>
+                  <a:headEnd/>
+                  <a:tailEnd/>
+                </a:ln>
+                <a:extLst>
+                  <a:ext uri="{909E8E84-426E-40DD-AFC4-6F175D3DCCD1}">
+                    <a14:hiddenFill xmlns:a14="http://schemas.microsoft.com/office/drawing/2010/main">
+                      <a:noFill/>
+                    </a14:hiddenFill>
+                  </a:ext>
+                </a:extLst>
+              </p:spPr>
+              <p:txBody>
+                <a:bodyPr vert="horz" wrap="square" lIns="91440" tIns="45720" rIns="91440" bIns="45720" numCol="1" anchor="t" anchorCtr="0" compatLnSpc="1">
+                  <a:prstTxWarp prst="textNoShape">
+                    <a:avLst/>
+                  </a:prstTxWarp>
+                </a:bodyPr>
+                <a:lstStyle/>
+                <a:p>
+                  <a:endParaRPr lang="nl-NL"/>
+                </a:p>
+              </p:txBody>
+            </p:sp>
+            <p:sp>
+              <p:nvSpPr>
+                <p:cNvPr id="292" name="AutoShape 228"/>
+                <p:cNvSpPr>
+                  <a:spLocks noChangeShapeType="1"/>
+                </p:cNvSpPr>
+                <p:nvPr/>
+              </p:nvSpPr>
+              <p:spPr bwMode="auto">
+                <a:xfrm flipH="1" flipV="1">
+                  <a:off x="11385" y="1829"/>
+                  <a:ext cx="1" cy="1794"/>
+                </a:xfrm>
+                <a:prstGeom prst="straightConnector1">
+                  <a:avLst/>
+                </a:prstGeom>
+                <a:noFill/>
+                <a:ln w="9525">
+                  <a:solidFill>
+                    <a:srgbClr val="FF0000"/>
+                  </a:solidFill>
+                  <a:round/>
+                  <a:headEnd/>
+                  <a:tailEnd/>
+                </a:ln>
+                <a:extLst>
+                  <a:ext uri="{909E8E84-426E-40DD-AFC4-6F175D3DCCD1}">
+                    <a14:hiddenFill xmlns:a14="http://schemas.microsoft.com/office/drawing/2010/main">
+                      <a:noFill/>
+                    </a14:hiddenFill>
+                  </a:ext>
+                </a:extLst>
+              </p:spPr>
+              <p:txBody>
+                <a:bodyPr vert="horz" wrap="square" lIns="91440" tIns="45720" rIns="91440" bIns="45720" numCol="1" anchor="t" anchorCtr="0" compatLnSpc="1">
+                  <a:prstTxWarp prst="textNoShape">
+                    <a:avLst/>
+                  </a:prstTxWarp>
+                </a:bodyPr>
+                <a:lstStyle/>
+                <a:p>
+                  <a:endParaRPr lang="nl-NL"/>
+                </a:p>
+              </p:txBody>
+            </p:sp>
+          </p:grpSp>
+        </p:grpSp>
+        <p:sp>
+          <p:nvSpPr>
+            <p:cNvPr id="296" name="AutoShape 225"/>
+            <p:cNvSpPr>
+              <a:spLocks noChangeShapeType="1"/>
+            </p:cNvSpPr>
+            <p:nvPr/>
+          </p:nvSpPr>
+          <p:spPr bwMode="auto">
+            <a:xfrm rot="10800000">
+              <a:off x="6138863" y="2347913"/>
+              <a:ext cx="342900" cy="0"/>
+            </a:xfrm>
+            <a:prstGeom prst="straightConnector1">
+              <a:avLst/>
+            </a:prstGeom>
+            <a:noFill/>
+            <a:ln w="9525">
+              <a:solidFill>
+                <a:srgbClr val="FF0000"/>
+              </a:solidFill>
+              <a:round/>
+              <a:headEnd/>
+              <a:tailEnd type="triangle" w="med" len="med"/>
+            </a:ln>
+            <a:extLst>
+              <a:ext uri="{909E8E84-426E-40DD-AFC4-6F175D3DCCD1}">
+                <a14:hiddenFill xmlns:a14="http://schemas.microsoft.com/office/drawing/2010/main">
+                  <a:noFill/>
+                </a14:hiddenFill>
+              </a:ext>
+            </a:extLst>
+          </p:spPr>
+          <p:txBody>
+            <a:bodyPr vert="horz" wrap="square" lIns="91440" tIns="45720" rIns="91440" bIns="45720" numCol="1" anchor="t" anchorCtr="0" compatLnSpc="1">
+              <a:prstTxWarp prst="textNoShape">
+                <a:avLst/>
+              </a:prstTxWarp>
+            </a:bodyPr>
+            <a:lstStyle/>
+            <a:p>
+              <a:endParaRPr lang="nl-NL"/>
+            </a:p>
+          </p:txBody>
+        </p:sp>
+        <p:sp>
+          <p:nvSpPr>
+            <p:cNvPr id="297" name="AutoShape 224"/>
+            <p:cNvSpPr>
+              <a:spLocks noChangeArrowheads="1"/>
+            </p:cNvSpPr>
+            <p:nvPr/>
+          </p:nvSpPr>
+          <p:spPr bwMode="auto">
+            <a:xfrm>
+              <a:off x="2686050" y="5367338"/>
+              <a:ext cx="485775" cy="1333500"/>
+            </a:xfrm>
+            <a:prstGeom prst="downArrow">
+              <a:avLst>
+                <a:gd name="adj1" fmla="val 46148"/>
+                <a:gd name="adj2" fmla="val 87284"/>
+              </a:avLst>
+            </a:prstGeom>
+            <a:solidFill>
+              <a:srgbClr val="FFFFFF"/>
+            </a:solidFill>
+            <a:ln w="9525">
+              <a:solidFill>
+                <a:srgbClr val="000000"/>
+              </a:solidFill>
+              <a:miter lim="800000"/>
+              <a:headEnd/>
+              <a:tailEnd/>
+            </a:ln>
+          </p:spPr>
+          <p:txBody>
+            <a:bodyPr vert="eaVert" wrap="square" lIns="91440" tIns="45720" rIns="91440" bIns="45720" numCol="1" anchor="t" anchorCtr="0" compatLnSpc="1">
+              <a:prstTxWarp prst="textNoShape">
+                <a:avLst/>
+              </a:prstTxWarp>
+            </a:bodyPr>
+            <a:lstStyle/>
+            <a:p>
+              <a:endParaRPr lang="nl-NL"/>
+            </a:p>
+          </p:txBody>
+        </p:sp>
+        <p:sp>
+          <p:nvSpPr>
+            <p:cNvPr id="298" name="AutoShape 223"/>
+            <p:cNvSpPr>
+              <a:spLocks noChangeArrowheads="1"/>
+            </p:cNvSpPr>
+            <p:nvPr/>
+          </p:nvSpPr>
+          <p:spPr bwMode="auto">
+            <a:xfrm>
+              <a:off x="4406900" y="5367338"/>
+              <a:ext cx="485775" cy="1333500"/>
+            </a:xfrm>
+            <a:prstGeom prst="downArrow">
+              <a:avLst>
+                <a:gd name="adj1" fmla="val 46148"/>
+                <a:gd name="adj2" fmla="val 87284"/>
+              </a:avLst>
+            </a:prstGeom>
+            <a:solidFill>
+              <a:srgbClr val="FFFFFF"/>
+            </a:solidFill>
+            <a:ln w="9525">
+              <a:solidFill>
+                <a:srgbClr val="000000"/>
+              </a:solidFill>
+              <a:miter lim="800000"/>
+              <a:headEnd/>
+              <a:tailEnd/>
+            </a:ln>
+          </p:spPr>
+          <p:txBody>
+            <a:bodyPr vert="eaVert" wrap="square" lIns="91440" tIns="45720" rIns="91440" bIns="45720" numCol="1" anchor="t" anchorCtr="0" compatLnSpc="1">
+              <a:prstTxWarp prst="textNoShape">
+                <a:avLst/>
+              </a:prstTxWarp>
+            </a:bodyPr>
+            <a:lstStyle/>
+            <a:p>
+              <a:endParaRPr lang="nl-NL"/>
+            </a:p>
+          </p:txBody>
+        </p:sp>
+        <p:sp>
+          <p:nvSpPr>
+            <p:cNvPr id="299" name="AutoShape 222"/>
+            <p:cNvSpPr>
+              <a:spLocks noChangeArrowheads="1"/>
+            </p:cNvSpPr>
+            <p:nvPr/>
+          </p:nvSpPr>
+          <p:spPr bwMode="auto">
+            <a:xfrm>
+              <a:off x="1223963" y="5367338"/>
+              <a:ext cx="485775" cy="1333500"/>
+            </a:xfrm>
+            <a:prstGeom prst="downArrow">
+              <a:avLst>
+                <a:gd name="adj1" fmla="val 46148"/>
+                <a:gd name="adj2" fmla="val 87284"/>
+              </a:avLst>
+            </a:prstGeom>
+            <a:solidFill>
+              <a:srgbClr val="FFFFFF"/>
+            </a:solidFill>
+            <a:ln w="9525">
+              <a:solidFill>
+                <a:srgbClr val="000000"/>
+              </a:solidFill>
+              <a:miter lim="800000"/>
+              <a:headEnd/>
+              <a:tailEnd/>
+            </a:ln>
+          </p:spPr>
+          <p:txBody>
+            <a:bodyPr vert="eaVert" wrap="square" lIns="91440" tIns="45720" rIns="91440" bIns="45720" numCol="1" anchor="t" anchorCtr="0" compatLnSpc="1">
+              <a:prstTxWarp prst="textNoShape">
+                <a:avLst/>
+              </a:prstTxWarp>
+            </a:bodyPr>
+            <a:lstStyle/>
+            <a:p>
+              <a:endParaRPr lang="nl-NL"/>
+            </a:p>
+          </p:txBody>
+        </p:sp>
+        <p:sp>
+          <p:nvSpPr>
+            <p:cNvPr id="300" name="Text Box 221"/>
+            <p:cNvSpPr txBox="1">
+              <a:spLocks noChangeArrowheads="1"/>
+            </p:cNvSpPr>
+            <p:nvPr/>
+          </p:nvSpPr>
+          <p:spPr bwMode="auto">
+            <a:xfrm>
+              <a:off x="5022850" y="5538788"/>
+              <a:ext cx="1565275" cy="723900"/>
+            </a:xfrm>
+            <a:prstGeom prst="rect">
+              <a:avLst/>
+            </a:prstGeom>
+            <a:solidFill>
+              <a:srgbClr val="FFFFFF"/>
+            </a:solidFill>
+            <a:ln w="12700">
+              <a:solidFill>
+                <a:srgbClr val="000000"/>
+              </a:solidFill>
+              <a:prstDash val="dash"/>
+              <a:miter lim="800000"/>
+              <a:headEnd/>
+              <a:tailEnd/>
+            </a:ln>
+            <a:effectLst/>
+            <a:extLst>
+              <a:ext uri="{AF507438-7753-43E0-B8FC-AC1667EBCBE1}">
+                <a14:hiddenEffects xmlns:a14="http://schemas.microsoft.com/office/drawing/2010/main">
+                  <a:effectLst>
+                    <a:outerShdw dist="35921" dir="2700000" algn="ctr" rotWithShape="0">
+                      <a:srgbClr val="868686"/>
+                    </a:outerShdw>
+                  </a:effectLst>
+                </a14:hiddenEffects>
+              </a:ext>
+            </a:extLst>
+          </p:spPr>
+          <p:txBody>
+            <a:bodyPr vert="horz" wrap="square" lIns="91440" tIns="45720" rIns="91440" bIns="45720" numCol="1" anchor="t" anchorCtr="0" compatLnSpc="1">
+              <a:prstTxWarp prst="textNoShape">
+                <a:avLst/>
+              </a:prstTxWarp>
+            </a:bodyPr>
+            <a:lstStyle/>
+            <a:p>
+              <a:pPr marL="0" marR="0" lvl="0" indent="0" algn="l" defTabSz="914400" rtl="0" eaLnBrk="1" fontAlgn="base" latinLnBrk="0" hangingPunct="1">
+                <a:lnSpc>
+                  <a:spcPct val="100000"/>
+                </a:lnSpc>
+                <a:spcBef>
+                  <a:spcPct val="0"/>
+                </a:spcBef>
+                <a:spcAft>
+                  <a:spcPct val="0"/>
+                </a:spcAft>
+                <a:buClrTx/>
+                <a:buSzTx/>
+                <a:buFontTx/>
+                <a:buNone/>
+                <a:tabLst/>
+              </a:pPr>
+              <a:r>
+                <a:rPr kumimoji="0" lang="en-US" altLang="nl-NL" sz="1100" b="0" i="0" u="none" strike="noStrike" cap="none" normalizeH="0" baseline="0" smtClean="0">
+                  <a:ln>
+                    <a:noFill/>
+                  </a:ln>
+                  <a:solidFill>
+                    <a:schemeClr val="tx1"/>
+                  </a:solidFill>
+                  <a:effectLst/>
+                  <a:latin typeface="Calibri" pitchFamily="34" charset="0"/>
+                  <a:ea typeface="Times New Roman" pitchFamily="18" charset="0"/>
+                  <a:cs typeface="Times New Roman" pitchFamily="18" charset="0"/>
+                </a:rPr>
+                <a:t>Linearly combine predictions as ensemble</a:t>
+              </a:r>
+              <a:endParaRPr kumimoji="0" lang="en-US" altLang="nl-NL" sz="1100" b="0" i="0" u="none" strike="noStrike" cap="none" normalizeH="0" baseline="0" smtClean="0">
+                <a:ln>
+                  <a:noFill/>
+                </a:ln>
+                <a:solidFill>
+                  <a:schemeClr val="tx1"/>
+                </a:solidFill>
+                <a:effectLst/>
+                <a:latin typeface="Arial" pitchFamily="34" charset="0"/>
+                <a:cs typeface="Arial" pitchFamily="34" charset="0"/>
+              </a:endParaRPr>
+            </a:p>
+            <a:p>
+              <a:pPr marL="0" marR="0" lvl="0" indent="0" algn="l" defTabSz="914400" rtl="0" eaLnBrk="0" fontAlgn="base" latinLnBrk="0" hangingPunct="0">
+                <a:lnSpc>
+                  <a:spcPct val="100000"/>
+                </a:lnSpc>
+                <a:spcBef>
+                  <a:spcPct val="0"/>
+                </a:spcBef>
+                <a:spcAft>
+                  <a:spcPct val="0"/>
+                </a:spcAft>
+                <a:buClrTx/>
+                <a:buSzTx/>
+                <a:buFontTx/>
+                <a:buNone/>
+                <a:tabLst/>
+              </a:pPr>
+              <a:endParaRPr kumimoji="0" lang="en-US" altLang="nl-NL" sz="1800" b="0" i="0" u="none" strike="noStrike" cap="none" normalizeH="0" baseline="0" smtClean="0">
+                <a:ln>
+                  <a:noFill/>
+                </a:ln>
+                <a:solidFill>
+                  <a:schemeClr val="tx1"/>
+                </a:solidFill>
+                <a:effectLst/>
+                <a:latin typeface="Arial" pitchFamily="34" charset="0"/>
+                <a:cs typeface="Arial" pitchFamily="34" charset="0"/>
+              </a:endParaRPr>
+            </a:p>
+          </p:txBody>
+        </p:sp>
+        <p:sp>
+          <p:nvSpPr>
+            <p:cNvPr id="301" name="Text Box 220"/>
+            <p:cNvSpPr txBox="1">
+              <a:spLocks noChangeArrowheads="1"/>
+            </p:cNvSpPr>
+            <p:nvPr/>
+          </p:nvSpPr>
+          <p:spPr bwMode="auto">
+            <a:xfrm>
+              <a:off x="365125" y="5605463"/>
+              <a:ext cx="955675" cy="304800"/>
+            </a:xfrm>
+            <a:prstGeom prst="rect">
+              <a:avLst/>
+            </a:prstGeom>
+            <a:solidFill>
+              <a:srgbClr val="FFFFFF"/>
+            </a:solidFill>
+            <a:ln w="12700">
+              <a:solidFill>
+                <a:srgbClr val="000000"/>
+              </a:solidFill>
+              <a:prstDash val="dash"/>
+              <a:miter lim="800000"/>
+              <a:headEnd/>
+              <a:tailEnd/>
+            </a:ln>
+            <a:effectLst/>
+            <a:extLst>
+              <a:ext uri="{AF507438-7753-43E0-B8FC-AC1667EBCBE1}">
+                <a14:hiddenEffects xmlns:a14="http://schemas.microsoft.com/office/drawing/2010/main">
+                  <a:effectLst>
+                    <a:outerShdw dist="35921" dir="2700000" algn="ctr" rotWithShape="0">
+                      <a:srgbClr val="868686"/>
+                    </a:outerShdw>
+                  </a:effectLst>
+                </a14:hiddenEffects>
+              </a:ext>
+            </a:extLst>
+          </p:spPr>
+          <p:txBody>
+            <a:bodyPr vert="horz" wrap="square" lIns="91440" tIns="45720" rIns="91440" bIns="45720" numCol="1" anchor="t" anchorCtr="0" compatLnSpc="1">
+              <a:prstTxWarp prst="textNoShape">
+                <a:avLst/>
+              </a:prstTxWarp>
+            </a:bodyPr>
+            <a:lstStyle/>
+            <a:p>
+              <a:pPr marL="0" marR="0" lvl="0" indent="0" algn="l" defTabSz="914400" rtl="0" eaLnBrk="1" fontAlgn="base" latinLnBrk="0" hangingPunct="1">
+                <a:lnSpc>
+                  <a:spcPct val="100000"/>
+                </a:lnSpc>
+                <a:spcBef>
+                  <a:spcPct val="0"/>
+                </a:spcBef>
+                <a:spcAft>
+                  <a:spcPct val="0"/>
+                </a:spcAft>
+                <a:buClrTx/>
+                <a:buSzTx/>
+                <a:buFontTx/>
+                <a:buNone/>
+                <a:tabLst/>
+              </a:pPr>
+              <a:r>
+                <a:rPr kumimoji="0" lang="en-US" altLang="nl-NL" sz="1100" b="0" i="0" u="none" strike="noStrike" cap="none" normalizeH="0" baseline="0" smtClean="0">
+                  <a:ln>
+                    <a:noFill/>
+                  </a:ln>
+                  <a:solidFill>
+                    <a:schemeClr val="tx1"/>
+                  </a:solidFill>
+                  <a:effectLst/>
+                  <a:latin typeface="Calibri" pitchFamily="34" charset="0"/>
+                  <a:ea typeface="Times New Roman" pitchFamily="18" charset="0"/>
+                  <a:cs typeface="Times New Roman" pitchFamily="18" charset="0"/>
+                </a:rPr>
+                <a:t>Weight: 0.3</a:t>
+              </a:r>
+              <a:endParaRPr kumimoji="0" lang="en-US" altLang="nl-NL" sz="1100" b="0" i="0" u="none" strike="noStrike" cap="none" normalizeH="0" baseline="0" smtClean="0">
+                <a:ln>
+                  <a:noFill/>
+                </a:ln>
+                <a:solidFill>
+                  <a:schemeClr val="tx1"/>
+                </a:solidFill>
+                <a:effectLst/>
+                <a:latin typeface="Arial" pitchFamily="34" charset="0"/>
+                <a:cs typeface="Arial" pitchFamily="34" charset="0"/>
+              </a:endParaRPr>
+            </a:p>
+            <a:p>
+              <a:pPr marL="0" marR="0" lvl="0" indent="0" algn="l" defTabSz="914400" rtl="0" eaLnBrk="0" fontAlgn="base" latinLnBrk="0" hangingPunct="0">
+                <a:lnSpc>
+                  <a:spcPct val="100000"/>
+                </a:lnSpc>
+                <a:spcBef>
+                  <a:spcPct val="0"/>
+                </a:spcBef>
+                <a:spcAft>
+                  <a:spcPct val="0"/>
+                </a:spcAft>
+                <a:buClrTx/>
+                <a:buSzTx/>
+                <a:buFontTx/>
+                <a:buNone/>
+                <a:tabLst/>
+              </a:pPr>
+              <a:endParaRPr kumimoji="0" lang="en-US" altLang="nl-NL" sz="1800" b="0" i="0" u="none" strike="noStrike" cap="none" normalizeH="0" baseline="0" smtClean="0">
+                <a:ln>
+                  <a:noFill/>
+                </a:ln>
+                <a:solidFill>
+                  <a:schemeClr val="tx1"/>
+                </a:solidFill>
+                <a:effectLst/>
+                <a:latin typeface="Arial" pitchFamily="34" charset="0"/>
+                <a:cs typeface="Arial" pitchFamily="34" charset="0"/>
+              </a:endParaRPr>
+            </a:p>
+          </p:txBody>
+        </p:sp>
+        <p:sp>
+          <p:nvSpPr>
+            <p:cNvPr id="302" name="Text Box 219"/>
+            <p:cNvSpPr txBox="1">
+              <a:spLocks noChangeArrowheads="1"/>
+            </p:cNvSpPr>
+            <p:nvPr/>
+          </p:nvSpPr>
+          <p:spPr bwMode="auto">
+            <a:xfrm>
+              <a:off x="633413" y="6700838"/>
+              <a:ext cx="5400675" cy="695325"/>
+            </a:xfrm>
+            <a:prstGeom prst="rect">
+              <a:avLst/>
+            </a:prstGeom>
+            <a:solidFill>
+              <a:srgbClr val="9BBB59"/>
+            </a:solidFill>
+            <a:ln w="38100">
+              <a:solidFill>
+                <a:srgbClr val="F2F2F2"/>
+              </a:solidFill>
+              <a:miter lim="800000"/>
+              <a:headEnd/>
+              <a:tailEnd/>
+            </a:ln>
+            <a:effectLst>
+              <a:outerShdw dist="28398" dir="3806097" algn="ctr" rotWithShape="0">
+                <a:srgbClr val="4E6128">
+                  <a:alpha val="50000"/>
+                </a:srgbClr>
+              </a:outerShdw>
+            </a:effectLst>
+          </p:spPr>
+          <p:txBody>
+            <a:bodyPr vert="horz" wrap="square" lIns="91440" tIns="45720" rIns="91440" bIns="45720" numCol="1" anchor="t" anchorCtr="0" compatLnSpc="1">
+              <a:prstTxWarp prst="textNoShape">
+                <a:avLst/>
+              </a:prstTxWarp>
+            </a:bodyPr>
+            <a:lstStyle/>
+            <a:p>
+              <a:pPr marL="0" marR="0" lvl="0" indent="0" algn="l" defTabSz="914400" rtl="0" eaLnBrk="1" fontAlgn="base" latinLnBrk="0" hangingPunct="1">
+                <a:lnSpc>
+                  <a:spcPct val="100000"/>
+                </a:lnSpc>
+                <a:spcBef>
+                  <a:spcPct val="0"/>
+                </a:spcBef>
+                <a:spcAft>
+                  <a:spcPct val="0"/>
+                </a:spcAft>
+                <a:buClrTx/>
+                <a:buSzTx/>
+                <a:buFontTx/>
+                <a:buNone/>
+                <a:tabLst/>
+              </a:pPr>
+              <a:r>
+                <a:rPr kumimoji="0" lang="nl-NL" altLang="nl-NL" sz="2400" b="0" i="0" u="none" strike="noStrike" cap="none" normalizeH="0" baseline="0" smtClean="0">
+                  <a:ln>
+                    <a:noFill/>
+                  </a:ln>
+                  <a:solidFill>
+                    <a:schemeClr val="tx1"/>
+                  </a:solidFill>
+                  <a:effectLst/>
+                  <a:latin typeface="Calibri" pitchFamily="34" charset="0"/>
+                  <a:ea typeface="Times New Roman" pitchFamily="18" charset="0"/>
+                  <a:cs typeface="Times New Roman" pitchFamily="18" charset="0"/>
+                </a:rPr>
+                <a:t>Final prediction</a:t>
+              </a:r>
+              <a:endParaRPr kumimoji="0" lang="nl-NL" altLang="nl-NL" sz="1100" b="0" i="0" u="none" strike="noStrike" cap="none" normalizeH="0" baseline="0" smtClean="0">
+                <a:ln>
+                  <a:noFill/>
+                </a:ln>
+                <a:solidFill>
+                  <a:schemeClr val="tx1"/>
+                </a:solidFill>
+                <a:effectLst/>
+                <a:latin typeface="Arial" pitchFamily="34" charset="0"/>
+                <a:cs typeface="Arial" pitchFamily="34" charset="0"/>
+              </a:endParaRPr>
+            </a:p>
+            <a:p>
+              <a:pPr marL="0" marR="0" lvl="0" indent="0" algn="l" defTabSz="914400" rtl="0" eaLnBrk="0" fontAlgn="base" latinLnBrk="0" hangingPunct="0">
+                <a:lnSpc>
+                  <a:spcPct val="100000"/>
+                </a:lnSpc>
+                <a:spcBef>
+                  <a:spcPct val="0"/>
+                </a:spcBef>
+                <a:spcAft>
+                  <a:spcPct val="0"/>
+                </a:spcAft>
+                <a:buClrTx/>
+                <a:buSzTx/>
+                <a:buFontTx/>
+                <a:buNone/>
+                <a:tabLst/>
+              </a:pPr>
+              <a:endParaRPr kumimoji="0" lang="nl-NL" altLang="nl-NL" sz="1800" b="0" i="0" u="none" strike="noStrike" cap="none" normalizeH="0" baseline="0" smtClean="0">
+                <a:ln>
+                  <a:noFill/>
+                </a:ln>
+                <a:solidFill>
+                  <a:schemeClr val="tx1"/>
+                </a:solidFill>
+                <a:effectLst/>
+                <a:latin typeface="Arial" pitchFamily="34" charset="0"/>
+                <a:cs typeface="Arial" pitchFamily="34" charset="0"/>
+              </a:endParaRPr>
+            </a:p>
+          </p:txBody>
+        </p:sp>
+        <p:sp>
+          <p:nvSpPr>
+            <p:cNvPr id="303" name="Text Box 218"/>
+            <p:cNvSpPr txBox="1">
+              <a:spLocks noChangeArrowheads="1"/>
+            </p:cNvSpPr>
+            <p:nvPr/>
+          </p:nvSpPr>
+          <p:spPr bwMode="auto">
+            <a:xfrm>
+              <a:off x="1831975" y="5605463"/>
+              <a:ext cx="955675" cy="304800"/>
+            </a:xfrm>
+            <a:prstGeom prst="rect">
+              <a:avLst/>
+            </a:prstGeom>
+            <a:solidFill>
+              <a:srgbClr val="FFFFFF"/>
+            </a:solidFill>
+            <a:ln w="12700">
+              <a:solidFill>
+                <a:srgbClr val="000000"/>
+              </a:solidFill>
+              <a:prstDash val="dash"/>
+              <a:miter lim="800000"/>
+              <a:headEnd/>
+              <a:tailEnd/>
+            </a:ln>
+            <a:effectLst/>
+            <a:extLst>
+              <a:ext uri="{AF507438-7753-43E0-B8FC-AC1667EBCBE1}">
+                <a14:hiddenEffects xmlns:a14="http://schemas.microsoft.com/office/drawing/2010/main">
+                  <a:effectLst>
+                    <a:outerShdw dist="35921" dir="2700000" algn="ctr" rotWithShape="0">
+                      <a:srgbClr val="868686"/>
+                    </a:outerShdw>
+                  </a:effectLst>
+                </a14:hiddenEffects>
+              </a:ext>
+            </a:extLst>
+          </p:spPr>
+          <p:txBody>
+            <a:bodyPr vert="horz" wrap="square" lIns="91440" tIns="45720" rIns="91440" bIns="45720" numCol="1" anchor="t" anchorCtr="0" compatLnSpc="1">
+              <a:prstTxWarp prst="textNoShape">
+                <a:avLst/>
+              </a:prstTxWarp>
+            </a:bodyPr>
+            <a:lstStyle/>
+            <a:p>
+              <a:pPr marL="0" marR="0" lvl="0" indent="0" algn="l" defTabSz="914400" rtl="0" eaLnBrk="1" fontAlgn="base" latinLnBrk="0" hangingPunct="1">
+                <a:lnSpc>
+                  <a:spcPct val="100000"/>
+                </a:lnSpc>
+                <a:spcBef>
+                  <a:spcPct val="0"/>
+                </a:spcBef>
+                <a:spcAft>
+                  <a:spcPct val="0"/>
+                </a:spcAft>
+                <a:buClrTx/>
+                <a:buSzTx/>
+                <a:buFontTx/>
+                <a:buNone/>
+                <a:tabLst/>
+              </a:pPr>
+              <a:r>
+                <a:rPr kumimoji="0" lang="en-US" altLang="nl-NL" sz="1100" b="0" i="0" u="none" strike="noStrike" cap="none" normalizeH="0" baseline="0" smtClean="0">
+                  <a:ln>
+                    <a:noFill/>
+                  </a:ln>
+                  <a:solidFill>
+                    <a:schemeClr val="tx1"/>
+                  </a:solidFill>
+                  <a:effectLst/>
+                  <a:latin typeface="Calibri" pitchFamily="34" charset="0"/>
+                  <a:ea typeface="Times New Roman" pitchFamily="18" charset="0"/>
+                  <a:cs typeface="Times New Roman" pitchFamily="18" charset="0"/>
+                </a:rPr>
+                <a:t>Weight: 0.5</a:t>
+              </a:r>
+              <a:endParaRPr kumimoji="0" lang="en-US" altLang="nl-NL" sz="1100" b="0" i="0" u="none" strike="noStrike" cap="none" normalizeH="0" baseline="0" smtClean="0">
+                <a:ln>
+                  <a:noFill/>
+                </a:ln>
+                <a:solidFill>
+                  <a:schemeClr val="tx1"/>
+                </a:solidFill>
+                <a:effectLst/>
+                <a:latin typeface="Arial" pitchFamily="34" charset="0"/>
+                <a:cs typeface="Arial" pitchFamily="34" charset="0"/>
+              </a:endParaRPr>
+            </a:p>
+            <a:p>
+              <a:pPr marL="0" marR="0" lvl="0" indent="0" algn="l" defTabSz="914400" rtl="0" eaLnBrk="0" fontAlgn="base" latinLnBrk="0" hangingPunct="0">
+                <a:lnSpc>
+                  <a:spcPct val="100000"/>
+                </a:lnSpc>
+                <a:spcBef>
+                  <a:spcPct val="0"/>
+                </a:spcBef>
+                <a:spcAft>
+                  <a:spcPct val="0"/>
+                </a:spcAft>
+                <a:buClrTx/>
+                <a:buSzTx/>
+                <a:buFontTx/>
+                <a:buNone/>
+                <a:tabLst/>
+              </a:pPr>
+              <a:endParaRPr kumimoji="0" lang="en-US" altLang="nl-NL" sz="1800" b="0" i="0" u="none" strike="noStrike" cap="none" normalizeH="0" baseline="0" smtClean="0">
+                <a:ln>
+                  <a:noFill/>
+                </a:ln>
+                <a:solidFill>
+                  <a:schemeClr val="tx1"/>
+                </a:solidFill>
+                <a:effectLst/>
+                <a:latin typeface="Arial" pitchFamily="34" charset="0"/>
+                <a:cs typeface="Arial" pitchFamily="34" charset="0"/>
+              </a:endParaRPr>
+            </a:p>
+          </p:txBody>
+        </p:sp>
+        <p:sp>
+          <p:nvSpPr>
+            <p:cNvPr id="304" name="Text Box 217"/>
+            <p:cNvSpPr txBox="1">
+              <a:spLocks noChangeArrowheads="1"/>
+            </p:cNvSpPr>
+            <p:nvPr/>
+          </p:nvSpPr>
+          <p:spPr bwMode="auto">
+            <a:xfrm>
+              <a:off x="3559175" y="5605463"/>
+              <a:ext cx="955675" cy="304800"/>
+            </a:xfrm>
+            <a:prstGeom prst="rect">
+              <a:avLst/>
+            </a:prstGeom>
+            <a:solidFill>
+              <a:srgbClr val="FFFFFF"/>
+            </a:solidFill>
+            <a:ln w="12700">
+              <a:solidFill>
+                <a:srgbClr val="000000"/>
+              </a:solidFill>
+              <a:prstDash val="dash"/>
+              <a:miter lim="800000"/>
+              <a:headEnd/>
+              <a:tailEnd/>
+            </a:ln>
+            <a:effectLst/>
+            <a:extLst>
+              <a:ext uri="{AF507438-7753-43E0-B8FC-AC1667EBCBE1}">
+                <a14:hiddenEffects xmlns:a14="http://schemas.microsoft.com/office/drawing/2010/main">
+                  <a:effectLst>
+                    <a:outerShdw dist="35921" dir="2700000" algn="ctr" rotWithShape="0">
+                      <a:srgbClr val="868686"/>
+                    </a:outerShdw>
+                  </a:effectLst>
+                </a14:hiddenEffects>
+              </a:ext>
+            </a:extLst>
+          </p:spPr>
+          <p:txBody>
+            <a:bodyPr vert="horz" wrap="square" lIns="91440" tIns="45720" rIns="91440" bIns="45720" numCol="1" anchor="t" anchorCtr="0" compatLnSpc="1">
+              <a:prstTxWarp prst="textNoShape">
+                <a:avLst/>
+              </a:prstTxWarp>
+            </a:bodyPr>
+            <a:lstStyle/>
+            <a:p>
+              <a:pPr marL="0" marR="0" lvl="0" indent="0" algn="l" defTabSz="914400" rtl="0" eaLnBrk="1" fontAlgn="base" latinLnBrk="0" hangingPunct="1">
+                <a:lnSpc>
+                  <a:spcPct val="100000"/>
+                </a:lnSpc>
+                <a:spcBef>
+                  <a:spcPct val="0"/>
+                </a:spcBef>
+                <a:spcAft>
+                  <a:spcPct val="0"/>
+                </a:spcAft>
+                <a:buClrTx/>
+                <a:buSzTx/>
+                <a:buFontTx/>
+                <a:buNone/>
+                <a:tabLst/>
+              </a:pPr>
+              <a:r>
+                <a:rPr kumimoji="0" lang="en-US" altLang="nl-NL" sz="1100" b="0" i="0" u="none" strike="noStrike" cap="none" normalizeH="0" baseline="0" smtClean="0">
+                  <a:ln>
+                    <a:noFill/>
+                  </a:ln>
+                  <a:solidFill>
+                    <a:schemeClr val="tx1"/>
+                  </a:solidFill>
+                  <a:effectLst/>
+                  <a:latin typeface="Calibri" pitchFamily="34" charset="0"/>
+                  <a:ea typeface="Times New Roman" pitchFamily="18" charset="0"/>
+                  <a:cs typeface="Times New Roman" pitchFamily="18" charset="0"/>
+                </a:rPr>
+                <a:t>Weight: 0.2</a:t>
+              </a:r>
+              <a:endParaRPr kumimoji="0" lang="en-US" altLang="nl-NL" sz="1100" b="0" i="0" u="none" strike="noStrike" cap="none" normalizeH="0" baseline="0" smtClean="0">
+                <a:ln>
+                  <a:noFill/>
+                </a:ln>
+                <a:solidFill>
+                  <a:schemeClr val="tx1"/>
+                </a:solidFill>
+                <a:effectLst/>
+                <a:latin typeface="Arial" pitchFamily="34" charset="0"/>
+                <a:cs typeface="Arial" pitchFamily="34" charset="0"/>
+              </a:endParaRPr>
+            </a:p>
+            <a:p>
+              <a:pPr marL="0" marR="0" lvl="0" indent="0" algn="l" defTabSz="914400" rtl="0" eaLnBrk="0" fontAlgn="base" latinLnBrk="0" hangingPunct="0">
+                <a:lnSpc>
+                  <a:spcPct val="100000"/>
+                </a:lnSpc>
+                <a:spcBef>
+                  <a:spcPct val="0"/>
+                </a:spcBef>
+                <a:spcAft>
+                  <a:spcPct val="0"/>
+                </a:spcAft>
+                <a:buClrTx/>
+                <a:buSzTx/>
+                <a:buFontTx/>
+                <a:buNone/>
+                <a:tabLst/>
+              </a:pPr>
+              <a:endParaRPr kumimoji="0" lang="en-US" altLang="nl-NL" sz="1800" b="0" i="0" u="none" strike="noStrike" cap="none" normalizeH="0" baseline="0" smtClean="0">
+                <a:ln>
+                  <a:noFill/>
+                </a:ln>
+                <a:solidFill>
+                  <a:schemeClr val="tx1"/>
+                </a:solidFill>
+                <a:effectLst/>
+                <a:latin typeface="Arial" pitchFamily="34" charset="0"/>
+                <a:cs typeface="Arial" pitchFamily="34" charset="0"/>
+              </a:endParaRPr>
+            </a:p>
+          </p:txBody>
+        </p:sp>
+      </p:grpSp>
+      <p:sp>
+        <p:nvSpPr>
+          <p:cNvPr id="305" name="Rectangle 267"/>
+          <p:cNvSpPr>
+            <a:spLocks noChangeArrowheads="1"/>
+          </p:cNvSpPr>
+          <p:nvPr/>
+        </p:nvSpPr>
+        <p:spPr bwMode="auto">
+          <a:xfrm>
+            <a:off x="152400" y="152400"/>
+            <a:ext cx="13003213" cy="457200"/>
+          </a:xfrm>
+          <a:prstGeom prst="rect">
+            <a:avLst/>
+          </a:prstGeom>
+          <a:noFill/>
+          <a:ln>
+            <a:noFill/>
+          </a:ln>
+          <a:effectLst/>
+          <a:extLst>
+            <a:ext uri="{909E8E84-426E-40DD-AFC4-6F175D3DCCD1}">
+              <a14:hiddenFill xmlns:a14="http://schemas.microsoft.com/office/drawing/2010/main">
+                <a:solidFill>
+                  <a:schemeClr val="accent1"/>
+                </a:solidFill>
+              </a14:hiddenFill>
+            </a:ext>
+            <a:ext uri="{91240B29-F687-4F45-9708-019B960494DF}">
+              <a14:hiddenLine xmlns:a14="http://schemas.microsoft.com/office/drawing/2010/main" w="9525">
+                <a:solidFill>
+                  <a:schemeClr val="tx1"/>
+                </a:solidFill>
+                <a:miter lim="800000"/>
+                <a:headEnd/>
+                <a:tailEnd/>
+              </a14:hiddenLine>
+            </a:ext>
+            <a:ext uri="{AF507438-7753-43E0-B8FC-AC1667EBCBE1}">
+              <a14:hiddenEffects xmlns:a14="http://schemas.microsoft.com/office/drawing/2010/main">
+                <a:effectLst>
+                  <a:outerShdw dist="35921" dir="2700000" algn="ctr" rotWithShape="0">
+                    <a:schemeClr val="bg2"/>
+                  </a:outerShdw>
+                </a:effectLst>
+              </a14:hiddenEffects>
+            </a:ext>
+          </a:extLst>
+        </p:spPr>
+        <p:txBody>
+          <a:bodyPr vert="horz" wrap="none" lIns="91440" tIns="45720" rIns="91440" bIns="45720" numCol="1" anchor="ctr" anchorCtr="0" compatLnSpc="1">
+            <a:prstTxWarp prst="textNoShape">
+              <a:avLst/>
+            </a:prstTxWarp>
+            <a:spAutoFit/>
+          </a:bodyPr>
+          <a:lstStyle/>
+          <a:p>
+            <a:endParaRPr lang="nl-NL"/>
           </a:p>
         </p:txBody>
       </p:sp>
     </p:spTree>
     <p:extLst>
       <p:ext uri="{BB962C8B-B14F-4D97-AF65-F5344CB8AC3E}">
-        <p14:creationId xmlns:p14="http://schemas.microsoft.com/office/powerpoint/2010/main" val="986293090"/>
+        <p14:creationId xmlns:p14="http://schemas.microsoft.com/office/powerpoint/2010/main" val="2768329112"/>
       </p:ext>
     </p:extLst>
   </p:cSld>
@@ -16970,7 +21701,30 @@
           <a:p>
             <a:r>
               <a:rPr lang="nl-NL" dirty="0" err="1" smtClean="0"/>
-              <a:t>Further</a:t>
+              <a:t>Results</a:t>
+            </a:r>
+            <a:endParaRPr lang="nl-NL" dirty="0"/>
+          </a:p>
+        </p:txBody>
+      </p:sp>
+      <p:sp>
+        <p:nvSpPr>
+          <p:cNvPr id="6" name="Tijdelijke aanduiding voor inhoud 5"/>
+          <p:cNvSpPr>
+            <a:spLocks noGrp="1"/>
+          </p:cNvSpPr>
+          <p:nvPr>
+            <p:ph idx="1"/>
+          </p:nvPr>
+        </p:nvSpPr>
+        <p:spPr/>
+        <p:txBody>
+          <a:bodyPr/>
+          <a:lstStyle/>
+          <a:p>
+            <a:r>
+              <a:rPr lang="nl-NL" dirty="0" err="1" smtClean="0"/>
+              <a:t>Something</a:t>
             </a:r>
             <a:r>
               <a:rPr lang="nl-NL" dirty="0" smtClean="0"/>
@@ -16978,35 +21732,57 @@
             </a:r>
             <a:r>
               <a:rPr lang="nl-NL" dirty="0" err="1" smtClean="0"/>
-              <a:t>work</a:t>
+              <a:t>something</a:t>
+            </a:r>
+            <a:r>
+              <a:rPr lang="nl-NL" dirty="0" smtClean="0"/>
+              <a:t> </a:t>
+            </a:r>
+            <a:r>
+              <a:rPr lang="nl-NL" dirty="0" err="1" smtClean="0"/>
+              <a:t>XGBoost</a:t>
             </a:r>
             <a:endParaRPr lang="nl-NL" dirty="0"/>
           </a:p>
         </p:txBody>
       </p:sp>
-      <p:sp>
-        <p:nvSpPr>
-          <p:cNvPr id="3" name="Tijdelijke aanduiding voor inhoud 2"/>
-          <p:cNvSpPr>
-            <a:spLocks noGrp="1"/>
-          </p:cNvSpPr>
-          <p:nvPr>
-            <p:ph idx="1"/>
-          </p:nvPr>
-        </p:nvSpPr>
-        <p:spPr/>
-        <p:txBody>
-          <a:bodyPr/>
-          <a:lstStyle/>
-          <a:p>
-            <a:endParaRPr lang="nl-NL" dirty="0"/>
-          </a:p>
-        </p:txBody>
-      </p:sp>
+      <p:pic>
+        <p:nvPicPr>
+          <p:cNvPr id="8" name="Picture 5"/>
+          <p:cNvPicPr/>
+          <p:nvPr/>
+        </p:nvPicPr>
+        <p:blipFill>
+          <a:blip r:embed="rId2" cstate="print">
+            <a:extLst>
+              <a:ext uri="{28A0092B-C50C-407E-A947-70E740481C1C}">
+                <a14:useLocalDpi xmlns:a14="http://schemas.microsoft.com/office/drawing/2010/main" val="0"/>
+              </a:ext>
+            </a:extLst>
+          </a:blip>
+          <a:srcRect/>
+          <a:stretch>
+            <a:fillRect/>
+          </a:stretch>
+        </p:blipFill>
+        <p:spPr bwMode="auto">
+          <a:xfrm>
+            <a:off x="3167316" y="4699591"/>
+            <a:ext cx="6668581" cy="3627283"/>
+          </a:xfrm>
+          <a:prstGeom prst="rect">
+            <a:avLst/>
+          </a:prstGeom>
+          <a:noFill/>
+          <a:ln>
+            <a:noFill/>
+          </a:ln>
+        </p:spPr>
+      </p:pic>
     </p:spTree>
     <p:extLst>
       <p:ext uri="{BB962C8B-B14F-4D97-AF65-F5344CB8AC3E}">
-        <p14:creationId xmlns:p14="http://schemas.microsoft.com/office/powerpoint/2010/main" val="3234233365"/>
+        <p14:creationId xmlns:p14="http://schemas.microsoft.com/office/powerpoint/2010/main" val="126911451"/>
       </p:ext>
     </p:extLst>
   </p:cSld>
@@ -17058,10 +21834,6 @@
           <a:bodyPr/>
           <a:lstStyle/>
           <a:p>
-            <a:r>
-              <a:rPr lang="nl-NL" dirty="0" err="1" smtClean="0"/>
-              <a:t>Conclusion</a:t>
-            </a:r>
             <a:endParaRPr lang="nl-NL" dirty="0"/>
           </a:p>
         </p:txBody>
@@ -17081,14 +21853,18 @@
           <a:bodyPr/>
           <a:lstStyle/>
           <a:p>
-            <a:endParaRPr lang="nl-NL"/>
+            <a:r>
+              <a:rPr lang="en-US" dirty="0"/>
+              <a:t>(discuss other things worth mentioning here)</a:t>
+            </a:r>
+            <a:endParaRPr lang="nl-NL" dirty="0"/>
           </a:p>
         </p:txBody>
       </p:sp>
     </p:spTree>
     <p:extLst>
       <p:ext uri="{BB962C8B-B14F-4D97-AF65-F5344CB8AC3E}">
-        <p14:creationId xmlns:p14="http://schemas.microsoft.com/office/powerpoint/2010/main" val="3638369078"/>
+        <p14:creationId xmlns:p14="http://schemas.microsoft.com/office/powerpoint/2010/main" val="986293090"/>
       </p:ext>
     </p:extLst>
   </p:cSld>
@@ -17127,7 +21903,7 @@
       </p:grpSpPr>
       <p:sp>
         <p:nvSpPr>
-          <p:cNvPr id="4" name="Titel 3"/>
+          <p:cNvPr id="2" name="Titel 1"/>
           <p:cNvSpPr>
             <a:spLocks noGrp="1"/>
           </p:cNvSpPr>
@@ -17142,19 +21918,15 @@
           <a:p>
             <a:r>
               <a:rPr lang="nl-NL" dirty="0" err="1" smtClean="0"/>
-              <a:t>Sberbank</a:t>
+              <a:t>Further</a:t>
             </a:r>
             <a:r>
               <a:rPr lang="nl-NL" dirty="0" smtClean="0"/>
-              <a:t> Russian </a:t>
+              <a:t> </a:t>
             </a:r>
             <a:r>
               <a:rPr lang="nl-NL" dirty="0" err="1" smtClean="0"/>
-              <a:t>Housing</a:t>
-            </a:r>
-            <a:r>
-              <a:rPr lang="nl-NL" dirty="0" smtClean="0"/>
-              <a:t> Market</a:t>
+              <a:t>work</a:t>
             </a:r>
             <a:endParaRPr lang="nl-NL" dirty="0"/>
           </a:p>
@@ -17162,7 +21934,7 @@
       </p:sp>
       <p:sp>
         <p:nvSpPr>
-          <p:cNvPr id="5" name="Tijdelijke aanduiding voor inhoud 4"/>
+          <p:cNvPr id="3" name="Tijdelijke aanduiding voor inhoud 2"/>
           <p:cNvSpPr>
             <a:spLocks noGrp="1"/>
           </p:cNvSpPr>
@@ -17175,72 +21947,14 @@
           <a:bodyPr/>
           <a:lstStyle/>
           <a:p>
-            <a:r>
-              <a:rPr lang="en-US" sz="4000" dirty="0" smtClean="0">
-                <a:latin typeface="+mj-lt"/>
-              </a:rPr>
-              <a:t>Team Classified</a:t>
-            </a:r>
-          </a:p>
-          <a:p>
-            <a:endParaRPr lang="en-US" dirty="0" smtClean="0"/>
-          </a:p>
-          <a:p>
-            <a:pPr marL="457200" indent="-457200" algn="l">
-              <a:buFont typeface="Arial" panose="020B0604020202020204" pitchFamily="34" charset="0"/>
-              <a:buChar char="•"/>
-            </a:pPr>
-            <a:r>
-              <a:rPr lang="en-US" dirty="0" smtClean="0"/>
-              <a:t>Maybe a short</a:t>
-            </a:r>
-          </a:p>
-          <a:p>
-            <a:pPr marL="457200" indent="-457200" algn="l">
-              <a:buFont typeface="Arial" panose="020B0604020202020204" pitchFamily="34" charset="0"/>
-              <a:buChar char="•"/>
-            </a:pPr>
-            <a:r>
-              <a:rPr lang="en-US" dirty="0" smtClean="0"/>
-              <a:t>Summary of stuff</a:t>
-            </a:r>
-          </a:p>
-          <a:p>
-            <a:pPr marL="457200" indent="-457200" algn="l">
-              <a:buFont typeface="Arial" panose="020B0604020202020204" pitchFamily="34" charset="0"/>
-              <a:buChar char="•"/>
-            </a:pPr>
-            <a:r>
-              <a:rPr lang="en-US" dirty="0" smtClean="0"/>
-              <a:t>Discussed</a:t>
-            </a:r>
-          </a:p>
-          <a:p>
-            <a:pPr marL="457200" indent="-457200" algn="l">
-              <a:buFont typeface="Arial" panose="020B0604020202020204" pitchFamily="34" charset="0"/>
-              <a:buChar char="•"/>
-            </a:pPr>
-            <a:endParaRPr lang="en-US" dirty="0" smtClean="0"/>
-          </a:p>
-          <a:p>
-            <a:r>
-              <a:rPr lang="en-US" dirty="0" smtClean="0"/>
-              <a:t>Thanks for your attention!</a:t>
-            </a:r>
-          </a:p>
-          <a:p>
-            <a:r>
-              <a:rPr lang="en-US" dirty="0" smtClean="0"/>
-              <a:t>Any questions?</a:t>
-            </a:r>
-            <a:endParaRPr lang="en-US" dirty="0"/>
+            <a:endParaRPr lang="nl-NL" dirty="0"/>
           </a:p>
         </p:txBody>
       </p:sp>
     </p:spTree>
     <p:extLst>
       <p:ext uri="{BB962C8B-B14F-4D97-AF65-F5344CB8AC3E}">
-        <p14:creationId xmlns:p14="http://schemas.microsoft.com/office/powerpoint/2010/main" val="2891404509"/>
+        <p14:creationId xmlns:p14="http://schemas.microsoft.com/office/powerpoint/2010/main" val="3234233365"/>
       </p:ext>
     </p:extLst>
   </p:cSld>
@@ -17594,7 +22308,7 @@
   <a:extraClrSchemeLst/>
   <a:extLst>
     <a:ext uri="{05A4C25C-085E-4340-85A3-A5531E510DB2}">
-      <thm15:themeFamily xmlns="" xmlns:thm15="http://schemas.microsoft.com/office/thememl/2012/main" name="RU_Powerpoint_Sjabloon_1701_01" id="{828DFFF2-5273-C34C-ABD2-9CECC33A392B}" vid="{23D08B45-5954-D846-9929-9B0FE5D401C8}"/>
+      <thm15:themeFamily xmlns:thm15="http://schemas.microsoft.com/office/thememl/2012/main" xmlns="" name="RU_Powerpoint_Sjabloon_1701_01" id="{828DFFF2-5273-C34C-ABD2-9CECC33A392B}" vid="{23D08B45-5954-D846-9929-9B0FE5D401C8}"/>
     </a:ext>
   </a:extLst>
 </a:theme>
@@ -17934,7 +22648,7 @@
   <a:extraClrSchemeLst/>
   <a:extLst>
     <a:ext uri="{05A4C25C-085E-4340-85A3-A5531E510DB2}">
-      <thm15:themeFamily xmlns="" xmlns:thm15="http://schemas.microsoft.com/office/thememl/2012/main" name="RU_Powerpoint_Sjabloon_1701_01" id="{828DFFF2-5273-C34C-ABD2-9CECC33A392B}" vid="{74A80C64-C312-7D45-AC0F-390CF2F274F6}"/>
+      <thm15:themeFamily xmlns:thm15="http://schemas.microsoft.com/office/thememl/2012/main" xmlns="" name="RU_Powerpoint_Sjabloon_1701_01" id="{828DFFF2-5273-C34C-ABD2-9CECC33A392B}" vid="{74A80C64-C312-7D45-AC0F-390CF2F274F6}"/>
     </a:ext>
   </a:extLst>
 </a:theme>
@@ -18274,7 +22988,7 @@
   <a:extraClrSchemeLst/>
   <a:extLst>
     <a:ext uri="{05A4C25C-085E-4340-85A3-A5531E510DB2}">
-      <thm15:themeFamily xmlns="" xmlns:thm15="http://schemas.microsoft.com/office/thememl/2012/main" name="RU_Powerpoint_Sjabloon_1701_01" id="{828DFFF2-5273-C34C-ABD2-9CECC33A392B}" vid="{D9D59CB7-FFB0-994D-A0FE-D55D805C5F99}"/>
+      <thm15:themeFamily xmlns:thm15="http://schemas.microsoft.com/office/thememl/2012/main" xmlns="" name="RU_Powerpoint_Sjabloon_1701_01" id="{828DFFF2-5273-C34C-ABD2-9CECC33A392B}" vid="{D9D59CB7-FFB0-994D-A0FE-D55D805C5F99}"/>
     </a:ext>
   </a:extLst>
 </a:theme>
@@ -18614,7 +23328,7 @@
   <a:extraClrSchemeLst/>
   <a:extLst>
     <a:ext uri="{05A4C25C-085E-4340-85A3-A5531E510DB2}">
-      <thm15:themeFamily xmlns="" xmlns:thm15="http://schemas.microsoft.com/office/thememl/2012/main" name="RU_Powerpoint_Sjabloon_1701_01" id="{828DFFF2-5273-C34C-ABD2-9CECC33A392B}" vid="{D9D59CB7-FFB0-994D-A0FE-D55D805C5F99}"/>
+      <thm15:themeFamily xmlns:thm15="http://schemas.microsoft.com/office/thememl/2012/main" xmlns="" name="RU_Powerpoint_Sjabloon_1701_01" id="{828DFFF2-5273-C34C-ABD2-9CECC33A392B}" vid="{D9D59CB7-FFB0-994D-A0FE-D55D805C5F99}"/>
     </a:ext>
   </a:extLst>
 </a:theme>

--- a/presentatie/Classified_MLiP_final_presentation_2.pptx
+++ b/presentatie/Classified_MLiP_final_presentation_2.pptx
@@ -1,6 +1,6 @@
 
 <file path=ppt/presentation.xml><?xml version="1.0" encoding="utf-8"?>
-<p:presentation xmlns:a="http://schemas.openxmlformats.org/drawingml/2006/main" xmlns:r="http://schemas.openxmlformats.org/officeDocument/2006/relationships" xmlns:p="http://schemas.openxmlformats.org/presentationml/2006/main" saveSubsetFonts="1" autoCompressPictures="0">
+<p:presentation xmlns:a="http://schemas.openxmlformats.org/drawingml/2006/main" xmlns:r="http://schemas.openxmlformats.org/officeDocument/2006/relationships" xmlns:p="http://schemas.openxmlformats.org/presentationml/2006/main" saveSubsetFonts="1" autoCompressPictures="0" bookmarkIdSeed="2">
   <p:sldMasterIdLst>
     <p:sldMasterId id="2147483731" r:id="rId1"/>
     <p:sldMasterId id="2147483721" r:id="rId2"/>
@@ -153,7 +153,7 @@
   </p:defaultTextStyle>
   <p:extLst>
     <p:ext uri="{EFAFB233-063F-42B5-8137-9DF3F51BA10A}">
-      <p15:sldGuideLst xmlns="" xmlns:p15="http://schemas.microsoft.com/office/powerpoint/2012/main">
+      <p15:sldGuideLst xmlns:p15="http://schemas.microsoft.com/office/powerpoint/2012/main" xmlns="">
         <p15:guide id="1" orient="horz" pos="3073" userDrawn="1">
           <p15:clr>
             <a:srgbClr val="A4A3A4"/>
@@ -167,7 +167,7 @@
       </p15:sldGuideLst>
     </p:ext>
     <p:ext uri="{2D200454-40CA-4A62-9FC3-DE9A4176ACB9}">
-      <p15:notesGuideLst xmlns="" xmlns:p15="http://schemas.microsoft.com/office/powerpoint/2012/main">
+      <p15:notesGuideLst xmlns:p15="http://schemas.microsoft.com/office/powerpoint/2012/main" xmlns="">
         <p15:guide id="1" orient="horz" pos="2880">
           <p15:clr>
             <a:srgbClr val="A4A3A4"/>
@@ -2681,7 +2681,7 @@
               </a14:hiddenLine>
             </a:ext>
             <a:ext uri="{FAA26D3D-D897-4be2-8F04-BA451C77F1D7}">
-              <ma14:placeholderFlag xmlns="" xmlns:ma14="http://schemas.microsoft.com/office/mac/drawingml/2011/main" val="1"/>
+              <ma14:placeholderFlag xmlns:ma14="http://schemas.microsoft.com/office/mac/drawingml/2011/main" xmlns="" val="1"/>
             </a:ext>
           </a:extLst>
         </p:spPr>
@@ -2742,7 +2742,7 @@
               </a14:hiddenLine>
             </a:ext>
             <a:ext uri="{FAA26D3D-D897-4be2-8F04-BA451C77F1D7}">
-              <ma14:placeholderFlag xmlns="" xmlns:ma14="http://schemas.microsoft.com/office/mac/drawingml/2011/main" val="1"/>
+              <ma14:placeholderFlag xmlns:ma14="http://schemas.microsoft.com/office/mac/drawingml/2011/main" xmlns="" val="1"/>
             </a:ext>
           </a:extLst>
         </p:spPr>
@@ -3421,7 +3421,7 @@
               </a14:hiddenLine>
             </a:ext>
             <a:ext uri="{FAA26D3D-D897-4be2-8F04-BA451C77F1D7}">
-              <ma14:placeholderFlag xmlns="" xmlns:ma14="http://schemas.microsoft.com/office/mac/drawingml/2011/main" val="1"/>
+              <ma14:placeholderFlag xmlns:ma14="http://schemas.microsoft.com/office/mac/drawingml/2011/main" xmlns="" val="1"/>
             </a:ext>
           </a:extLst>
         </p:spPr>
@@ -3482,7 +3482,7 @@
               </a14:hiddenLine>
             </a:ext>
             <a:ext uri="{FAA26D3D-D897-4be2-8F04-BA451C77F1D7}">
-              <ma14:placeholderFlag xmlns="" xmlns:ma14="http://schemas.microsoft.com/office/mac/drawingml/2011/main" val="1"/>
+              <ma14:placeholderFlag xmlns:ma14="http://schemas.microsoft.com/office/mac/drawingml/2011/main" xmlns="" val="1"/>
             </a:ext>
           </a:extLst>
         </p:spPr>
@@ -5086,7 +5086,7 @@
         <p:spPr/>
         <p:txBody>
           <a:bodyPr>
-            <a:normAutofit/>
+            <a:normAutofit fontScale="92500" lnSpcReduction="20000"/>
           </a:bodyPr>
           <a:lstStyle/>
           <a:p>
@@ -5189,9 +5189,10 @@
               <a:buChar char="•"/>
             </a:pPr>
             <a:r>
-              <a:rPr lang="nl-NL" dirty="0" smtClean="0"/>
-              <a:t>…</a:t>
-            </a:r>
+              <a:rPr lang="en-US" sz="2200" dirty="0" err="1" smtClean="0"/>
+              <a:t>LinearRegression</a:t>
+            </a:r>
+            <a:endParaRPr lang="en-US" sz="2200" dirty="0" smtClean="0"/>
           </a:p>
           <a:p>
             <a:pPr marL="544437" indent="-544437">
@@ -5199,10 +5200,90 @@
               <a:buChar char="•"/>
             </a:pPr>
             <a:r>
-              <a:rPr lang="nl-NL" dirty="0" err="1" smtClean="0"/>
+              <a:rPr lang="en-US" sz="2200" dirty="0" err="1" smtClean="0"/>
+              <a:t>SGDRegression</a:t>
+            </a:r>
+            <a:endParaRPr lang="en-US" sz="2200" dirty="0"/>
+          </a:p>
+          <a:p>
+            <a:pPr marL="544437" indent="-544437">
+              <a:buFont typeface="Arial" panose="020B0604020202020204" pitchFamily="34" charset="0"/>
+              <a:buChar char="•"/>
+            </a:pPr>
+            <a:r>
+              <a:rPr lang="en-US" sz="2200" dirty="0" err="1" smtClean="0"/>
+              <a:t>KNNeighbours</a:t>
+            </a:r>
+            <a:endParaRPr lang="en-US" sz="2200" dirty="0" smtClean="0"/>
+          </a:p>
+          <a:p>
+            <a:pPr marL="544437" indent="-544437">
+              <a:buFont typeface="Arial" panose="020B0604020202020204" pitchFamily="34" charset="0"/>
+              <a:buChar char="•"/>
+            </a:pPr>
+            <a:r>
+              <a:rPr lang="en-US" sz="2200" dirty="0" smtClean="0"/>
+              <a:t>Decision Tree</a:t>
+            </a:r>
+          </a:p>
+          <a:p>
+            <a:pPr marL="544437" indent="-544437">
+              <a:buFont typeface="Arial" panose="020B0604020202020204" pitchFamily="34" charset="0"/>
+              <a:buChar char="•"/>
+            </a:pPr>
+            <a:r>
+              <a:rPr lang="en-US" sz="2200" dirty="0" err="1" smtClean="0"/>
+              <a:t>RandomForests</a:t>
+            </a:r>
+            <a:endParaRPr lang="en-US" sz="2200" dirty="0"/>
+          </a:p>
+          <a:p>
+            <a:pPr marL="544437" indent="-544437">
+              <a:buFont typeface="Arial" panose="020B0604020202020204" pitchFamily="34" charset="0"/>
+              <a:buChar char="•"/>
+            </a:pPr>
+            <a:r>
+              <a:rPr lang="en-US" sz="2200" dirty="0" err="1" smtClean="0"/>
+              <a:t>Gradientboosting</a:t>
+            </a:r>
+            <a:r>
+              <a:rPr lang="en-US" sz="2200" dirty="0" smtClean="0"/>
+              <a:t> </a:t>
+            </a:r>
+            <a:r>
+              <a:rPr lang="en-US" sz="2200" dirty="0" err="1" smtClean="0"/>
+              <a:t>Regressor</a:t>
+            </a:r>
+            <a:endParaRPr lang="en-US" sz="2200" dirty="0" smtClean="0"/>
+          </a:p>
+          <a:p>
+            <a:pPr marL="544437" indent="-544437">
+              <a:buFont typeface="Arial" panose="020B0604020202020204" pitchFamily="34" charset="0"/>
+              <a:buChar char="•"/>
+            </a:pPr>
+            <a:r>
+              <a:rPr lang="en-US" sz="2200" dirty="0" smtClean="0"/>
+              <a:t>Deep Learning (</a:t>
+            </a:r>
+            <a:r>
+              <a:rPr lang="en-US" sz="2200" dirty="0" err="1" smtClean="0"/>
+              <a:t>Keras</a:t>
+            </a:r>
+            <a:r>
+              <a:rPr lang="en-US" sz="2200" dirty="0" smtClean="0"/>
+              <a:t>)</a:t>
+            </a:r>
+          </a:p>
+          <a:p>
+            <a:pPr marL="544437" indent="-544437">
+              <a:buFont typeface="Arial" panose="020B0604020202020204" pitchFamily="34" charset="0"/>
+              <a:buChar char="•"/>
+            </a:pPr>
+            <a:r>
+              <a:rPr lang="nl-NL" u="sng" dirty="0" err="1" smtClean="0"/>
               <a:t>XGBoost</a:t>
             </a:r>
-            <a:endParaRPr lang="nl-NL" dirty="0" smtClean="0"/>
+            <a:endParaRPr lang="nl-NL" u="sng" dirty="0" smtClean="0"/>
           </a:p>
           <a:p>
             <a:pPr marL="544437" indent="-544437">
@@ -8579,53 +8660,22 @@
           <a:bodyPr/>
           <a:lstStyle/>
           <a:p>
-            <a:r>
-              <a:rPr lang="nl-NL" dirty="0" err="1" smtClean="0"/>
-              <a:t>Something</a:t>
-            </a:r>
-            <a:r>
-              <a:rPr lang="nl-NL" dirty="0" smtClean="0"/>
-              <a:t> </a:t>
-            </a:r>
-            <a:r>
-              <a:rPr lang="nl-NL" dirty="0" err="1" smtClean="0"/>
-              <a:t>something</a:t>
-            </a:r>
-            <a:r>
-              <a:rPr lang="nl-NL" dirty="0" smtClean="0"/>
-              <a:t> </a:t>
-            </a:r>
-            <a:r>
-              <a:rPr lang="nl-NL" dirty="0" err="1" smtClean="0"/>
-              <a:t>XGBoost</a:t>
-            </a:r>
             <a:endParaRPr lang="nl-NL" dirty="0"/>
           </a:p>
         </p:txBody>
       </p:sp>
-      <p:pic>
-        <p:nvPicPr>
-          <p:cNvPr id="5" name="Picture 5"/>
-          <p:cNvPicPr/>
+      <p:sp>
+        <p:nvSpPr>
+          <p:cNvPr id="10" name="Rectangle 4"/>
+          <p:cNvSpPr>
+            <a:spLocks noChangeArrowheads="1"/>
+          </p:cNvSpPr>
           <p:nvPr/>
-        </p:nvPicPr>
-        <p:blipFill>
-          <a:blip r:embed="rId2" cstate="print">
-            <a:extLst>
-              <a:ext uri="{28A0092B-C50C-407E-A947-70E740481C1C}">
-                <a14:useLocalDpi xmlns:a14="http://schemas.microsoft.com/office/drawing/2010/main" val="0"/>
-              </a:ext>
-            </a:extLst>
-          </a:blip>
-          <a:srcRect/>
-          <a:stretch>
-            <a:fillRect/>
-          </a:stretch>
-        </p:blipFill>
+        </p:nvSpPr>
         <p:spPr bwMode="auto">
           <a:xfrm>
-            <a:off x="4357871" y="3534092"/>
-            <a:ext cx="8632458" cy="4695507"/>
+            <a:off x="5929313" y="3679825"/>
+            <a:ext cx="17348200" cy="0"/>
           </a:xfrm>
           <a:prstGeom prst="rect">
             <a:avLst/>
@@ -8634,8 +8684,1919 @@
           <a:ln>
             <a:noFill/>
           </a:ln>
+          <a:effectLst/>
+          <a:extLst>
+            <a:ext uri="{909E8E84-426E-40DD-AFC4-6F175D3DCCD1}">
+              <a14:hiddenFill xmlns:a14="http://schemas.microsoft.com/office/drawing/2010/main">
+                <a:solidFill>
+                  <a:schemeClr val="accent1"/>
+                </a:solidFill>
+              </a14:hiddenFill>
+            </a:ext>
+            <a:ext uri="{91240B29-F687-4F45-9708-019B960494DF}">
+              <a14:hiddenLine xmlns:a14="http://schemas.microsoft.com/office/drawing/2010/main" w="9525">
+                <a:solidFill>
+                  <a:schemeClr val="tx1"/>
+                </a:solidFill>
+                <a:miter lim="800000"/>
+                <a:headEnd/>
+                <a:tailEnd/>
+              </a14:hiddenLine>
+            </a:ext>
+            <a:ext uri="{AF507438-7753-43E0-B8FC-AC1667EBCBE1}">
+              <a14:hiddenEffects xmlns:a14="http://schemas.microsoft.com/office/drawing/2010/main">
+                <a:effectLst>
+                  <a:outerShdw dist="35921" dir="2700000" algn="ctr" rotWithShape="0">
+                    <a:schemeClr val="bg2"/>
+                  </a:outerShdw>
+                </a:effectLst>
+              </a14:hiddenEffects>
+            </a:ext>
+          </a:extLst>
         </p:spPr>
-      </p:pic>
+        <p:txBody>
+          <a:bodyPr vert="horz" wrap="none" lIns="91440" tIns="45720" rIns="91440" bIns="45720" numCol="1" anchor="ctr" anchorCtr="0" compatLnSpc="1">
+            <a:prstTxWarp prst="textNoShape">
+              <a:avLst/>
+            </a:prstTxWarp>
+            <a:spAutoFit/>
+          </a:bodyPr>
+          <a:lstStyle/>
+          <a:p>
+            <a:pPr marL="0" marR="0" lvl="0" indent="0" algn="l" defTabSz="914400" rtl="0" eaLnBrk="1" fontAlgn="base" latinLnBrk="0" hangingPunct="1">
+              <a:lnSpc>
+                <a:spcPct val="100000"/>
+              </a:lnSpc>
+              <a:spcBef>
+                <a:spcPct val="0"/>
+              </a:spcBef>
+              <a:spcAft>
+                <a:spcPct val="0"/>
+              </a:spcAft>
+              <a:buClrTx/>
+              <a:buSzTx/>
+              <a:buFontTx/>
+              <a:buNone/>
+              <a:tabLst/>
+            </a:pPr>
+            <a:r>
+              <a:rPr kumimoji="0" lang="nl-NL" altLang="nl-NL" sz="1800" b="0" i="0" u="none" strike="noStrike" cap="none" normalizeH="0" baseline="0" smtClean="0">
+                <a:ln>
+                  <a:noFill/>
+                </a:ln>
+                <a:solidFill>
+                  <a:schemeClr val="tx1"/>
+                </a:solidFill>
+                <a:effectLst/>
+                <a:latin typeface="Arial" pitchFamily="34" charset="0"/>
+                <a:cs typeface="Arial" pitchFamily="34" charset="0"/>
+              </a:rPr>
+              <a:t/>
+            </a:r>
+            <a:br>
+              <a:rPr kumimoji="0" lang="nl-NL" altLang="nl-NL" sz="1800" b="0" i="0" u="none" strike="noStrike" cap="none" normalizeH="0" baseline="0" smtClean="0">
+                <a:ln>
+                  <a:noFill/>
+                </a:ln>
+                <a:solidFill>
+                  <a:schemeClr val="tx1"/>
+                </a:solidFill>
+                <a:effectLst/>
+                <a:latin typeface="Arial" pitchFamily="34" charset="0"/>
+                <a:cs typeface="Arial" pitchFamily="34" charset="0"/>
+              </a:rPr>
+            </a:br>
+            <a:endParaRPr kumimoji="0" lang="nl-NL" altLang="nl-NL" sz="1800" b="0" i="0" u="none" strike="noStrike" cap="none" normalizeH="0" baseline="0" smtClean="0">
+              <a:ln>
+                <a:noFill/>
+              </a:ln>
+              <a:solidFill>
+                <a:schemeClr val="tx1"/>
+              </a:solidFill>
+              <a:effectLst/>
+              <a:latin typeface="Arial" pitchFamily="34" charset="0"/>
+              <a:cs typeface="Arial" pitchFamily="34" charset="0"/>
+            </a:endParaRPr>
+          </a:p>
+        </p:txBody>
+      </p:sp>
+      <p:graphicFrame>
+        <p:nvGraphicFramePr>
+          <p:cNvPr id="17" name="Tabel 16"/>
+          <p:cNvGraphicFramePr>
+            <a:graphicFrameLocks noGrp="1"/>
+          </p:cNvGraphicFramePr>
+          <p:nvPr>
+            <p:extLst>
+              <p:ext uri="{D42A27DB-BD31-4B8C-83A1-F6EECF244321}">
+                <p14:modId xmlns:p14="http://schemas.microsoft.com/office/powerpoint/2010/main" val="4098078252"/>
+              </p:ext>
+            </p:extLst>
+          </p:nvPr>
+        </p:nvGraphicFramePr>
+        <p:xfrm>
+          <a:off x="3723879" y="1581633"/>
+          <a:ext cx="9900443" cy="6593509"/>
+        </p:xfrm>
+        <a:graphic>
+          <a:graphicData uri="http://schemas.openxmlformats.org/drawingml/2006/table">
+            <a:tbl>
+              <a:tblPr firstRow="1" firstCol="1" bandRow="1">
+                <a:tableStyleId>{5C22544A-7EE6-4342-B048-85BDC9FD1C3A}</a:tableStyleId>
+              </a:tblPr>
+              <a:tblGrid>
+                <a:gridCol w="3273917"/>
+                <a:gridCol w="3160503"/>
+                <a:gridCol w="1325074"/>
+                <a:gridCol w="2140949"/>
+              </a:tblGrid>
+              <a:tr h="584344">
+                <a:tc>
+                  <a:txBody>
+                    <a:bodyPr/>
+                    <a:lstStyle/>
+                    <a:p>
+                      <a:pPr>
+                        <a:lnSpc>
+                          <a:spcPct val="107000"/>
+                        </a:lnSpc>
+                        <a:spcAft>
+                          <a:spcPts val="0"/>
+                        </a:spcAft>
+                      </a:pPr>
+                      <a:r>
+                        <a:rPr lang="en-US" sz="1800" dirty="0">
+                          <a:effectLst/>
+                        </a:rPr>
+                        <a:t>Classifier</a:t>
+                      </a:r>
+                      <a:endParaRPr lang="nl-NL" sz="1800" dirty="0">
+                        <a:effectLst/>
+                        <a:latin typeface="Calibri"/>
+                        <a:ea typeface="Calibri"/>
+                        <a:cs typeface="Times New Roman"/>
+                      </a:endParaRPr>
+                    </a:p>
+                  </a:txBody>
+                  <a:tcPr marL="68580" marR="68580" marT="0" marB="0"/>
+                </a:tc>
+                <a:tc>
+                  <a:txBody>
+                    <a:bodyPr/>
+                    <a:lstStyle/>
+                    <a:p>
+                      <a:pPr>
+                        <a:lnSpc>
+                          <a:spcPct val="107000"/>
+                        </a:lnSpc>
+                        <a:spcAft>
+                          <a:spcPts val="0"/>
+                        </a:spcAft>
+                      </a:pPr>
+                      <a:r>
+                        <a:rPr lang="en-US" sz="1800">
+                          <a:effectLst/>
+                        </a:rPr>
+                        <a:t>Method</a:t>
+                      </a:r>
+                      <a:endParaRPr lang="nl-NL" sz="1800">
+                        <a:effectLst/>
+                        <a:latin typeface="Calibri"/>
+                        <a:ea typeface="Calibri"/>
+                        <a:cs typeface="Times New Roman"/>
+                      </a:endParaRPr>
+                    </a:p>
+                  </a:txBody>
+                  <a:tcPr marL="68580" marR="68580" marT="0" marB="0"/>
+                </a:tc>
+                <a:tc>
+                  <a:txBody>
+                    <a:bodyPr/>
+                    <a:lstStyle/>
+                    <a:p>
+                      <a:pPr>
+                        <a:lnSpc>
+                          <a:spcPct val="107000"/>
+                        </a:lnSpc>
+                        <a:spcAft>
+                          <a:spcPts val="0"/>
+                        </a:spcAft>
+                      </a:pPr>
+                      <a:r>
+                        <a:rPr lang="en-US" sz="1800">
+                          <a:effectLst/>
+                        </a:rPr>
+                        <a:t>RMSLE </a:t>
+                      </a:r>
+                      <a:endParaRPr lang="nl-NL" sz="1800">
+                        <a:effectLst/>
+                        <a:latin typeface="Calibri"/>
+                        <a:ea typeface="Calibri"/>
+                        <a:cs typeface="Times New Roman"/>
+                      </a:endParaRPr>
+                    </a:p>
+                  </a:txBody>
+                  <a:tcPr marL="68580" marR="68580" marT="0" marB="0"/>
+                </a:tc>
+                <a:tc>
+                  <a:txBody>
+                    <a:bodyPr/>
+                    <a:lstStyle/>
+                    <a:p>
+                      <a:pPr>
+                        <a:lnSpc>
+                          <a:spcPct val="107000"/>
+                        </a:lnSpc>
+                        <a:spcAft>
+                          <a:spcPts val="0"/>
+                        </a:spcAft>
+                      </a:pPr>
+                      <a:r>
+                        <a:rPr lang="en-US" sz="1800">
+                          <a:effectLst/>
+                        </a:rPr>
+                        <a:t>Kaggle Rank (3077)</a:t>
+                      </a:r>
+                      <a:endParaRPr lang="nl-NL" sz="1800">
+                        <a:effectLst/>
+                        <a:latin typeface="Calibri"/>
+                        <a:ea typeface="Calibri"/>
+                        <a:cs typeface="Times New Roman"/>
+                      </a:endParaRPr>
+                    </a:p>
+                  </a:txBody>
+                  <a:tcPr marL="68580" marR="68580" marT="0" marB="0"/>
+                </a:tc>
+              </a:tr>
+              <a:tr h="296667">
+                <a:tc>
+                  <a:txBody>
+                    <a:bodyPr/>
+                    <a:lstStyle/>
+                    <a:p>
+                      <a:pPr>
+                        <a:lnSpc>
+                          <a:spcPct val="107000"/>
+                        </a:lnSpc>
+                        <a:spcAft>
+                          <a:spcPts val="0"/>
+                        </a:spcAft>
+                      </a:pPr>
+                      <a:r>
+                        <a:rPr lang="en-US" sz="1800">
+                          <a:effectLst/>
+                        </a:rPr>
+                        <a:t>Benchmark Submission</a:t>
+                      </a:r>
+                      <a:endParaRPr lang="nl-NL" sz="1800">
+                        <a:effectLst/>
+                        <a:latin typeface="Calibri"/>
+                        <a:ea typeface="Calibri"/>
+                        <a:cs typeface="Times New Roman"/>
+                      </a:endParaRPr>
+                    </a:p>
+                  </a:txBody>
+                  <a:tcPr marL="68580" marR="68580" marT="0" marB="0"/>
+                </a:tc>
+                <a:tc>
+                  <a:txBody>
+                    <a:bodyPr/>
+                    <a:lstStyle/>
+                    <a:p>
+                      <a:pPr>
+                        <a:lnSpc>
+                          <a:spcPct val="107000"/>
+                        </a:lnSpc>
+                        <a:spcAft>
+                          <a:spcPts val="0"/>
+                        </a:spcAft>
+                      </a:pPr>
+                      <a:r>
+                        <a:rPr lang="en-US" sz="1800">
+                          <a:effectLst/>
+                        </a:rPr>
+                        <a:t>Naïve XGBoost</a:t>
+                      </a:r>
+                      <a:endParaRPr lang="nl-NL" sz="1800">
+                        <a:effectLst/>
+                        <a:latin typeface="Calibri"/>
+                        <a:ea typeface="Calibri"/>
+                        <a:cs typeface="Times New Roman"/>
+                      </a:endParaRPr>
+                    </a:p>
+                  </a:txBody>
+                  <a:tcPr marL="68580" marR="68580" marT="0" marB="0"/>
+                </a:tc>
+                <a:tc>
+                  <a:txBody>
+                    <a:bodyPr/>
+                    <a:lstStyle/>
+                    <a:p>
+                      <a:pPr>
+                        <a:lnSpc>
+                          <a:spcPct val="107000"/>
+                        </a:lnSpc>
+                        <a:spcAft>
+                          <a:spcPts val="0"/>
+                        </a:spcAft>
+                      </a:pPr>
+                      <a:r>
+                        <a:rPr lang="en-US" sz="1800">
+                          <a:effectLst/>
+                        </a:rPr>
+                        <a:t>0.67333</a:t>
+                      </a:r>
+                      <a:endParaRPr lang="nl-NL" sz="1800">
+                        <a:effectLst/>
+                        <a:latin typeface="Calibri"/>
+                        <a:ea typeface="Calibri"/>
+                        <a:cs typeface="Times New Roman"/>
+                      </a:endParaRPr>
+                    </a:p>
+                  </a:txBody>
+                  <a:tcPr marL="68580" marR="68580" marT="0" marB="0"/>
+                </a:tc>
+                <a:tc>
+                  <a:txBody>
+                    <a:bodyPr/>
+                    <a:lstStyle/>
+                    <a:p>
+                      <a:pPr>
+                        <a:lnSpc>
+                          <a:spcPct val="107000"/>
+                        </a:lnSpc>
+                        <a:spcAft>
+                          <a:spcPts val="0"/>
+                        </a:spcAft>
+                      </a:pPr>
+                      <a:r>
+                        <a:rPr lang="en-US" sz="1800">
+                          <a:effectLst/>
+                        </a:rPr>
+                        <a:t>3034</a:t>
+                      </a:r>
+                      <a:endParaRPr lang="nl-NL" sz="1800">
+                        <a:effectLst/>
+                        <a:latin typeface="Calibri"/>
+                        <a:ea typeface="Calibri"/>
+                        <a:cs typeface="Times New Roman"/>
+                      </a:endParaRPr>
+                    </a:p>
+                  </a:txBody>
+                  <a:tcPr marL="68580" marR="68580" marT="0" marB="0"/>
+                </a:tc>
+              </a:tr>
+              <a:tr h="296667">
+                <a:tc>
+                  <a:txBody>
+                    <a:bodyPr/>
+                    <a:lstStyle/>
+                    <a:p>
+                      <a:pPr>
+                        <a:lnSpc>
+                          <a:spcPct val="107000"/>
+                        </a:lnSpc>
+                        <a:spcAft>
+                          <a:spcPts val="0"/>
+                        </a:spcAft>
+                      </a:pPr>
+                      <a:r>
+                        <a:rPr lang="en-US" sz="1800">
+                          <a:effectLst/>
+                        </a:rPr>
+                        <a:t>XGBoost</a:t>
+                      </a:r>
+                      <a:endParaRPr lang="nl-NL" sz="1800">
+                        <a:effectLst/>
+                        <a:latin typeface="Calibri"/>
+                        <a:ea typeface="Calibri"/>
+                        <a:cs typeface="Times New Roman"/>
+                      </a:endParaRPr>
+                    </a:p>
+                  </a:txBody>
+                  <a:tcPr marL="68580" marR="68580" marT="0" marB="0"/>
+                </a:tc>
+                <a:tc>
+                  <a:txBody>
+                    <a:bodyPr/>
+                    <a:lstStyle/>
+                    <a:p>
+                      <a:pPr>
+                        <a:lnSpc>
+                          <a:spcPct val="107000"/>
+                        </a:lnSpc>
+                        <a:spcAft>
+                          <a:spcPts val="0"/>
+                        </a:spcAft>
+                      </a:pPr>
+                      <a:r>
+                        <a:rPr lang="en-US" sz="1800">
+                          <a:effectLst/>
+                        </a:rPr>
+                        <a:t>Single</a:t>
+                      </a:r>
+                      <a:endParaRPr lang="nl-NL" sz="1800">
+                        <a:effectLst/>
+                        <a:latin typeface="Calibri"/>
+                        <a:ea typeface="Calibri"/>
+                        <a:cs typeface="Times New Roman"/>
+                      </a:endParaRPr>
+                    </a:p>
+                  </a:txBody>
+                  <a:tcPr marL="68580" marR="68580" marT="0" marB="0"/>
+                </a:tc>
+                <a:tc>
+                  <a:txBody>
+                    <a:bodyPr/>
+                    <a:lstStyle/>
+                    <a:p>
+                      <a:pPr>
+                        <a:lnSpc>
+                          <a:spcPct val="107000"/>
+                        </a:lnSpc>
+                        <a:spcAft>
+                          <a:spcPts val="0"/>
+                        </a:spcAft>
+                      </a:pPr>
+                      <a:r>
+                        <a:rPr lang="en-US" sz="1800">
+                          <a:effectLst/>
+                        </a:rPr>
+                        <a:t>0.32575</a:t>
+                      </a:r>
+                      <a:endParaRPr lang="nl-NL" sz="1800">
+                        <a:effectLst/>
+                        <a:latin typeface="Calibri"/>
+                        <a:ea typeface="Calibri"/>
+                        <a:cs typeface="Times New Roman"/>
+                      </a:endParaRPr>
+                    </a:p>
+                  </a:txBody>
+                  <a:tcPr marL="68580" marR="68580" marT="0" marB="0"/>
+                </a:tc>
+                <a:tc>
+                  <a:txBody>
+                    <a:bodyPr/>
+                    <a:lstStyle/>
+                    <a:p>
+                      <a:pPr>
+                        <a:lnSpc>
+                          <a:spcPct val="107000"/>
+                        </a:lnSpc>
+                        <a:spcAft>
+                          <a:spcPts val="0"/>
+                        </a:spcAft>
+                      </a:pPr>
+                      <a:r>
+                        <a:rPr lang="en-US" sz="1800" dirty="0">
+                          <a:effectLst/>
+                        </a:rPr>
+                        <a:t>1856</a:t>
+                      </a:r>
+                      <a:endParaRPr lang="nl-NL" sz="1800" dirty="0">
+                        <a:effectLst/>
+                        <a:latin typeface="Calibri"/>
+                        <a:ea typeface="Calibri"/>
+                        <a:cs typeface="Times New Roman"/>
+                      </a:endParaRPr>
+                    </a:p>
+                  </a:txBody>
+                  <a:tcPr marL="68580" marR="68580" marT="0" marB="0"/>
+                </a:tc>
+              </a:tr>
+              <a:tr h="296667">
+                <a:tc>
+                  <a:txBody>
+                    <a:bodyPr/>
+                    <a:lstStyle/>
+                    <a:p>
+                      <a:pPr>
+                        <a:lnSpc>
+                          <a:spcPct val="107000"/>
+                        </a:lnSpc>
+                        <a:spcAft>
+                          <a:spcPts val="0"/>
+                        </a:spcAft>
+                      </a:pPr>
+                      <a:r>
+                        <a:rPr lang="en-US" sz="1800">
+                          <a:effectLst/>
+                        </a:rPr>
+                        <a:t>XGBoost</a:t>
+                      </a:r>
+                      <a:endParaRPr lang="nl-NL" sz="1800">
+                        <a:effectLst/>
+                        <a:latin typeface="Calibri"/>
+                        <a:ea typeface="Calibri"/>
+                        <a:cs typeface="Times New Roman"/>
+                      </a:endParaRPr>
+                    </a:p>
+                  </a:txBody>
+                  <a:tcPr marL="68580" marR="68580" marT="0" marB="0"/>
+                </a:tc>
+                <a:tc>
+                  <a:txBody>
+                    <a:bodyPr/>
+                    <a:lstStyle/>
+                    <a:p>
+                      <a:pPr>
+                        <a:lnSpc>
+                          <a:spcPct val="107000"/>
+                        </a:lnSpc>
+                        <a:spcAft>
+                          <a:spcPts val="0"/>
+                        </a:spcAft>
+                      </a:pPr>
+                      <a:r>
+                        <a:rPr lang="en-US" sz="1800">
+                          <a:effectLst/>
+                        </a:rPr>
+                        <a:t>Ensemble with 3 models</a:t>
+                      </a:r>
+                      <a:endParaRPr lang="nl-NL" sz="1800">
+                        <a:effectLst/>
+                        <a:latin typeface="Calibri"/>
+                        <a:ea typeface="Calibri"/>
+                        <a:cs typeface="Times New Roman"/>
+                      </a:endParaRPr>
+                    </a:p>
+                  </a:txBody>
+                  <a:tcPr marL="68580" marR="68580" marT="0" marB="0"/>
+                </a:tc>
+                <a:tc>
+                  <a:txBody>
+                    <a:bodyPr/>
+                    <a:lstStyle/>
+                    <a:p>
+                      <a:pPr>
+                        <a:lnSpc>
+                          <a:spcPct val="107000"/>
+                        </a:lnSpc>
+                        <a:spcAft>
+                          <a:spcPts val="0"/>
+                        </a:spcAft>
+                      </a:pPr>
+                      <a:r>
+                        <a:rPr lang="en-US" sz="1800">
+                          <a:effectLst/>
+                        </a:rPr>
+                        <a:t>0.31062</a:t>
+                      </a:r>
+                      <a:endParaRPr lang="nl-NL" sz="1800">
+                        <a:effectLst/>
+                        <a:latin typeface="Calibri"/>
+                        <a:ea typeface="Calibri"/>
+                        <a:cs typeface="Times New Roman"/>
+                      </a:endParaRPr>
+                    </a:p>
+                  </a:txBody>
+                  <a:tcPr marL="68580" marR="68580" marT="0" marB="0"/>
+                </a:tc>
+                <a:tc>
+                  <a:txBody>
+                    <a:bodyPr/>
+                    <a:lstStyle/>
+                    <a:p>
+                      <a:pPr>
+                        <a:lnSpc>
+                          <a:spcPct val="107000"/>
+                        </a:lnSpc>
+                        <a:spcAft>
+                          <a:spcPts val="0"/>
+                        </a:spcAft>
+                      </a:pPr>
+                      <a:r>
+                        <a:rPr lang="en-US" sz="1800">
+                          <a:effectLst/>
+                        </a:rPr>
+                        <a:t>266</a:t>
+                      </a:r>
+                      <a:endParaRPr lang="nl-NL" sz="1800">
+                        <a:effectLst/>
+                        <a:latin typeface="Calibri"/>
+                        <a:ea typeface="Calibri"/>
+                        <a:cs typeface="Times New Roman"/>
+                      </a:endParaRPr>
+                    </a:p>
+                  </a:txBody>
+                  <a:tcPr marL="68580" marR="68580" marT="0" marB="0"/>
+                </a:tc>
+              </a:tr>
+              <a:tr h="883141">
+                <a:tc>
+                  <a:txBody>
+                    <a:bodyPr/>
+                    <a:lstStyle/>
+                    <a:p>
+                      <a:pPr>
+                        <a:lnSpc>
+                          <a:spcPct val="107000"/>
+                        </a:lnSpc>
+                        <a:spcAft>
+                          <a:spcPts val="0"/>
+                        </a:spcAft>
+                      </a:pPr>
+                      <a:r>
+                        <a:rPr lang="en-US" sz="1800">
+                          <a:effectLst/>
+                        </a:rPr>
+                        <a:t>XGBoost</a:t>
+                      </a:r>
+                      <a:endParaRPr lang="nl-NL" sz="1800">
+                        <a:effectLst/>
+                        <a:latin typeface="Calibri"/>
+                        <a:ea typeface="Calibri"/>
+                        <a:cs typeface="Times New Roman"/>
+                      </a:endParaRPr>
+                    </a:p>
+                  </a:txBody>
+                  <a:tcPr marL="68580" marR="68580" marT="0" marB="0"/>
+                </a:tc>
+                <a:tc>
+                  <a:txBody>
+                    <a:bodyPr/>
+                    <a:lstStyle/>
+                    <a:p>
+                      <a:pPr>
+                        <a:lnSpc>
+                          <a:spcPct val="107000"/>
+                        </a:lnSpc>
+                        <a:spcAft>
+                          <a:spcPts val="0"/>
+                        </a:spcAft>
+                      </a:pPr>
+                      <a:r>
+                        <a:rPr lang="en-US" sz="1800">
+                          <a:effectLst/>
+                        </a:rPr>
+                        <a:t>Ensemble with 3 models</a:t>
+                      </a:r>
+                      <a:endParaRPr lang="nl-NL" sz="1800">
+                        <a:effectLst/>
+                      </a:endParaRPr>
+                    </a:p>
+                    <a:p>
+                      <a:pPr>
+                        <a:lnSpc>
+                          <a:spcPct val="107000"/>
+                        </a:lnSpc>
+                        <a:spcAft>
+                          <a:spcPts val="0"/>
+                        </a:spcAft>
+                      </a:pPr>
+                      <a:r>
+                        <a:rPr lang="en-US" sz="1800">
+                          <a:effectLst/>
+                        </a:rPr>
+                        <a:t>Readjustment of submission</a:t>
+                      </a:r>
+                      <a:endParaRPr lang="nl-NL" sz="1800">
+                        <a:effectLst/>
+                        <a:latin typeface="Calibri"/>
+                        <a:ea typeface="Calibri"/>
+                        <a:cs typeface="Times New Roman"/>
+                      </a:endParaRPr>
+                    </a:p>
+                  </a:txBody>
+                  <a:tcPr marL="68580" marR="68580" marT="0" marB="0"/>
+                </a:tc>
+                <a:tc>
+                  <a:txBody>
+                    <a:bodyPr/>
+                    <a:lstStyle/>
+                    <a:p>
+                      <a:pPr>
+                        <a:lnSpc>
+                          <a:spcPct val="107000"/>
+                        </a:lnSpc>
+                        <a:spcAft>
+                          <a:spcPts val="0"/>
+                        </a:spcAft>
+                      </a:pPr>
+                      <a:r>
+                        <a:rPr lang="en-US" sz="1800">
+                          <a:effectLst/>
+                        </a:rPr>
+                        <a:t>0.31051</a:t>
+                      </a:r>
+                      <a:endParaRPr lang="nl-NL" sz="1800">
+                        <a:effectLst/>
+                        <a:latin typeface="Calibri"/>
+                        <a:ea typeface="Calibri"/>
+                        <a:cs typeface="Times New Roman"/>
+                      </a:endParaRPr>
+                    </a:p>
+                  </a:txBody>
+                  <a:tcPr marL="68580" marR="68580" marT="0" marB="0"/>
+                </a:tc>
+                <a:tc>
+                  <a:txBody>
+                    <a:bodyPr/>
+                    <a:lstStyle/>
+                    <a:p>
+                      <a:pPr>
+                        <a:lnSpc>
+                          <a:spcPct val="107000"/>
+                        </a:lnSpc>
+                        <a:spcAft>
+                          <a:spcPts val="0"/>
+                        </a:spcAft>
+                      </a:pPr>
+                      <a:r>
+                        <a:rPr lang="en-US" sz="1800">
+                          <a:effectLst/>
+                        </a:rPr>
+                        <a:t>168</a:t>
+                      </a:r>
+                      <a:endParaRPr lang="nl-NL" sz="1800">
+                        <a:effectLst/>
+                        <a:latin typeface="Calibri"/>
+                        <a:ea typeface="Calibri"/>
+                        <a:cs typeface="Times New Roman"/>
+                      </a:endParaRPr>
+                    </a:p>
+                  </a:txBody>
+                  <a:tcPr marL="68580" marR="68580" marT="0" marB="0"/>
+                </a:tc>
+              </a:tr>
+              <a:tr h="296667">
+                <a:tc>
+                  <a:txBody>
+                    <a:bodyPr/>
+                    <a:lstStyle/>
+                    <a:p>
+                      <a:pPr>
+                        <a:lnSpc>
+                          <a:spcPct val="107000"/>
+                        </a:lnSpc>
+                        <a:spcAft>
+                          <a:spcPts val="0"/>
+                        </a:spcAft>
+                      </a:pPr>
+                      <a:r>
+                        <a:rPr lang="en-US" sz="1800">
+                          <a:effectLst/>
+                        </a:rPr>
+                        <a:t>Deep Learning</a:t>
+                      </a:r>
+                      <a:endParaRPr lang="nl-NL" sz="1800">
+                        <a:effectLst/>
+                        <a:latin typeface="Calibri"/>
+                        <a:ea typeface="Calibri"/>
+                        <a:cs typeface="Times New Roman"/>
+                      </a:endParaRPr>
+                    </a:p>
+                  </a:txBody>
+                  <a:tcPr marL="68580" marR="68580" marT="0" marB="0"/>
+                </a:tc>
+                <a:tc>
+                  <a:txBody>
+                    <a:bodyPr/>
+                    <a:lstStyle/>
+                    <a:p>
+                      <a:pPr>
+                        <a:lnSpc>
+                          <a:spcPct val="107000"/>
+                        </a:lnSpc>
+                        <a:spcAft>
+                          <a:spcPts val="0"/>
+                        </a:spcAft>
+                      </a:pPr>
+                      <a:r>
+                        <a:rPr lang="en-US" sz="1800">
+                          <a:effectLst/>
+                        </a:rPr>
+                        <a:t>Dense and Dropout</a:t>
+                      </a:r>
+                      <a:endParaRPr lang="nl-NL" sz="1800">
+                        <a:effectLst/>
+                        <a:latin typeface="Calibri"/>
+                        <a:ea typeface="Calibri"/>
+                        <a:cs typeface="Times New Roman"/>
+                      </a:endParaRPr>
+                    </a:p>
+                  </a:txBody>
+                  <a:tcPr marL="68580" marR="68580" marT="0" marB="0"/>
+                </a:tc>
+                <a:tc>
+                  <a:txBody>
+                    <a:bodyPr/>
+                    <a:lstStyle/>
+                    <a:p>
+                      <a:pPr>
+                        <a:lnSpc>
+                          <a:spcPct val="107000"/>
+                        </a:lnSpc>
+                        <a:spcAft>
+                          <a:spcPts val="0"/>
+                        </a:spcAft>
+                      </a:pPr>
+                      <a:r>
+                        <a:rPr lang="en-US" sz="1800">
+                          <a:effectLst/>
+                        </a:rPr>
+                        <a:t>0.46745</a:t>
+                      </a:r>
+                      <a:endParaRPr lang="nl-NL" sz="1800">
+                        <a:effectLst/>
+                        <a:latin typeface="Calibri"/>
+                        <a:ea typeface="Calibri"/>
+                        <a:cs typeface="Times New Roman"/>
+                      </a:endParaRPr>
+                    </a:p>
+                  </a:txBody>
+                  <a:tcPr marL="68580" marR="68580" marT="0" marB="0"/>
+                </a:tc>
+                <a:tc>
+                  <a:txBody>
+                    <a:bodyPr/>
+                    <a:lstStyle/>
+                    <a:p>
+                      <a:pPr>
+                        <a:lnSpc>
+                          <a:spcPct val="107000"/>
+                        </a:lnSpc>
+                        <a:spcAft>
+                          <a:spcPts val="0"/>
+                        </a:spcAft>
+                      </a:pPr>
+                      <a:r>
+                        <a:rPr lang="en-US" sz="1800">
+                          <a:effectLst/>
+                        </a:rPr>
+                        <a:t>2870</a:t>
+                      </a:r>
+                      <a:endParaRPr lang="nl-NL" sz="1800">
+                        <a:effectLst/>
+                        <a:latin typeface="Calibri"/>
+                        <a:ea typeface="Calibri"/>
+                        <a:cs typeface="Times New Roman"/>
+                      </a:endParaRPr>
+                    </a:p>
+                  </a:txBody>
+                  <a:tcPr marL="68580" marR="68580" marT="0" marB="0"/>
+                </a:tc>
+              </a:tr>
+              <a:tr h="296667">
+                <a:tc>
+                  <a:txBody>
+                    <a:bodyPr/>
+                    <a:lstStyle/>
+                    <a:p>
+                      <a:pPr>
+                        <a:lnSpc>
+                          <a:spcPct val="107000"/>
+                        </a:lnSpc>
+                        <a:spcAft>
+                          <a:spcPts val="0"/>
+                        </a:spcAft>
+                      </a:pPr>
+                      <a:r>
+                        <a:rPr lang="en-US" sz="1800">
+                          <a:effectLst/>
+                        </a:rPr>
+                        <a:t>Random Forest</a:t>
+                      </a:r>
+                      <a:endParaRPr lang="nl-NL" sz="1800">
+                        <a:effectLst/>
+                        <a:latin typeface="Calibri"/>
+                        <a:ea typeface="Calibri"/>
+                        <a:cs typeface="Times New Roman"/>
+                      </a:endParaRPr>
+                    </a:p>
+                  </a:txBody>
+                  <a:tcPr marL="68580" marR="68580" marT="0" marB="0"/>
+                </a:tc>
+                <a:tc>
+                  <a:txBody>
+                    <a:bodyPr/>
+                    <a:lstStyle/>
+                    <a:p>
+                      <a:pPr>
+                        <a:lnSpc>
+                          <a:spcPct val="107000"/>
+                        </a:lnSpc>
+                        <a:spcAft>
+                          <a:spcPts val="0"/>
+                        </a:spcAft>
+                      </a:pPr>
+                      <a:r>
+                        <a:rPr lang="en-US" sz="1800">
+                          <a:effectLst/>
+                        </a:rPr>
+                        <a:t>Naïve</a:t>
+                      </a:r>
+                      <a:endParaRPr lang="nl-NL" sz="1800">
+                        <a:effectLst/>
+                        <a:latin typeface="Calibri"/>
+                        <a:ea typeface="Calibri"/>
+                        <a:cs typeface="Times New Roman"/>
+                      </a:endParaRPr>
+                    </a:p>
+                  </a:txBody>
+                  <a:tcPr marL="68580" marR="68580" marT="0" marB="0"/>
+                </a:tc>
+                <a:tc>
+                  <a:txBody>
+                    <a:bodyPr/>
+                    <a:lstStyle/>
+                    <a:p>
+                      <a:pPr>
+                        <a:lnSpc>
+                          <a:spcPct val="107000"/>
+                        </a:lnSpc>
+                        <a:spcAft>
+                          <a:spcPts val="0"/>
+                        </a:spcAft>
+                      </a:pPr>
+                      <a:r>
+                        <a:rPr lang="en-US" sz="1800">
+                          <a:effectLst/>
+                        </a:rPr>
+                        <a:t>6.12138</a:t>
+                      </a:r>
+                      <a:endParaRPr lang="nl-NL" sz="1800">
+                        <a:effectLst/>
+                        <a:latin typeface="Calibri"/>
+                        <a:ea typeface="Calibri"/>
+                        <a:cs typeface="Times New Roman"/>
+                      </a:endParaRPr>
+                    </a:p>
+                  </a:txBody>
+                  <a:tcPr marL="68580" marR="68580" marT="0" marB="0"/>
+                </a:tc>
+                <a:tc>
+                  <a:txBody>
+                    <a:bodyPr/>
+                    <a:lstStyle/>
+                    <a:p>
+                      <a:pPr>
+                        <a:lnSpc>
+                          <a:spcPct val="107000"/>
+                        </a:lnSpc>
+                        <a:spcAft>
+                          <a:spcPts val="0"/>
+                        </a:spcAft>
+                      </a:pPr>
+                      <a:r>
+                        <a:rPr lang="en-US" sz="1800">
+                          <a:effectLst/>
+                        </a:rPr>
+                        <a:t>3072</a:t>
+                      </a:r>
+                      <a:endParaRPr lang="nl-NL" sz="1800">
+                        <a:effectLst/>
+                        <a:latin typeface="Calibri"/>
+                        <a:ea typeface="Calibri"/>
+                        <a:cs typeface="Times New Roman"/>
+                      </a:endParaRPr>
+                    </a:p>
+                  </a:txBody>
+                  <a:tcPr marL="68580" marR="68580" marT="0" marB="0"/>
+                </a:tc>
+              </a:tr>
+              <a:tr h="296667">
+                <a:tc>
+                  <a:txBody>
+                    <a:bodyPr/>
+                    <a:lstStyle/>
+                    <a:p>
+                      <a:pPr>
+                        <a:lnSpc>
+                          <a:spcPct val="107000"/>
+                        </a:lnSpc>
+                        <a:spcAft>
+                          <a:spcPts val="0"/>
+                        </a:spcAft>
+                      </a:pPr>
+                      <a:r>
+                        <a:rPr lang="en-US" sz="1800">
+                          <a:effectLst/>
+                        </a:rPr>
+                        <a:t>SGD Regressor</a:t>
+                      </a:r>
+                      <a:endParaRPr lang="nl-NL" sz="1800">
+                        <a:effectLst/>
+                        <a:latin typeface="Calibri"/>
+                        <a:ea typeface="Calibri"/>
+                        <a:cs typeface="Times New Roman"/>
+                      </a:endParaRPr>
+                    </a:p>
+                  </a:txBody>
+                  <a:tcPr marL="68580" marR="68580" marT="0" marB="0"/>
+                </a:tc>
+                <a:tc>
+                  <a:txBody>
+                    <a:bodyPr/>
+                    <a:lstStyle/>
+                    <a:p>
+                      <a:pPr>
+                        <a:lnSpc>
+                          <a:spcPct val="107000"/>
+                        </a:lnSpc>
+                        <a:spcAft>
+                          <a:spcPts val="0"/>
+                        </a:spcAft>
+                      </a:pPr>
+                      <a:r>
+                        <a:rPr lang="en-US" sz="1800">
+                          <a:effectLst/>
+                        </a:rPr>
+                        <a:t>Naïve</a:t>
+                      </a:r>
+                      <a:endParaRPr lang="nl-NL" sz="1800">
+                        <a:effectLst/>
+                        <a:latin typeface="Calibri"/>
+                        <a:ea typeface="Calibri"/>
+                        <a:cs typeface="Times New Roman"/>
+                      </a:endParaRPr>
+                    </a:p>
+                  </a:txBody>
+                  <a:tcPr marL="68580" marR="68580" marT="0" marB="0"/>
+                </a:tc>
+                <a:tc>
+                  <a:txBody>
+                    <a:bodyPr/>
+                    <a:lstStyle/>
+                    <a:p>
+                      <a:pPr>
+                        <a:lnSpc>
+                          <a:spcPct val="107000"/>
+                        </a:lnSpc>
+                        <a:spcAft>
+                          <a:spcPts val="0"/>
+                        </a:spcAft>
+                      </a:pPr>
+                      <a:r>
+                        <a:rPr lang="en-US" sz="1800">
+                          <a:effectLst/>
+                        </a:rPr>
+                        <a:t>0.59560</a:t>
+                      </a:r>
+                      <a:endParaRPr lang="nl-NL" sz="1800">
+                        <a:effectLst/>
+                        <a:latin typeface="Calibri"/>
+                        <a:ea typeface="Calibri"/>
+                        <a:cs typeface="Times New Roman"/>
+                      </a:endParaRPr>
+                    </a:p>
+                  </a:txBody>
+                  <a:tcPr marL="68580" marR="68580" marT="0" marB="0"/>
+                </a:tc>
+                <a:tc>
+                  <a:txBody>
+                    <a:bodyPr/>
+                    <a:lstStyle/>
+                    <a:p>
+                      <a:pPr>
+                        <a:lnSpc>
+                          <a:spcPct val="107000"/>
+                        </a:lnSpc>
+                        <a:spcAft>
+                          <a:spcPts val="0"/>
+                        </a:spcAft>
+                      </a:pPr>
+                      <a:r>
+                        <a:rPr lang="en-US" sz="1800">
+                          <a:effectLst/>
+                        </a:rPr>
+                        <a:t>3021</a:t>
+                      </a:r>
+                      <a:endParaRPr lang="nl-NL" sz="1800">
+                        <a:effectLst/>
+                        <a:latin typeface="Calibri"/>
+                        <a:ea typeface="Calibri"/>
+                        <a:cs typeface="Times New Roman"/>
+                      </a:endParaRPr>
+                    </a:p>
+                  </a:txBody>
+                  <a:tcPr marL="68580" marR="68580" marT="0" marB="0"/>
+                </a:tc>
+              </a:tr>
+              <a:tr h="607115">
+                <a:tc>
+                  <a:txBody>
+                    <a:bodyPr/>
+                    <a:lstStyle/>
+                    <a:p>
+                      <a:pPr>
+                        <a:lnSpc>
+                          <a:spcPct val="107000"/>
+                        </a:lnSpc>
+                        <a:spcAft>
+                          <a:spcPts val="0"/>
+                        </a:spcAft>
+                      </a:pPr>
+                      <a:r>
+                        <a:rPr lang="en-US" sz="1800">
+                          <a:effectLst/>
+                        </a:rPr>
+                        <a:t>Linear Regression</a:t>
+                      </a:r>
+                      <a:endParaRPr lang="nl-NL" sz="1800">
+                        <a:effectLst/>
+                        <a:latin typeface="Calibri"/>
+                        <a:ea typeface="Calibri"/>
+                        <a:cs typeface="Times New Roman"/>
+                      </a:endParaRPr>
+                    </a:p>
+                  </a:txBody>
+                  <a:tcPr marL="68580" marR="68580" marT="0" marB="0"/>
+                </a:tc>
+                <a:tc>
+                  <a:txBody>
+                    <a:bodyPr/>
+                    <a:lstStyle/>
+                    <a:p>
+                      <a:pPr>
+                        <a:lnSpc>
+                          <a:spcPct val="107000"/>
+                        </a:lnSpc>
+                        <a:spcAft>
+                          <a:spcPts val="0"/>
+                        </a:spcAft>
+                      </a:pPr>
+                      <a:r>
+                        <a:rPr lang="en-US" sz="1800">
+                          <a:effectLst/>
+                        </a:rPr>
+                        <a:t>Complete dataset</a:t>
+                      </a:r>
+                      <a:endParaRPr lang="nl-NL" sz="1800">
+                        <a:effectLst/>
+                      </a:endParaRPr>
+                    </a:p>
+                    <a:p>
+                      <a:pPr>
+                        <a:lnSpc>
+                          <a:spcPct val="107000"/>
+                        </a:lnSpc>
+                        <a:spcAft>
+                          <a:spcPts val="0"/>
+                        </a:spcAft>
+                      </a:pPr>
+                      <a:r>
+                        <a:rPr lang="en-US" sz="1800">
+                          <a:effectLst/>
+                        </a:rPr>
+                        <a:t>Only 2015</a:t>
+                      </a:r>
+                      <a:endParaRPr lang="nl-NL" sz="1800">
+                        <a:effectLst/>
+                        <a:latin typeface="Calibri"/>
+                        <a:ea typeface="Calibri"/>
+                        <a:cs typeface="Times New Roman"/>
+                      </a:endParaRPr>
+                    </a:p>
+                  </a:txBody>
+                  <a:tcPr marL="68580" marR="68580" marT="0" marB="0"/>
+                </a:tc>
+                <a:tc>
+                  <a:txBody>
+                    <a:bodyPr/>
+                    <a:lstStyle/>
+                    <a:p>
+                      <a:pPr>
+                        <a:lnSpc>
+                          <a:spcPct val="107000"/>
+                        </a:lnSpc>
+                        <a:spcAft>
+                          <a:spcPts val="0"/>
+                        </a:spcAft>
+                      </a:pPr>
+                      <a:r>
+                        <a:rPr lang="en-US" sz="1800">
+                          <a:effectLst/>
+                        </a:rPr>
+                        <a:t>0.49689</a:t>
+                      </a:r>
+                      <a:endParaRPr lang="nl-NL" sz="1800">
+                        <a:effectLst/>
+                        <a:latin typeface="Calibri"/>
+                        <a:ea typeface="Calibri"/>
+                        <a:cs typeface="Times New Roman"/>
+                      </a:endParaRPr>
+                    </a:p>
+                  </a:txBody>
+                  <a:tcPr marL="68580" marR="68580" marT="0" marB="0"/>
+                </a:tc>
+                <a:tc>
+                  <a:txBody>
+                    <a:bodyPr/>
+                    <a:lstStyle/>
+                    <a:p>
+                      <a:pPr>
+                        <a:lnSpc>
+                          <a:spcPct val="107000"/>
+                        </a:lnSpc>
+                        <a:spcAft>
+                          <a:spcPts val="0"/>
+                        </a:spcAft>
+                      </a:pPr>
+                      <a:r>
+                        <a:rPr lang="en-US" sz="1800">
+                          <a:effectLst/>
+                        </a:rPr>
+                        <a:t>2897</a:t>
+                      </a:r>
+                      <a:endParaRPr lang="nl-NL" sz="1800">
+                        <a:effectLst/>
+                        <a:latin typeface="Calibri"/>
+                        <a:ea typeface="Calibri"/>
+                        <a:cs typeface="Times New Roman"/>
+                      </a:endParaRPr>
+                    </a:p>
+                  </a:txBody>
+                  <a:tcPr marL="68580" marR="68580" marT="0" marB="0"/>
+                </a:tc>
+              </a:tr>
+              <a:tr h="917562">
+                <a:tc>
+                  <a:txBody>
+                    <a:bodyPr/>
+                    <a:lstStyle/>
+                    <a:p>
+                      <a:pPr>
+                        <a:lnSpc>
+                          <a:spcPct val="107000"/>
+                        </a:lnSpc>
+                        <a:spcAft>
+                          <a:spcPts val="0"/>
+                        </a:spcAft>
+                      </a:pPr>
+                      <a:r>
+                        <a:rPr lang="en-US" sz="1800">
+                          <a:effectLst/>
+                        </a:rPr>
+                        <a:t>KNNeighbors</a:t>
+                      </a:r>
+                      <a:endParaRPr lang="nl-NL" sz="1800">
+                        <a:effectLst/>
+                        <a:latin typeface="Calibri"/>
+                        <a:ea typeface="Calibri"/>
+                        <a:cs typeface="Times New Roman"/>
+                      </a:endParaRPr>
+                    </a:p>
+                  </a:txBody>
+                  <a:tcPr marL="68580" marR="68580" marT="0" marB="0"/>
+                </a:tc>
+                <a:tc>
+                  <a:txBody>
+                    <a:bodyPr/>
+                    <a:lstStyle/>
+                    <a:p>
+                      <a:pPr>
+                        <a:lnSpc>
+                          <a:spcPct val="107000"/>
+                        </a:lnSpc>
+                        <a:spcAft>
+                          <a:spcPts val="0"/>
+                        </a:spcAft>
+                      </a:pPr>
+                      <a:r>
+                        <a:rPr lang="en-US" sz="1800">
+                          <a:effectLst/>
+                        </a:rPr>
+                        <a:t>Amount of neighbors (6)</a:t>
+                      </a:r>
+                      <a:endParaRPr lang="nl-NL" sz="1800">
+                        <a:effectLst/>
+                      </a:endParaRPr>
+                    </a:p>
+                    <a:p>
+                      <a:pPr>
+                        <a:lnSpc>
+                          <a:spcPct val="107000"/>
+                        </a:lnSpc>
+                        <a:spcAft>
+                          <a:spcPts val="0"/>
+                        </a:spcAft>
+                      </a:pPr>
+                      <a:r>
+                        <a:rPr lang="en-US" sz="1800">
+                          <a:effectLst/>
+                        </a:rPr>
+                        <a:t>Removing outliers</a:t>
+                      </a:r>
+                      <a:endParaRPr lang="nl-NL" sz="1800">
+                        <a:effectLst/>
+                      </a:endParaRPr>
+                    </a:p>
+                    <a:p>
+                      <a:pPr>
+                        <a:lnSpc>
+                          <a:spcPct val="107000"/>
+                        </a:lnSpc>
+                        <a:spcAft>
+                          <a:spcPts val="0"/>
+                        </a:spcAft>
+                      </a:pPr>
+                      <a:r>
+                        <a:rPr lang="en-US" sz="1800">
+                          <a:effectLst/>
+                        </a:rPr>
+                        <a:t>Only 2015</a:t>
+                      </a:r>
+                      <a:endParaRPr lang="nl-NL" sz="1800">
+                        <a:effectLst/>
+                        <a:latin typeface="Calibri"/>
+                        <a:ea typeface="Calibri"/>
+                        <a:cs typeface="Times New Roman"/>
+                      </a:endParaRPr>
+                    </a:p>
+                  </a:txBody>
+                  <a:tcPr marL="68580" marR="68580" marT="0" marB="0"/>
+                </a:tc>
+                <a:tc>
+                  <a:txBody>
+                    <a:bodyPr/>
+                    <a:lstStyle/>
+                    <a:p>
+                      <a:pPr>
+                        <a:lnSpc>
+                          <a:spcPct val="107000"/>
+                        </a:lnSpc>
+                        <a:spcAft>
+                          <a:spcPts val="0"/>
+                        </a:spcAft>
+                      </a:pPr>
+                      <a:r>
+                        <a:rPr lang="en-US" sz="1800">
+                          <a:effectLst/>
+                        </a:rPr>
+                        <a:t>0.93122</a:t>
+                      </a:r>
+                      <a:endParaRPr lang="nl-NL" sz="1800">
+                        <a:effectLst/>
+                        <a:latin typeface="Calibri"/>
+                        <a:ea typeface="Calibri"/>
+                        <a:cs typeface="Times New Roman"/>
+                      </a:endParaRPr>
+                    </a:p>
+                  </a:txBody>
+                  <a:tcPr marL="68580" marR="68580" marT="0" marB="0"/>
+                </a:tc>
+                <a:tc>
+                  <a:txBody>
+                    <a:bodyPr/>
+                    <a:lstStyle/>
+                    <a:p>
+                      <a:pPr>
+                        <a:lnSpc>
+                          <a:spcPct val="107000"/>
+                        </a:lnSpc>
+                        <a:spcAft>
+                          <a:spcPts val="0"/>
+                        </a:spcAft>
+                      </a:pPr>
+                      <a:r>
+                        <a:rPr lang="en-US" sz="1800">
+                          <a:effectLst/>
+                        </a:rPr>
+                        <a:t>3050</a:t>
+                      </a:r>
+                      <a:endParaRPr lang="nl-NL" sz="1800">
+                        <a:effectLst/>
+                        <a:latin typeface="Calibri"/>
+                        <a:ea typeface="Calibri"/>
+                        <a:cs typeface="Times New Roman"/>
+                      </a:endParaRPr>
+                    </a:p>
+                  </a:txBody>
+                  <a:tcPr marL="68580" marR="68580" marT="0" marB="0"/>
+                </a:tc>
+              </a:tr>
+              <a:tr h="607115">
+                <a:tc>
+                  <a:txBody>
+                    <a:bodyPr/>
+                    <a:lstStyle/>
+                    <a:p>
+                      <a:pPr>
+                        <a:lnSpc>
+                          <a:spcPct val="107000"/>
+                        </a:lnSpc>
+                        <a:spcAft>
+                          <a:spcPts val="0"/>
+                        </a:spcAft>
+                      </a:pPr>
+                      <a:r>
+                        <a:rPr lang="en-US" sz="1800">
+                          <a:effectLst/>
+                        </a:rPr>
+                        <a:t>Decision Tree</a:t>
+                      </a:r>
+                      <a:endParaRPr lang="nl-NL" sz="1800">
+                        <a:effectLst/>
+                        <a:latin typeface="Calibri"/>
+                        <a:ea typeface="Calibri"/>
+                        <a:cs typeface="Times New Roman"/>
+                      </a:endParaRPr>
+                    </a:p>
+                  </a:txBody>
+                  <a:tcPr marL="68580" marR="68580" marT="0" marB="0"/>
+                </a:tc>
+                <a:tc>
+                  <a:txBody>
+                    <a:bodyPr/>
+                    <a:lstStyle/>
+                    <a:p>
+                      <a:pPr>
+                        <a:lnSpc>
+                          <a:spcPct val="107000"/>
+                        </a:lnSpc>
+                        <a:spcAft>
+                          <a:spcPts val="0"/>
+                        </a:spcAft>
+                      </a:pPr>
+                      <a:r>
+                        <a:rPr lang="en-US" sz="1800">
+                          <a:effectLst/>
+                        </a:rPr>
+                        <a:t>Complete dataset</a:t>
+                      </a:r>
+                      <a:endParaRPr lang="nl-NL" sz="1800">
+                        <a:effectLst/>
+                      </a:endParaRPr>
+                    </a:p>
+                    <a:p>
+                      <a:pPr>
+                        <a:lnSpc>
+                          <a:spcPct val="107000"/>
+                        </a:lnSpc>
+                        <a:spcAft>
+                          <a:spcPts val="0"/>
+                        </a:spcAft>
+                      </a:pPr>
+                      <a:r>
+                        <a:rPr lang="en-US" sz="1800">
+                          <a:effectLst/>
+                        </a:rPr>
+                        <a:t>Only 2015</a:t>
+                      </a:r>
+                      <a:endParaRPr lang="nl-NL" sz="1800">
+                        <a:effectLst/>
+                        <a:latin typeface="Calibri"/>
+                        <a:ea typeface="Calibri"/>
+                        <a:cs typeface="Times New Roman"/>
+                      </a:endParaRPr>
+                    </a:p>
+                  </a:txBody>
+                  <a:tcPr marL="68580" marR="68580" marT="0" marB="0"/>
+                </a:tc>
+                <a:tc>
+                  <a:txBody>
+                    <a:bodyPr/>
+                    <a:lstStyle/>
+                    <a:p>
+                      <a:pPr>
+                        <a:lnSpc>
+                          <a:spcPct val="107000"/>
+                        </a:lnSpc>
+                        <a:spcAft>
+                          <a:spcPts val="0"/>
+                        </a:spcAft>
+                      </a:pPr>
+                      <a:r>
+                        <a:rPr lang="en-US" sz="1800">
+                          <a:effectLst/>
+                        </a:rPr>
+                        <a:t>0.58460</a:t>
+                      </a:r>
+                      <a:endParaRPr lang="nl-NL" sz="1800">
+                        <a:effectLst/>
+                        <a:latin typeface="Calibri"/>
+                        <a:ea typeface="Calibri"/>
+                        <a:cs typeface="Times New Roman"/>
+                      </a:endParaRPr>
+                    </a:p>
+                  </a:txBody>
+                  <a:tcPr marL="68580" marR="68580" marT="0" marB="0"/>
+                </a:tc>
+                <a:tc>
+                  <a:txBody>
+                    <a:bodyPr/>
+                    <a:lstStyle/>
+                    <a:p>
+                      <a:pPr>
+                        <a:lnSpc>
+                          <a:spcPct val="107000"/>
+                        </a:lnSpc>
+                        <a:spcAft>
+                          <a:spcPts val="0"/>
+                        </a:spcAft>
+                      </a:pPr>
+                      <a:r>
+                        <a:rPr lang="en-US" sz="1800">
+                          <a:effectLst/>
+                        </a:rPr>
+                        <a:t>3020</a:t>
+                      </a:r>
+                      <a:endParaRPr lang="nl-NL" sz="1800">
+                        <a:effectLst/>
+                        <a:latin typeface="Calibri"/>
+                        <a:ea typeface="Calibri"/>
+                        <a:cs typeface="Times New Roman"/>
+                      </a:endParaRPr>
+                    </a:p>
+                  </a:txBody>
+                  <a:tcPr marL="68580" marR="68580" marT="0" marB="0"/>
+                </a:tc>
+              </a:tr>
+              <a:tr h="607115">
+                <a:tc>
+                  <a:txBody>
+                    <a:bodyPr/>
+                    <a:lstStyle/>
+                    <a:p>
+                      <a:pPr>
+                        <a:lnSpc>
+                          <a:spcPct val="107000"/>
+                        </a:lnSpc>
+                        <a:spcAft>
+                          <a:spcPts val="0"/>
+                        </a:spcAft>
+                      </a:pPr>
+                      <a:r>
+                        <a:rPr lang="en-US" sz="1800">
+                          <a:effectLst/>
+                        </a:rPr>
+                        <a:t>Random Forest</a:t>
+                      </a:r>
+                      <a:endParaRPr lang="nl-NL" sz="1800">
+                        <a:effectLst/>
+                        <a:latin typeface="Calibri"/>
+                        <a:ea typeface="Calibri"/>
+                        <a:cs typeface="Times New Roman"/>
+                      </a:endParaRPr>
+                    </a:p>
+                  </a:txBody>
+                  <a:tcPr marL="68580" marR="68580" marT="0" marB="0"/>
+                </a:tc>
+                <a:tc>
+                  <a:txBody>
+                    <a:bodyPr/>
+                    <a:lstStyle/>
+                    <a:p>
+                      <a:pPr>
+                        <a:lnSpc>
+                          <a:spcPct val="107000"/>
+                        </a:lnSpc>
+                        <a:spcAft>
+                          <a:spcPts val="0"/>
+                        </a:spcAft>
+                      </a:pPr>
+                      <a:r>
+                        <a:rPr lang="en-US" sz="1800">
+                          <a:effectLst/>
+                        </a:rPr>
+                        <a:t>Removing outliers</a:t>
+                      </a:r>
+                      <a:endParaRPr lang="nl-NL" sz="1800">
+                        <a:effectLst/>
+                      </a:endParaRPr>
+                    </a:p>
+                    <a:p>
+                      <a:pPr>
+                        <a:lnSpc>
+                          <a:spcPct val="107000"/>
+                        </a:lnSpc>
+                        <a:spcAft>
+                          <a:spcPts val="0"/>
+                        </a:spcAft>
+                      </a:pPr>
+                      <a:r>
+                        <a:rPr lang="en-US" sz="1800">
+                          <a:effectLst/>
+                        </a:rPr>
+                        <a:t>Only 2015</a:t>
+                      </a:r>
+                      <a:endParaRPr lang="nl-NL" sz="1800">
+                        <a:effectLst/>
+                        <a:latin typeface="Calibri"/>
+                        <a:ea typeface="Calibri"/>
+                        <a:cs typeface="Times New Roman"/>
+                      </a:endParaRPr>
+                    </a:p>
+                  </a:txBody>
+                  <a:tcPr marL="68580" marR="68580" marT="0" marB="0"/>
+                </a:tc>
+                <a:tc>
+                  <a:txBody>
+                    <a:bodyPr/>
+                    <a:lstStyle/>
+                    <a:p>
+                      <a:pPr>
+                        <a:lnSpc>
+                          <a:spcPct val="107000"/>
+                        </a:lnSpc>
+                        <a:spcAft>
+                          <a:spcPts val="0"/>
+                        </a:spcAft>
+                      </a:pPr>
+                      <a:r>
+                        <a:rPr lang="en-US" sz="1800">
+                          <a:effectLst/>
+                        </a:rPr>
+                        <a:t>0.75239</a:t>
+                      </a:r>
+                      <a:endParaRPr lang="nl-NL" sz="1800">
+                        <a:effectLst/>
+                        <a:latin typeface="Calibri"/>
+                        <a:ea typeface="Calibri"/>
+                        <a:cs typeface="Times New Roman"/>
+                      </a:endParaRPr>
+                    </a:p>
+                  </a:txBody>
+                  <a:tcPr marL="68580" marR="68580" marT="0" marB="0"/>
+                </a:tc>
+                <a:tc>
+                  <a:txBody>
+                    <a:bodyPr/>
+                    <a:lstStyle/>
+                    <a:p>
+                      <a:pPr>
+                        <a:lnSpc>
+                          <a:spcPct val="107000"/>
+                        </a:lnSpc>
+                        <a:spcAft>
+                          <a:spcPts val="0"/>
+                        </a:spcAft>
+                      </a:pPr>
+                      <a:r>
+                        <a:rPr lang="en-US" sz="1800">
+                          <a:effectLst/>
+                        </a:rPr>
+                        <a:t>3040</a:t>
+                      </a:r>
+                      <a:endParaRPr lang="nl-NL" sz="1800">
+                        <a:effectLst/>
+                        <a:latin typeface="Calibri"/>
+                        <a:ea typeface="Calibri"/>
+                        <a:cs typeface="Times New Roman"/>
+                      </a:endParaRPr>
+                    </a:p>
+                  </a:txBody>
+                  <a:tcPr marL="68580" marR="68580" marT="0" marB="0"/>
+                </a:tc>
+              </a:tr>
+              <a:tr h="607115">
+                <a:tc>
+                  <a:txBody>
+                    <a:bodyPr/>
+                    <a:lstStyle/>
+                    <a:p>
+                      <a:pPr>
+                        <a:lnSpc>
+                          <a:spcPct val="107000"/>
+                        </a:lnSpc>
+                        <a:spcAft>
+                          <a:spcPts val="0"/>
+                        </a:spcAft>
+                      </a:pPr>
+                      <a:r>
+                        <a:rPr lang="en-US" sz="1800">
+                          <a:effectLst/>
+                        </a:rPr>
+                        <a:t>Gradientboosting Regressor</a:t>
+                      </a:r>
+                      <a:endParaRPr lang="nl-NL" sz="1800">
+                        <a:effectLst/>
+                        <a:latin typeface="Calibri"/>
+                        <a:ea typeface="Calibri"/>
+                        <a:cs typeface="Times New Roman"/>
+                      </a:endParaRPr>
+                    </a:p>
+                  </a:txBody>
+                  <a:tcPr marL="68580" marR="68580" marT="0" marB="0"/>
+                </a:tc>
+                <a:tc>
+                  <a:txBody>
+                    <a:bodyPr/>
+                    <a:lstStyle/>
+                    <a:p>
+                      <a:pPr>
+                        <a:lnSpc>
+                          <a:spcPct val="107000"/>
+                        </a:lnSpc>
+                        <a:spcAft>
+                          <a:spcPts val="0"/>
+                        </a:spcAft>
+                      </a:pPr>
+                      <a:r>
+                        <a:rPr lang="en-US" sz="1800">
+                          <a:effectLst/>
+                        </a:rPr>
+                        <a:t>Complete dataset</a:t>
+                      </a:r>
+                      <a:endParaRPr lang="nl-NL" sz="1800">
+                        <a:effectLst/>
+                      </a:endParaRPr>
+                    </a:p>
+                    <a:p>
+                      <a:pPr>
+                        <a:lnSpc>
+                          <a:spcPct val="107000"/>
+                        </a:lnSpc>
+                        <a:spcAft>
+                          <a:spcPts val="0"/>
+                        </a:spcAft>
+                      </a:pPr>
+                      <a:r>
+                        <a:rPr lang="en-US" sz="1800">
+                          <a:effectLst/>
+                        </a:rPr>
+                        <a:t>Only 2015</a:t>
+                      </a:r>
+                      <a:endParaRPr lang="nl-NL" sz="1800">
+                        <a:effectLst/>
+                        <a:latin typeface="Calibri"/>
+                        <a:ea typeface="Calibri"/>
+                        <a:cs typeface="Times New Roman"/>
+                      </a:endParaRPr>
+                    </a:p>
+                  </a:txBody>
+                  <a:tcPr marL="68580" marR="68580" marT="0" marB="0"/>
+                </a:tc>
+                <a:tc>
+                  <a:txBody>
+                    <a:bodyPr/>
+                    <a:lstStyle/>
+                    <a:p>
+                      <a:pPr>
+                        <a:lnSpc>
+                          <a:spcPct val="107000"/>
+                        </a:lnSpc>
+                        <a:spcAft>
+                          <a:spcPts val="0"/>
+                        </a:spcAft>
+                      </a:pPr>
+                      <a:r>
+                        <a:rPr lang="en-US" sz="1800">
+                          <a:effectLst/>
+                        </a:rPr>
+                        <a:t>0.41384</a:t>
+                      </a:r>
+                      <a:endParaRPr lang="nl-NL" sz="1800">
+                        <a:effectLst/>
+                        <a:latin typeface="Calibri"/>
+                        <a:ea typeface="Calibri"/>
+                        <a:cs typeface="Times New Roman"/>
+                      </a:endParaRPr>
+                    </a:p>
+                  </a:txBody>
+                  <a:tcPr marL="68580" marR="68580" marT="0" marB="0"/>
+                </a:tc>
+                <a:tc>
+                  <a:txBody>
+                    <a:bodyPr/>
+                    <a:lstStyle/>
+                    <a:p>
+                      <a:pPr>
+                        <a:lnSpc>
+                          <a:spcPct val="107000"/>
+                        </a:lnSpc>
+                        <a:spcAft>
+                          <a:spcPts val="0"/>
+                        </a:spcAft>
+                      </a:pPr>
+                      <a:r>
+                        <a:rPr lang="en-US" sz="1800" dirty="0">
+                          <a:effectLst/>
+                        </a:rPr>
+                        <a:t>2767</a:t>
+                      </a:r>
+                      <a:endParaRPr lang="nl-NL" sz="1800" dirty="0">
+                        <a:effectLst/>
+                        <a:latin typeface="Calibri"/>
+                        <a:ea typeface="Calibri"/>
+                        <a:cs typeface="Times New Roman"/>
+                      </a:endParaRPr>
+                    </a:p>
+                  </a:txBody>
+                  <a:tcPr marL="68580" marR="68580" marT="0" marB="0"/>
+                </a:tc>
+              </a:tr>
+            </a:tbl>
+          </a:graphicData>
+        </a:graphic>
+      </p:graphicFrame>
+      <p:sp>
+        <p:nvSpPr>
+          <p:cNvPr id="18" name="Rectangle 10"/>
+          <p:cNvSpPr>
+            <a:spLocks noChangeArrowheads="1"/>
+          </p:cNvSpPr>
+          <p:nvPr/>
+        </p:nvSpPr>
+        <p:spPr bwMode="auto">
+          <a:xfrm>
+            <a:off x="5929313" y="3679825"/>
+            <a:ext cx="17348200" cy="0"/>
+          </a:xfrm>
+          <a:prstGeom prst="rect">
+            <a:avLst/>
+          </a:prstGeom>
+          <a:noFill/>
+          <a:ln>
+            <a:noFill/>
+          </a:ln>
+          <a:effectLst/>
+          <a:extLst>
+            <a:ext uri="{909E8E84-426E-40DD-AFC4-6F175D3DCCD1}">
+              <a14:hiddenFill xmlns:a14="http://schemas.microsoft.com/office/drawing/2010/main">
+                <a:solidFill>
+                  <a:schemeClr val="accent1"/>
+                </a:solidFill>
+              </a14:hiddenFill>
+            </a:ext>
+            <a:ext uri="{91240B29-F687-4F45-9708-019B960494DF}">
+              <a14:hiddenLine xmlns:a14="http://schemas.microsoft.com/office/drawing/2010/main" w="9525">
+                <a:solidFill>
+                  <a:schemeClr val="tx1"/>
+                </a:solidFill>
+                <a:miter lim="800000"/>
+                <a:headEnd/>
+                <a:tailEnd/>
+              </a14:hiddenLine>
+            </a:ext>
+            <a:ext uri="{AF507438-7753-43E0-B8FC-AC1667EBCBE1}">
+              <a14:hiddenEffects xmlns:a14="http://schemas.microsoft.com/office/drawing/2010/main">
+                <a:effectLst>
+                  <a:outerShdw dist="35921" dir="2700000" algn="ctr" rotWithShape="0">
+                    <a:schemeClr val="bg2"/>
+                  </a:outerShdw>
+                </a:effectLst>
+              </a14:hiddenEffects>
+            </a:ext>
+          </a:extLst>
+        </p:spPr>
+        <p:txBody>
+          <a:bodyPr vert="horz" wrap="none" lIns="91440" tIns="45720" rIns="91440" bIns="45720" numCol="1" anchor="ctr" anchorCtr="0" compatLnSpc="1">
+            <a:prstTxWarp prst="textNoShape">
+              <a:avLst/>
+            </a:prstTxWarp>
+            <a:spAutoFit/>
+          </a:bodyPr>
+          <a:lstStyle/>
+          <a:p>
+            <a:pPr marL="0" marR="0" lvl="0" indent="0" algn="l" defTabSz="914400" rtl="0" eaLnBrk="1" fontAlgn="base" latinLnBrk="0" hangingPunct="1">
+              <a:lnSpc>
+                <a:spcPct val="100000"/>
+              </a:lnSpc>
+              <a:spcBef>
+                <a:spcPct val="0"/>
+              </a:spcBef>
+              <a:spcAft>
+                <a:spcPct val="0"/>
+              </a:spcAft>
+              <a:buClrTx/>
+              <a:buSzTx/>
+              <a:buFontTx/>
+              <a:buNone/>
+              <a:tabLst/>
+            </a:pPr>
+            <a:r>
+              <a:rPr kumimoji="0" lang="nl-NL" altLang="nl-NL" sz="1800" b="0" i="0" u="none" strike="noStrike" cap="none" normalizeH="0" baseline="0" smtClean="0">
+                <a:ln>
+                  <a:noFill/>
+                </a:ln>
+                <a:solidFill>
+                  <a:schemeClr val="tx1"/>
+                </a:solidFill>
+                <a:effectLst/>
+                <a:latin typeface="Arial" pitchFamily="34" charset="0"/>
+                <a:cs typeface="Arial" pitchFamily="34" charset="0"/>
+              </a:rPr>
+              <a:t/>
+            </a:r>
+            <a:br>
+              <a:rPr kumimoji="0" lang="nl-NL" altLang="nl-NL" sz="1800" b="0" i="0" u="none" strike="noStrike" cap="none" normalizeH="0" baseline="0" smtClean="0">
+                <a:ln>
+                  <a:noFill/>
+                </a:ln>
+                <a:solidFill>
+                  <a:schemeClr val="tx1"/>
+                </a:solidFill>
+                <a:effectLst/>
+                <a:latin typeface="Arial" pitchFamily="34" charset="0"/>
+                <a:cs typeface="Arial" pitchFamily="34" charset="0"/>
+              </a:rPr>
+            </a:br>
+            <a:endParaRPr kumimoji="0" lang="nl-NL" altLang="nl-NL" sz="1800" b="0" i="0" u="none" strike="noStrike" cap="none" normalizeH="0" baseline="0" smtClean="0">
+              <a:ln>
+                <a:noFill/>
+              </a:ln>
+              <a:solidFill>
+                <a:schemeClr val="tx1"/>
+              </a:solidFill>
+              <a:effectLst/>
+              <a:latin typeface="Arial" pitchFamily="34" charset="0"/>
+              <a:cs typeface="Arial" pitchFamily="34" charset="0"/>
+            </a:endParaRPr>
+          </a:p>
+        </p:txBody>
+      </p:sp>
     </p:spTree>
     <p:extLst>
       <p:ext uri="{BB962C8B-B14F-4D97-AF65-F5344CB8AC3E}">
@@ -9165,7 +11126,7 @@
   <a:extraClrSchemeLst/>
   <a:extLst>
     <a:ext uri="{05A4C25C-085E-4340-85A3-A5531E510DB2}">
-      <thm15:themeFamily xmlns="" xmlns:thm15="http://schemas.microsoft.com/office/thememl/2012/main" name="RU_PPT_ENG_CP" id="{A2B2A2E5-8C10-3D48-B879-97090C454E52}" vid="{FD09F00C-FDC6-E347-A03D-C9781C1DC58D}"/>
+      <thm15:themeFamily xmlns:thm15="http://schemas.microsoft.com/office/thememl/2012/main" xmlns="" name="RU_PPT_ENG_CP" id="{A2B2A2E5-8C10-3D48-B879-97090C454E52}" vid="{FD09F00C-FDC6-E347-A03D-C9781C1DC58D}"/>
     </a:ext>
   </a:extLst>
 </a:theme>
@@ -9505,7 +11466,7 @@
   <a:extraClrSchemeLst/>
   <a:extLst>
     <a:ext uri="{05A4C25C-085E-4340-85A3-A5531E510DB2}">
-      <thm15:themeFamily xmlns="" xmlns:thm15="http://schemas.microsoft.com/office/thememl/2012/main" name="RU_PPT_ENG_CP" id="{A2B2A2E5-8C10-3D48-B879-97090C454E52}" vid="{7DEE8FA5-744F-DF47-8956-AA68E72134BF}"/>
+      <thm15:themeFamily xmlns:thm15="http://schemas.microsoft.com/office/thememl/2012/main" xmlns="" name="RU_PPT_ENG_CP" id="{A2B2A2E5-8C10-3D48-B879-97090C454E52}" vid="{7DEE8FA5-744F-DF47-8956-AA68E72134BF}"/>
     </a:ext>
   </a:extLst>
 </a:theme>

--- a/presentatie/Classified_MLiP_final_presentation_2.pptx
+++ b/presentatie/Classified_MLiP_final_presentation_2.pptx
@@ -6,23 +6,26 @@
     <p:sldMasterId id="2147483721" r:id="rId2"/>
   </p:sldMasterIdLst>
   <p:notesMasterIdLst>
-    <p:notesMasterId r:id="rId14"/>
+    <p:notesMasterId r:id="rId17"/>
   </p:notesMasterIdLst>
   <p:handoutMasterIdLst>
-    <p:handoutMasterId r:id="rId15"/>
+    <p:handoutMasterId r:id="rId18"/>
   </p:handoutMasterIdLst>
   <p:sldIdLst>
     <p:sldId id="402" r:id="rId3"/>
     <p:sldId id="410" r:id="rId4"/>
     <p:sldId id="411" r:id="rId5"/>
     <p:sldId id="412" r:id="rId6"/>
-    <p:sldId id="413" r:id="rId7"/>
-    <p:sldId id="414" r:id="rId8"/>
+    <p:sldId id="414" r:id="rId7"/>
+    <p:sldId id="413" r:id="rId8"/>
     <p:sldId id="415" r:id="rId9"/>
     <p:sldId id="416" r:id="rId10"/>
     <p:sldId id="417" r:id="rId11"/>
     <p:sldId id="418" r:id="rId12"/>
-    <p:sldId id="403" r:id="rId13"/>
+    <p:sldId id="419" r:id="rId13"/>
+    <p:sldId id="420" r:id="rId14"/>
+    <p:sldId id="421" r:id="rId15"/>
+    <p:sldId id="422" r:id="rId16"/>
   </p:sldIdLst>
   <p:sldSz cx="17348200" cy="9756775"/>
   <p:notesSz cx="6858000" cy="9144000"/>
@@ -289,7 +292,7 @@
             <a:fld id="{17A39E9D-B438-D94D-AF2A-93757548558C}" type="datetime1">
               <a:rPr lang="nl-NL" altLang="nl-NL"/>
               <a:pPr/>
-              <a:t>19-6-2017</a:t>
+              <a:t>20-6-2017</a:t>
             </a:fld>
             <a:endParaRPr lang="nl-NL" altLang="nl-NL"/>
           </a:p>
@@ -501,7 +504,7 @@
             <a:fld id="{3AA95554-0BC3-EC48-BCE0-DB850053191D}" type="datetime1">
               <a:rPr lang="nl-NL" altLang="nl-NL"/>
               <a:pPr/>
-              <a:t>19-6-2017</a:t>
+              <a:t>20-6-2017</a:t>
             </a:fld>
             <a:endParaRPr lang="nl-NL" altLang="nl-NL"/>
           </a:p>
@@ -986,6 +989,18 @@
           <a:bodyPr/>
           <a:lstStyle/>
           <a:p>
+            <a:r>
+              <a:rPr lang="en-US" dirty="0" smtClean="0"/>
+              <a:t>It is hypothesized that </a:t>
+            </a:r>
+            <a:r>
+              <a:rPr lang="en-US" dirty="0" err="1" smtClean="0"/>
+              <a:t>XGBoost</a:t>
+            </a:r>
+            <a:r>
+              <a:rPr lang="en-US" dirty="0" smtClean="0"/>
+              <a:t> outperforms other methods by its inherent ensemble property, being able to robustly handle different categories of data. The boosting of weak learners might emphasize the variables that are useful for prediction, whilst de-emphasizing variables indicating fraud.</a:t>
+            </a:r>
             <a:endParaRPr lang="nl-NL" dirty="0"/>
           </a:p>
         </p:txBody>
@@ -1203,7 +1218,7 @@
           <a:p>
             <a:fld id="{9E1ED08B-741D-9E48-95DA-82644AB503BC}" type="datetime1">
               <a:rPr lang="nl-NL" altLang="nl-NL" smtClean="0"/>
-              <a:t>19-6-2017</a:t>
+              <a:t>20-6-2017</a:t>
             </a:fld>
             <a:endParaRPr lang="nl-NL" altLang="nl-NL"/>
           </a:p>
@@ -1574,7 +1589,7 @@
             <a:fld id="{9E1ED08B-741D-9E48-95DA-82644AB503BC}" type="datetime1">
               <a:rPr lang="nl-NL" altLang="nl-NL" smtClean="0"/>
               <a:pPr/>
-              <a:t>19-6-2017</a:t>
+              <a:t>20-6-2017</a:t>
             </a:fld>
             <a:endParaRPr lang="nl-NL" altLang="nl-NL" dirty="0"/>
           </a:p>
@@ -1863,7 +1878,7 @@
           <a:p>
             <a:fld id="{418C17E9-359A-1148-9DEA-7F27ED0F3E46}" type="datetime1">
               <a:rPr lang="nl-NL" altLang="nl-NL" smtClean="0"/>
-              <a:t>19-6-2017</a:t>
+              <a:t>20-6-2017</a:t>
             </a:fld>
             <a:endParaRPr lang="nl-NL" altLang="nl-NL"/>
           </a:p>
@@ -2079,7 +2094,7 @@
           <a:p>
             <a:fld id="{46CB0545-8C00-A544-A88F-C33FBC7A7630}" type="datetime1">
               <a:rPr lang="nl-NL" altLang="nl-NL" smtClean="0"/>
-              <a:t>19-6-2017</a:t>
+              <a:t>20-6-2017</a:t>
             </a:fld>
             <a:endParaRPr lang="nl-NL" altLang="nl-NL" dirty="0"/>
           </a:p>
@@ -2449,7 +2464,7 @@
           <a:p>
             <a:fld id="{46CB0545-8C00-A544-A88F-C33FBC7A7630}" type="datetime1">
               <a:rPr lang="nl-NL" altLang="nl-NL" smtClean="0"/>
-              <a:t>19-6-2017</a:t>
+              <a:t>20-6-2017</a:t>
             </a:fld>
             <a:endParaRPr lang="nl-NL" altLang="nl-NL" dirty="0"/>
           </a:p>
@@ -2615,6 +2630,322 @@
 </p:sldLayout>
 </file>
 
+<file path=ppt/slideLayouts/slideLayout6.xml><?xml version="1.0" encoding="utf-8"?>
+<p:sldLayout xmlns:a="http://schemas.openxmlformats.org/drawingml/2006/main" xmlns:r="http://schemas.openxmlformats.org/officeDocument/2006/relationships" xmlns:p="http://schemas.openxmlformats.org/presentationml/2006/main" userDrawn="1">
+  <p:cSld name="Vervolg 2">
+    <p:bg>
+      <p:bgPr>
+        <a:blipFill dpi="0" rotWithShape="1">
+          <a:blip r:embed="rId2">
+            <a:lum/>
+          </a:blip>
+          <a:srcRect/>
+          <a:stretch>
+            <a:fillRect/>
+          </a:stretch>
+        </a:blipFill>
+        <a:effectLst/>
+      </p:bgPr>
+    </p:bg>
+    <p:spTree>
+      <p:nvGrpSpPr>
+        <p:cNvPr id="1" name=""/>
+        <p:cNvGrpSpPr/>
+        <p:nvPr/>
+      </p:nvGrpSpPr>
+      <p:grpSpPr>
+        <a:xfrm>
+          <a:off x="0" y="0"/>
+          <a:ext cx="0" cy="0"/>
+          <a:chOff x="0" y="0"/>
+          <a:chExt cx="0" cy="0"/>
+        </a:xfrm>
+      </p:grpSpPr>
+      <p:sp>
+        <p:nvSpPr>
+          <p:cNvPr id="2" name="Titel 1"/>
+          <p:cNvSpPr>
+            <a:spLocks noGrp="1"/>
+          </p:cNvSpPr>
+          <p:nvPr>
+            <p:ph type="title"/>
+          </p:nvPr>
+        </p:nvSpPr>
+        <p:spPr/>
+        <p:txBody>
+          <a:bodyPr/>
+          <a:lstStyle/>
+          <a:p>
+            <a:r>
+              <a:rPr lang="nl-NL" smtClean="0"/>
+              <a:t>Klik om de stijl te bewerken</a:t>
+            </a:r>
+            <a:endParaRPr lang="nl-NL" dirty="0"/>
+          </a:p>
+        </p:txBody>
+      </p:sp>
+      <p:sp>
+        <p:nvSpPr>
+          <p:cNvPr id="6" name="Tijdelijke aanduiding voor inhoud 2"/>
+          <p:cNvSpPr>
+            <a:spLocks noGrp="1"/>
+          </p:cNvSpPr>
+          <p:nvPr>
+            <p:ph idx="1"/>
+          </p:nvPr>
+        </p:nvSpPr>
+        <p:spPr>
+          <a:xfrm>
+            <a:off x="1200732" y="1799999"/>
+            <a:ext cx="14889083" cy="7020000"/>
+          </a:xfrm>
+        </p:spPr>
+        <p:txBody>
+          <a:bodyPr>
+            <a:normAutofit/>
+          </a:bodyPr>
+          <a:lstStyle>
+            <a:lvl1pPr marL="609951" indent="-609951">
+              <a:buFont typeface="Arial" charset="0"/>
+              <a:buChar char="•"/>
+              <a:defRPr baseline="0"/>
+            </a:lvl1pPr>
+            <a:lvl2pPr marL="1062611" indent="-457463">
+              <a:buFont typeface="Arial" charset="0"/>
+              <a:buChar char="•"/>
+              <a:defRPr/>
+            </a:lvl2pPr>
+            <a:lvl3pPr marL="1677364" indent="-457463">
+              <a:buFont typeface="Helvetica" charset="0"/>
+              <a:buChar char="−"/>
+              <a:defRPr/>
+            </a:lvl3pPr>
+            <a:lvl4pPr marL="2206268" indent="-381219">
+              <a:buFont typeface="Helvetica" charset="0"/>
+              <a:buChar char="−"/>
+              <a:defRPr/>
+            </a:lvl4pPr>
+            <a:lvl5pPr marL="2821021" indent="-381219">
+              <a:buFont typeface="Helvetica" charset="0"/>
+              <a:buChar char="−"/>
+              <a:defRPr/>
+            </a:lvl5pPr>
+          </a:lstStyle>
+          <a:p>
+            <a:pPr lvl="0"/>
+            <a:r>
+              <a:rPr lang="nl-NL" altLang="nl-NL" smtClean="0"/>
+              <a:t>Tekststijl van het model bewerken</a:t>
+            </a:r>
+          </a:p>
+          <a:p>
+            <a:pPr lvl="1"/>
+            <a:r>
+              <a:rPr lang="nl-NL" altLang="nl-NL" smtClean="0"/>
+              <a:t>Tweede niveau</a:t>
+            </a:r>
+          </a:p>
+          <a:p>
+            <a:pPr lvl="2"/>
+            <a:r>
+              <a:rPr lang="nl-NL" altLang="nl-NL" smtClean="0"/>
+              <a:t>Derde niveau</a:t>
+            </a:r>
+          </a:p>
+          <a:p>
+            <a:pPr lvl="3"/>
+            <a:r>
+              <a:rPr lang="nl-NL" altLang="nl-NL" smtClean="0"/>
+              <a:t>Vierde niveau</a:t>
+            </a:r>
+          </a:p>
+          <a:p>
+            <a:pPr lvl="4"/>
+            <a:r>
+              <a:rPr lang="nl-NL" altLang="nl-NL" smtClean="0"/>
+              <a:t>Vijfde niveau</a:t>
+            </a:r>
+            <a:endParaRPr lang="nl-NL" altLang="nl-NL" dirty="0"/>
+          </a:p>
+        </p:txBody>
+      </p:sp>
+      <p:sp>
+        <p:nvSpPr>
+          <p:cNvPr id="5" name="Tijdelijke aanduiding voor dianummer 5"/>
+          <p:cNvSpPr>
+            <a:spLocks noGrp="1"/>
+          </p:cNvSpPr>
+          <p:nvPr>
+            <p:ph type="sldNum" sz="quarter" idx="10"/>
+          </p:nvPr>
+        </p:nvSpPr>
+        <p:spPr/>
+        <p:txBody>
+          <a:bodyPr/>
+          <a:lstStyle>
+            <a:lvl1pPr>
+              <a:defRPr>
+                <a:solidFill>
+                  <a:schemeClr val="bg1"/>
+                </a:solidFill>
+              </a:defRPr>
+            </a:lvl1pPr>
+          </a:lstStyle>
+          <a:p>
+            <a:fld id="{F9510068-CF9F-1546-A962-438E155E6626}" type="slidenum">
+              <a:rPr lang="nl-NL" altLang="nl-NL" smtClean="0"/>
+              <a:pPr/>
+              <a:t>‹nr.›</a:t>
+            </a:fld>
+            <a:endParaRPr lang="nl-NL" altLang="nl-NL" dirty="0"/>
+          </a:p>
+        </p:txBody>
+      </p:sp>
+      <p:sp>
+        <p:nvSpPr>
+          <p:cNvPr id="7" name="Tijdelijke aanduiding voor voettekst 4"/>
+          <p:cNvSpPr>
+            <a:spLocks noGrp="1"/>
+          </p:cNvSpPr>
+          <p:nvPr>
+            <p:ph type="ftr" sz="quarter" idx="11"/>
+          </p:nvPr>
+        </p:nvSpPr>
+        <p:spPr/>
+        <p:txBody>
+          <a:bodyPr/>
+          <a:lstStyle>
+            <a:lvl1pPr>
+              <a:defRPr>
+                <a:solidFill>
+                  <a:schemeClr val="bg1"/>
+                </a:solidFill>
+              </a:defRPr>
+            </a:lvl1pPr>
+          </a:lstStyle>
+          <a:p>
+            <a:pPr>
+              <a:defRPr/>
+            </a:pPr>
+            <a:endParaRPr lang="nl-NL" dirty="0"/>
+          </a:p>
+        </p:txBody>
+      </p:sp>
+      <p:sp>
+        <p:nvSpPr>
+          <p:cNvPr id="8" name="Tijdelijke aanduiding voor datum 3"/>
+          <p:cNvSpPr>
+            <a:spLocks noGrp="1"/>
+          </p:cNvSpPr>
+          <p:nvPr>
+            <p:ph type="dt" sz="half" idx="12"/>
+          </p:nvPr>
+        </p:nvSpPr>
+        <p:spPr/>
+        <p:txBody>
+          <a:bodyPr/>
+          <a:lstStyle>
+            <a:lvl1pPr>
+              <a:defRPr>
+                <a:solidFill>
+                  <a:schemeClr val="bg1"/>
+                </a:solidFill>
+              </a:defRPr>
+            </a:lvl1pPr>
+          </a:lstStyle>
+          <a:p>
+            <a:fld id="{9E1ED08B-741D-9E48-95DA-82644AB503BC}" type="datetime1">
+              <a:rPr lang="nl-NL" altLang="nl-NL" smtClean="0"/>
+              <a:pPr/>
+              <a:t>20-6-2017</a:t>
+            </a:fld>
+            <a:endParaRPr lang="nl-NL" altLang="nl-NL" dirty="0"/>
+          </a:p>
+        </p:txBody>
+      </p:sp>
+      <p:pic>
+        <p:nvPicPr>
+          <p:cNvPr id="9" name="Afbeelding 8"/>
+          <p:cNvPicPr>
+            <a:picLocks noChangeAspect="1"/>
+          </p:cNvPicPr>
+          <p:nvPr userDrawn="1"/>
+        </p:nvPicPr>
+        <p:blipFill>
+          <a:blip r:embed="rId3" cstate="print">
+            <a:extLst>
+              <a:ext uri="{28A0092B-C50C-407E-A947-70E740481C1C}">
+                <a14:useLocalDpi xmlns:a14="http://schemas.microsoft.com/office/drawing/2010/main"/>
+              </a:ext>
+            </a:extLst>
+          </a:blip>
+          <a:stretch>
+            <a:fillRect/>
+          </a:stretch>
+        </p:blipFill>
+        <p:spPr>
+          <a:xfrm>
+            <a:off x="13860292" y="9147198"/>
+            <a:ext cx="2229523" cy="507738"/>
+          </a:xfrm>
+          <a:prstGeom prst="rect">
+            <a:avLst/>
+          </a:prstGeom>
+        </p:spPr>
+      </p:pic>
+      <p:pic>
+        <p:nvPicPr>
+          <p:cNvPr id="10" name="Afbeelding 9"/>
+          <p:cNvPicPr>
+            <a:picLocks noChangeAspect="1"/>
+          </p:cNvPicPr>
+          <p:nvPr userDrawn="1"/>
+        </p:nvPicPr>
+        <p:blipFill>
+          <a:blip r:embed="rId4">
+            <a:extLst>
+              <a:ext uri="{28A0092B-C50C-407E-A947-70E740481C1C}">
+                <a14:useLocalDpi xmlns:a14="http://schemas.microsoft.com/office/drawing/2010/main" val="0"/>
+              </a:ext>
+            </a:extLst>
+          </a:blip>
+          <a:stretch>
+            <a:fillRect/>
+          </a:stretch>
+        </p:blipFill>
+        <p:spPr>
+          <a:xfrm>
+            <a:off x="1200884" y="9349691"/>
+            <a:ext cx="1606019" cy="196785"/>
+          </a:xfrm>
+          <a:prstGeom prst="rect">
+            <a:avLst/>
+          </a:prstGeom>
+        </p:spPr>
+      </p:pic>
+    </p:spTree>
+    <p:extLst>
+      <p:ext uri="{BB962C8B-B14F-4D97-AF65-F5344CB8AC3E}">
+        <p14:creationId xmlns:p14="http://schemas.microsoft.com/office/powerpoint/2010/main" val="412537779"/>
+      </p:ext>
+    </p:extLst>
+  </p:cSld>
+  <p:clrMapOvr>
+    <a:masterClrMapping/>
+  </p:clrMapOvr>
+  <p:transition spd="med">
+    <p:fade/>
+  </p:transition>
+  <p:timing>
+    <p:tnLst>
+      <p:par>
+        <p:cTn id="1" dur="indefinite" restart="never" nodeType="tmRoot"/>
+      </p:par>
+    </p:tnLst>
+  </p:timing>
+</p:sldLayout>
+</file>
+
 <file path=ppt/slideMasters/slideMaster1.xml><?xml version="1.0" encoding="utf-8"?>
 <p:sldMaster xmlns:a="http://schemas.openxmlformats.org/drawingml/2006/main" xmlns:r="http://schemas.openxmlformats.org/officeDocument/2006/relationships" xmlns:p="http://schemas.openxmlformats.org/presentationml/2006/main" preserve="1">
   <p:cSld>
@@ -2922,7 +3253,7 @@
             <a:fld id="{B3873A8C-A209-FC40-86BC-D3E9A671FD81}" type="datetime1">
               <a:rPr lang="nl-NL" altLang="nl-NL" smtClean="0"/>
               <a:pPr/>
-              <a:t>19-6-2017</a:t>
+              <a:t>20-6-2017</a:t>
             </a:fld>
             <a:endParaRPr lang="nl-NL" altLang="nl-NL" dirty="0"/>
           </a:p>
@@ -3355,7 +3686,7 @@
     <p:bg>
       <p:bgPr>
         <a:blipFill dpi="0" rotWithShape="0">
-          <a:blip r:embed="rId4">
+          <a:blip r:embed="rId5">
             <a:lum/>
           </a:blip>
           <a:srcRect/>
@@ -3663,7 +3994,7 @@
             <a:fld id="{FB5CF2AB-20FF-5442-9E53-3C6EDD7FBCEA}" type="datetime1">
               <a:rPr lang="nl-NL" altLang="nl-NL" smtClean="0"/>
               <a:pPr/>
-              <a:t>19-6-2017</a:t>
+              <a:t>20-6-2017</a:t>
             </a:fld>
             <a:endParaRPr lang="nl-NL" altLang="nl-NL" dirty="0"/>
           </a:p>
@@ -3680,6 +4011,7 @@
   <p:sldLayoutIdLst>
     <p:sldLayoutId id="2147483730" r:id="rId1"/>
     <p:sldLayoutId id="2147483722" r:id="rId2"/>
+    <p:sldLayoutId id="2147483735" r:id="rId3"/>
   </p:sldLayoutIdLst>
   <p:transition spd="med">
     <p:fade/>
@@ -4239,7 +4571,19 @@
             </a:r>
             <a:r>
               <a:rPr lang="nl-NL" i="1" dirty="0" smtClean="0"/>
-              <a:t>, Roel Bouman, Jeffrey Luppes, </a:t>
+              <a:t>, Roel Bouman, </a:t>
+            </a:r>
+            <a:r>
+              <a:rPr lang="nl-NL" i="1" dirty="0" smtClean="0">
+                <a:solidFill>
+                  <a:srgbClr val="FFFF00"/>
+                </a:solidFill>
+              </a:rPr>
+              <a:t>Jeffrey Luppes</a:t>
+            </a:r>
+            <a:r>
+              <a:rPr lang="nl-NL" i="1" dirty="0" smtClean="0"/>
+              <a:t>, </a:t>
             </a:r>
             <a:r>
               <a:rPr lang="nl-NL" i="1" dirty="0" err="1" smtClean="0"/>
@@ -4255,13 +4599,29 @@
             </a:r>
             <a:r>
               <a:rPr lang="nl-NL" i="1" dirty="0"/>
-              <a:t> Thijs </a:t>
-            </a:r>
-            <a:r>
-              <a:rPr lang="nl-NL" i="1" dirty="0" err="1"/>
+              <a:t> </a:t>
+            </a:r>
+            <a:r>
+              <a:rPr lang="nl-NL" i="1" dirty="0">
+                <a:solidFill>
+                  <a:srgbClr val="FFFF00"/>
+                </a:solidFill>
+              </a:rPr>
+              <a:t>Thijs </a:t>
+            </a:r>
+            <a:r>
+              <a:rPr lang="nl-NL" i="1" dirty="0" err="1">
+                <a:solidFill>
+                  <a:srgbClr val="FFFF00"/>
+                </a:solidFill>
+              </a:rPr>
               <a:t>Werrij</a:t>
             </a:r>
-            <a:endParaRPr lang="nl-NL" i="1" dirty="0"/>
+            <a:endParaRPr lang="nl-NL" i="1" dirty="0">
+              <a:solidFill>
+                <a:srgbClr val="FFFF00"/>
+              </a:solidFill>
+            </a:endParaRPr>
           </a:p>
         </p:txBody>
       </p:sp>
@@ -4307,6 +4667,299 @@
       </p:grpSpPr>
       <p:sp>
         <p:nvSpPr>
+          <p:cNvPr id="4" name="Titel 3"/>
+          <p:cNvSpPr>
+            <a:spLocks noGrp="1"/>
+          </p:cNvSpPr>
+          <p:nvPr>
+            <p:ph type="title"/>
+          </p:nvPr>
+        </p:nvSpPr>
+        <p:spPr/>
+        <p:txBody>
+          <a:bodyPr/>
+          <a:lstStyle/>
+          <a:p>
+            <a:r>
+              <a:rPr lang="nl-NL" dirty="0" err="1" smtClean="0">
+                <a:solidFill>
+                  <a:srgbClr val="C00000"/>
+                </a:solidFill>
+              </a:rPr>
+              <a:t>Conclusion</a:t>
+            </a:r>
+            <a:endParaRPr lang="nl-NL" dirty="0">
+              <a:solidFill>
+                <a:srgbClr val="C00000"/>
+              </a:solidFill>
+            </a:endParaRPr>
+          </a:p>
+        </p:txBody>
+      </p:sp>
+      <p:sp>
+        <p:nvSpPr>
+          <p:cNvPr id="3" name="Tijdelijke aanduiding voor inhoud 2"/>
+          <p:cNvSpPr>
+            <a:spLocks noGrp="1"/>
+          </p:cNvSpPr>
+          <p:nvPr>
+            <p:ph idx="1"/>
+          </p:nvPr>
+        </p:nvSpPr>
+        <p:spPr/>
+        <p:txBody>
+          <a:bodyPr/>
+          <a:lstStyle/>
+          <a:p>
+            <a:r>
+              <a:rPr lang="nl-NL" dirty="0" err="1" smtClean="0"/>
+              <a:t>Felt</a:t>
+            </a:r>
+            <a:r>
+              <a:rPr lang="nl-NL" dirty="0" smtClean="0"/>
+              <a:t> “</a:t>
+            </a:r>
+            <a:r>
+              <a:rPr lang="nl-NL" dirty="0" smtClean="0">
+                <a:solidFill>
+                  <a:srgbClr val="C00000"/>
+                </a:solidFill>
+              </a:rPr>
+              <a:t>wrong</a:t>
+            </a:r>
+            <a:r>
+              <a:rPr lang="nl-NL" dirty="0" smtClean="0"/>
+              <a:t>” </a:t>
+            </a:r>
+            <a:r>
+              <a:rPr lang="nl-NL" dirty="0" err="1" smtClean="0"/>
+              <a:t>to</a:t>
+            </a:r>
+            <a:r>
+              <a:rPr lang="nl-NL" dirty="0" smtClean="0"/>
+              <a:t> take advantage of code </a:t>
+            </a:r>
+            <a:r>
+              <a:rPr lang="nl-NL" dirty="0" err="1" smtClean="0"/>
+              <a:t>posted</a:t>
+            </a:r>
+            <a:r>
+              <a:rPr lang="nl-NL" dirty="0" smtClean="0"/>
+              <a:t> in public</a:t>
+            </a:r>
+          </a:p>
+          <a:p>
+            <a:r>
+              <a:rPr lang="en-US" dirty="0" smtClean="0"/>
+              <a:t>But at the same time it </a:t>
+            </a:r>
+            <a:r>
+              <a:rPr lang="en-US" dirty="0" smtClean="0">
+                <a:solidFill>
+                  <a:srgbClr val="C00000"/>
+                </a:solidFill>
+              </a:rPr>
+              <a:t>accelerated</a:t>
+            </a:r>
+            <a:r>
+              <a:rPr lang="en-US" dirty="0" smtClean="0"/>
+              <a:t> our progress, and it was </a:t>
+            </a:r>
+            <a:r>
+              <a:rPr lang="en-US" dirty="0" smtClean="0">
+                <a:solidFill>
+                  <a:srgbClr val="C00000"/>
+                </a:solidFill>
+              </a:rPr>
+              <a:t>standard practice</a:t>
+            </a:r>
+          </a:p>
+          <a:p>
+            <a:r>
+              <a:rPr lang="en-US" dirty="0" smtClean="0"/>
+              <a:t>We were working as a </a:t>
+            </a:r>
+            <a:r>
+              <a:rPr lang="en-US" dirty="0" smtClean="0">
+                <a:solidFill>
+                  <a:srgbClr val="C00000"/>
+                </a:solidFill>
+              </a:rPr>
+              <a:t>community </a:t>
+            </a:r>
+            <a:r>
+              <a:rPr lang="en-US" dirty="0" smtClean="0"/>
+              <a:t>on the same ideas!</a:t>
+            </a:r>
+          </a:p>
+          <a:p>
+            <a:endParaRPr lang="en-US" dirty="0" smtClean="0"/>
+          </a:p>
+        </p:txBody>
+      </p:sp>
+    </p:spTree>
+    <p:extLst>
+      <p:ext uri="{BB962C8B-B14F-4D97-AF65-F5344CB8AC3E}">
+        <p14:creationId xmlns:p14="http://schemas.microsoft.com/office/powerpoint/2010/main" val="1545983256"/>
+      </p:ext>
+    </p:extLst>
+  </p:cSld>
+  <p:clrMapOvr>
+    <a:masterClrMapping/>
+  </p:clrMapOvr>
+  <p:transition spd="med">
+    <p:fade/>
+  </p:transition>
+  <p:timing>
+    <p:tnLst>
+      <p:par>
+        <p:cTn id="1" dur="indefinite" restart="never" nodeType="tmRoot">
+          <p:childTnLst>
+            <p:seq concurrent="1" nextAc="seek">
+              <p:cTn id="2" dur="indefinite" nodeType="mainSeq">
+                <p:childTnLst>
+                  <p:par>
+                    <p:cTn id="3" fill="hold">
+                      <p:stCondLst>
+                        <p:cond delay="indefinite"/>
+                      </p:stCondLst>
+                      <p:childTnLst>
+                        <p:par>
+                          <p:cTn id="4" fill="hold">
+                            <p:stCondLst>
+                              <p:cond delay="0"/>
+                            </p:stCondLst>
+                            <p:childTnLst>
+                              <p:par>
+                                <p:cTn id="5" presetID="1" presetClass="entr" presetSubtype="0" fill="hold" nodeType="clickEffect">
+                                  <p:stCondLst>
+                                    <p:cond delay="0"/>
+                                  </p:stCondLst>
+                                  <p:childTnLst>
+                                    <p:set>
+                                      <p:cBhvr>
+                                        <p:cTn id="6" dur="1" fill="hold">
+                                          <p:stCondLst>
+                                            <p:cond delay="0"/>
+                                          </p:stCondLst>
+                                        </p:cTn>
+                                        <p:tgtEl>
+                                          <p:spTgt spid="3">
+                                            <p:txEl>
+                                              <p:pRg st="1" end="1"/>
+                                            </p:txEl>
+                                          </p:spTgt>
+                                        </p:tgtEl>
+                                        <p:attrNameLst>
+                                          <p:attrName>style.visibility</p:attrName>
+                                        </p:attrNameLst>
+                                      </p:cBhvr>
+                                      <p:to>
+                                        <p:strVal val="visible"/>
+                                      </p:to>
+                                    </p:set>
+                                  </p:childTnLst>
+                                </p:cTn>
+                              </p:par>
+                            </p:childTnLst>
+                          </p:cTn>
+                        </p:par>
+                      </p:childTnLst>
+                    </p:cTn>
+                  </p:par>
+                  <p:par>
+                    <p:cTn id="7" fill="hold">
+                      <p:stCondLst>
+                        <p:cond delay="indefinite"/>
+                      </p:stCondLst>
+                      <p:childTnLst>
+                        <p:par>
+                          <p:cTn id="8" fill="hold">
+                            <p:stCondLst>
+                              <p:cond delay="0"/>
+                            </p:stCondLst>
+                            <p:childTnLst>
+                              <p:par>
+                                <p:cTn id="9" presetID="1" presetClass="entr" presetSubtype="0" fill="hold" nodeType="clickEffect">
+                                  <p:stCondLst>
+                                    <p:cond delay="0"/>
+                                  </p:stCondLst>
+                                  <p:childTnLst>
+                                    <p:set>
+                                      <p:cBhvr>
+                                        <p:cTn id="10" dur="1" fill="hold">
+                                          <p:stCondLst>
+                                            <p:cond delay="0"/>
+                                          </p:stCondLst>
+                                        </p:cTn>
+                                        <p:tgtEl>
+                                          <p:spTgt spid="3">
+                                            <p:txEl>
+                                              <p:pRg st="2" end="2"/>
+                                            </p:txEl>
+                                          </p:spTgt>
+                                        </p:tgtEl>
+                                        <p:attrNameLst>
+                                          <p:attrName>style.visibility</p:attrName>
+                                        </p:attrNameLst>
+                                      </p:cBhvr>
+                                      <p:to>
+                                        <p:strVal val="visible"/>
+                                      </p:to>
+                                    </p:set>
+                                  </p:childTnLst>
+                                </p:cTn>
+                              </p:par>
+                            </p:childTnLst>
+                          </p:cTn>
+                        </p:par>
+                      </p:childTnLst>
+                    </p:cTn>
+                  </p:par>
+                </p:childTnLst>
+              </p:cTn>
+              <p:prevCondLst>
+                <p:cond evt="onPrev" delay="0">
+                  <p:tgtEl>
+                    <p:sldTgt/>
+                  </p:tgtEl>
+                </p:cond>
+              </p:prevCondLst>
+              <p:nextCondLst>
+                <p:cond evt="onNext" delay="0">
+                  <p:tgtEl>
+                    <p:sldTgt/>
+                  </p:tgtEl>
+                </p:cond>
+              </p:nextCondLst>
+            </p:seq>
+          </p:childTnLst>
+        </p:cTn>
+      </p:par>
+    </p:tnLst>
+  </p:timing>
+</p:sld>
+</file>
+
+<file path=ppt/slides/slide11.xml><?xml version="1.0" encoding="utf-8"?>
+<p:sld xmlns:a="http://schemas.openxmlformats.org/drawingml/2006/main" xmlns:r="http://schemas.openxmlformats.org/officeDocument/2006/relationships" xmlns:p="http://schemas.openxmlformats.org/presentationml/2006/main">
+  <p:cSld>
+    <p:spTree>
+      <p:nvGrpSpPr>
+        <p:cNvPr id="1" name=""/>
+        <p:cNvGrpSpPr/>
+        <p:nvPr/>
+      </p:nvGrpSpPr>
+      <p:grpSpPr>
+        <a:xfrm>
+          <a:off x="0" y="0"/>
+          <a:ext cx="0" cy="0"/>
+          <a:chOff x="0" y="0"/>
+          <a:chExt cx="0" cy="0"/>
+        </a:xfrm>
+      </p:grpSpPr>
+      <p:sp>
+        <p:nvSpPr>
           <p:cNvPr id="2" name="Titel 1"/>
           <p:cNvSpPr>
             <a:spLocks noGrp="1"/>
@@ -4321,10 +4974,50 @@
           <a:lstStyle/>
           <a:p>
             <a:r>
-              <a:rPr lang="nl-NL" dirty="0" err="1" smtClean="0"/>
-              <a:t>Conclusion</a:t>
-            </a:r>
-            <a:endParaRPr lang="nl-NL" dirty="0"/>
+              <a:rPr lang="nl-NL" dirty="0" err="1" smtClean="0">
+                <a:solidFill>
+                  <a:srgbClr val="C00000"/>
+                </a:solidFill>
+              </a:rPr>
+              <a:t>Words</a:t>
+            </a:r>
+            <a:r>
+              <a:rPr lang="nl-NL" dirty="0" smtClean="0">
+                <a:solidFill>
+                  <a:srgbClr val="C00000"/>
+                </a:solidFill>
+              </a:rPr>
+              <a:t> on </a:t>
+            </a:r>
+            <a:r>
+              <a:rPr lang="nl-NL" dirty="0" err="1" smtClean="0">
+                <a:solidFill>
+                  <a:srgbClr val="C00000"/>
+                </a:solidFill>
+              </a:rPr>
+              <a:t>Sberbank’s</a:t>
+            </a:r>
+            <a:r>
+              <a:rPr lang="nl-NL" dirty="0" smtClean="0">
+                <a:solidFill>
+                  <a:srgbClr val="C00000"/>
+                </a:solidFill>
+              </a:rPr>
+              <a:t> </a:t>
+            </a:r>
+            <a:r>
+              <a:rPr lang="nl-NL" dirty="0" err="1" smtClean="0">
+                <a:solidFill>
+                  <a:srgbClr val="C00000"/>
+                </a:solidFill>
+              </a:rPr>
+              <a:t>competition</a:t>
+            </a:r>
+            <a:endParaRPr lang="nl-NL" dirty="0">
+              <a:solidFill>
+                <a:srgbClr val="C00000"/>
+              </a:solidFill>
+            </a:endParaRPr>
           </a:p>
         </p:txBody>
       </p:sp>
@@ -4343,14 +5036,634 @@
           <a:bodyPr/>
           <a:lstStyle/>
           <a:p>
-            <a:endParaRPr lang="nl-NL"/>
+            <a:r>
+              <a:rPr lang="en-US" dirty="0" smtClean="0"/>
+              <a:t>Blatant </a:t>
+            </a:r>
+            <a:r>
+              <a:rPr lang="en-US" dirty="0" smtClean="0">
+                <a:solidFill>
+                  <a:srgbClr val="C00000"/>
+                </a:solidFill>
+              </a:rPr>
+              <a:t>fraud</a:t>
+            </a:r>
+            <a:r>
+              <a:rPr lang="en-US" dirty="0" smtClean="0"/>
+              <a:t> and </a:t>
+            </a:r>
+            <a:r>
+              <a:rPr lang="en-US" dirty="0" smtClean="0">
+                <a:solidFill>
+                  <a:srgbClr val="C00000"/>
+                </a:solidFill>
+              </a:rPr>
+              <a:t>tax evasion </a:t>
+            </a:r>
+            <a:r>
+              <a:rPr lang="en-US" dirty="0" smtClean="0"/>
+              <a:t>in data set (5% of data?!)</a:t>
+            </a:r>
+          </a:p>
+          <a:p>
+            <a:r>
+              <a:rPr lang="en-US" dirty="0" smtClean="0"/>
+              <a:t>Wrong data (</a:t>
+            </a:r>
+            <a:r>
+              <a:rPr lang="en-US" dirty="0" smtClean="0">
+                <a:solidFill>
+                  <a:srgbClr val="C00000"/>
+                </a:solidFill>
+              </a:rPr>
+              <a:t>laziness</a:t>
+            </a:r>
+            <a:r>
+              <a:rPr lang="en-US" dirty="0" smtClean="0"/>
+              <a:t>) </a:t>
+            </a:r>
+            <a:r>
+              <a:rPr lang="en-US" smtClean="0"/>
+              <a:t>or </a:t>
+            </a:r>
+            <a:r>
+              <a:rPr lang="en-US" smtClean="0">
+                <a:solidFill>
+                  <a:srgbClr val="C00000"/>
+                </a:solidFill>
+              </a:rPr>
+              <a:t>errors </a:t>
+            </a:r>
+            <a:endParaRPr lang="en-US" dirty="0" smtClean="0">
+              <a:solidFill>
+                <a:srgbClr val="C00000"/>
+              </a:solidFill>
+            </a:endParaRPr>
+          </a:p>
+          <a:p>
+            <a:r>
+              <a:rPr lang="en-US" dirty="0" smtClean="0"/>
+              <a:t>Data based </a:t>
+            </a:r>
+            <a:r>
+              <a:rPr lang="en-US" dirty="0" smtClean="0">
+                <a:solidFill>
+                  <a:srgbClr val="C00000"/>
+                </a:solidFill>
+              </a:rPr>
+              <a:t>on developers/investors/owner’s </a:t>
+            </a:r>
+            <a:r>
+              <a:rPr lang="en-US" dirty="0" smtClean="0"/>
+              <a:t>head office </a:t>
+            </a:r>
+            <a:r>
+              <a:rPr lang="en-US" dirty="0" smtClean="0">
+                <a:solidFill>
+                  <a:srgbClr val="C00000"/>
+                </a:solidFill>
+              </a:rPr>
+              <a:t>location</a:t>
+            </a:r>
+            <a:r>
+              <a:rPr lang="en-US" dirty="0" smtClean="0"/>
+              <a:t> instead of property itself. </a:t>
+            </a:r>
+          </a:p>
+          <a:p>
+            <a:r>
+              <a:rPr lang="en-US" dirty="0" smtClean="0"/>
+              <a:t>Kaggle: new scores with new data set, old scores not </a:t>
+            </a:r>
+            <a:r>
+              <a:rPr lang="en-US" dirty="0" err="1" smtClean="0"/>
+              <a:t>recalc’d</a:t>
+            </a:r>
+            <a:r>
+              <a:rPr lang="en-US" dirty="0" smtClean="0"/>
+              <a:t> until </a:t>
+            </a:r>
+            <a:r>
+              <a:rPr lang="en-US" dirty="0" smtClean="0">
+                <a:solidFill>
+                  <a:srgbClr val="C00000"/>
+                </a:solidFill>
+              </a:rPr>
+              <a:t>4 days ago</a:t>
+            </a:r>
+          </a:p>
+          <a:p>
+            <a:r>
+              <a:rPr lang="en-US" dirty="0">
+                <a:solidFill>
+                  <a:srgbClr val="C00000"/>
+                </a:solidFill>
+              </a:rPr>
+              <a:t>Fluctuating</a:t>
+            </a:r>
+            <a:r>
+              <a:rPr lang="en-US" dirty="0"/>
+              <a:t> leaderboard</a:t>
+            </a:r>
+          </a:p>
+          <a:p>
+            <a:endParaRPr lang="en-US" dirty="0">
+              <a:solidFill>
+                <a:srgbClr val="C00000"/>
+              </a:solidFill>
+            </a:endParaRPr>
           </a:p>
         </p:txBody>
       </p:sp>
+      <p:pic>
+        <p:nvPicPr>
+          <p:cNvPr id="3" name="Picture 2"/>
+          <p:cNvPicPr>
+            <a:picLocks noChangeAspect="1"/>
+          </p:cNvPicPr>
+          <p:nvPr/>
+        </p:nvPicPr>
+        <p:blipFill>
+          <a:blip r:embed="rId2">
+            <a:extLst>
+              <a:ext uri="{28A0092B-C50C-407E-A947-70E740481C1C}">
+                <a14:useLocalDpi xmlns:a14="http://schemas.microsoft.com/office/drawing/2010/main" val="0"/>
+              </a:ext>
+            </a:extLst>
+          </a:blip>
+          <a:stretch>
+            <a:fillRect/>
+          </a:stretch>
+        </p:blipFill>
+        <p:spPr>
+          <a:xfrm>
+            <a:off x="1520156" y="5309998"/>
+            <a:ext cx="14759386" cy="2919601"/>
+          </a:xfrm>
+          <a:prstGeom prst="rect">
+            <a:avLst/>
+          </a:prstGeom>
+        </p:spPr>
+      </p:pic>
     </p:spTree>
     <p:extLst>
       <p:ext uri="{BB962C8B-B14F-4D97-AF65-F5344CB8AC3E}">
-        <p14:creationId xmlns:p14="http://schemas.microsoft.com/office/powerpoint/2010/main" val="512904247"/>
+        <p14:creationId xmlns:p14="http://schemas.microsoft.com/office/powerpoint/2010/main" val="3861813584"/>
+      </p:ext>
+    </p:extLst>
+  </p:cSld>
+  <p:clrMapOvr>
+    <a:masterClrMapping/>
+  </p:clrMapOvr>
+  <p:transition spd="med">
+    <p:fade/>
+  </p:transition>
+  <p:timing>
+    <p:tnLst>
+      <p:par>
+        <p:cTn id="1" dur="indefinite" restart="never" nodeType="tmRoot">
+          <p:childTnLst>
+            <p:seq concurrent="1" nextAc="seek">
+              <p:cTn id="2" dur="indefinite" nodeType="mainSeq">
+                <p:childTnLst>
+                  <p:par>
+                    <p:cTn id="3" fill="hold">
+                      <p:stCondLst>
+                        <p:cond delay="indefinite"/>
+                      </p:stCondLst>
+                      <p:childTnLst>
+                        <p:par>
+                          <p:cTn id="4" fill="hold">
+                            <p:stCondLst>
+                              <p:cond delay="0"/>
+                            </p:stCondLst>
+                            <p:childTnLst>
+                              <p:par>
+                                <p:cTn id="5" presetID="1" presetClass="entr" presetSubtype="0" fill="hold" nodeType="clickEffect">
+                                  <p:stCondLst>
+                                    <p:cond delay="0"/>
+                                  </p:stCondLst>
+                                  <p:childTnLst>
+                                    <p:set>
+                                      <p:cBhvr>
+                                        <p:cTn id="6" dur="1" fill="hold">
+                                          <p:stCondLst>
+                                            <p:cond delay="0"/>
+                                          </p:stCondLst>
+                                        </p:cTn>
+                                        <p:tgtEl>
+                                          <p:spTgt spid="4">
+                                            <p:txEl>
+                                              <p:pRg st="1" end="1"/>
+                                            </p:txEl>
+                                          </p:spTgt>
+                                        </p:tgtEl>
+                                        <p:attrNameLst>
+                                          <p:attrName>style.visibility</p:attrName>
+                                        </p:attrNameLst>
+                                      </p:cBhvr>
+                                      <p:to>
+                                        <p:strVal val="visible"/>
+                                      </p:to>
+                                    </p:set>
+                                  </p:childTnLst>
+                                </p:cTn>
+                              </p:par>
+                            </p:childTnLst>
+                          </p:cTn>
+                        </p:par>
+                      </p:childTnLst>
+                    </p:cTn>
+                  </p:par>
+                  <p:par>
+                    <p:cTn id="7" fill="hold">
+                      <p:stCondLst>
+                        <p:cond delay="indefinite"/>
+                      </p:stCondLst>
+                      <p:childTnLst>
+                        <p:par>
+                          <p:cTn id="8" fill="hold">
+                            <p:stCondLst>
+                              <p:cond delay="0"/>
+                            </p:stCondLst>
+                            <p:childTnLst>
+                              <p:par>
+                                <p:cTn id="9" presetID="1" presetClass="entr" presetSubtype="0" fill="hold" nodeType="clickEffect">
+                                  <p:stCondLst>
+                                    <p:cond delay="0"/>
+                                  </p:stCondLst>
+                                  <p:childTnLst>
+                                    <p:set>
+                                      <p:cBhvr>
+                                        <p:cTn id="10" dur="1" fill="hold">
+                                          <p:stCondLst>
+                                            <p:cond delay="0"/>
+                                          </p:stCondLst>
+                                        </p:cTn>
+                                        <p:tgtEl>
+                                          <p:spTgt spid="4">
+                                            <p:txEl>
+                                              <p:pRg st="2" end="2"/>
+                                            </p:txEl>
+                                          </p:spTgt>
+                                        </p:tgtEl>
+                                        <p:attrNameLst>
+                                          <p:attrName>style.visibility</p:attrName>
+                                        </p:attrNameLst>
+                                      </p:cBhvr>
+                                      <p:to>
+                                        <p:strVal val="visible"/>
+                                      </p:to>
+                                    </p:set>
+                                  </p:childTnLst>
+                                </p:cTn>
+                              </p:par>
+                            </p:childTnLst>
+                          </p:cTn>
+                        </p:par>
+                      </p:childTnLst>
+                    </p:cTn>
+                  </p:par>
+                  <p:par>
+                    <p:cTn id="11" fill="hold">
+                      <p:stCondLst>
+                        <p:cond delay="indefinite"/>
+                      </p:stCondLst>
+                      <p:childTnLst>
+                        <p:par>
+                          <p:cTn id="12" fill="hold">
+                            <p:stCondLst>
+                              <p:cond delay="0"/>
+                            </p:stCondLst>
+                            <p:childTnLst>
+                              <p:par>
+                                <p:cTn id="13" presetID="1" presetClass="entr" presetSubtype="0" fill="hold" nodeType="clickEffect">
+                                  <p:stCondLst>
+                                    <p:cond delay="0"/>
+                                  </p:stCondLst>
+                                  <p:childTnLst>
+                                    <p:set>
+                                      <p:cBhvr>
+                                        <p:cTn id="14" dur="1" fill="hold">
+                                          <p:stCondLst>
+                                            <p:cond delay="0"/>
+                                          </p:stCondLst>
+                                        </p:cTn>
+                                        <p:tgtEl>
+                                          <p:spTgt spid="4">
+                                            <p:txEl>
+                                              <p:pRg st="3" end="3"/>
+                                            </p:txEl>
+                                          </p:spTgt>
+                                        </p:tgtEl>
+                                        <p:attrNameLst>
+                                          <p:attrName>style.visibility</p:attrName>
+                                        </p:attrNameLst>
+                                      </p:cBhvr>
+                                      <p:to>
+                                        <p:strVal val="visible"/>
+                                      </p:to>
+                                    </p:set>
+                                  </p:childTnLst>
+                                </p:cTn>
+                              </p:par>
+                            </p:childTnLst>
+                          </p:cTn>
+                        </p:par>
+                      </p:childTnLst>
+                    </p:cTn>
+                  </p:par>
+                  <p:par>
+                    <p:cTn id="15" fill="hold">
+                      <p:stCondLst>
+                        <p:cond delay="indefinite"/>
+                      </p:stCondLst>
+                      <p:childTnLst>
+                        <p:par>
+                          <p:cTn id="16" fill="hold">
+                            <p:stCondLst>
+                              <p:cond delay="0"/>
+                            </p:stCondLst>
+                            <p:childTnLst>
+                              <p:par>
+                                <p:cTn id="17" presetID="1" presetClass="entr" presetSubtype="0" fill="hold" nodeType="clickEffect">
+                                  <p:stCondLst>
+                                    <p:cond delay="0"/>
+                                  </p:stCondLst>
+                                  <p:childTnLst>
+                                    <p:set>
+                                      <p:cBhvr>
+                                        <p:cTn id="18" dur="1" fill="hold">
+                                          <p:stCondLst>
+                                            <p:cond delay="0"/>
+                                          </p:stCondLst>
+                                        </p:cTn>
+                                        <p:tgtEl>
+                                          <p:spTgt spid="4">
+                                            <p:txEl>
+                                              <p:pRg st="4" end="4"/>
+                                            </p:txEl>
+                                          </p:spTgt>
+                                        </p:tgtEl>
+                                        <p:attrNameLst>
+                                          <p:attrName>style.visibility</p:attrName>
+                                        </p:attrNameLst>
+                                      </p:cBhvr>
+                                      <p:to>
+                                        <p:strVal val="visible"/>
+                                      </p:to>
+                                    </p:set>
+                                  </p:childTnLst>
+                                </p:cTn>
+                              </p:par>
+                            </p:childTnLst>
+                          </p:cTn>
+                        </p:par>
+                      </p:childTnLst>
+                    </p:cTn>
+                  </p:par>
+                  <p:par>
+                    <p:cTn id="19" fill="hold">
+                      <p:stCondLst>
+                        <p:cond delay="indefinite"/>
+                      </p:stCondLst>
+                      <p:childTnLst>
+                        <p:par>
+                          <p:cTn id="20" fill="hold">
+                            <p:stCondLst>
+                              <p:cond delay="0"/>
+                            </p:stCondLst>
+                            <p:childTnLst>
+                              <p:par>
+                                <p:cTn id="21" presetID="1" presetClass="entr" presetSubtype="0" fill="hold" nodeType="clickEffect">
+                                  <p:stCondLst>
+                                    <p:cond delay="0"/>
+                                  </p:stCondLst>
+                                  <p:childTnLst>
+                                    <p:set>
+                                      <p:cBhvr>
+                                        <p:cTn id="22" dur="1" fill="hold">
+                                          <p:stCondLst>
+                                            <p:cond delay="0"/>
+                                          </p:stCondLst>
+                                        </p:cTn>
+                                        <p:tgtEl>
+                                          <p:spTgt spid="3"/>
+                                        </p:tgtEl>
+                                        <p:attrNameLst>
+                                          <p:attrName>style.visibility</p:attrName>
+                                        </p:attrNameLst>
+                                      </p:cBhvr>
+                                      <p:to>
+                                        <p:strVal val="visible"/>
+                                      </p:to>
+                                    </p:set>
+                                  </p:childTnLst>
+                                </p:cTn>
+                              </p:par>
+                            </p:childTnLst>
+                          </p:cTn>
+                        </p:par>
+                      </p:childTnLst>
+                    </p:cTn>
+                  </p:par>
+                </p:childTnLst>
+              </p:cTn>
+              <p:prevCondLst>
+                <p:cond evt="onPrev" delay="0">
+                  <p:tgtEl>
+                    <p:sldTgt/>
+                  </p:tgtEl>
+                </p:cond>
+              </p:prevCondLst>
+              <p:nextCondLst>
+                <p:cond evt="onNext" delay="0">
+                  <p:tgtEl>
+                    <p:sldTgt/>
+                  </p:tgtEl>
+                </p:cond>
+              </p:nextCondLst>
+            </p:seq>
+          </p:childTnLst>
+        </p:cTn>
+      </p:par>
+    </p:tnLst>
+  </p:timing>
+</p:sld>
+</file>
+
+<file path=ppt/slides/slide12.xml><?xml version="1.0" encoding="utf-8"?>
+<p:sld xmlns:a="http://schemas.openxmlformats.org/drawingml/2006/main" xmlns:r="http://schemas.openxmlformats.org/officeDocument/2006/relationships" xmlns:p="http://schemas.openxmlformats.org/presentationml/2006/main">
+  <p:cSld>
+    <p:spTree>
+      <p:nvGrpSpPr>
+        <p:cNvPr id="1" name=""/>
+        <p:cNvGrpSpPr/>
+        <p:nvPr/>
+      </p:nvGrpSpPr>
+      <p:grpSpPr>
+        <a:xfrm>
+          <a:off x="0" y="0"/>
+          <a:ext cx="0" cy="0"/>
+          <a:chOff x="0" y="0"/>
+          <a:chExt cx="0" cy="0"/>
+        </a:xfrm>
+      </p:grpSpPr>
+      <p:sp>
+        <p:nvSpPr>
+          <p:cNvPr id="2" name="Titel 1"/>
+          <p:cNvSpPr>
+            <a:spLocks noGrp="1"/>
+          </p:cNvSpPr>
+          <p:nvPr>
+            <p:ph type="title"/>
+          </p:nvPr>
+        </p:nvSpPr>
+        <p:spPr/>
+        <p:txBody>
+          <a:bodyPr/>
+          <a:lstStyle/>
+          <a:p>
+            <a:endParaRPr lang="nl-NL" dirty="0"/>
+          </a:p>
+        </p:txBody>
+      </p:sp>
+      <p:sp>
+        <p:nvSpPr>
+          <p:cNvPr id="4" name="Tijdelijke aanduiding voor inhoud 3"/>
+          <p:cNvSpPr>
+            <a:spLocks noGrp="1"/>
+          </p:cNvSpPr>
+          <p:nvPr>
+            <p:ph idx="1"/>
+          </p:nvPr>
+        </p:nvSpPr>
+        <p:spPr/>
+        <p:txBody>
+          <a:bodyPr/>
+          <a:lstStyle/>
+          <a:p>
+            <a:pPr marL="0" indent="0">
+              <a:buNone/>
+            </a:pPr>
+            <a:endParaRPr lang="nl-NL" dirty="0" smtClean="0"/>
+          </a:p>
+          <a:p>
+            <a:pPr marL="0" indent="0">
+              <a:buNone/>
+            </a:pPr>
+            <a:endParaRPr lang="nl-NL" dirty="0"/>
+          </a:p>
+          <a:p>
+            <a:pPr marL="0" indent="0">
+              <a:buNone/>
+            </a:pPr>
+            <a:endParaRPr lang="nl-NL" dirty="0" smtClean="0"/>
+          </a:p>
+          <a:p>
+            <a:pPr marL="0" indent="0">
+              <a:buNone/>
+            </a:pPr>
+            <a:endParaRPr lang="nl-NL" dirty="0"/>
+          </a:p>
+          <a:p>
+            <a:pPr marL="0" indent="0">
+              <a:buNone/>
+            </a:pPr>
+            <a:endParaRPr lang="nl-NL" dirty="0" smtClean="0"/>
+          </a:p>
+          <a:p>
+            <a:pPr marL="0" indent="0">
+              <a:buNone/>
+            </a:pPr>
+            <a:endParaRPr lang="nl-NL" dirty="0"/>
+          </a:p>
+          <a:p>
+            <a:pPr marL="0" indent="0">
+              <a:buNone/>
+            </a:pPr>
+            <a:endParaRPr lang="nl-NL" dirty="0" smtClean="0"/>
+          </a:p>
+          <a:p>
+            <a:pPr marL="0" indent="0">
+              <a:buNone/>
+            </a:pPr>
+            <a:endParaRPr lang="nl-NL" dirty="0"/>
+          </a:p>
+          <a:p>
+            <a:pPr marL="0" indent="0">
+              <a:buNone/>
+            </a:pPr>
+            <a:endParaRPr lang="nl-NL" dirty="0" smtClean="0"/>
+          </a:p>
+          <a:p>
+            <a:pPr marL="0" indent="0">
+              <a:buNone/>
+            </a:pPr>
+            <a:r>
+              <a:rPr lang="nl-NL" dirty="0" smtClean="0">
+                <a:solidFill>
+                  <a:srgbClr val="C00000"/>
+                </a:solidFill>
+              </a:rPr>
+              <a:t>													https</a:t>
+            </a:r>
+            <a:r>
+              <a:rPr lang="nl-NL" dirty="0">
+                <a:solidFill>
+                  <a:srgbClr val="C00000"/>
+                </a:solidFill>
+              </a:rPr>
+              <a:t>://xkcd.com/1838/</a:t>
+            </a:r>
+          </a:p>
+        </p:txBody>
+      </p:sp>
+      <p:pic>
+        <p:nvPicPr>
+          <p:cNvPr id="2050" name="Picture 2" descr="Machine Learning"/>
+          <p:cNvPicPr>
+            <a:picLocks noChangeAspect="1" noChangeArrowheads="1"/>
+          </p:cNvPicPr>
+          <p:nvPr/>
+        </p:nvPicPr>
+        <p:blipFill>
+          <a:blip r:embed="rId2">
+            <a:extLst>
+              <a:ext uri="{28A0092B-C50C-407E-A947-70E740481C1C}">
+                <a14:useLocalDpi xmlns:a14="http://schemas.microsoft.com/office/drawing/2010/main" val="0"/>
+              </a:ext>
+            </a:extLst>
+          </a:blip>
+          <a:srcRect/>
+          <a:stretch>
+            <a:fillRect/>
+          </a:stretch>
+        </p:blipFill>
+        <p:spPr bwMode="auto">
+          <a:xfrm>
+            <a:off x="5603875" y="1006475"/>
+            <a:ext cx="6042025" cy="7149458"/>
+          </a:xfrm>
+          <a:prstGeom prst="rect">
+            <a:avLst/>
+          </a:prstGeom>
+          <a:noFill/>
+          <a:extLst>
+            <a:ext uri="{909E8E84-426E-40DD-AFC4-6F175D3DCCD1}">
+              <a14:hiddenFill xmlns:a14="http://schemas.microsoft.com/office/drawing/2010/main">
+                <a:solidFill>
+                  <a:srgbClr val="FFFFFF"/>
+                </a:solidFill>
+              </a14:hiddenFill>
+            </a:ext>
+          </a:extLst>
+        </p:spPr>
+      </p:pic>
+    </p:spTree>
+    <p:extLst>
+      <p:ext uri="{BB962C8B-B14F-4D97-AF65-F5344CB8AC3E}">
+        <p14:creationId xmlns:p14="http://schemas.microsoft.com/office/powerpoint/2010/main" val="1406180899"/>
       </p:ext>
     </p:extLst>
   </p:cSld>
@@ -4370,7 +5683,636 @@
 </p:sld>
 </file>
 
-<file path=ppt/slides/slide11.xml><?xml version="1.0" encoding="utf-8"?>
+<file path=ppt/slides/slide13.xml><?xml version="1.0" encoding="utf-8"?>
+<p:sld xmlns:a="http://schemas.openxmlformats.org/drawingml/2006/main" xmlns:r="http://schemas.openxmlformats.org/officeDocument/2006/relationships" xmlns:p="http://schemas.openxmlformats.org/presentationml/2006/main">
+  <p:cSld>
+    <p:spTree>
+      <p:nvGrpSpPr>
+        <p:cNvPr id="1" name=""/>
+        <p:cNvGrpSpPr/>
+        <p:nvPr/>
+      </p:nvGrpSpPr>
+      <p:grpSpPr>
+        <a:xfrm>
+          <a:off x="0" y="0"/>
+          <a:ext cx="0" cy="0"/>
+          <a:chOff x="0" y="0"/>
+          <a:chExt cx="0" cy="0"/>
+        </a:xfrm>
+      </p:grpSpPr>
+      <p:sp>
+        <p:nvSpPr>
+          <p:cNvPr id="2" name="Titel 1"/>
+          <p:cNvSpPr>
+            <a:spLocks noGrp="1"/>
+          </p:cNvSpPr>
+          <p:nvPr>
+            <p:ph type="title"/>
+          </p:nvPr>
+        </p:nvSpPr>
+        <p:spPr/>
+        <p:txBody>
+          <a:bodyPr/>
+          <a:lstStyle/>
+          <a:p>
+            <a:r>
+              <a:rPr lang="nl-NL" dirty="0" err="1" smtClean="0">
+                <a:solidFill>
+                  <a:srgbClr val="C00000"/>
+                </a:solidFill>
+              </a:rPr>
+              <a:t>Reflection</a:t>
+            </a:r>
+            <a:endParaRPr lang="nl-NL" dirty="0">
+              <a:solidFill>
+                <a:srgbClr val="C00000"/>
+              </a:solidFill>
+            </a:endParaRPr>
+          </a:p>
+        </p:txBody>
+      </p:sp>
+      <p:sp>
+        <p:nvSpPr>
+          <p:cNvPr id="4" name="Tijdelijke aanduiding voor inhoud 3"/>
+          <p:cNvSpPr>
+            <a:spLocks noGrp="1"/>
+          </p:cNvSpPr>
+          <p:nvPr>
+            <p:ph idx="1"/>
+          </p:nvPr>
+        </p:nvSpPr>
+        <p:spPr>
+          <a:xfrm>
+            <a:off x="1200732" y="1469799"/>
+            <a:ext cx="14889083" cy="7020000"/>
+          </a:xfrm>
+        </p:spPr>
+        <p:txBody>
+          <a:bodyPr/>
+          <a:lstStyle/>
+          <a:p>
+            <a:pPr marL="0" indent="0">
+              <a:buNone/>
+            </a:pPr>
+            <a:r>
+              <a:rPr lang="nl-NL" dirty="0" err="1" smtClean="0">
+                <a:solidFill>
+                  <a:srgbClr val="C00000"/>
+                </a:solidFill>
+              </a:rPr>
+              <a:t>Ensembling</a:t>
+            </a:r>
+            <a:r>
+              <a:rPr lang="nl-NL" dirty="0" smtClean="0"/>
+              <a:t>, </a:t>
+            </a:r>
+            <a:r>
+              <a:rPr lang="nl-NL" dirty="0" smtClean="0">
+                <a:solidFill>
+                  <a:srgbClr val="C00000"/>
+                </a:solidFill>
+              </a:rPr>
+              <a:t>git</a:t>
+            </a:r>
+            <a:r>
+              <a:rPr lang="nl-NL" dirty="0" smtClean="0"/>
+              <a:t>, </a:t>
+            </a:r>
+            <a:r>
+              <a:rPr lang="nl-NL" dirty="0" smtClean="0">
+                <a:solidFill>
+                  <a:srgbClr val="C00000"/>
+                </a:solidFill>
+              </a:rPr>
+              <a:t>putting in </a:t>
+            </a:r>
+            <a:r>
+              <a:rPr lang="nl-NL" dirty="0" smtClean="0"/>
+              <a:t>more </a:t>
+            </a:r>
+            <a:r>
+              <a:rPr lang="nl-NL" dirty="0" err="1" smtClean="0"/>
+              <a:t>and</a:t>
+            </a:r>
+            <a:r>
+              <a:rPr lang="nl-NL" dirty="0" smtClean="0"/>
+              <a:t> more </a:t>
+            </a:r>
+            <a:r>
+              <a:rPr lang="nl-NL" dirty="0" err="1" smtClean="0">
+                <a:solidFill>
+                  <a:srgbClr val="C00000"/>
+                </a:solidFill>
+              </a:rPr>
+              <a:t>hours</a:t>
+            </a:r>
+            <a:r>
+              <a:rPr lang="nl-NL" dirty="0" smtClean="0"/>
+              <a:t>, </a:t>
+            </a:r>
+            <a:r>
+              <a:rPr lang="nl-NL" dirty="0" err="1" smtClean="0">
+                <a:solidFill>
+                  <a:srgbClr val="C00000"/>
+                </a:solidFill>
+              </a:rPr>
+              <a:t>letting</a:t>
+            </a:r>
+            <a:r>
+              <a:rPr lang="nl-NL" dirty="0" smtClean="0">
+                <a:solidFill>
+                  <a:srgbClr val="C00000"/>
+                </a:solidFill>
+              </a:rPr>
+              <a:t> </a:t>
+            </a:r>
+            <a:r>
+              <a:rPr lang="nl-NL" dirty="0" err="1" smtClean="0">
+                <a:solidFill>
+                  <a:srgbClr val="C00000"/>
+                </a:solidFill>
+              </a:rPr>
+              <a:t>people</a:t>
+            </a:r>
+            <a:r>
+              <a:rPr lang="nl-NL" dirty="0" smtClean="0">
+                <a:solidFill>
+                  <a:srgbClr val="C00000"/>
+                </a:solidFill>
+              </a:rPr>
+              <a:t> do </a:t>
+            </a:r>
+            <a:r>
+              <a:rPr lang="nl-NL" dirty="0" err="1" smtClean="0">
+                <a:solidFill>
+                  <a:srgbClr val="C00000"/>
+                </a:solidFill>
+              </a:rPr>
+              <a:t>their</a:t>
+            </a:r>
+            <a:r>
+              <a:rPr lang="nl-NL" dirty="0" smtClean="0">
+                <a:solidFill>
+                  <a:srgbClr val="C00000"/>
+                </a:solidFill>
+              </a:rPr>
+              <a:t> </a:t>
+            </a:r>
+            <a:r>
+              <a:rPr lang="nl-NL" dirty="0" err="1" smtClean="0">
+                <a:solidFill>
+                  <a:srgbClr val="C00000"/>
+                </a:solidFill>
+              </a:rPr>
+              <a:t>thing</a:t>
+            </a:r>
+            <a:r>
+              <a:rPr lang="nl-NL" dirty="0" smtClean="0"/>
+              <a:t> </a:t>
+            </a:r>
+            <a:r>
+              <a:rPr lang="nl-NL" dirty="0" err="1" smtClean="0"/>
+              <a:t>and</a:t>
+            </a:r>
+            <a:r>
+              <a:rPr lang="nl-NL" dirty="0" smtClean="0"/>
+              <a:t> report back</a:t>
+            </a:r>
+          </a:p>
+          <a:p>
+            <a:pPr marL="0" indent="0">
+              <a:buNone/>
+            </a:pPr>
+            <a:endParaRPr lang="nl-NL" dirty="0" smtClean="0"/>
+          </a:p>
+          <a:p>
+            <a:pPr marL="0" indent="0">
+              <a:buNone/>
+            </a:pPr>
+            <a:r>
+              <a:rPr lang="nl-NL" dirty="0" err="1" smtClean="0"/>
+              <a:t>Yet</a:t>
+            </a:r>
+            <a:r>
+              <a:rPr lang="nl-NL" dirty="0" smtClean="0"/>
+              <a:t>, </a:t>
+            </a:r>
+            <a:r>
+              <a:rPr lang="nl-NL" dirty="0" err="1" smtClean="0"/>
+              <a:t>someone</a:t>
+            </a:r>
+            <a:r>
+              <a:rPr lang="nl-NL" dirty="0" smtClean="0"/>
+              <a:t> </a:t>
+            </a:r>
+            <a:r>
+              <a:rPr lang="nl-NL" dirty="0" err="1" smtClean="0"/>
+              <a:t>posts</a:t>
+            </a:r>
+            <a:r>
+              <a:rPr lang="nl-NL" dirty="0" smtClean="0"/>
+              <a:t> </a:t>
+            </a:r>
+            <a:r>
+              <a:rPr lang="nl-NL" dirty="0" err="1" smtClean="0"/>
+              <a:t>something</a:t>
+            </a:r>
+            <a:r>
+              <a:rPr lang="nl-NL" dirty="0" smtClean="0"/>
+              <a:t> </a:t>
+            </a:r>
+            <a:r>
+              <a:rPr lang="nl-NL" dirty="0" err="1" smtClean="0"/>
+              <a:t>which</a:t>
+            </a:r>
+            <a:r>
+              <a:rPr lang="nl-NL" dirty="0" smtClean="0"/>
+              <a:t> blows up. </a:t>
+            </a:r>
+            <a:r>
+              <a:rPr lang="nl-NL" dirty="0" smtClean="0">
+                <a:solidFill>
+                  <a:srgbClr val="C00000"/>
+                </a:solidFill>
+              </a:rPr>
+              <a:t>Do we follow </a:t>
+            </a:r>
+            <a:r>
+              <a:rPr lang="nl-NL" dirty="0" err="1" smtClean="0">
+                <a:solidFill>
+                  <a:srgbClr val="C00000"/>
+                </a:solidFill>
+              </a:rPr>
+              <a:t>suit</a:t>
+            </a:r>
+            <a:r>
+              <a:rPr lang="nl-NL" dirty="0" smtClean="0">
+                <a:solidFill>
+                  <a:srgbClr val="C00000"/>
+                </a:solidFill>
+              </a:rPr>
+              <a:t>? </a:t>
+            </a:r>
+          </a:p>
+          <a:p>
+            <a:pPr marL="0" indent="0">
+              <a:buNone/>
+            </a:pPr>
+            <a:endParaRPr lang="nl-NL" dirty="0" smtClean="0">
+              <a:solidFill>
+                <a:srgbClr val="C00000"/>
+              </a:solidFill>
+            </a:endParaRPr>
+          </a:p>
+          <a:p>
+            <a:pPr marL="0" indent="0">
+              <a:buNone/>
+            </a:pPr>
+            <a:r>
+              <a:rPr lang="nl-NL" dirty="0" err="1" smtClean="0"/>
+              <a:t>Forming</a:t>
+            </a:r>
+            <a:r>
+              <a:rPr lang="nl-NL" dirty="0" smtClean="0"/>
+              <a:t> a team </a:t>
+            </a:r>
+            <a:r>
+              <a:rPr lang="nl-NL" dirty="0" smtClean="0">
+                <a:solidFill>
+                  <a:srgbClr val="C00000"/>
+                </a:solidFill>
+              </a:rPr>
+              <a:t>(</a:t>
+            </a:r>
+            <a:r>
+              <a:rPr lang="nl-NL" dirty="0" err="1" smtClean="0">
+                <a:solidFill>
+                  <a:srgbClr val="C00000"/>
+                </a:solidFill>
+              </a:rPr>
+              <a:t>restricting</a:t>
+            </a:r>
+            <a:r>
+              <a:rPr lang="nl-NL" dirty="0" smtClean="0">
+                <a:solidFill>
+                  <a:srgbClr val="C00000"/>
+                </a:solidFill>
+              </a:rPr>
+              <a:t> </a:t>
+            </a:r>
+            <a:r>
+              <a:rPr lang="nl-NL" dirty="0" err="1" smtClean="0">
+                <a:solidFill>
+                  <a:srgbClr val="C00000"/>
+                </a:solidFill>
+              </a:rPr>
+              <a:t>submissions</a:t>
+            </a:r>
+            <a:r>
+              <a:rPr lang="nl-NL" dirty="0" smtClean="0">
+                <a:solidFill>
+                  <a:srgbClr val="C00000"/>
+                </a:solidFill>
+              </a:rPr>
+              <a:t>) </a:t>
+            </a:r>
+            <a:r>
+              <a:rPr lang="nl-NL" dirty="0" smtClean="0"/>
+              <a:t>was premature</a:t>
+            </a:r>
+          </a:p>
+          <a:p>
+            <a:pPr marL="0" indent="0">
+              <a:buNone/>
+            </a:pPr>
+            <a:endParaRPr lang="nl-NL" dirty="0" smtClean="0"/>
+          </a:p>
+          <a:p>
+            <a:pPr marL="0" indent="0">
+              <a:buNone/>
+            </a:pPr>
+            <a:r>
+              <a:rPr lang="nl-NL" dirty="0" smtClean="0"/>
+              <a:t>Using </a:t>
+            </a:r>
+            <a:r>
+              <a:rPr lang="nl-NL" dirty="0" err="1" smtClean="0">
+                <a:solidFill>
+                  <a:srgbClr val="C00000"/>
+                </a:solidFill>
+              </a:rPr>
+              <a:t>Kernels</a:t>
+            </a:r>
+            <a:r>
+              <a:rPr lang="nl-NL" dirty="0" smtClean="0"/>
+              <a:t> </a:t>
+            </a:r>
+            <a:r>
+              <a:rPr lang="nl-NL" dirty="0" err="1" smtClean="0"/>
+              <a:t>to</a:t>
+            </a:r>
+            <a:r>
+              <a:rPr lang="nl-NL" dirty="0"/>
+              <a:t> </a:t>
+            </a:r>
+            <a:r>
+              <a:rPr lang="nl-NL" dirty="0" smtClean="0"/>
+              <a:t>code more </a:t>
+            </a:r>
+            <a:r>
+              <a:rPr lang="nl-NL" dirty="0" err="1" smtClean="0"/>
+              <a:t>interesting</a:t>
+            </a:r>
+            <a:r>
+              <a:rPr lang="nl-NL" dirty="0" smtClean="0"/>
+              <a:t> </a:t>
+            </a:r>
+            <a:r>
+              <a:rPr lang="nl-NL" dirty="0" err="1" smtClean="0"/>
+              <a:t>because</a:t>
+            </a:r>
+            <a:r>
+              <a:rPr lang="nl-NL" dirty="0" smtClean="0"/>
+              <a:t> of </a:t>
+            </a:r>
+            <a:r>
+              <a:rPr lang="nl-NL" dirty="0" smtClean="0">
+                <a:solidFill>
+                  <a:srgbClr val="C00000"/>
+                </a:solidFill>
+              </a:rPr>
+              <a:t>privacy </a:t>
+            </a:r>
+            <a:r>
+              <a:rPr lang="nl-NL" dirty="0" smtClean="0"/>
+              <a:t>(</a:t>
+            </a:r>
+            <a:r>
+              <a:rPr lang="nl-NL" dirty="0" err="1" smtClean="0"/>
+              <a:t>kernels</a:t>
+            </a:r>
+            <a:r>
+              <a:rPr lang="nl-NL" dirty="0" smtClean="0"/>
+              <a:t> set </a:t>
+            </a:r>
+            <a:r>
+              <a:rPr lang="nl-NL" dirty="0" err="1" smtClean="0"/>
+              <a:t>to</a:t>
+            </a:r>
+            <a:r>
+              <a:rPr lang="nl-NL" dirty="0" smtClean="0"/>
+              <a:t> non-public </a:t>
+            </a:r>
+            <a:r>
+              <a:rPr lang="nl-NL" dirty="0" err="1" smtClean="0"/>
+              <a:t>now</a:t>
+            </a:r>
+            <a:r>
+              <a:rPr lang="nl-NL" dirty="0"/>
+              <a:t>)</a:t>
+            </a:r>
+            <a:endParaRPr lang="nl-NL" dirty="0" smtClean="0">
+              <a:solidFill>
+                <a:srgbClr val="C00000"/>
+              </a:solidFill>
+            </a:endParaRPr>
+          </a:p>
+        </p:txBody>
+      </p:sp>
+    </p:spTree>
+    <p:extLst>
+      <p:ext uri="{BB962C8B-B14F-4D97-AF65-F5344CB8AC3E}">
+        <p14:creationId xmlns:p14="http://schemas.microsoft.com/office/powerpoint/2010/main" val="827092681"/>
+      </p:ext>
+    </p:extLst>
+  </p:cSld>
+  <p:clrMapOvr>
+    <a:masterClrMapping/>
+  </p:clrMapOvr>
+  <p:transition spd="med">
+    <p:fade/>
+  </p:transition>
+  <p:timing>
+    <p:tnLst>
+      <p:par>
+        <p:cTn id="1" dur="indefinite" restart="never" nodeType="tmRoot">
+          <p:childTnLst>
+            <p:seq concurrent="1" nextAc="seek">
+              <p:cTn id="2" dur="indefinite" nodeType="mainSeq">
+                <p:childTnLst>
+                  <p:par>
+                    <p:cTn id="3" fill="hold">
+                      <p:stCondLst>
+                        <p:cond delay="indefinite"/>
+                      </p:stCondLst>
+                      <p:childTnLst>
+                        <p:par>
+                          <p:cTn id="4" fill="hold">
+                            <p:stCondLst>
+                              <p:cond delay="0"/>
+                            </p:stCondLst>
+                            <p:childTnLst>
+                              <p:par>
+                                <p:cTn id="5" presetID="1" presetClass="entr" presetSubtype="0" fill="hold" nodeType="clickEffect">
+                                  <p:stCondLst>
+                                    <p:cond delay="0"/>
+                                  </p:stCondLst>
+                                  <p:childTnLst>
+                                    <p:set>
+                                      <p:cBhvr>
+                                        <p:cTn id="6" dur="1" fill="hold">
+                                          <p:stCondLst>
+                                            <p:cond delay="0"/>
+                                          </p:stCondLst>
+                                        </p:cTn>
+                                        <p:tgtEl>
+                                          <p:spTgt spid="4">
+                                            <p:txEl>
+                                              <p:pRg st="2" end="2"/>
+                                            </p:txEl>
+                                          </p:spTgt>
+                                        </p:tgtEl>
+                                        <p:attrNameLst>
+                                          <p:attrName>style.visibility</p:attrName>
+                                        </p:attrNameLst>
+                                      </p:cBhvr>
+                                      <p:to>
+                                        <p:strVal val="visible"/>
+                                      </p:to>
+                                    </p:set>
+                                  </p:childTnLst>
+                                </p:cTn>
+                              </p:par>
+                            </p:childTnLst>
+                          </p:cTn>
+                        </p:par>
+                      </p:childTnLst>
+                    </p:cTn>
+                  </p:par>
+                  <p:par>
+                    <p:cTn id="7" fill="hold">
+                      <p:stCondLst>
+                        <p:cond delay="indefinite"/>
+                      </p:stCondLst>
+                      <p:childTnLst>
+                        <p:par>
+                          <p:cTn id="8" fill="hold">
+                            <p:stCondLst>
+                              <p:cond delay="0"/>
+                            </p:stCondLst>
+                            <p:childTnLst>
+                              <p:par>
+                                <p:cTn id="9" presetID="1" presetClass="entr" presetSubtype="0" fill="hold" nodeType="clickEffect">
+                                  <p:stCondLst>
+                                    <p:cond delay="0"/>
+                                  </p:stCondLst>
+                                  <p:childTnLst>
+                                    <p:set>
+                                      <p:cBhvr>
+                                        <p:cTn id="10" dur="1" fill="hold">
+                                          <p:stCondLst>
+                                            <p:cond delay="0"/>
+                                          </p:stCondLst>
+                                        </p:cTn>
+                                        <p:tgtEl>
+                                          <p:spTgt spid="4">
+                                            <p:txEl>
+                                              <p:pRg st="4" end="4"/>
+                                            </p:txEl>
+                                          </p:spTgt>
+                                        </p:tgtEl>
+                                        <p:attrNameLst>
+                                          <p:attrName>style.visibility</p:attrName>
+                                        </p:attrNameLst>
+                                      </p:cBhvr>
+                                      <p:to>
+                                        <p:strVal val="visible"/>
+                                      </p:to>
+                                    </p:set>
+                                  </p:childTnLst>
+                                </p:cTn>
+                              </p:par>
+                            </p:childTnLst>
+                          </p:cTn>
+                        </p:par>
+                      </p:childTnLst>
+                    </p:cTn>
+                  </p:par>
+                  <p:par>
+                    <p:cTn id="11" fill="hold">
+                      <p:stCondLst>
+                        <p:cond delay="indefinite"/>
+                      </p:stCondLst>
+                      <p:childTnLst>
+                        <p:par>
+                          <p:cTn id="12" fill="hold">
+                            <p:stCondLst>
+                              <p:cond delay="0"/>
+                            </p:stCondLst>
+                            <p:childTnLst>
+                              <p:par>
+                                <p:cTn id="13" presetID="1" presetClass="entr" presetSubtype="0" fill="hold" nodeType="clickEffect">
+                                  <p:stCondLst>
+                                    <p:cond delay="0"/>
+                                  </p:stCondLst>
+                                  <p:childTnLst>
+                                    <p:set>
+                                      <p:cBhvr>
+                                        <p:cTn id="14" dur="1" fill="hold">
+                                          <p:stCondLst>
+                                            <p:cond delay="0"/>
+                                          </p:stCondLst>
+                                        </p:cTn>
+                                        <p:tgtEl>
+                                          <p:spTgt spid="4">
+                                            <p:txEl>
+                                              <p:pRg st="6" end="6"/>
+                                            </p:txEl>
+                                          </p:spTgt>
+                                        </p:tgtEl>
+                                        <p:attrNameLst>
+                                          <p:attrName>style.visibility</p:attrName>
+                                        </p:attrNameLst>
+                                      </p:cBhvr>
+                                      <p:to>
+                                        <p:strVal val="visible"/>
+                                      </p:to>
+                                    </p:set>
+                                  </p:childTnLst>
+                                </p:cTn>
+                              </p:par>
+                            </p:childTnLst>
+                          </p:cTn>
+                        </p:par>
+                      </p:childTnLst>
+                    </p:cTn>
+                  </p:par>
+                </p:childTnLst>
+              </p:cTn>
+              <p:prevCondLst>
+                <p:cond evt="onPrev" delay="0">
+                  <p:tgtEl>
+                    <p:sldTgt/>
+                  </p:tgtEl>
+                </p:cond>
+              </p:prevCondLst>
+              <p:nextCondLst>
+                <p:cond evt="onNext" delay="0">
+                  <p:tgtEl>
+                    <p:sldTgt/>
+                  </p:tgtEl>
+                </p:cond>
+              </p:nextCondLst>
+            </p:seq>
+          </p:childTnLst>
+        </p:cTn>
+      </p:par>
+    </p:tnLst>
+  </p:timing>
+</p:sld>
+</file>
+
+<file path=ppt/slides/slide14.xml><?xml version="1.0" encoding="utf-8"?>
 <p:sld xmlns:a="http://schemas.openxmlformats.org/drawingml/2006/main" xmlns:r="http://schemas.openxmlformats.org/officeDocument/2006/relationships" xmlns:p="http://schemas.openxmlformats.org/presentationml/2006/main">
   <p:cSld>
     <p:spTree>
@@ -4486,43 +6428,37 @@
           <a:p>
             <a:pPr algn="ctr"/>
             <a:r>
+              <a:rPr lang="en-US" sz="3200" i="1" dirty="0" err="1" smtClean="0">
+                <a:solidFill>
+                  <a:schemeClr val="bg1"/>
+                </a:solidFill>
+              </a:rPr>
+              <a:t>XGBoost</a:t>
+            </a:r>
+            <a:r>
               <a:rPr lang="en-US" sz="3200" i="1" dirty="0" smtClean="0">
                 <a:solidFill>
                   <a:schemeClr val="bg1"/>
                 </a:solidFill>
               </a:rPr>
-              <a:t>Maybe </a:t>
-            </a:r>
-            <a:r>
-              <a:rPr lang="en-US" sz="3200" i="1" dirty="0">
+              <a:t> ensemble</a:t>
+            </a:r>
+          </a:p>
+          <a:p>
+            <a:pPr algn="ctr"/>
+            <a:r>
+              <a:rPr lang="en-US" sz="3200" i="1" dirty="0" smtClean="0">
                 <a:solidFill>
                   <a:schemeClr val="bg1"/>
                 </a:solidFill>
               </a:rPr>
-              <a:t>a short</a:t>
-            </a:r>
-          </a:p>
-          <a:p>
-            <a:pPr algn="ctr"/>
-            <a:r>
-              <a:rPr lang="en-US" sz="3200" i="1" dirty="0">
-                <a:solidFill>
-                  <a:schemeClr val="bg1"/>
-                </a:solidFill>
-              </a:rPr>
-              <a:t>Summary of stuff</a:t>
-            </a:r>
-          </a:p>
-          <a:p>
-            <a:pPr algn="ctr"/>
-            <a:r>
-              <a:rPr lang="en-US" sz="3200" i="1" dirty="0">
-                <a:solidFill>
-                  <a:schemeClr val="bg1"/>
-                </a:solidFill>
-              </a:rPr>
-              <a:t>Discussed</a:t>
-            </a:r>
+              <a:t>Current rank 130-ish, silver (top 4-5 percent)</a:t>
+            </a:r>
+            <a:endParaRPr lang="en-US" sz="3200" i="1" dirty="0">
+              <a:solidFill>
+                <a:schemeClr val="bg1"/>
+              </a:solidFill>
+            </a:endParaRPr>
           </a:p>
           <a:p>
             <a:pPr algn="ctr"/>
@@ -4534,8 +6470,16 @@
           </a:p>
           <a:p>
             <a:pPr algn="ctr"/>
-            <a:r>
-              <a:rPr lang="en-US" sz="3200" i="1" smtClean="0">
+            <a:endParaRPr lang="en-US" sz="3200" i="1" dirty="0" smtClean="0">
+              <a:solidFill>
+                <a:schemeClr val="bg1"/>
+              </a:solidFill>
+            </a:endParaRPr>
+          </a:p>
+          <a:p>
+            <a:pPr algn="ctr"/>
+            <a:r>
+              <a:rPr lang="en-US" sz="3200" i="1" dirty="0" smtClean="0">
                 <a:solidFill>
                   <a:schemeClr val="bg1"/>
                 </a:solidFill>
@@ -4556,19 +6500,8 @@
                   <a:schemeClr val="bg1"/>
                 </a:solidFill>
               </a:rPr>
-              <a:t>attention! Any </a:t>
-            </a:r>
-            <a:r>
-              <a:rPr lang="en-US" sz="3200" i="1" dirty="0">
-                <a:solidFill>
-                  <a:schemeClr val="bg1"/>
-                </a:solidFill>
-              </a:rPr>
-              <a:t>questions?</a:t>
-            </a:r>
-          </a:p>
-          <a:p>
-            <a:pPr algn="ctr"/>
+              <a:t>attention! </a:t>
+            </a:r>
             <a:endParaRPr lang="nl-NL" sz="3200" dirty="0" smtClean="0">
               <a:solidFill>
                 <a:schemeClr val="bg1"/>
@@ -4588,7 +6521,7 @@
     </p:spTree>
     <p:extLst>
       <p:ext uri="{BB962C8B-B14F-4D97-AF65-F5344CB8AC3E}">
-        <p14:creationId xmlns:p14="http://schemas.microsoft.com/office/powerpoint/2010/main" val="1351034785"/>
+        <p14:creationId xmlns:p14="http://schemas.microsoft.com/office/powerpoint/2010/main" val="2606232275"/>
       </p:ext>
     </p:extLst>
   </p:cSld>
@@ -4643,10 +6576,10 @@
           <a:lstStyle/>
           <a:p>
             <a:r>
-              <a:rPr lang="en-US" dirty="0" smtClean="0"/>
-              <a:t>Introduction - The competition</a:t>
-            </a:r>
-            <a:endParaRPr lang="en-US" dirty="0"/>
+              <a:rPr lang="en-US" sz="5000" b="0" dirty="0" smtClean="0"/>
+              <a:t>The competition</a:t>
+            </a:r>
+            <a:endParaRPr lang="en-US" sz="5000" b="0" dirty="0"/>
           </a:p>
         </p:txBody>
       </p:sp>
@@ -4671,8 +6604,12 @@
               <a:buNone/>
             </a:pPr>
             <a:r>
+              <a:rPr lang="en-US" dirty="0" err="1" smtClean="0"/>
+              <a:t>Sberbank</a:t>
+            </a:r>
+            <a:r>
               <a:rPr lang="en-US" dirty="0" smtClean="0"/>
-              <a:t>Predict prices of realty in Moscow area</a:t>
+              <a:t> heavily relies on models to predict the value of property</a:t>
             </a:r>
           </a:p>
           <a:p>
@@ -4687,6 +6624,41 @@
             </a:pPr>
             <a:r>
               <a:rPr lang="en-US" dirty="0" smtClean="0"/>
+              <a:t>Goal</a:t>
+            </a:r>
+            <a:r>
+              <a:rPr lang="en-US" dirty="0"/>
+              <a:t>: </a:t>
+            </a:r>
+            <a:r>
+              <a:rPr lang="en-US" dirty="0">
+                <a:solidFill>
+                  <a:srgbClr val="C00000"/>
+                </a:solidFill>
+              </a:rPr>
+              <a:t>Predict prices of realty in Moscow </a:t>
+            </a:r>
+            <a:r>
+              <a:rPr lang="en-US" dirty="0" smtClean="0">
+                <a:solidFill>
+                  <a:srgbClr val="C00000"/>
+                </a:solidFill>
+              </a:rPr>
+              <a:t>area</a:t>
+            </a:r>
+          </a:p>
+          <a:p>
+            <a:pPr marL="0" indent="0">
+              <a:buNone/>
+            </a:pPr>
+            <a:endParaRPr lang="en-US" dirty="0"/>
+          </a:p>
+          <a:p>
+            <a:pPr marL="0" indent="0">
+              <a:buNone/>
+            </a:pPr>
+            <a:r>
+              <a:rPr lang="en-US" dirty="0" smtClean="0"/>
               <a:t>Data set consists of:</a:t>
             </a:r>
           </a:p>
@@ -4697,7 +6669,15 @@
             </a:pPr>
             <a:r>
               <a:rPr lang="en-US" dirty="0" smtClean="0"/>
-              <a:t>train.csv, 30473 entries with information about houses/apartments</a:t>
+              <a:t>train.csv, data from Russian </a:t>
+            </a:r>
+            <a:r>
+              <a:rPr lang="en-US" dirty="0" smtClean="0">
+                <a:solidFill>
+                  <a:srgbClr val="C00000"/>
+                </a:solidFill>
+              </a:rPr>
+              <a:t>property market</a:t>
             </a:r>
           </a:p>
           <a:p>
@@ -4710,38 +6690,33 @@
               <a:t>macro.csv, data on Russia's </a:t>
             </a:r>
             <a:r>
-              <a:rPr lang="en-US" dirty="0" err="1" smtClean="0"/>
+              <a:rPr lang="en-US" dirty="0" err="1" smtClean="0">
+                <a:solidFill>
+                  <a:srgbClr val="C00000"/>
+                </a:solidFill>
+              </a:rPr>
               <a:t>macroeconomy</a:t>
             </a:r>
             <a:r>
               <a:rPr lang="en-US" dirty="0" smtClean="0"/>
-              <a:t> and financial sector</a:t>
-            </a:r>
-          </a:p>
-          <a:p>
-            <a:pPr marL="544437" indent="-544437">
-              <a:buFont typeface="Arial" panose="020B0604020202020204" pitchFamily="34" charset="0"/>
-              <a:buChar char="•"/>
-            </a:pPr>
-            <a:endParaRPr lang="en-US" dirty="0"/>
-          </a:p>
-          <a:p>
-            <a:pPr marL="0" indent="0">
-              <a:buNone/>
-            </a:pPr>
-            <a:r>
-              <a:rPr lang="en-US" dirty="0" smtClean="0"/>
-              <a:t>Data </a:t>
-            </a:r>
-            <a:r>
-              <a:rPr lang="en-US" dirty="0"/>
-              <a:t>is from 2011 to 2015, while the test set is from 2015 to </a:t>
-            </a:r>
-            <a:r>
-              <a:rPr lang="en-US" dirty="0" smtClean="0"/>
-              <a:t>2016</a:t>
-            </a:r>
-            <a:endParaRPr lang="en-US" dirty="0"/>
+              <a:t> and </a:t>
+            </a:r>
+            <a:r>
+              <a:rPr lang="en-US" dirty="0" smtClean="0">
+                <a:solidFill>
+                  <a:srgbClr val="C00000"/>
+                </a:solidFill>
+              </a:rPr>
+              <a:t>financial </a:t>
+            </a:r>
+            <a:r>
+              <a:rPr lang="en-US" dirty="0" smtClean="0">
+                <a:solidFill>
+                  <a:srgbClr val="C00000"/>
+                </a:solidFill>
+              </a:rPr>
+              <a:t>sector</a:t>
+            </a:r>
           </a:p>
         </p:txBody>
       </p:sp>
@@ -4803,18 +6778,14 @@
           <a:lstStyle/>
           <a:p>
             <a:r>
-              <a:rPr lang="nl-NL" dirty="0" err="1" smtClean="0"/>
-              <a:t>Introduction</a:t>
-            </a:r>
-            <a:r>
-              <a:rPr lang="nl-NL" dirty="0" smtClean="0"/>
-              <a:t> - Data </a:t>
-            </a:r>
-            <a:r>
-              <a:rPr lang="nl-NL" dirty="0" err="1" smtClean="0"/>
+              <a:rPr lang="nl-NL" sz="5000" b="0" dirty="0" smtClean="0"/>
+              <a:t>Data </a:t>
+            </a:r>
+            <a:r>
+              <a:rPr lang="nl-NL" sz="5000" b="0" dirty="0" err="1" smtClean="0"/>
               <a:t>exploration</a:t>
             </a:r>
-            <a:endParaRPr lang="nl-NL" dirty="0"/>
+            <a:endParaRPr lang="nl-NL" sz="5000" b="0" dirty="0"/>
           </a:p>
         </p:txBody>
       </p:sp>
@@ -4835,7 +6806,368 @@
           </a:bodyPr>
           <a:lstStyle/>
           <a:p>
+            <a:pPr marL="0" indent="0">
+              <a:buNone/>
+            </a:pPr>
+            <a:r>
+              <a:rPr lang="nl-NL" dirty="0" smtClean="0"/>
+              <a:t>First </a:t>
+            </a:r>
+            <a:r>
+              <a:rPr lang="nl-NL" dirty="0" err="1" smtClean="0"/>
+              <a:t>two</a:t>
+            </a:r>
+            <a:r>
+              <a:rPr lang="nl-NL" dirty="0" smtClean="0"/>
+              <a:t> weeks we </a:t>
+            </a:r>
+            <a:r>
+              <a:rPr lang="nl-NL" dirty="0" err="1" smtClean="0"/>
+              <a:t>explored</a:t>
+            </a:r>
+            <a:r>
+              <a:rPr lang="nl-NL" dirty="0" smtClean="0"/>
+              <a:t> </a:t>
+            </a:r>
+            <a:r>
+              <a:rPr lang="nl-NL" dirty="0" err="1" smtClean="0"/>
+              <a:t>the</a:t>
+            </a:r>
+            <a:r>
+              <a:rPr lang="nl-NL" dirty="0" smtClean="0"/>
+              <a:t> data </a:t>
+            </a:r>
+            <a:r>
+              <a:rPr lang="nl-NL" dirty="0" err="1" smtClean="0"/>
+              <a:t>and</a:t>
+            </a:r>
+            <a:r>
+              <a:rPr lang="nl-NL" dirty="0" smtClean="0"/>
+              <a:t> </a:t>
+            </a:r>
+            <a:r>
+              <a:rPr lang="nl-NL" dirty="0" err="1" smtClean="0"/>
+              <a:t>discussed</a:t>
+            </a:r>
+            <a:r>
+              <a:rPr lang="nl-NL" dirty="0" smtClean="0"/>
+              <a:t> </a:t>
+            </a:r>
+            <a:r>
+              <a:rPr lang="nl-NL" dirty="0" err="1" smtClean="0"/>
+              <a:t>findings</a:t>
+            </a:r>
+            <a:r>
+              <a:rPr lang="nl-NL" dirty="0" smtClean="0"/>
+              <a:t>:</a:t>
+            </a:r>
+          </a:p>
+          <a:p>
+            <a:r>
+              <a:rPr lang="en-US" dirty="0" smtClean="0"/>
+              <a:t> </a:t>
+            </a:r>
+            <a:r>
+              <a:rPr lang="en-US" dirty="0" smtClean="0">
+                <a:solidFill>
+                  <a:srgbClr val="C00000"/>
+                </a:solidFill>
+              </a:rPr>
+              <a:t>30471 </a:t>
+            </a:r>
+            <a:r>
+              <a:rPr lang="en-US" dirty="0" smtClean="0"/>
+              <a:t>entries with </a:t>
+            </a:r>
+            <a:r>
+              <a:rPr lang="en-US" dirty="0" smtClean="0">
+                <a:solidFill>
+                  <a:srgbClr val="C00000"/>
+                </a:solidFill>
+              </a:rPr>
+              <a:t>291</a:t>
+            </a:r>
+            <a:r>
+              <a:rPr lang="en-US" dirty="0" smtClean="0"/>
+              <a:t> features</a:t>
+            </a:r>
+          </a:p>
+          <a:p>
+            <a:r>
+              <a:rPr lang="nl-NL" dirty="0" smtClean="0"/>
+              <a:t> </a:t>
+            </a:r>
+            <a:r>
+              <a:rPr lang="nl-NL" dirty="0" err="1" smtClean="0"/>
+              <a:t>Exploratory</a:t>
+            </a:r>
+            <a:r>
+              <a:rPr lang="nl-NL" dirty="0" smtClean="0"/>
+              <a:t> </a:t>
+            </a:r>
+            <a:r>
+              <a:rPr lang="nl-NL" dirty="0" err="1"/>
+              <a:t>work</a:t>
+            </a:r>
+            <a:r>
+              <a:rPr lang="nl-NL" dirty="0"/>
+              <a:t>: </a:t>
+            </a:r>
+            <a:r>
+              <a:rPr lang="nl-NL" dirty="0">
+                <a:solidFill>
+                  <a:srgbClr val="B72922"/>
+                </a:solidFill>
+              </a:rPr>
+              <a:t>Python</a:t>
+            </a:r>
+            <a:r>
+              <a:rPr lang="nl-NL" dirty="0"/>
+              <a:t> / Apache </a:t>
+            </a:r>
+            <a:r>
+              <a:rPr lang="nl-NL" dirty="0" err="1">
+                <a:solidFill>
+                  <a:srgbClr val="B72922"/>
+                </a:solidFill>
+              </a:rPr>
+              <a:t>Spark</a:t>
+            </a:r>
+            <a:r>
+              <a:rPr lang="nl-NL" dirty="0"/>
+              <a:t> / </a:t>
+            </a:r>
+            <a:r>
+              <a:rPr lang="nl-NL" dirty="0" smtClean="0">
+                <a:solidFill>
+                  <a:srgbClr val="B72922"/>
+                </a:solidFill>
+              </a:rPr>
+              <a:t>Leaflet</a:t>
+            </a:r>
+            <a:r>
+              <a:rPr lang="nl-NL" dirty="0" smtClean="0"/>
+              <a:t>.js</a:t>
+            </a:r>
+          </a:p>
+          <a:p>
+            <a:r>
+              <a:rPr lang="nl-NL" dirty="0"/>
+              <a:t> </a:t>
+            </a:r>
+            <a:r>
+              <a:rPr lang="nl-NL" dirty="0" err="1" smtClean="0"/>
+              <a:t>Good</a:t>
+            </a:r>
+            <a:r>
+              <a:rPr lang="nl-NL" dirty="0" smtClean="0"/>
+              <a:t> feel </a:t>
+            </a:r>
+            <a:r>
+              <a:rPr lang="nl-NL" dirty="0" err="1" smtClean="0"/>
+              <a:t>for</a:t>
+            </a:r>
+            <a:r>
+              <a:rPr lang="nl-NL" dirty="0" smtClean="0"/>
+              <a:t> </a:t>
+            </a:r>
+            <a:r>
+              <a:rPr lang="nl-NL" dirty="0" err="1" smtClean="0"/>
+              <a:t>the</a:t>
+            </a:r>
+            <a:r>
+              <a:rPr lang="nl-NL" dirty="0" smtClean="0"/>
+              <a:t> data, </a:t>
+            </a:r>
+            <a:r>
+              <a:rPr lang="nl-NL" dirty="0" err="1" smtClean="0"/>
+              <a:t>early</a:t>
+            </a:r>
+            <a:r>
+              <a:rPr lang="nl-NL" dirty="0" smtClean="0"/>
+              <a:t> </a:t>
+            </a:r>
+            <a:r>
+              <a:rPr lang="nl-NL" dirty="0" err="1" smtClean="0"/>
+              <a:t>identification</a:t>
+            </a:r>
+            <a:r>
+              <a:rPr lang="nl-NL" dirty="0" smtClean="0"/>
+              <a:t> of </a:t>
+            </a:r>
+            <a:r>
+              <a:rPr lang="nl-NL" dirty="0" err="1" smtClean="0"/>
+              <a:t>outliers</a:t>
+            </a:r>
+            <a:r>
+              <a:rPr lang="nl-NL" dirty="0" smtClean="0"/>
+              <a:t>/missing data</a:t>
+            </a:r>
             <a:endParaRPr lang="nl-NL" dirty="0"/>
+          </a:p>
+        </p:txBody>
+      </p:sp>
+      <p:pic>
+        <p:nvPicPr>
+          <p:cNvPr id="1030" name="Picture 6" descr="feature_importance.png"/>
+          <p:cNvPicPr>
+            <a:picLocks noChangeAspect="1" noChangeArrowheads="1"/>
+          </p:cNvPicPr>
+          <p:nvPr/>
+        </p:nvPicPr>
+        <p:blipFill>
+          <a:blip r:embed="rId2">
+            <a:extLst>
+              <a:ext uri="{28A0092B-C50C-407E-A947-70E740481C1C}">
+                <a14:useLocalDpi xmlns:a14="http://schemas.microsoft.com/office/drawing/2010/main" val="0"/>
+              </a:ext>
+            </a:extLst>
+          </a:blip>
+          <a:srcRect/>
+          <a:stretch>
+            <a:fillRect/>
+          </a:stretch>
+        </p:blipFill>
+        <p:spPr bwMode="auto">
+          <a:xfrm>
+            <a:off x="1200733" y="4511914"/>
+            <a:ext cx="5302708" cy="3404798"/>
+          </a:xfrm>
+          <a:prstGeom prst="rect">
+            <a:avLst/>
+          </a:prstGeom>
+          <a:noFill/>
+          <a:extLst>
+            <a:ext uri="{909E8E84-426E-40DD-AFC4-6F175D3DCCD1}">
+              <a14:hiddenFill xmlns:a14="http://schemas.microsoft.com/office/drawing/2010/main">
+                <a:solidFill>
+                  <a:srgbClr val="FFFFFF"/>
+                </a:solidFill>
+              </a14:hiddenFill>
+            </a:ext>
+          </a:extLst>
+        </p:spPr>
+      </p:pic>
+      <p:pic>
+        <p:nvPicPr>
+          <p:cNvPr id="5" name="Picture 6"/>
+          <p:cNvPicPr>
+            <a:picLocks noChangeAspect="1"/>
+          </p:cNvPicPr>
+          <p:nvPr/>
+        </p:nvPicPr>
+        <p:blipFill>
+          <a:blip r:embed="rId3"/>
+          <a:stretch>
+            <a:fillRect/>
+          </a:stretch>
+        </p:blipFill>
+        <p:spPr>
+          <a:xfrm>
+            <a:off x="11315699" y="4511914"/>
+            <a:ext cx="4774433" cy="3404798"/>
+          </a:xfrm>
+          <a:prstGeom prst="rect">
+            <a:avLst/>
+          </a:prstGeom>
+        </p:spPr>
+      </p:pic>
+      <p:sp>
+        <p:nvSpPr>
+          <p:cNvPr id="3" name="Tekstvak 2"/>
+          <p:cNvSpPr txBox="1"/>
+          <p:nvPr/>
+        </p:nvSpPr>
+        <p:spPr>
+          <a:xfrm>
+            <a:off x="2478826" y="7957686"/>
+            <a:ext cx="2746521" cy="400110"/>
+          </a:xfrm>
+          <a:prstGeom prst="rect">
+            <a:avLst/>
+          </a:prstGeom>
+          <a:noFill/>
+        </p:spPr>
+        <p:txBody>
+          <a:bodyPr wrap="none" rtlCol="0">
+            <a:spAutoFit/>
+          </a:bodyPr>
+          <a:lstStyle/>
+          <a:p>
+            <a:r>
+              <a:rPr lang="nl-NL" sz="2000" dirty="0" smtClean="0">
+                <a:latin typeface="+mn-lt"/>
+              </a:rPr>
+              <a:t>Most important features</a:t>
+            </a:r>
+            <a:endParaRPr lang="nl-NL" sz="2000" dirty="0" smtClean="0">
+              <a:latin typeface="+mn-lt"/>
+            </a:endParaRPr>
+          </a:p>
+        </p:txBody>
+      </p:sp>
+      <p:sp>
+        <p:nvSpPr>
+          <p:cNvPr id="7" name="Tekstvak 6"/>
+          <p:cNvSpPr txBox="1"/>
+          <p:nvPr/>
+        </p:nvSpPr>
+        <p:spPr>
+          <a:xfrm>
+            <a:off x="11815443" y="7957686"/>
+            <a:ext cx="3774944" cy="400110"/>
+          </a:xfrm>
+          <a:prstGeom prst="rect">
+            <a:avLst/>
+          </a:prstGeom>
+          <a:noFill/>
+        </p:spPr>
+        <p:txBody>
+          <a:bodyPr wrap="none" rtlCol="0">
+            <a:spAutoFit/>
+          </a:bodyPr>
+          <a:lstStyle/>
+          <a:p>
+            <a:pPr algn="ctr"/>
+            <a:r>
+              <a:rPr lang="nl-NL" sz="2000" dirty="0" err="1" smtClean="0">
+                <a:latin typeface="+mn-lt"/>
+              </a:rPr>
+              <a:t>Median</a:t>
+            </a:r>
+            <a:r>
+              <a:rPr lang="nl-NL" sz="2000" dirty="0" smtClean="0">
+                <a:latin typeface="+mn-lt"/>
+              </a:rPr>
+              <a:t> </a:t>
+            </a:r>
+            <a:r>
+              <a:rPr lang="nl-NL" sz="2000" dirty="0" err="1" smtClean="0">
+                <a:latin typeface="+mn-lt"/>
+              </a:rPr>
+              <a:t>price</a:t>
+            </a:r>
+            <a:r>
+              <a:rPr lang="nl-NL" sz="2000" dirty="0" smtClean="0">
+                <a:latin typeface="+mn-lt"/>
+              </a:rPr>
+              <a:t> vs. </a:t>
+            </a:r>
+            <a:r>
+              <a:rPr lang="nl-NL" sz="2000" dirty="0" err="1" smtClean="0">
+                <a:latin typeface="+mn-lt"/>
+              </a:rPr>
+              <a:t>number</a:t>
+            </a:r>
+            <a:r>
+              <a:rPr lang="nl-NL" sz="2000" dirty="0" smtClean="0">
+                <a:latin typeface="+mn-lt"/>
+              </a:rPr>
+              <a:t> of rooms</a:t>
+            </a:r>
+            <a:endParaRPr lang="nl-NL" sz="2000" dirty="0" smtClean="0">
+              <a:latin typeface="+mn-lt"/>
+            </a:endParaRPr>
           </a:p>
         </p:txBody>
       </p:sp>
@@ -4849,9 +7181,18 @@
   <p:clrMapOvr>
     <a:masterClrMapping/>
   </p:clrMapOvr>
-  <p:transition spd="med">
-    <p:fade/>
-  </p:transition>
+  <mc:AlternateContent xmlns:mc="http://schemas.openxmlformats.org/markup-compatibility/2006">
+    <mc:Choice xmlns:p14="http://schemas.microsoft.com/office/powerpoint/2010/main" Requires="p14">
+      <p:transition spd="med" p14:dur="700">
+        <p:fade/>
+      </p:transition>
+    </mc:Choice>
+    <mc:Fallback>
+      <p:transition spd="med">
+        <p:fade/>
+      </p:transition>
+    </mc:Fallback>
+  </mc:AlternateContent>
   <p:timing>
     <p:tnLst>
       <p:par>
@@ -4895,10 +7236,10 @@
           <a:lstStyle/>
           <a:p>
             <a:r>
-              <a:rPr lang="nl-NL" dirty="0" smtClean="0"/>
-              <a:t>Approach - Pre-processing</a:t>
-            </a:r>
-            <a:endParaRPr lang="nl-NL" dirty="0"/>
+              <a:rPr lang="nl-NL" sz="5000" b="0" dirty="0" smtClean="0"/>
+              <a:t>Pre-processing</a:t>
+            </a:r>
+            <a:endParaRPr lang="nl-NL" sz="5000" b="0" dirty="0"/>
           </a:p>
         </p:txBody>
       </p:sp>
@@ -4920,8 +7261,86 @@
           <a:lstStyle/>
           <a:p>
             <a:r>
+              <a:rPr lang="nl-NL" dirty="0" smtClean="0"/>
+              <a:t>Training data </a:t>
+            </a:r>
+            <a:r>
               <a:rPr lang="nl-NL" dirty="0" err="1" smtClean="0"/>
-              <a:t>Transform</a:t>
+              <a:t>supplied</a:t>
+            </a:r>
+            <a:r>
+              <a:rPr lang="nl-NL" dirty="0" smtClean="0"/>
+              <a:t> as </a:t>
+            </a:r>
+            <a:r>
+              <a:rPr lang="nl-NL" dirty="0" err="1" smtClean="0">
+                <a:solidFill>
+                  <a:srgbClr val="C00000"/>
+                </a:solidFill>
+              </a:rPr>
+              <a:t>numerical</a:t>
+            </a:r>
+            <a:r>
+              <a:rPr lang="nl-NL" dirty="0" smtClean="0">
+                <a:solidFill>
+                  <a:srgbClr val="C00000"/>
+                </a:solidFill>
+              </a:rPr>
+              <a:t> </a:t>
+            </a:r>
+            <a:r>
+              <a:rPr lang="nl-NL" dirty="0" err="1" smtClean="0">
+                <a:solidFill>
+                  <a:srgbClr val="C00000"/>
+                </a:solidFill>
+              </a:rPr>
+              <a:t>and</a:t>
+            </a:r>
+            <a:r>
+              <a:rPr lang="nl-NL" dirty="0" smtClean="0">
+                <a:solidFill>
+                  <a:srgbClr val="C00000"/>
+                </a:solidFill>
+              </a:rPr>
+              <a:t> </a:t>
+            </a:r>
+            <a:r>
+              <a:rPr lang="nl-NL" dirty="0" err="1" smtClean="0">
+                <a:solidFill>
+                  <a:srgbClr val="C00000"/>
+                </a:solidFill>
+              </a:rPr>
+              <a:t>categorical</a:t>
+            </a:r>
+            <a:r>
+              <a:rPr lang="nl-NL" dirty="0" smtClean="0">
+                <a:solidFill>
+                  <a:srgbClr val="C00000"/>
+                </a:solidFill>
+              </a:rPr>
+              <a:t> data</a:t>
+            </a:r>
+          </a:p>
+          <a:p>
+            <a:r>
+              <a:rPr lang="nl-NL" dirty="0" err="1" smtClean="0"/>
+              <a:t>To</a:t>
+            </a:r>
+            <a:r>
+              <a:rPr lang="nl-NL" dirty="0" smtClean="0"/>
+              <a:t> test </a:t>
+            </a:r>
+            <a:r>
+              <a:rPr lang="nl-NL" dirty="0" err="1" smtClean="0"/>
+              <a:t>methods</a:t>
+            </a:r>
+            <a:r>
+              <a:rPr lang="nl-NL" dirty="0" smtClean="0"/>
+              <a:t>, we </a:t>
+            </a:r>
+            <a:r>
+              <a:rPr lang="nl-NL" dirty="0" err="1" smtClean="0"/>
+              <a:t>transformed</a:t>
             </a:r>
             <a:r>
               <a:rPr lang="nl-NL" dirty="0" smtClean="0"/>
@@ -4944,15 +7363,27 @@
               <a:t> </a:t>
             </a:r>
             <a:r>
-              <a:rPr lang="nl-NL" dirty="0" err="1" smtClean="0"/>
+              <a:rPr lang="nl-NL" dirty="0" err="1" smtClean="0">
+                <a:solidFill>
+                  <a:srgbClr val="C00000"/>
+                </a:solidFill>
+              </a:rPr>
               <a:t>one</a:t>
             </a:r>
             <a:r>
-              <a:rPr lang="nl-NL" dirty="0" smtClean="0"/>
+              <a:rPr lang="nl-NL" dirty="0" smtClean="0">
+                <a:solidFill>
+                  <a:srgbClr val="C00000"/>
+                </a:solidFill>
+              </a:rPr>
               <a:t>-hot </a:t>
             </a:r>
             <a:r>
-              <a:rPr lang="nl-NL" dirty="0" err="1" smtClean="0"/>
+              <a:rPr lang="nl-NL" dirty="0" err="1" smtClean="0">
+                <a:solidFill>
+                  <a:srgbClr val="C00000"/>
+                </a:solidFill>
+              </a:rPr>
               <a:t>encoding</a:t>
             </a:r>
             <a:r>
@@ -4981,18 +7412,13 @@
             </a:r>
             <a:r>
               <a:rPr lang="nl-NL" dirty="0" smtClean="0"/>
-              <a:t> data</a:t>
-            </a:r>
-          </a:p>
-          <a:p>
-            <a:endParaRPr lang="nl-NL" dirty="0"/>
-          </a:p>
-          <a:p>
+              <a:t> </a:t>
+            </a:r>
             <a:r>
               <a:rPr lang="nl-NL" dirty="0" smtClean="0"/>
-              <a:t>[missing data?]</a:t>
-            </a:r>
-            <a:endParaRPr lang="nl-NL" dirty="0"/>
+              <a:t>data</a:t>
+            </a:r>
+            <a:endParaRPr lang="nl-NL" dirty="0" smtClean="0"/>
           </a:p>
         </p:txBody>
       </p:sp>
@@ -5048,326 +7474,505 @@
         </p:nvSpPr>
         <p:spPr/>
         <p:txBody>
-          <a:bodyPr>
-            <a:normAutofit/>
-          </a:bodyPr>
+          <a:bodyPr/>
           <a:lstStyle/>
           <a:p>
             <a:r>
-              <a:rPr lang="nl-NL" dirty="0" smtClean="0"/>
-              <a:t>Approach - </a:t>
-            </a:r>
-            <a:r>
-              <a:rPr lang="nl-NL" dirty="0" err="1" smtClean="0"/>
-              <a:t>Testing</a:t>
-            </a:r>
-            <a:r>
-              <a:rPr lang="nl-NL" dirty="0" smtClean="0"/>
-              <a:t> different </a:t>
-            </a:r>
-            <a:r>
-              <a:rPr lang="nl-NL" dirty="0" err="1" smtClean="0"/>
-              <a:t>methods</a:t>
-            </a:r>
-            <a:endParaRPr lang="nl-NL" dirty="0"/>
+              <a:rPr lang="nl-NL" sz="5000" b="0" dirty="0" smtClean="0"/>
+              <a:t>Evaluation</a:t>
+            </a:r>
+            <a:endParaRPr lang="nl-NL" sz="5000" b="0" dirty="0"/>
           </a:p>
         </p:txBody>
       </p:sp>
-      <p:sp>
-        <p:nvSpPr>
-          <p:cNvPr id="3" name="Tijdelijke aanduiding voor inhoud 2"/>
-          <p:cNvSpPr>
-            <a:spLocks noGrp="1"/>
-          </p:cNvSpPr>
-          <p:nvPr>
-            <p:ph idx="1"/>
-          </p:nvPr>
-        </p:nvSpPr>
-        <p:spPr/>
-        <p:txBody>
-          <a:bodyPr>
-            <a:normAutofit fontScale="92500" lnSpcReduction="20000"/>
-          </a:bodyPr>
-          <a:lstStyle/>
-          <a:p>
-            <a:pPr marL="0" indent="0">
-              <a:buNone/>
-            </a:pPr>
-            <a:r>
-              <a:rPr lang="nl-NL" dirty="0" smtClean="0"/>
-              <a:t>Split </a:t>
-            </a:r>
-            <a:r>
-              <a:rPr lang="nl-NL" dirty="0" err="1" smtClean="0"/>
-              <a:t>the</a:t>
-            </a:r>
-            <a:r>
-              <a:rPr lang="nl-NL" dirty="0" smtClean="0"/>
-              <a:t> training data </a:t>
-            </a:r>
-            <a:r>
-              <a:rPr lang="nl-NL" dirty="0" err="1" smtClean="0"/>
-              <a:t>between</a:t>
-            </a:r>
-            <a:r>
-              <a:rPr lang="nl-NL" dirty="0" smtClean="0"/>
-              <a:t> entries </a:t>
-            </a:r>
-            <a:r>
-              <a:rPr lang="nl-NL" dirty="0" err="1" smtClean="0"/>
-              <a:t>before</a:t>
-            </a:r>
-            <a:r>
-              <a:rPr lang="nl-NL" dirty="0" smtClean="0"/>
-              <a:t> 2015 </a:t>
-            </a:r>
-            <a:r>
-              <a:rPr lang="nl-NL" dirty="0" err="1" smtClean="0"/>
-              <a:t>and</a:t>
-            </a:r>
-            <a:r>
-              <a:rPr lang="nl-NL" dirty="0" smtClean="0"/>
-              <a:t> in 2015, </a:t>
-            </a:r>
-            <a:r>
-              <a:rPr lang="nl-NL" dirty="0" err="1" smtClean="0"/>
-              <a:t>for</a:t>
-            </a:r>
-            <a:r>
-              <a:rPr lang="nl-NL" dirty="0" smtClean="0"/>
-              <a:t> </a:t>
-            </a:r>
-            <a:r>
-              <a:rPr lang="nl-NL" dirty="0" err="1" smtClean="0"/>
-              <a:t>internal</a:t>
-            </a:r>
-            <a:r>
-              <a:rPr lang="nl-NL" dirty="0" smtClean="0"/>
-              <a:t> </a:t>
-            </a:r>
-            <a:r>
-              <a:rPr lang="nl-NL" dirty="0" err="1" smtClean="0"/>
-              <a:t>validation</a:t>
-            </a:r>
-            <a:endParaRPr lang="nl-NL" dirty="0" smtClean="0"/>
-          </a:p>
-          <a:p>
-            <a:endParaRPr lang="nl-NL" dirty="0"/>
-          </a:p>
-          <a:p>
-            <a:pPr marL="0" indent="0">
-              <a:buNone/>
-            </a:pPr>
-            <a:r>
-              <a:rPr lang="nl-NL" dirty="0" err="1" smtClean="0"/>
-              <a:t>Tested</a:t>
-            </a:r>
-            <a:r>
-              <a:rPr lang="nl-NL" dirty="0" smtClean="0"/>
-              <a:t> </a:t>
-            </a:r>
-            <a:r>
-              <a:rPr lang="nl-NL" dirty="0" err="1" smtClean="0"/>
-              <a:t>several</a:t>
-            </a:r>
-            <a:r>
-              <a:rPr lang="nl-NL" dirty="0" smtClean="0"/>
-              <a:t> </a:t>
-            </a:r>
-            <a:r>
-              <a:rPr lang="nl-NL" dirty="0" err="1" smtClean="0"/>
-              <a:t>methods</a:t>
-            </a:r>
-            <a:r>
-              <a:rPr lang="nl-NL" dirty="0" smtClean="0"/>
-              <a:t>:</a:t>
-            </a:r>
-          </a:p>
-          <a:p>
-            <a:pPr marL="544437" indent="-544437">
-              <a:buFont typeface="Arial" panose="020B0604020202020204" pitchFamily="34" charset="0"/>
-              <a:buChar char="•"/>
-            </a:pPr>
-            <a:r>
-              <a:rPr lang="en-US" sz="2200" dirty="0" err="1" smtClean="0"/>
-              <a:t>LinearRegression</a:t>
-            </a:r>
-            <a:endParaRPr lang="en-US" sz="2200" dirty="0" smtClean="0"/>
-          </a:p>
-          <a:p>
-            <a:pPr marL="544437" indent="-544437">
-              <a:buFont typeface="Arial" panose="020B0604020202020204" pitchFamily="34" charset="0"/>
-              <a:buChar char="•"/>
-            </a:pPr>
-            <a:r>
-              <a:rPr lang="en-US" sz="2200" dirty="0" err="1" smtClean="0"/>
-              <a:t>SGDRegression</a:t>
-            </a:r>
-            <a:endParaRPr lang="en-US" sz="2200" dirty="0"/>
-          </a:p>
-          <a:p>
-            <a:pPr marL="544437" indent="-544437">
-              <a:buFont typeface="Arial" panose="020B0604020202020204" pitchFamily="34" charset="0"/>
-              <a:buChar char="•"/>
-            </a:pPr>
-            <a:r>
-              <a:rPr lang="en-US" sz="2200" dirty="0" err="1" smtClean="0"/>
-              <a:t>KNNeighbours</a:t>
-            </a:r>
-            <a:endParaRPr lang="en-US" sz="2200" dirty="0" smtClean="0"/>
-          </a:p>
-          <a:p>
-            <a:pPr marL="544437" indent="-544437">
-              <a:buFont typeface="Arial" panose="020B0604020202020204" pitchFamily="34" charset="0"/>
-              <a:buChar char="•"/>
-            </a:pPr>
-            <a:r>
-              <a:rPr lang="en-US" sz="2200" dirty="0" smtClean="0"/>
-              <a:t>Decision Tree</a:t>
-            </a:r>
-          </a:p>
-          <a:p>
-            <a:pPr marL="544437" indent="-544437">
-              <a:buFont typeface="Arial" panose="020B0604020202020204" pitchFamily="34" charset="0"/>
-              <a:buChar char="•"/>
-            </a:pPr>
-            <a:r>
-              <a:rPr lang="en-US" sz="2200" dirty="0" err="1" smtClean="0"/>
-              <a:t>RandomForests</a:t>
-            </a:r>
-            <a:endParaRPr lang="en-US" sz="2200" dirty="0"/>
-          </a:p>
-          <a:p>
-            <a:pPr marL="544437" indent="-544437">
-              <a:buFont typeface="Arial" panose="020B0604020202020204" pitchFamily="34" charset="0"/>
-              <a:buChar char="•"/>
-            </a:pPr>
-            <a:r>
-              <a:rPr lang="en-US" sz="2200" dirty="0" err="1" smtClean="0"/>
-              <a:t>Gradientboosting</a:t>
-            </a:r>
-            <a:r>
-              <a:rPr lang="en-US" sz="2200" dirty="0" smtClean="0"/>
-              <a:t> </a:t>
-            </a:r>
-            <a:r>
-              <a:rPr lang="en-US" sz="2200" dirty="0" err="1" smtClean="0"/>
-              <a:t>Regressor</a:t>
-            </a:r>
-            <a:endParaRPr lang="en-US" sz="2200" dirty="0" smtClean="0"/>
-          </a:p>
-          <a:p>
-            <a:pPr marL="544437" indent="-544437">
-              <a:buFont typeface="Arial" panose="020B0604020202020204" pitchFamily="34" charset="0"/>
-              <a:buChar char="•"/>
-            </a:pPr>
-            <a:r>
-              <a:rPr lang="en-US" sz="2200" dirty="0" smtClean="0"/>
-              <a:t>Deep Learning (</a:t>
-            </a:r>
-            <a:r>
-              <a:rPr lang="en-US" sz="2200" dirty="0" err="1" smtClean="0"/>
-              <a:t>Keras</a:t>
-            </a:r>
-            <a:r>
-              <a:rPr lang="en-US" sz="2200" dirty="0" smtClean="0"/>
-              <a:t>)</a:t>
-            </a:r>
-          </a:p>
-          <a:p>
-            <a:pPr marL="544437" indent="-544437">
-              <a:buFont typeface="Arial" panose="020B0604020202020204" pitchFamily="34" charset="0"/>
-              <a:buChar char="•"/>
-            </a:pPr>
-            <a:r>
-              <a:rPr lang="nl-NL" u="sng" dirty="0" err="1" smtClean="0"/>
-              <a:t>XGBoost</a:t>
-            </a:r>
-            <a:endParaRPr lang="nl-NL" u="sng" dirty="0" smtClean="0"/>
-          </a:p>
-          <a:p>
-            <a:pPr marL="544437" indent="-544437">
-              <a:buFont typeface="Arial" panose="020B0604020202020204" pitchFamily="34" charset="0"/>
-              <a:buChar char="•"/>
-            </a:pPr>
-            <a:endParaRPr lang="nl-NL" dirty="0"/>
-          </a:p>
-          <a:p>
-            <a:pPr marL="0" indent="0">
-              <a:buNone/>
-            </a:pPr>
-            <a:r>
-              <a:rPr lang="nl-NL" dirty="0" err="1" smtClean="0"/>
-              <a:t>XGBoost</a:t>
-            </a:r>
-            <a:r>
-              <a:rPr lang="nl-NL" dirty="0" smtClean="0"/>
-              <a:t> </a:t>
-            </a:r>
-            <a:r>
-              <a:rPr lang="nl-NL" dirty="0" err="1" smtClean="0"/>
-              <a:t>outperformed</a:t>
-            </a:r>
-            <a:r>
-              <a:rPr lang="nl-NL" dirty="0" smtClean="0"/>
-              <a:t> </a:t>
-            </a:r>
-            <a:r>
-              <a:rPr lang="nl-NL" dirty="0" err="1" smtClean="0"/>
-              <a:t>all</a:t>
-            </a:r>
-            <a:r>
-              <a:rPr lang="nl-NL" dirty="0" smtClean="0"/>
-              <a:t> </a:t>
-            </a:r>
-            <a:r>
-              <a:rPr lang="nl-NL" dirty="0" err="1" smtClean="0"/>
-              <a:t>other</a:t>
-            </a:r>
-            <a:r>
-              <a:rPr lang="nl-NL" dirty="0" smtClean="0"/>
-              <a:t> </a:t>
-            </a:r>
-            <a:r>
-              <a:rPr lang="nl-NL" dirty="0" err="1" smtClean="0"/>
-              <a:t>methods</a:t>
-            </a:r>
-            <a:r>
-              <a:rPr lang="nl-NL" dirty="0" smtClean="0"/>
-              <a:t>, </a:t>
-            </a:r>
-            <a:r>
-              <a:rPr lang="nl-NL" dirty="0" err="1" smtClean="0"/>
-              <a:t>which</a:t>
-            </a:r>
-            <a:r>
-              <a:rPr lang="nl-NL" dirty="0" smtClean="0"/>
-              <a:t> later </a:t>
-            </a:r>
-            <a:r>
-              <a:rPr lang="nl-NL" dirty="0" err="1" smtClean="0"/>
-              <a:t>became</a:t>
-            </a:r>
-            <a:r>
-              <a:rPr lang="nl-NL" dirty="0" smtClean="0"/>
-              <a:t> even more </a:t>
-            </a:r>
-            <a:r>
-              <a:rPr lang="nl-NL" dirty="0" err="1" smtClean="0"/>
-              <a:t>notable</a:t>
-            </a:r>
-            <a:r>
-              <a:rPr lang="nl-NL" dirty="0" smtClean="0"/>
-              <a:t>…</a:t>
-            </a:r>
-            <a:endParaRPr lang="nl-NL" dirty="0"/>
-          </a:p>
-        </p:txBody>
-      </p:sp>
+      <mc:AlternateContent xmlns:mc="http://schemas.openxmlformats.org/markup-compatibility/2006">
+        <mc:Choice xmlns:a14="http://schemas.microsoft.com/office/drawing/2010/main" Requires="a14">
+          <p:sp>
+            <p:nvSpPr>
+              <p:cNvPr id="3" name="Tijdelijke aanduiding voor inhoud 2"/>
+              <p:cNvSpPr>
+                <a:spLocks noGrp="1"/>
+              </p:cNvSpPr>
+              <p:nvPr>
+                <p:ph idx="1"/>
+              </p:nvPr>
+            </p:nvSpPr>
+            <p:spPr/>
+            <p:txBody>
+              <a:bodyPr>
+                <a:normAutofit/>
+              </a:bodyPr>
+              <a:lstStyle/>
+              <a:p>
+                <a:pPr marL="0" indent="0">
+                  <a:buNone/>
+                </a:pPr>
+                <a:r>
+                  <a:rPr lang="nl-NL" dirty="0" smtClean="0">
+                    <a:solidFill>
+                      <a:srgbClr val="C00000"/>
+                    </a:solidFill>
+                  </a:rPr>
+                  <a:t>Root </a:t>
+                </a:r>
+                <a:r>
+                  <a:rPr lang="nl-NL" dirty="0" err="1" smtClean="0">
+                    <a:solidFill>
+                      <a:srgbClr val="C00000"/>
+                    </a:solidFill>
+                  </a:rPr>
+                  <a:t>Mean</a:t>
+                </a:r>
+                <a:r>
+                  <a:rPr lang="nl-NL" dirty="0" smtClean="0">
+                    <a:solidFill>
+                      <a:srgbClr val="C00000"/>
+                    </a:solidFill>
+                  </a:rPr>
+                  <a:t> </a:t>
+                </a:r>
+                <a:r>
+                  <a:rPr lang="nl-NL" dirty="0" err="1" smtClean="0">
+                    <a:solidFill>
+                      <a:srgbClr val="C00000"/>
+                    </a:solidFill>
+                  </a:rPr>
+                  <a:t>Squared</a:t>
+                </a:r>
+                <a:r>
+                  <a:rPr lang="nl-NL" dirty="0" smtClean="0">
+                    <a:solidFill>
+                      <a:srgbClr val="C00000"/>
+                    </a:solidFill>
+                  </a:rPr>
+                  <a:t> </a:t>
+                </a:r>
+                <a:r>
+                  <a:rPr lang="nl-NL" dirty="0" err="1" smtClean="0">
+                    <a:solidFill>
+                      <a:srgbClr val="C00000"/>
+                    </a:solidFill>
+                  </a:rPr>
+                  <a:t>Logarithmic</a:t>
+                </a:r>
+                <a:r>
+                  <a:rPr lang="nl-NL" dirty="0" smtClean="0">
+                    <a:solidFill>
+                      <a:srgbClr val="C00000"/>
+                    </a:solidFill>
+                  </a:rPr>
+                  <a:t> </a:t>
+                </a:r>
+                <a:r>
+                  <a:rPr lang="nl-NL" dirty="0" smtClean="0">
+                    <a:solidFill>
+                      <a:srgbClr val="C00000"/>
+                    </a:solidFill>
+                  </a:rPr>
+                  <a:t>Error </a:t>
+                </a:r>
+                <a:r>
+                  <a:rPr lang="nl-NL" dirty="0" smtClean="0"/>
+                  <a:t>(RMSLE)</a:t>
+                </a:r>
+                <a:r>
+                  <a:rPr lang="nl-NL" dirty="0" smtClean="0"/>
+                  <a:t>		 </a:t>
+                </a:r>
+                <a14:m>
+                  <m:oMath xmlns:m="http://schemas.openxmlformats.org/officeDocument/2006/math">
+                    <m:r>
+                      <a:rPr lang="nl-NL">
+                        <a:latin typeface="Cambria Math"/>
+                      </a:rPr>
+                      <m:t>	</m:t>
+                    </m:r>
+                    <m:rad>
+                      <m:radPr>
+                        <m:degHide m:val="on"/>
+                        <m:ctrlPr>
+                          <a:rPr lang="nl-NL" i="1" smtClean="0">
+                            <a:latin typeface="Cambria Math"/>
+                          </a:rPr>
+                        </m:ctrlPr>
+                      </m:radPr>
+                      <m:deg/>
+                      <m:e>
+                        <m:f>
+                          <m:fPr>
+                            <m:ctrlPr>
+                              <a:rPr lang="nl-NL" i="1" smtClean="0">
+                                <a:latin typeface="Cambria Math"/>
+                              </a:rPr>
+                            </m:ctrlPr>
+                          </m:fPr>
+                          <m:num>
+                            <m:r>
+                              <a:rPr lang="nl-NL" b="0" i="1" smtClean="0">
+                                <a:latin typeface="Cambria Math"/>
+                              </a:rPr>
+                              <m:t>1</m:t>
+                            </m:r>
+                          </m:num>
+                          <m:den>
+                            <m:r>
+                              <a:rPr lang="nl-NL" b="0" i="1" smtClean="0">
+                                <a:latin typeface="Cambria Math"/>
+                              </a:rPr>
+                              <m:t>𝑛</m:t>
+                            </m:r>
+                          </m:den>
+                        </m:f>
+                        <m:nary>
+                          <m:naryPr>
+                            <m:chr m:val="∑"/>
+                            <m:ctrlPr>
+                              <a:rPr lang="nl-NL" i="1" smtClean="0">
+                                <a:latin typeface="Cambria Math"/>
+                              </a:rPr>
+                            </m:ctrlPr>
+                          </m:naryPr>
+                          <m:sub>
+                            <m:r>
+                              <m:rPr>
+                                <m:brk m:alnAt="23"/>
+                              </m:rPr>
+                              <a:rPr lang="nl-NL" b="0" i="1" smtClean="0">
+                                <a:latin typeface="Cambria Math"/>
+                              </a:rPr>
+                              <m:t>𝑖</m:t>
+                            </m:r>
+                            <m:r>
+                              <a:rPr lang="nl-NL" b="0" i="1" smtClean="0">
+                                <a:latin typeface="Cambria Math"/>
+                              </a:rPr>
+                              <m:t>=1</m:t>
+                            </m:r>
+                          </m:sub>
+                          <m:sup>
+                            <m:r>
+                              <a:rPr lang="nl-NL" b="0" i="1" smtClean="0">
+                                <a:latin typeface="Cambria Math"/>
+                              </a:rPr>
+                              <m:t>𝑛</m:t>
+                            </m:r>
+                          </m:sup>
+                          <m:e>
+                            <m:sSup>
+                              <m:sSupPr>
+                                <m:ctrlPr>
+                                  <a:rPr lang="nl-NL" b="0" i="1" smtClean="0">
+                                    <a:latin typeface="Cambria Math"/>
+                                  </a:rPr>
+                                </m:ctrlPr>
+                              </m:sSupPr>
+                              <m:e>
+                                <m:r>
+                                  <a:rPr lang="nl-NL" i="1">
+                                    <a:latin typeface="Cambria Math"/>
+                                  </a:rPr>
+                                  <m:t>(</m:t>
+                                </m:r>
+                                <m:func>
+                                  <m:funcPr>
+                                    <m:ctrlPr>
+                                      <a:rPr lang="nl-NL" i="1">
+                                        <a:latin typeface="Cambria Math"/>
+                                      </a:rPr>
+                                    </m:ctrlPr>
+                                  </m:funcPr>
+                                  <m:fName>
+                                    <m:r>
+                                      <m:rPr>
+                                        <m:sty m:val="p"/>
+                                      </m:rPr>
+                                      <a:rPr lang="nl-NL">
+                                        <a:latin typeface="Cambria Math"/>
+                                      </a:rPr>
+                                      <m:t>log</m:t>
+                                    </m:r>
+                                  </m:fName>
+                                  <m:e>
+                                    <m:sSub>
+                                      <m:sSubPr>
+                                        <m:ctrlPr>
+                                          <a:rPr lang="nl-NL" i="1">
+                                            <a:latin typeface="Cambria Math"/>
+                                          </a:rPr>
+                                        </m:ctrlPr>
+                                      </m:sSubPr>
+                                      <m:e>
+                                        <m:r>
+                                          <a:rPr lang="nl-NL" i="1">
+                                            <a:latin typeface="Cambria Math"/>
+                                          </a:rPr>
+                                          <m:t>𝑦</m:t>
+                                        </m:r>
+                                      </m:e>
+                                      <m:sub>
+                                        <m:r>
+                                          <a:rPr lang="nl-NL" i="1">
+                                            <a:latin typeface="Cambria Math"/>
+                                          </a:rPr>
+                                          <m:t>𝑖</m:t>
+                                        </m:r>
+                                      </m:sub>
+                                    </m:sSub>
+                                  </m:e>
+                                </m:func>
+                                <m:r>
+                                  <a:rPr lang="nl-NL" i="1">
+                                    <a:latin typeface="Cambria Math"/>
+                                  </a:rPr>
+                                  <m:t>−</m:t>
+                                </m:r>
+                                <m:func>
+                                  <m:funcPr>
+                                    <m:ctrlPr>
+                                      <a:rPr lang="nl-NL" i="1">
+                                        <a:latin typeface="Cambria Math"/>
+                                      </a:rPr>
+                                    </m:ctrlPr>
+                                  </m:funcPr>
+                                  <m:fName>
+                                    <m:r>
+                                      <m:rPr>
+                                        <m:sty m:val="p"/>
+                                      </m:rPr>
+                                      <a:rPr lang="nl-NL">
+                                        <a:latin typeface="Cambria Math"/>
+                                      </a:rPr>
+                                      <m:t>log</m:t>
+                                    </m:r>
+                                  </m:fName>
+                                  <m:e>
+                                    <m:sSub>
+                                      <m:sSubPr>
+                                        <m:ctrlPr>
+                                          <a:rPr lang="nl-NL" i="1">
+                                            <a:latin typeface="Cambria Math"/>
+                                          </a:rPr>
+                                        </m:ctrlPr>
+                                      </m:sSubPr>
+                                      <m:e>
+                                        <m:acc>
+                                          <m:accPr>
+                                            <m:chr m:val="̂"/>
+                                            <m:ctrlPr>
+                                              <a:rPr lang="nl-NL" i="1">
+                                                <a:latin typeface="Cambria Math"/>
+                                              </a:rPr>
+                                            </m:ctrlPr>
+                                          </m:accPr>
+                                          <m:e>
+                                            <m:r>
+                                              <a:rPr lang="nl-NL" i="1">
+                                                <a:latin typeface="Cambria Math"/>
+                                              </a:rPr>
+                                              <m:t>𝑦</m:t>
+                                            </m:r>
+                                          </m:e>
+                                        </m:acc>
+                                      </m:e>
+                                      <m:sub>
+                                        <m:r>
+                                          <a:rPr lang="nl-NL" i="1">
+                                            <a:latin typeface="Cambria Math"/>
+                                          </a:rPr>
+                                          <m:t>𝑖</m:t>
+                                        </m:r>
+                                      </m:sub>
+                                    </m:sSub>
+                                  </m:e>
+                                </m:func>
+                                <m:r>
+                                  <a:rPr lang="nl-NL" i="1">
+                                    <a:latin typeface="Cambria Math"/>
+                                  </a:rPr>
+                                  <m:t>)</m:t>
+                                </m:r>
+                              </m:e>
+                              <m:sup>
+                                <m:r>
+                                  <a:rPr lang="nl-NL" b="0" i="1" smtClean="0">
+                                    <a:latin typeface="Cambria Math"/>
+                                  </a:rPr>
+                                  <m:t>2</m:t>
+                                </m:r>
+                              </m:sup>
+                            </m:sSup>
+                          </m:e>
+                        </m:nary>
+                      </m:e>
+                    </m:rad>
+                  </m:oMath>
+                </a14:m>
+                <a:endParaRPr lang="nl-NL" dirty="0" smtClean="0"/>
+              </a:p>
+              <a:p>
+                <a:pPr marL="0" indent="0">
+                  <a:buNone/>
+                </a:pPr>
+                <a:r>
+                  <a:rPr lang="nl-NL" dirty="0" smtClean="0"/>
+                  <a:t>Split </a:t>
+                </a:r>
+                <a:r>
+                  <a:rPr lang="nl-NL" dirty="0" err="1" smtClean="0"/>
+                  <a:t>the</a:t>
+                </a:r>
+                <a:r>
+                  <a:rPr lang="nl-NL" dirty="0" smtClean="0"/>
+                  <a:t> train data </a:t>
+                </a:r>
+                <a:r>
+                  <a:rPr lang="nl-NL" dirty="0" err="1" smtClean="0"/>
+                  <a:t>between</a:t>
+                </a:r>
+                <a:r>
+                  <a:rPr lang="nl-NL" dirty="0" smtClean="0"/>
+                  <a:t> data </a:t>
+                </a:r>
+                <a:r>
+                  <a:rPr lang="nl-NL" dirty="0" err="1" smtClean="0">
+                    <a:solidFill>
+                      <a:srgbClr val="C00000"/>
+                    </a:solidFill>
+                  </a:rPr>
+                  <a:t>before</a:t>
+                </a:r>
+                <a:r>
+                  <a:rPr lang="nl-NL" dirty="0" smtClean="0">
+                    <a:solidFill>
+                      <a:srgbClr val="C00000"/>
+                    </a:solidFill>
+                  </a:rPr>
+                  <a:t> 2015 </a:t>
+                </a:r>
+                <a:r>
+                  <a:rPr lang="nl-NL" dirty="0" err="1" smtClean="0"/>
+                  <a:t>and</a:t>
+                </a:r>
+                <a:r>
+                  <a:rPr lang="nl-NL" dirty="0" smtClean="0"/>
+                  <a:t> </a:t>
+                </a:r>
+                <a:r>
+                  <a:rPr lang="nl-NL" dirty="0" smtClean="0">
+                    <a:solidFill>
+                      <a:srgbClr val="C00000"/>
+                    </a:solidFill>
+                  </a:rPr>
+                  <a:t>in 2015</a:t>
+                </a:r>
+                <a:r>
+                  <a:rPr lang="nl-NL" dirty="0" smtClean="0"/>
+                  <a:t>, </a:t>
+                </a:r>
+                <a:r>
+                  <a:rPr lang="nl-NL" dirty="0" err="1" smtClean="0"/>
+                  <a:t>for</a:t>
+                </a:r>
+                <a:r>
+                  <a:rPr lang="nl-NL" dirty="0" smtClean="0"/>
+                  <a:t> </a:t>
+                </a:r>
+                <a:r>
+                  <a:rPr lang="nl-NL" dirty="0" err="1" smtClean="0"/>
+                  <a:t>internal</a:t>
+                </a:r>
+                <a:r>
+                  <a:rPr lang="nl-NL" dirty="0" smtClean="0"/>
+                  <a:t> </a:t>
+                </a:r>
+                <a:r>
+                  <a:rPr lang="nl-NL" dirty="0" err="1" smtClean="0"/>
+                  <a:t>validation</a:t>
+                </a:r>
+                <a:endParaRPr lang="nl-NL" dirty="0" smtClean="0"/>
+              </a:p>
+            </p:txBody>
+          </p:sp>
+        </mc:Choice>
+        <mc:Fallback>
+          <p:sp>
+            <p:nvSpPr>
+              <p:cNvPr id="3" name="Tijdelijke aanduiding voor inhoud 2"/>
+              <p:cNvSpPr>
+                <a:spLocks noGrp="1" noRot="1" noChangeAspect="1" noMove="1" noResize="1" noEditPoints="1" noAdjustHandles="1" noChangeArrowheads="1" noChangeShapeType="1" noTextEdit="1"/>
+              </p:cNvSpPr>
+              <p:nvPr>
+                <p:ph idx="1"/>
+              </p:nvPr>
+            </p:nvSpPr>
+            <p:spPr>
+              <a:blipFill rotWithShape="1">
+                <a:blip r:embed="rId2"/>
+                <a:stretch>
+                  <a:fillRect l="-1229"/>
+                </a:stretch>
+              </a:blipFill>
+            </p:spPr>
+            <p:txBody>
+              <a:bodyPr/>
+              <a:lstStyle/>
+              <a:p>
+                <a:r>
+                  <a:rPr lang="nl-NL">
+                    <a:noFill/>
+                  </a:rPr>
+                  <a:t> </a:t>
+                </a:r>
+              </a:p>
+            </p:txBody>
+          </p:sp>
+        </mc:Fallback>
+      </mc:AlternateContent>
+      <p:pic>
+        <p:nvPicPr>
+          <p:cNvPr id="4" name="Picture 2" descr="alt text"/>
+          <p:cNvPicPr>
+            <a:picLocks noChangeAspect="1" noChangeArrowheads="1"/>
+          </p:cNvPicPr>
+          <p:nvPr/>
+        </p:nvPicPr>
+        <p:blipFill>
+          <a:blip r:embed="rId3">
+            <a:extLst>
+              <a:ext uri="{28A0092B-C50C-407E-A947-70E740481C1C}">
+                <a14:useLocalDpi xmlns:a14="http://schemas.microsoft.com/office/drawing/2010/main" val="0"/>
+              </a:ext>
+            </a:extLst>
+          </a:blip>
+          <a:srcRect/>
+          <a:stretch>
+            <a:fillRect/>
+          </a:stretch>
+        </p:blipFill>
+        <p:spPr bwMode="auto">
+          <a:xfrm>
+            <a:off x="5218150" y="3848100"/>
+            <a:ext cx="6911901" cy="4657725"/>
+          </a:xfrm>
+          <a:prstGeom prst="rect">
+            <a:avLst/>
+          </a:prstGeom>
+          <a:noFill/>
+          <a:extLst>
+            <a:ext uri="{909E8E84-426E-40DD-AFC4-6F175D3DCCD1}">
+              <a14:hiddenFill xmlns:a14="http://schemas.microsoft.com/office/drawing/2010/main">
+                <a:solidFill>
+                  <a:srgbClr val="FFFFFF"/>
+                </a:solidFill>
+              </a14:hiddenFill>
+            </a:ext>
+          </a:extLst>
+        </p:spPr>
+      </p:pic>
     </p:spTree>
     <p:extLst>
       <p:ext uri="{BB962C8B-B14F-4D97-AF65-F5344CB8AC3E}">
-        <p14:creationId xmlns:p14="http://schemas.microsoft.com/office/powerpoint/2010/main" val="2645976093"/>
+        <p14:creationId xmlns:p14="http://schemas.microsoft.com/office/powerpoint/2010/main" val="4263262805"/>
       </p:ext>
     </p:extLst>
   </p:cSld>
@@ -5416,22 +8021,454 @@
         </p:nvSpPr>
         <p:spPr/>
         <p:txBody>
+          <a:bodyPr>
+            <a:normAutofit/>
+          </a:bodyPr>
+          <a:lstStyle/>
+          <a:p>
+            <a:r>
+              <a:rPr lang="nl-NL" sz="5000" b="0" dirty="0" err="1" smtClean="0">
+                <a:solidFill>
+                  <a:srgbClr val="C00000"/>
+                </a:solidFill>
+              </a:rPr>
+              <a:t>Testing</a:t>
+            </a:r>
+            <a:r>
+              <a:rPr lang="nl-NL" sz="5000" b="0" dirty="0" smtClean="0">
+                <a:solidFill>
+                  <a:srgbClr val="C00000"/>
+                </a:solidFill>
+              </a:rPr>
+              <a:t> different </a:t>
+            </a:r>
+            <a:r>
+              <a:rPr lang="nl-NL" sz="5000" b="0" dirty="0" err="1" smtClean="0">
+                <a:solidFill>
+                  <a:srgbClr val="C00000"/>
+                </a:solidFill>
+              </a:rPr>
+              <a:t>methods</a:t>
+            </a:r>
+            <a:endParaRPr lang="nl-NL" sz="5000" b="0" dirty="0">
+              <a:solidFill>
+                <a:srgbClr val="C00000"/>
+              </a:solidFill>
+            </a:endParaRPr>
+          </a:p>
+        </p:txBody>
+      </p:sp>
+      <p:sp>
+        <p:nvSpPr>
+          <p:cNvPr id="3" name="Tijdelijke aanduiding voor inhoud 2"/>
+          <p:cNvSpPr>
+            <a:spLocks noGrp="1"/>
+          </p:cNvSpPr>
+          <p:nvPr>
+            <p:ph idx="1"/>
+          </p:nvPr>
+        </p:nvSpPr>
+        <p:spPr>
+          <a:xfrm>
+            <a:off x="1200732" y="1799999"/>
+            <a:ext cx="14889083" cy="6562951"/>
+          </a:xfrm>
+        </p:spPr>
+        <p:txBody>
+          <a:bodyPr>
+            <a:normAutofit fontScale="92500" lnSpcReduction="20000"/>
+          </a:bodyPr>
+          <a:lstStyle/>
+          <a:p>
+            <a:pPr marL="0" indent="0">
+              <a:buNone/>
+            </a:pPr>
+            <a:r>
+              <a:rPr lang="nl-NL" dirty="0" err="1" smtClean="0"/>
+              <a:t>Tested</a:t>
+            </a:r>
+            <a:r>
+              <a:rPr lang="nl-NL" dirty="0" smtClean="0"/>
+              <a:t> </a:t>
+            </a:r>
+            <a:r>
+              <a:rPr lang="nl-NL" dirty="0" err="1" smtClean="0"/>
+              <a:t>several</a:t>
+            </a:r>
+            <a:r>
+              <a:rPr lang="nl-NL" dirty="0" smtClean="0"/>
+              <a:t> </a:t>
+            </a:r>
+            <a:r>
+              <a:rPr lang="nl-NL" dirty="0" err="1" smtClean="0"/>
+              <a:t>methods</a:t>
+            </a:r>
+            <a:r>
+              <a:rPr lang="nl-NL" dirty="0" smtClean="0"/>
+              <a:t>:</a:t>
+            </a:r>
+          </a:p>
+          <a:p>
+            <a:pPr marL="544437" indent="-544437">
+              <a:buFont typeface="Arial" panose="020B0604020202020204" pitchFamily="34" charset="0"/>
+              <a:buChar char="•"/>
+            </a:pPr>
+            <a:r>
+              <a:rPr lang="en-US" sz="2200" dirty="0"/>
+              <a:t>Linear Regression</a:t>
+            </a:r>
+          </a:p>
+          <a:p>
+            <a:pPr marL="544437" indent="-544437">
+              <a:buFont typeface="Arial" panose="020B0604020202020204" pitchFamily="34" charset="0"/>
+              <a:buChar char="•"/>
+            </a:pPr>
+            <a:r>
+              <a:rPr lang="en-US" sz="2200" dirty="0" smtClean="0"/>
+              <a:t>Random Forests</a:t>
+            </a:r>
+          </a:p>
+          <a:p>
+            <a:pPr marL="544437" indent="-544437">
+              <a:buFont typeface="Arial" panose="020B0604020202020204" pitchFamily="34" charset="0"/>
+              <a:buChar char="•"/>
+            </a:pPr>
+            <a:r>
+              <a:rPr lang="en-US" sz="2200" dirty="0" err="1" smtClean="0"/>
+              <a:t>AdaBoost</a:t>
+            </a:r>
+            <a:endParaRPr lang="en-US" sz="2200" dirty="0" smtClean="0"/>
+          </a:p>
+          <a:p>
+            <a:pPr marL="544437" indent="-544437">
+              <a:buFont typeface="Arial" panose="020B0604020202020204" pitchFamily="34" charset="0"/>
+              <a:buChar char="•"/>
+            </a:pPr>
+            <a:r>
+              <a:rPr lang="en-US" sz="2200" dirty="0"/>
+              <a:t>k-nearest </a:t>
+            </a:r>
+            <a:r>
+              <a:rPr lang="en-US" sz="2200" dirty="0" smtClean="0"/>
+              <a:t>neighbors (KNN)</a:t>
+            </a:r>
+          </a:p>
+          <a:p>
+            <a:pPr marL="544437" indent="-544437">
+              <a:buFont typeface="Arial" panose="020B0604020202020204" pitchFamily="34" charset="0"/>
+              <a:buChar char="•"/>
+            </a:pPr>
+            <a:r>
+              <a:rPr lang="en-US" sz="2200" dirty="0" smtClean="0"/>
+              <a:t>Stochastic </a:t>
+            </a:r>
+            <a:r>
+              <a:rPr lang="en-US" sz="2200" dirty="0"/>
+              <a:t>gradient </a:t>
+            </a:r>
+            <a:r>
+              <a:rPr lang="en-US" sz="2200" dirty="0" smtClean="0"/>
+              <a:t>descent (SGD)</a:t>
+            </a:r>
+          </a:p>
+          <a:p>
+            <a:pPr marL="544437" indent="-544437">
+              <a:buFont typeface="Arial" panose="020B0604020202020204" pitchFamily="34" charset="0"/>
+              <a:buChar char="•"/>
+            </a:pPr>
+            <a:r>
+              <a:rPr lang="en-US" sz="2200" dirty="0" smtClean="0"/>
+              <a:t>Deep </a:t>
+            </a:r>
+            <a:r>
+              <a:rPr lang="en-US" sz="2200" dirty="0" smtClean="0"/>
+              <a:t>Learning (</a:t>
+            </a:r>
+            <a:r>
+              <a:rPr lang="en-US" sz="2200" dirty="0" err="1" smtClean="0"/>
+              <a:t>Keras</a:t>
+            </a:r>
+            <a:r>
+              <a:rPr lang="en-US" sz="2200" dirty="0" smtClean="0"/>
+              <a:t>)</a:t>
+            </a:r>
+          </a:p>
+          <a:p>
+            <a:pPr marL="544437" indent="-544437">
+              <a:buFont typeface="Arial" panose="020B0604020202020204" pitchFamily="34" charset="0"/>
+              <a:buChar char="•"/>
+            </a:pPr>
+            <a:r>
+              <a:rPr lang="nl-NL" dirty="0" err="1" smtClean="0">
+                <a:solidFill>
+                  <a:srgbClr val="C00000"/>
+                </a:solidFill>
+              </a:rPr>
+              <a:t>XGBoost</a:t>
+            </a:r>
+            <a:r>
+              <a:rPr lang="nl-NL" dirty="0" smtClean="0"/>
+              <a:t> (</a:t>
+            </a:r>
+            <a:r>
+              <a:rPr lang="nl-NL" dirty="0"/>
+              <a:t>Extreme </a:t>
+            </a:r>
+            <a:r>
+              <a:rPr lang="nl-NL" dirty="0" err="1"/>
+              <a:t>Gradient</a:t>
+            </a:r>
+            <a:r>
+              <a:rPr lang="nl-NL" dirty="0"/>
+              <a:t> </a:t>
+            </a:r>
+            <a:r>
+              <a:rPr lang="nl-NL" dirty="0" err="1" smtClean="0"/>
+              <a:t>Boosting</a:t>
+            </a:r>
+            <a:r>
+              <a:rPr lang="nl-NL" dirty="0" smtClean="0"/>
+              <a:t>)</a:t>
+            </a:r>
+            <a:endParaRPr lang="nl-NL" u="sng" dirty="0" smtClean="0"/>
+          </a:p>
+          <a:p>
+            <a:pPr marL="0" indent="0">
+              <a:buNone/>
+            </a:pPr>
+            <a:endParaRPr lang="nl-NL" dirty="0" smtClean="0"/>
+          </a:p>
+          <a:p>
+            <a:pPr marL="0" indent="0">
+              <a:buNone/>
+            </a:pPr>
+            <a:r>
+              <a:rPr lang="nl-NL" dirty="0" err="1" smtClean="0"/>
+              <a:t>Methods</a:t>
+            </a:r>
+            <a:r>
+              <a:rPr lang="nl-NL" dirty="0" smtClean="0"/>
+              <a:t> are easy </a:t>
+            </a:r>
+            <a:r>
+              <a:rPr lang="nl-NL" dirty="0" err="1" smtClean="0"/>
+              <a:t>to</a:t>
+            </a:r>
+            <a:r>
+              <a:rPr lang="nl-NL" dirty="0" smtClean="0"/>
+              <a:t> </a:t>
+            </a:r>
+            <a:r>
+              <a:rPr lang="nl-NL" dirty="0" err="1" smtClean="0"/>
+              <a:t>use</a:t>
+            </a:r>
+            <a:r>
+              <a:rPr lang="nl-NL" dirty="0" smtClean="0"/>
+              <a:t>, </a:t>
+            </a:r>
+            <a:r>
+              <a:rPr lang="nl-NL" dirty="0" err="1" smtClean="0"/>
+              <a:t>readily</a:t>
+            </a:r>
+            <a:r>
+              <a:rPr lang="nl-NL" dirty="0" smtClean="0"/>
+              <a:t> </a:t>
+            </a:r>
+            <a:r>
+              <a:rPr lang="nl-NL" dirty="0" err="1" smtClean="0"/>
+              <a:t>available</a:t>
+            </a:r>
+            <a:r>
+              <a:rPr lang="nl-NL" dirty="0" smtClean="0"/>
+              <a:t>, </a:t>
+            </a:r>
+            <a:r>
+              <a:rPr lang="nl-NL" dirty="0" err="1" smtClean="0"/>
+              <a:t>and</a:t>
+            </a:r>
+            <a:r>
+              <a:rPr lang="nl-NL" dirty="0" smtClean="0"/>
+              <a:t> proven </a:t>
+            </a:r>
+            <a:r>
+              <a:rPr lang="nl-NL" dirty="0" err="1" smtClean="0"/>
+              <a:t>to</a:t>
+            </a:r>
+            <a:r>
+              <a:rPr lang="nl-NL" dirty="0" smtClean="0"/>
+              <a:t> </a:t>
+            </a:r>
+            <a:r>
+              <a:rPr lang="nl-NL" dirty="0" err="1" smtClean="0"/>
+              <a:t>work</a:t>
+            </a:r>
+            <a:r>
+              <a:rPr lang="nl-NL" dirty="0" smtClean="0"/>
+              <a:t> </a:t>
+            </a:r>
+            <a:r>
+              <a:rPr lang="nl-NL" dirty="0" err="1" smtClean="0"/>
+              <a:t>decently</a:t>
+            </a:r>
+            <a:endParaRPr lang="nl-NL" dirty="0" smtClean="0"/>
+          </a:p>
+          <a:p>
+            <a:pPr marL="0" indent="0">
+              <a:buNone/>
+            </a:pPr>
+            <a:endParaRPr lang="nl-NL" dirty="0"/>
+          </a:p>
+          <a:p>
+            <a:pPr marL="0" indent="0">
+              <a:buNone/>
+            </a:pPr>
+            <a:r>
+              <a:rPr lang="nl-NL" dirty="0" err="1" smtClean="0">
+                <a:solidFill>
+                  <a:srgbClr val="C00000"/>
+                </a:solidFill>
+              </a:rPr>
+              <a:t>XGBoost</a:t>
+            </a:r>
+            <a:r>
+              <a:rPr lang="nl-NL" dirty="0" smtClean="0">
+                <a:solidFill>
+                  <a:srgbClr val="C00000"/>
+                </a:solidFill>
+              </a:rPr>
+              <a:t> </a:t>
+            </a:r>
+            <a:r>
+              <a:rPr lang="nl-NL" dirty="0" err="1" smtClean="0"/>
+              <a:t>outperformed</a:t>
+            </a:r>
+            <a:r>
+              <a:rPr lang="nl-NL" dirty="0" smtClean="0"/>
+              <a:t> </a:t>
+            </a:r>
+            <a:r>
+              <a:rPr lang="nl-NL" dirty="0" err="1" smtClean="0"/>
+              <a:t>all</a:t>
+            </a:r>
+            <a:r>
+              <a:rPr lang="nl-NL" dirty="0" smtClean="0"/>
+              <a:t> </a:t>
+            </a:r>
+            <a:r>
+              <a:rPr lang="nl-NL" dirty="0" err="1" smtClean="0"/>
+              <a:t>other</a:t>
+            </a:r>
+            <a:r>
+              <a:rPr lang="nl-NL" dirty="0" smtClean="0"/>
+              <a:t> </a:t>
+            </a:r>
+            <a:r>
+              <a:rPr lang="nl-NL" dirty="0" err="1" smtClean="0"/>
+              <a:t>methods</a:t>
+            </a:r>
+            <a:r>
+              <a:rPr lang="nl-NL" dirty="0" smtClean="0"/>
+              <a:t>, </a:t>
+            </a:r>
+            <a:r>
+              <a:rPr lang="nl-NL" dirty="0" err="1" smtClean="0"/>
+              <a:t>which</a:t>
+            </a:r>
+            <a:r>
+              <a:rPr lang="nl-NL" dirty="0" smtClean="0"/>
+              <a:t> later </a:t>
+            </a:r>
+            <a:r>
+              <a:rPr lang="nl-NL" dirty="0" err="1" smtClean="0"/>
+              <a:t>became</a:t>
+            </a:r>
+            <a:r>
+              <a:rPr lang="nl-NL" dirty="0" smtClean="0"/>
+              <a:t> even more </a:t>
+            </a:r>
+            <a:r>
+              <a:rPr lang="nl-NL" dirty="0" err="1" smtClean="0"/>
+              <a:t>notable</a:t>
+            </a:r>
+            <a:r>
+              <a:rPr lang="nl-NL" dirty="0" smtClean="0"/>
+              <a:t>…</a:t>
+            </a:r>
+            <a:endParaRPr lang="nl-NL" dirty="0"/>
+          </a:p>
+        </p:txBody>
+      </p:sp>
+    </p:spTree>
+    <p:extLst>
+      <p:ext uri="{BB962C8B-B14F-4D97-AF65-F5344CB8AC3E}">
+        <p14:creationId xmlns:p14="http://schemas.microsoft.com/office/powerpoint/2010/main" val="2645976093"/>
+      </p:ext>
+    </p:extLst>
+  </p:cSld>
+  <p:clrMapOvr>
+    <a:masterClrMapping/>
+  </p:clrMapOvr>
+  <p:transition spd="med">
+    <p:fade/>
+  </p:transition>
+  <p:timing>
+    <p:tnLst>
+      <p:par>
+        <p:cTn id="1" dur="indefinite" restart="never" nodeType="tmRoot"/>
+      </p:par>
+    </p:tnLst>
+  </p:timing>
+</p:sld>
+</file>
+
+<file path=ppt/slides/slide7.xml><?xml version="1.0" encoding="utf-8"?>
+<p:sld xmlns:a="http://schemas.openxmlformats.org/drawingml/2006/main" xmlns:r="http://schemas.openxmlformats.org/officeDocument/2006/relationships" xmlns:p="http://schemas.openxmlformats.org/presentationml/2006/main">
+  <p:cSld>
+    <p:spTree>
+      <p:nvGrpSpPr>
+        <p:cNvPr id="1" name=""/>
+        <p:cNvGrpSpPr/>
+        <p:nvPr/>
+      </p:nvGrpSpPr>
+      <p:grpSpPr>
+        <a:xfrm>
+          <a:off x="0" y="0"/>
+          <a:ext cx="0" cy="0"/>
+          <a:chOff x="0" y="0"/>
+          <a:chExt cx="0" cy="0"/>
+        </a:xfrm>
+      </p:grpSpPr>
+      <p:sp>
+        <p:nvSpPr>
+          <p:cNvPr id="6" name="Titel 5"/>
+          <p:cNvSpPr>
+            <a:spLocks noGrp="1"/>
+          </p:cNvSpPr>
+          <p:nvPr>
+            <p:ph type="title"/>
+          </p:nvPr>
+        </p:nvSpPr>
+        <p:spPr/>
+        <p:txBody>
           <a:bodyPr/>
           <a:lstStyle/>
           <a:p>
             <a:r>
-              <a:rPr lang="nl-NL" dirty="0" smtClean="0"/>
-              <a:t>Approach – </a:t>
-            </a:r>
-            <a:r>
-              <a:rPr lang="nl-NL" dirty="0" err="1" smtClean="0"/>
+              <a:rPr lang="nl-NL" dirty="0" err="1">
+                <a:solidFill>
+                  <a:srgbClr val="C00000"/>
+                </a:solidFill>
+              </a:rPr>
               <a:t>XGBoost</a:t>
             </a:r>
             <a:r>
-              <a:rPr lang="nl-NL" dirty="0" smtClean="0"/>
+              <a:rPr lang="nl-NL" dirty="0">
+                <a:solidFill>
+                  <a:srgbClr val="C00000"/>
+                </a:solidFill>
+              </a:rPr>
               <a:t> ensemble</a:t>
             </a:r>
-            <a:endParaRPr lang="nl-NL" dirty="0"/>
           </a:p>
         </p:txBody>
       </p:sp>
@@ -5448,7 +8485,7 @@
         <p:spPr>
           <a:xfrm>
             <a:off x="1200733" y="1799999"/>
-            <a:ext cx="6419268" cy="7020000"/>
+            <a:ext cx="6476418" cy="7020000"/>
           </a:xfrm>
         </p:spPr>
         <p:txBody>
@@ -5459,110 +8496,98 @@
               <a:buNone/>
             </a:pPr>
             <a:r>
-              <a:rPr lang="nl-NL" dirty="0" err="1" smtClean="0"/>
-              <a:t>Kernel</a:t>
-            </a:r>
-            <a:r>
-              <a:rPr lang="nl-NL" dirty="0" smtClean="0"/>
+              <a:rPr lang="en-US" dirty="0" smtClean="0"/>
+              <a:t>Kernel published by </a:t>
+            </a:r>
+            <a:r>
+              <a:rPr lang="en-US" dirty="0" smtClean="0">
+                <a:solidFill>
+                  <a:srgbClr val="C00000"/>
+                </a:solidFill>
+              </a:rPr>
+              <a:t>Andy </a:t>
+            </a:r>
+            <a:r>
+              <a:rPr lang="en-US" dirty="0" err="1" smtClean="0">
+                <a:solidFill>
+                  <a:srgbClr val="C00000"/>
+                </a:solidFill>
+              </a:rPr>
+              <a:t>Harless</a:t>
+            </a:r>
+            <a:r>
+              <a:rPr lang="en-US" dirty="0" smtClean="0">
+                <a:solidFill>
+                  <a:srgbClr val="C00000"/>
+                </a:solidFill>
+              </a:rPr>
               <a:t> </a:t>
             </a:r>
-            <a:r>
-              <a:rPr lang="nl-NL" dirty="0" err="1" smtClean="0"/>
-              <a:t>published</a:t>
-            </a:r>
-            <a:r>
-              <a:rPr lang="nl-NL" dirty="0" smtClean="0"/>
-              <a:t> </a:t>
-            </a:r>
-            <a:r>
-              <a:rPr lang="nl-NL" dirty="0" err="1" smtClean="0"/>
-              <a:t>by</a:t>
-            </a:r>
-            <a:r>
-              <a:rPr lang="nl-NL" dirty="0" smtClean="0"/>
-              <a:t> Andy </a:t>
-            </a:r>
-            <a:r>
-              <a:rPr lang="nl-NL" dirty="0" err="1" smtClean="0"/>
-              <a:t>Harless</a:t>
-            </a:r>
-            <a:endParaRPr lang="nl-NL" dirty="0" smtClean="0"/>
           </a:p>
           <a:p>
             <a:pPr marL="0" indent="0">
               <a:buNone/>
             </a:pPr>
             <a:r>
-              <a:rPr lang="nl-NL" dirty="0" err="1" smtClean="0"/>
-              <a:t>Widely</a:t>
-            </a:r>
-            <a:r>
-              <a:rPr lang="nl-NL" dirty="0" smtClean="0"/>
-              <a:t> </a:t>
-            </a:r>
-            <a:r>
-              <a:rPr lang="nl-NL" dirty="0" err="1" smtClean="0"/>
-              <a:t>used</a:t>
-            </a:r>
-            <a:r>
-              <a:rPr lang="nl-NL" dirty="0" smtClean="0"/>
-              <a:t> in </a:t>
-            </a:r>
-            <a:r>
-              <a:rPr lang="nl-NL" dirty="0" err="1" smtClean="0"/>
-              <a:t>the</a:t>
-            </a:r>
-            <a:r>
-              <a:rPr lang="nl-NL" dirty="0" smtClean="0"/>
-              <a:t> </a:t>
-            </a:r>
-            <a:r>
-              <a:rPr lang="nl-NL" dirty="0" err="1" smtClean="0"/>
-              <a:t>competition</a:t>
-            </a:r>
-            <a:endParaRPr lang="nl-NL" dirty="0" smtClean="0"/>
+              <a:rPr lang="en-US" dirty="0" smtClean="0">
+                <a:solidFill>
+                  <a:srgbClr val="C00000"/>
+                </a:solidFill>
+              </a:rPr>
+              <a:t>Used 3 models from others. </a:t>
+            </a:r>
           </a:p>
           <a:p>
             <a:pPr marL="0" indent="0">
               <a:buNone/>
             </a:pPr>
             <a:r>
-              <a:rPr lang="nl-NL" dirty="0" err="1" smtClean="0"/>
-              <a:t>Improved</a:t>
-            </a:r>
-            <a:r>
-              <a:rPr lang="nl-NL" dirty="0" smtClean="0"/>
-              <a:t> </a:t>
-            </a:r>
-            <a:r>
-              <a:rPr lang="nl-NL" dirty="0" err="1" smtClean="0"/>
-              <a:t>and</a:t>
-            </a:r>
-            <a:r>
-              <a:rPr lang="nl-NL" dirty="0" smtClean="0"/>
-              <a:t> </a:t>
-            </a:r>
-            <a:r>
-              <a:rPr lang="nl-NL" dirty="0" err="1" smtClean="0"/>
-              <a:t>outperformed</a:t>
-            </a:r>
-            <a:r>
-              <a:rPr lang="nl-NL" dirty="0" smtClean="0"/>
-              <a:t> </a:t>
-            </a:r>
-            <a:r>
-              <a:rPr lang="nl-NL" dirty="0" err="1" smtClean="0"/>
-              <a:t>the</a:t>
-            </a:r>
-            <a:r>
-              <a:rPr lang="nl-NL" dirty="0" smtClean="0"/>
-              <a:t> </a:t>
-            </a:r>
-            <a:r>
-              <a:rPr lang="nl-NL" dirty="0" err="1" smtClean="0"/>
-              <a:t>original</a:t>
-            </a:r>
-            <a:endParaRPr lang="nl-NL" dirty="0"/>
+              <a:rPr lang="en-US" dirty="0" smtClean="0"/>
+              <a:t>Widely used in the competition</a:t>
+            </a:r>
+          </a:p>
+          <a:p>
+            <a:pPr marL="0" indent="0">
+              <a:buNone/>
+            </a:pPr>
+            <a:r>
+              <a:rPr lang="en-US" dirty="0" smtClean="0"/>
+              <a:t>We </a:t>
+            </a:r>
+            <a:r>
+              <a:rPr lang="en-US" dirty="0" smtClean="0">
+                <a:solidFill>
+                  <a:srgbClr val="C00000"/>
+                </a:solidFill>
+              </a:rPr>
+              <a:t>improved</a:t>
+            </a:r>
+            <a:r>
+              <a:rPr lang="en-US" dirty="0" smtClean="0"/>
+              <a:t> it and outperformed the original significantly.</a:t>
+            </a:r>
+          </a:p>
+          <a:p>
+            <a:pPr marL="0" indent="0">
+              <a:buNone/>
+            </a:pPr>
+            <a:r>
+              <a:rPr lang="en-US" dirty="0" smtClean="0"/>
+              <a:t>Original now somewhere around rank </a:t>
+            </a:r>
+            <a:r>
+              <a:rPr lang="en-US" dirty="0" smtClean="0">
+                <a:solidFill>
+                  <a:srgbClr val="C00000"/>
+                </a:solidFill>
+              </a:rPr>
+              <a:t>600</a:t>
+            </a:r>
+            <a:r>
+              <a:rPr lang="en-US" dirty="0" smtClean="0"/>
+              <a:t>. </a:t>
+            </a:r>
+            <a:endParaRPr lang="en-US" dirty="0"/>
           </a:p>
         </p:txBody>
       </p:sp>
@@ -8585,7 +11610,7 @@
     </p:spTree>
     <p:extLst>
       <p:ext uri="{BB962C8B-B14F-4D97-AF65-F5344CB8AC3E}">
-        <p14:creationId xmlns:p14="http://schemas.microsoft.com/office/powerpoint/2010/main" val="1670238368"/>
+        <p14:creationId xmlns:p14="http://schemas.microsoft.com/office/powerpoint/2010/main" val="2481282920"/>
       </p:ext>
     </p:extLst>
   </p:cSld>
@@ -8598,14 +11623,327 @@
   <p:timing>
     <p:tnLst>
       <p:par>
-        <p:cTn id="1" dur="indefinite" restart="never" nodeType="tmRoot"/>
+        <p:cTn id="1" dur="indefinite" restart="never" nodeType="tmRoot">
+          <p:childTnLst>
+            <p:seq concurrent="1" nextAc="seek">
+              <p:cTn id="2" dur="indefinite" nodeType="mainSeq">
+                <p:childTnLst>
+                  <p:par>
+                    <p:cTn id="3" fill="hold">
+                      <p:stCondLst>
+                        <p:cond delay="indefinite"/>
+                      </p:stCondLst>
+                      <p:childTnLst>
+                        <p:par>
+                          <p:cTn id="4" fill="hold">
+                            <p:stCondLst>
+                              <p:cond delay="0"/>
+                            </p:stCondLst>
+                            <p:childTnLst>
+                              <p:par>
+                                <p:cTn id="5" presetID="1" presetClass="entr" presetSubtype="0" fill="hold" nodeType="clickEffect">
+                                  <p:stCondLst>
+                                    <p:cond delay="0"/>
+                                  </p:stCondLst>
+                                  <p:childTnLst>
+                                    <p:set>
+                                      <p:cBhvr>
+                                        <p:cTn id="6" dur="1" fill="hold">
+                                          <p:stCondLst>
+                                            <p:cond delay="0"/>
+                                          </p:stCondLst>
+                                        </p:cTn>
+                                        <p:tgtEl>
+                                          <p:spTgt spid="4">
+                                            <p:txEl>
+                                              <p:pRg st="0" end="0"/>
+                                            </p:txEl>
+                                          </p:spTgt>
+                                        </p:tgtEl>
+                                        <p:attrNameLst>
+                                          <p:attrName>style.visibility</p:attrName>
+                                        </p:attrNameLst>
+                                      </p:cBhvr>
+                                      <p:to>
+                                        <p:strVal val="visible"/>
+                                      </p:to>
+                                    </p:set>
+                                  </p:childTnLst>
+                                </p:cTn>
+                              </p:par>
+                            </p:childTnLst>
+                          </p:cTn>
+                        </p:par>
+                      </p:childTnLst>
+                    </p:cTn>
+                  </p:par>
+                  <p:par>
+                    <p:cTn id="7" fill="hold">
+                      <p:stCondLst>
+                        <p:cond delay="indefinite"/>
+                      </p:stCondLst>
+                      <p:childTnLst>
+                        <p:par>
+                          <p:cTn id="8" fill="hold">
+                            <p:stCondLst>
+                              <p:cond delay="0"/>
+                            </p:stCondLst>
+                            <p:childTnLst>
+                              <p:par>
+                                <p:cTn id="9" presetID="1" presetClass="entr" presetSubtype="0" fill="hold" nodeType="clickEffect">
+                                  <p:stCondLst>
+                                    <p:cond delay="0"/>
+                                  </p:stCondLst>
+                                  <p:childTnLst>
+                                    <p:set>
+                                      <p:cBhvr>
+                                        <p:cTn id="10" dur="1" fill="hold">
+                                          <p:stCondLst>
+                                            <p:cond delay="0"/>
+                                          </p:stCondLst>
+                                        </p:cTn>
+                                        <p:tgtEl>
+                                          <p:spTgt spid="4">
+                                            <p:txEl>
+                                              <p:pRg st="1" end="1"/>
+                                            </p:txEl>
+                                          </p:spTgt>
+                                        </p:tgtEl>
+                                        <p:attrNameLst>
+                                          <p:attrName>style.visibility</p:attrName>
+                                        </p:attrNameLst>
+                                      </p:cBhvr>
+                                      <p:to>
+                                        <p:strVal val="visible"/>
+                                      </p:to>
+                                    </p:set>
+                                  </p:childTnLst>
+                                </p:cTn>
+                              </p:par>
+                            </p:childTnLst>
+                          </p:cTn>
+                        </p:par>
+                      </p:childTnLst>
+                    </p:cTn>
+                  </p:par>
+                  <p:par>
+                    <p:cTn id="11" fill="hold">
+                      <p:stCondLst>
+                        <p:cond delay="indefinite"/>
+                      </p:stCondLst>
+                      <p:childTnLst>
+                        <p:par>
+                          <p:cTn id="12" fill="hold">
+                            <p:stCondLst>
+                              <p:cond delay="0"/>
+                            </p:stCondLst>
+                            <p:childTnLst>
+                              <p:par>
+                                <p:cTn id="13" presetID="1" presetClass="entr" presetSubtype="0" fill="hold" nodeType="clickEffect">
+                                  <p:stCondLst>
+                                    <p:cond delay="0"/>
+                                  </p:stCondLst>
+                                  <p:childTnLst>
+                                    <p:set>
+                                      <p:cBhvr>
+                                        <p:cTn id="14" dur="1" fill="hold">
+                                          <p:stCondLst>
+                                            <p:cond delay="0"/>
+                                          </p:stCondLst>
+                                        </p:cTn>
+                                        <p:tgtEl>
+                                          <p:spTgt spid="4">
+                                            <p:txEl>
+                                              <p:pRg st="2" end="2"/>
+                                            </p:txEl>
+                                          </p:spTgt>
+                                        </p:tgtEl>
+                                        <p:attrNameLst>
+                                          <p:attrName>style.visibility</p:attrName>
+                                        </p:attrNameLst>
+                                      </p:cBhvr>
+                                      <p:to>
+                                        <p:strVal val="visible"/>
+                                      </p:to>
+                                    </p:set>
+                                  </p:childTnLst>
+                                </p:cTn>
+                              </p:par>
+                            </p:childTnLst>
+                          </p:cTn>
+                        </p:par>
+                      </p:childTnLst>
+                    </p:cTn>
+                  </p:par>
+                  <p:par>
+                    <p:cTn id="15" fill="hold">
+                      <p:stCondLst>
+                        <p:cond delay="indefinite"/>
+                      </p:stCondLst>
+                      <p:childTnLst>
+                        <p:par>
+                          <p:cTn id="16" fill="hold">
+                            <p:stCondLst>
+                              <p:cond delay="0"/>
+                            </p:stCondLst>
+                            <p:childTnLst>
+                              <p:par>
+                                <p:cTn id="17" presetID="1" presetClass="entr" presetSubtype="0" fill="hold" nodeType="clickEffect">
+                                  <p:stCondLst>
+                                    <p:cond delay="0"/>
+                                  </p:stCondLst>
+                                  <p:childTnLst>
+                                    <p:set>
+                                      <p:cBhvr>
+                                        <p:cTn id="18" dur="1" fill="hold">
+                                          <p:stCondLst>
+                                            <p:cond delay="0"/>
+                                          </p:stCondLst>
+                                        </p:cTn>
+                                        <p:tgtEl>
+                                          <p:spTgt spid="4">
+                                            <p:txEl>
+                                              <p:pRg st="3" end="3"/>
+                                            </p:txEl>
+                                          </p:spTgt>
+                                        </p:tgtEl>
+                                        <p:attrNameLst>
+                                          <p:attrName>style.visibility</p:attrName>
+                                        </p:attrNameLst>
+                                      </p:cBhvr>
+                                      <p:to>
+                                        <p:strVal val="visible"/>
+                                      </p:to>
+                                    </p:set>
+                                  </p:childTnLst>
+                                </p:cTn>
+                              </p:par>
+                            </p:childTnLst>
+                          </p:cTn>
+                        </p:par>
+                      </p:childTnLst>
+                    </p:cTn>
+                  </p:par>
+                  <p:par>
+                    <p:cTn id="19" fill="hold">
+                      <p:stCondLst>
+                        <p:cond delay="indefinite"/>
+                      </p:stCondLst>
+                      <p:childTnLst>
+                        <p:par>
+                          <p:cTn id="20" fill="hold">
+                            <p:stCondLst>
+                              <p:cond delay="0"/>
+                            </p:stCondLst>
+                            <p:childTnLst>
+                              <p:par>
+                                <p:cTn id="21" presetID="1" presetClass="entr" presetSubtype="0" fill="hold" nodeType="clickEffect">
+                                  <p:stCondLst>
+                                    <p:cond delay="0"/>
+                                  </p:stCondLst>
+                                  <p:childTnLst>
+                                    <p:set>
+                                      <p:cBhvr>
+                                        <p:cTn id="22" dur="1" fill="hold">
+                                          <p:stCondLst>
+                                            <p:cond delay="0"/>
+                                          </p:stCondLst>
+                                        </p:cTn>
+                                        <p:tgtEl>
+                                          <p:spTgt spid="4">
+                                            <p:txEl>
+                                              <p:pRg st="4" end="4"/>
+                                            </p:txEl>
+                                          </p:spTgt>
+                                        </p:tgtEl>
+                                        <p:attrNameLst>
+                                          <p:attrName>style.visibility</p:attrName>
+                                        </p:attrNameLst>
+                                      </p:cBhvr>
+                                      <p:to>
+                                        <p:strVal val="visible"/>
+                                      </p:to>
+                                    </p:set>
+                                  </p:childTnLst>
+                                </p:cTn>
+                              </p:par>
+                            </p:childTnLst>
+                          </p:cTn>
+                        </p:par>
+                      </p:childTnLst>
+                    </p:cTn>
+                  </p:par>
+                  <p:par>
+                    <p:cTn id="23" fill="hold">
+                      <p:stCondLst>
+                        <p:cond delay="indefinite"/>
+                      </p:stCondLst>
+                      <p:childTnLst>
+                        <p:par>
+                          <p:cTn id="24" fill="hold">
+                            <p:stCondLst>
+                              <p:cond delay="0"/>
+                            </p:stCondLst>
+                            <p:childTnLst>
+                              <p:par>
+                                <p:cTn id="25" presetID="1" presetClass="entr" presetSubtype="0" fill="hold" nodeType="clickEffect">
+                                  <p:stCondLst>
+                                    <p:cond delay="0"/>
+                                  </p:stCondLst>
+                                  <p:childTnLst>
+                                    <p:set>
+                                      <p:cBhvr>
+                                        <p:cTn id="26" dur="1" fill="hold">
+                                          <p:stCondLst>
+                                            <p:cond delay="0"/>
+                                          </p:stCondLst>
+                                        </p:cTn>
+                                        <p:tgtEl>
+                                          <p:spTgt spid="56"/>
+                                        </p:tgtEl>
+                                        <p:attrNameLst>
+                                          <p:attrName>style.visibility</p:attrName>
+                                        </p:attrNameLst>
+                                      </p:cBhvr>
+                                      <p:to>
+                                        <p:strVal val="visible"/>
+                                      </p:to>
+                                    </p:set>
+                                  </p:childTnLst>
+                                </p:cTn>
+                              </p:par>
+                            </p:childTnLst>
+                          </p:cTn>
+                        </p:par>
+                      </p:childTnLst>
+                    </p:cTn>
+                  </p:par>
+                </p:childTnLst>
+              </p:cTn>
+              <p:prevCondLst>
+                <p:cond evt="onPrev" delay="0">
+                  <p:tgtEl>
+                    <p:sldTgt/>
+                  </p:tgtEl>
+                </p:cond>
+              </p:prevCondLst>
+              <p:nextCondLst>
+                <p:cond evt="onNext" delay="0">
+                  <p:tgtEl>
+                    <p:sldTgt/>
+                  </p:tgtEl>
+                </p:cond>
+              </p:nextCondLst>
+            </p:seq>
+          </p:childTnLst>
+        </p:cTn>
       </p:par>
     </p:tnLst>
   </p:timing>
 </p:sld>
 </file>
 
-<file path=ppt/slides/slide7.xml><?xml version="1.0" encoding="utf-8"?>
+<file path=ppt/slides/slide8.xml><?xml version="1.0" encoding="utf-8"?>
 <p:sld xmlns:a="http://schemas.openxmlformats.org/drawingml/2006/main" xmlns:r="http://schemas.openxmlformats.org/officeDocument/2006/relationships" xmlns:p="http://schemas.openxmlformats.org/presentationml/2006/main">
   <p:cSld>
     <p:spTree>
@@ -8638,32 +11976,1825 @@
           <a:lstStyle/>
           <a:p>
             <a:r>
-              <a:rPr lang="nl-NL" dirty="0" err="1" smtClean="0"/>
+              <a:rPr lang="nl-NL" dirty="0" err="1" smtClean="0">
+                <a:solidFill>
+                  <a:srgbClr val="C00000"/>
+                </a:solidFill>
+              </a:rPr>
               <a:t>Results</a:t>
             </a:r>
-            <a:endParaRPr lang="nl-NL" dirty="0"/>
+            <a:endParaRPr lang="nl-NL" dirty="0">
+              <a:solidFill>
+                <a:srgbClr val="C00000"/>
+              </a:solidFill>
+            </a:endParaRPr>
           </a:p>
         </p:txBody>
       </p:sp>
-      <p:sp>
-        <p:nvSpPr>
-          <p:cNvPr id="6" name="Tijdelijke aanduiding voor inhoud 5"/>
-          <p:cNvSpPr>
-            <a:spLocks noGrp="1"/>
-          </p:cNvSpPr>
+      <p:graphicFrame>
+        <p:nvGraphicFramePr>
+          <p:cNvPr id="5" name="Content Placeholder 4"/>
+          <p:cNvGraphicFramePr>
+            <a:graphicFrameLocks noGrp="1"/>
+          </p:cNvGraphicFramePr>
           <p:nvPr>
             <p:ph idx="1"/>
+            <p:extLst>
+              <p:ext uri="{D42A27DB-BD31-4B8C-83A1-F6EECF244321}">
+                <p14:modId xmlns:p14="http://schemas.microsoft.com/office/powerpoint/2010/main" val="1673654189"/>
+              </p:ext>
+            </p:extLst>
           </p:nvPr>
-        </p:nvSpPr>
-        <p:spPr/>
-        <p:txBody>
-          <a:bodyPr/>
-          <a:lstStyle/>
-          <a:p>
-            <a:endParaRPr lang="nl-NL" dirty="0"/>
-          </a:p>
-        </p:txBody>
-      </p:sp>
+        </p:nvGraphicFramePr>
+        <p:xfrm>
+          <a:off x="1808018" y="1488421"/>
+          <a:ext cx="13695218" cy="6209857"/>
+        </p:xfrm>
+        <a:graphic>
+          <a:graphicData uri="http://schemas.openxmlformats.org/drawingml/2006/table">
+            <a:tbl>
+              <a:tblPr/>
+              <a:tblGrid>
+                <a:gridCol w="3691527"/>
+                <a:gridCol w="5119383"/>
+                <a:gridCol w="1671634"/>
+                <a:gridCol w="3212674"/>
+              </a:tblGrid>
+              <a:tr h="548197">
+                <a:tc>
+                  <a:txBody>
+                    <a:bodyPr/>
+                    <a:lstStyle/>
+                    <a:p>
+                      <a:pPr algn="l" fontAlgn="b"/>
+                      <a:r>
+                        <a:rPr lang="nl-NL" sz="2800" b="0" i="0" u="none" strike="noStrike" dirty="0">
+                          <a:solidFill>
+                            <a:srgbClr val="FFFFFF"/>
+                          </a:solidFill>
+                          <a:effectLst/>
+                          <a:latin typeface="Calibri" panose="020F0502020204030204" pitchFamily="34" charset="0"/>
+                        </a:rPr>
+                        <a:t>Model</a:t>
+                      </a:r>
+                    </a:p>
+                  </a:txBody>
+                  <a:tcPr marL="9525" marR="9525" marT="9525" marB="0" anchor="b">
+                    <a:lnL>
+                      <a:noFill/>
+                    </a:lnL>
+                    <a:lnR>
+                      <a:noFill/>
+                    </a:lnR>
+                    <a:lnT>
+                      <a:noFill/>
+                    </a:lnT>
+                    <a:lnB>
+                      <a:noFill/>
+                    </a:lnB>
+                    <a:solidFill>
+                      <a:srgbClr val="C00000"/>
+                    </a:solidFill>
+                  </a:tcPr>
+                </a:tc>
+                <a:tc>
+                  <a:txBody>
+                    <a:bodyPr/>
+                    <a:lstStyle/>
+                    <a:p>
+                      <a:pPr algn="l" fontAlgn="b"/>
+                      <a:r>
+                        <a:rPr lang="nl-NL" sz="2800" b="0" i="0" u="none" strike="noStrike" dirty="0">
+                          <a:solidFill>
+                            <a:srgbClr val="FFFFFF"/>
+                          </a:solidFill>
+                          <a:effectLst/>
+                          <a:latin typeface="Calibri" panose="020F0502020204030204" pitchFamily="34" charset="0"/>
+                        </a:rPr>
+                        <a:t>Extra info</a:t>
+                      </a:r>
+                    </a:p>
+                  </a:txBody>
+                  <a:tcPr marL="9525" marR="9525" marT="9525" marB="0" anchor="b">
+                    <a:lnL>
+                      <a:noFill/>
+                    </a:lnL>
+                    <a:lnR>
+                      <a:noFill/>
+                    </a:lnR>
+                    <a:lnT>
+                      <a:noFill/>
+                    </a:lnT>
+                    <a:lnB>
+                      <a:noFill/>
+                    </a:lnB>
+                    <a:solidFill>
+                      <a:srgbClr val="C00000"/>
+                    </a:solidFill>
+                  </a:tcPr>
+                </a:tc>
+                <a:tc>
+                  <a:txBody>
+                    <a:bodyPr/>
+                    <a:lstStyle/>
+                    <a:p>
+                      <a:pPr algn="l" fontAlgn="b"/>
+                      <a:r>
+                        <a:rPr lang="nl-NL" sz="2800" b="0" i="0" u="none" strike="noStrike">
+                          <a:solidFill>
+                            <a:srgbClr val="FFFFFF"/>
+                          </a:solidFill>
+                          <a:effectLst/>
+                          <a:latin typeface="Calibri" panose="020F0502020204030204" pitchFamily="34" charset="0"/>
+                        </a:rPr>
+                        <a:t>RMSLE</a:t>
+                      </a:r>
+                    </a:p>
+                  </a:txBody>
+                  <a:tcPr marL="9525" marR="9525" marT="9525" marB="0" anchor="b">
+                    <a:lnL>
+                      <a:noFill/>
+                    </a:lnL>
+                    <a:lnR>
+                      <a:noFill/>
+                    </a:lnR>
+                    <a:lnT>
+                      <a:noFill/>
+                    </a:lnT>
+                    <a:lnB>
+                      <a:noFill/>
+                    </a:lnB>
+                    <a:solidFill>
+                      <a:srgbClr val="C00000"/>
+                    </a:solidFill>
+                  </a:tcPr>
+                </a:tc>
+                <a:tc>
+                  <a:txBody>
+                    <a:bodyPr/>
+                    <a:lstStyle/>
+                    <a:p>
+                      <a:pPr algn="l" fontAlgn="b"/>
+                      <a:r>
+                        <a:rPr lang="nl-NL" sz="2800" b="0" i="0" u="none" strike="noStrike">
+                          <a:solidFill>
+                            <a:srgbClr val="FFFFFF"/>
+                          </a:solidFill>
+                          <a:effectLst/>
+                          <a:latin typeface="Calibri" panose="020F0502020204030204" pitchFamily="34" charset="0"/>
+                        </a:rPr>
+                        <a:t>Kaggle Rank</a:t>
+                      </a:r>
+                    </a:p>
+                  </a:txBody>
+                  <a:tcPr marL="9525" marR="9525" marT="9525" marB="0" anchor="b">
+                    <a:lnL>
+                      <a:noFill/>
+                    </a:lnL>
+                    <a:lnR>
+                      <a:noFill/>
+                    </a:lnR>
+                    <a:lnT>
+                      <a:noFill/>
+                    </a:lnT>
+                    <a:lnB>
+                      <a:noFill/>
+                    </a:lnB>
+                    <a:solidFill>
+                      <a:srgbClr val="C00000"/>
+                    </a:solidFill>
+                  </a:tcPr>
+                </a:tc>
+              </a:tr>
+              <a:tr h="418024">
+                <a:tc>
+                  <a:txBody>
+                    <a:bodyPr/>
+                    <a:lstStyle/>
+                    <a:p>
+                      <a:pPr algn="l" fontAlgn="b"/>
+                      <a:r>
+                        <a:rPr lang="nl-NL" sz="2800" b="0" i="0" u="none" strike="noStrike">
+                          <a:solidFill>
+                            <a:srgbClr val="000000"/>
+                          </a:solidFill>
+                          <a:effectLst/>
+                          <a:latin typeface="Calibri" panose="020F0502020204030204" pitchFamily="34" charset="0"/>
+                        </a:rPr>
+                        <a:t>XGBoost </a:t>
+                      </a:r>
+                    </a:p>
+                  </a:txBody>
+                  <a:tcPr marL="9525" marR="9525" marT="9525" marB="0" anchor="b">
+                    <a:lnL>
+                      <a:noFill/>
+                    </a:lnL>
+                    <a:lnR>
+                      <a:noFill/>
+                    </a:lnR>
+                    <a:lnT>
+                      <a:noFill/>
+                    </a:lnT>
+                    <a:lnB>
+                      <a:noFill/>
+                    </a:lnB>
+                  </a:tcPr>
+                </a:tc>
+                <a:tc>
+                  <a:txBody>
+                    <a:bodyPr/>
+                    <a:lstStyle/>
+                    <a:p>
+                      <a:pPr algn="l" fontAlgn="b"/>
+                      <a:r>
+                        <a:rPr lang="nl-NL" sz="2800" b="0" i="0" u="none" strike="noStrike">
+                          <a:solidFill>
+                            <a:srgbClr val="000000"/>
+                          </a:solidFill>
+                          <a:effectLst/>
+                          <a:latin typeface="Calibri" panose="020F0502020204030204" pitchFamily="34" charset="0"/>
+                        </a:rPr>
+                        <a:t>Ensemble with three models</a:t>
+                      </a:r>
+                    </a:p>
+                  </a:txBody>
+                  <a:tcPr marL="9525" marR="9525" marT="9525" marB="0" anchor="b">
+                    <a:lnL>
+                      <a:noFill/>
+                    </a:lnL>
+                    <a:lnR>
+                      <a:noFill/>
+                    </a:lnR>
+                    <a:lnT>
+                      <a:noFill/>
+                    </a:lnT>
+                    <a:lnB>
+                      <a:noFill/>
+                    </a:lnB>
+                  </a:tcPr>
+                </a:tc>
+                <a:tc>
+                  <a:txBody>
+                    <a:bodyPr/>
+                    <a:lstStyle/>
+                    <a:p>
+                      <a:pPr algn="r" fontAlgn="b"/>
+                      <a:r>
+                        <a:rPr lang="nl-NL" sz="2800" b="0" i="0" u="none" strike="noStrike">
+                          <a:solidFill>
+                            <a:srgbClr val="000000"/>
+                          </a:solidFill>
+                          <a:effectLst/>
+                          <a:latin typeface="Calibri" panose="020F0502020204030204" pitchFamily="34" charset="0"/>
+                        </a:rPr>
+                        <a:t>0.31038</a:t>
+                      </a:r>
+                    </a:p>
+                  </a:txBody>
+                  <a:tcPr marL="9525" marR="9525" marT="9525" marB="0" anchor="b">
+                    <a:lnL>
+                      <a:noFill/>
+                    </a:lnL>
+                    <a:lnR>
+                      <a:noFill/>
+                    </a:lnR>
+                    <a:lnT>
+                      <a:noFill/>
+                    </a:lnT>
+                    <a:lnB>
+                      <a:noFill/>
+                    </a:lnB>
+                  </a:tcPr>
+                </a:tc>
+                <a:tc>
+                  <a:txBody>
+                    <a:bodyPr/>
+                    <a:lstStyle/>
+                    <a:p>
+                      <a:pPr algn="r" fontAlgn="b"/>
+                      <a:r>
+                        <a:rPr lang="nl-NL" sz="2800" b="0" i="0" u="none" strike="noStrike">
+                          <a:solidFill>
+                            <a:srgbClr val="000000"/>
+                          </a:solidFill>
+                          <a:effectLst/>
+                          <a:latin typeface="Calibri" panose="020F0502020204030204" pitchFamily="34" charset="0"/>
+                        </a:rPr>
+                        <a:t>134</a:t>
+                      </a:r>
+                    </a:p>
+                  </a:txBody>
+                  <a:tcPr marL="9525" marR="9525" marT="9525" marB="0" anchor="b">
+                    <a:lnL>
+                      <a:noFill/>
+                    </a:lnL>
+                    <a:lnR>
+                      <a:noFill/>
+                    </a:lnR>
+                    <a:lnT>
+                      <a:noFill/>
+                    </a:lnT>
+                    <a:lnB>
+                      <a:noFill/>
+                    </a:lnB>
+                  </a:tcPr>
+                </a:tc>
+              </a:tr>
+              <a:tr h="424814">
+                <a:tc>
+                  <a:txBody>
+                    <a:bodyPr/>
+                    <a:lstStyle/>
+                    <a:p>
+                      <a:pPr algn="l" fontAlgn="b"/>
+                      <a:r>
+                        <a:rPr lang="nl-NL" sz="2800" b="0" i="0" u="none" strike="noStrike">
+                          <a:solidFill>
+                            <a:srgbClr val="000000"/>
+                          </a:solidFill>
+                          <a:effectLst/>
+                          <a:latin typeface="Calibri" panose="020F0502020204030204" pitchFamily="34" charset="0"/>
+                        </a:rPr>
+                        <a:t>XGBoost </a:t>
+                      </a:r>
+                    </a:p>
+                  </a:txBody>
+                  <a:tcPr marL="9525" marR="9525" marT="9525" marB="0" anchor="b">
+                    <a:lnL>
+                      <a:noFill/>
+                    </a:lnL>
+                    <a:lnR>
+                      <a:noFill/>
+                    </a:lnR>
+                    <a:lnT>
+                      <a:noFill/>
+                    </a:lnT>
+                    <a:lnB>
+                      <a:noFill/>
+                    </a:lnB>
+                  </a:tcPr>
+                </a:tc>
+                <a:tc>
+                  <a:txBody>
+                    <a:bodyPr/>
+                    <a:lstStyle/>
+                    <a:p>
+                      <a:pPr algn="l" fontAlgn="b"/>
+                      <a:r>
+                        <a:rPr lang="nl-NL" sz="2800" b="0" i="0" u="none" strike="noStrike">
+                          <a:solidFill>
+                            <a:srgbClr val="000000"/>
+                          </a:solidFill>
+                          <a:effectLst/>
+                          <a:latin typeface="Calibri" panose="020F0502020204030204" pitchFamily="34" charset="0"/>
+                        </a:rPr>
+                        <a:t>Ensemble with three models</a:t>
+                      </a:r>
+                    </a:p>
+                  </a:txBody>
+                  <a:tcPr marL="9525" marR="9525" marT="9525" marB="0" anchor="b">
+                    <a:lnL>
+                      <a:noFill/>
+                    </a:lnL>
+                    <a:lnR>
+                      <a:noFill/>
+                    </a:lnR>
+                    <a:lnT>
+                      <a:noFill/>
+                    </a:lnT>
+                    <a:lnB>
+                      <a:noFill/>
+                    </a:lnB>
+                  </a:tcPr>
+                </a:tc>
+                <a:tc>
+                  <a:txBody>
+                    <a:bodyPr/>
+                    <a:lstStyle/>
+                    <a:p>
+                      <a:pPr algn="r" fontAlgn="b"/>
+                      <a:r>
+                        <a:rPr lang="nl-NL" sz="2800" b="0" i="0" u="none" strike="noStrike">
+                          <a:solidFill>
+                            <a:srgbClr val="000000"/>
+                          </a:solidFill>
+                          <a:effectLst/>
+                          <a:latin typeface="Calibri" panose="020F0502020204030204" pitchFamily="34" charset="0"/>
+                        </a:rPr>
+                        <a:t>0.31062</a:t>
+                      </a:r>
+                    </a:p>
+                  </a:txBody>
+                  <a:tcPr marL="9525" marR="9525" marT="9525" marB="0" anchor="b">
+                    <a:lnL>
+                      <a:noFill/>
+                    </a:lnL>
+                    <a:lnR>
+                      <a:noFill/>
+                    </a:lnR>
+                    <a:lnT>
+                      <a:noFill/>
+                    </a:lnT>
+                    <a:lnB>
+                      <a:noFill/>
+                    </a:lnB>
+                  </a:tcPr>
+                </a:tc>
+                <a:tc>
+                  <a:txBody>
+                    <a:bodyPr/>
+                    <a:lstStyle/>
+                    <a:p>
+                      <a:pPr algn="r" fontAlgn="b"/>
+                      <a:r>
+                        <a:rPr lang="nl-NL" sz="2800" b="0" i="0" u="none" strike="noStrike">
+                          <a:solidFill>
+                            <a:srgbClr val="000000"/>
+                          </a:solidFill>
+                          <a:effectLst/>
+                          <a:latin typeface="Calibri" panose="020F0502020204030204" pitchFamily="34" charset="0"/>
+                        </a:rPr>
+                        <a:t>420</a:t>
+                      </a:r>
+                    </a:p>
+                  </a:txBody>
+                  <a:tcPr marL="9525" marR="9525" marT="9525" marB="0" anchor="b">
+                    <a:lnL>
+                      <a:noFill/>
+                    </a:lnL>
+                    <a:lnR>
+                      <a:noFill/>
+                    </a:lnR>
+                    <a:lnT>
+                      <a:noFill/>
+                    </a:lnT>
+                    <a:lnB>
+                      <a:noFill/>
+                    </a:lnB>
+                  </a:tcPr>
+                </a:tc>
+              </a:tr>
+              <a:tr h="418024">
+                <a:tc>
+                  <a:txBody>
+                    <a:bodyPr/>
+                    <a:lstStyle/>
+                    <a:p>
+                      <a:pPr algn="l" fontAlgn="b"/>
+                      <a:r>
+                        <a:rPr lang="nl-NL" sz="2800" b="0" i="0" u="none" strike="noStrike">
+                          <a:solidFill>
+                            <a:srgbClr val="000000"/>
+                          </a:solidFill>
+                          <a:effectLst/>
+                          <a:latin typeface="Calibri" panose="020F0502020204030204" pitchFamily="34" charset="0"/>
+                        </a:rPr>
+                        <a:t>XGBoost </a:t>
+                      </a:r>
+                    </a:p>
+                  </a:txBody>
+                  <a:tcPr marL="9525" marR="9525" marT="9525" marB="0" anchor="b">
+                    <a:lnL>
+                      <a:noFill/>
+                    </a:lnL>
+                    <a:lnR>
+                      <a:noFill/>
+                    </a:lnR>
+                    <a:lnT>
+                      <a:noFill/>
+                    </a:lnT>
+                    <a:lnB>
+                      <a:noFill/>
+                    </a:lnB>
+                  </a:tcPr>
+                </a:tc>
+                <a:tc>
+                  <a:txBody>
+                    <a:bodyPr/>
+                    <a:lstStyle/>
+                    <a:p>
+                      <a:pPr algn="l" fontAlgn="b"/>
+                      <a:r>
+                        <a:rPr lang="nl-NL" sz="2800" b="0" i="0" u="none" strike="noStrike">
+                          <a:solidFill>
+                            <a:srgbClr val="000000"/>
+                          </a:solidFill>
+                          <a:effectLst/>
+                          <a:latin typeface="Calibri" panose="020F0502020204030204" pitchFamily="34" charset="0"/>
+                        </a:rPr>
+                        <a:t>Single model</a:t>
+                      </a:r>
+                    </a:p>
+                  </a:txBody>
+                  <a:tcPr marL="9525" marR="9525" marT="9525" marB="0" anchor="b">
+                    <a:lnL>
+                      <a:noFill/>
+                    </a:lnL>
+                    <a:lnR>
+                      <a:noFill/>
+                    </a:lnR>
+                    <a:lnT>
+                      <a:noFill/>
+                    </a:lnT>
+                    <a:lnB>
+                      <a:noFill/>
+                    </a:lnB>
+                  </a:tcPr>
+                </a:tc>
+                <a:tc>
+                  <a:txBody>
+                    <a:bodyPr/>
+                    <a:lstStyle/>
+                    <a:p>
+                      <a:pPr algn="r" fontAlgn="b"/>
+                      <a:r>
+                        <a:rPr lang="nl-NL" sz="2800" b="0" i="0" u="none" strike="noStrike">
+                          <a:solidFill>
+                            <a:srgbClr val="000000"/>
+                          </a:solidFill>
+                          <a:effectLst/>
+                          <a:latin typeface="Calibri" panose="020F0502020204030204" pitchFamily="34" charset="0"/>
+                        </a:rPr>
+                        <a:t>0.32575</a:t>
+                      </a:r>
+                    </a:p>
+                  </a:txBody>
+                  <a:tcPr marL="9525" marR="9525" marT="9525" marB="0" anchor="b">
+                    <a:lnL>
+                      <a:noFill/>
+                    </a:lnL>
+                    <a:lnR>
+                      <a:noFill/>
+                    </a:lnR>
+                    <a:lnT>
+                      <a:noFill/>
+                    </a:lnT>
+                    <a:lnB>
+                      <a:noFill/>
+                    </a:lnB>
+                  </a:tcPr>
+                </a:tc>
+                <a:tc>
+                  <a:txBody>
+                    <a:bodyPr/>
+                    <a:lstStyle/>
+                    <a:p>
+                      <a:pPr algn="r" fontAlgn="b"/>
+                      <a:r>
+                        <a:rPr lang="nl-NL" sz="2800" b="0" i="0" u="none" strike="noStrike">
+                          <a:solidFill>
+                            <a:srgbClr val="000000"/>
+                          </a:solidFill>
+                          <a:effectLst/>
+                          <a:latin typeface="Calibri" panose="020F0502020204030204" pitchFamily="34" charset="0"/>
+                        </a:rPr>
+                        <a:t>1856</a:t>
+                      </a:r>
+                    </a:p>
+                  </a:txBody>
+                  <a:tcPr marL="9525" marR="9525" marT="9525" marB="0" anchor="b">
+                    <a:lnL>
+                      <a:noFill/>
+                    </a:lnL>
+                    <a:lnR>
+                      <a:noFill/>
+                    </a:lnR>
+                    <a:lnT>
+                      <a:noFill/>
+                    </a:lnT>
+                    <a:lnB>
+                      <a:noFill/>
+                    </a:lnB>
+                  </a:tcPr>
+                </a:tc>
+              </a:tr>
+              <a:tr h="826922">
+                <a:tc>
+                  <a:txBody>
+                    <a:bodyPr/>
+                    <a:lstStyle/>
+                    <a:p>
+                      <a:pPr algn="l" fontAlgn="b"/>
+                      <a:r>
+                        <a:rPr lang="nl-NL" sz="2800" b="0" i="0" u="none" strike="noStrike">
+                          <a:solidFill>
+                            <a:srgbClr val="000000"/>
+                          </a:solidFill>
+                          <a:effectLst/>
+                          <a:latin typeface="Calibri" panose="020F0502020204030204" pitchFamily="34" charset="0"/>
+                        </a:rPr>
+                        <a:t>Gradient Boosting Regressor</a:t>
+                      </a:r>
+                    </a:p>
+                  </a:txBody>
+                  <a:tcPr marL="9525" marR="9525" marT="9525" marB="0" anchor="b">
+                    <a:lnL>
+                      <a:noFill/>
+                    </a:lnL>
+                    <a:lnR>
+                      <a:noFill/>
+                    </a:lnR>
+                    <a:lnT>
+                      <a:noFill/>
+                    </a:lnT>
+                    <a:lnB>
+                      <a:noFill/>
+                    </a:lnB>
+                  </a:tcPr>
+                </a:tc>
+                <a:tc>
+                  <a:txBody>
+                    <a:bodyPr/>
+                    <a:lstStyle/>
+                    <a:p>
+                      <a:pPr algn="l" fontAlgn="b"/>
+                      <a:r>
+                        <a:rPr lang="nl-NL" sz="2800" b="0" i="0" u="none" strike="noStrike">
+                          <a:solidFill>
+                            <a:srgbClr val="000000"/>
+                          </a:solidFill>
+                          <a:effectLst/>
+                          <a:latin typeface="Calibri" panose="020F0502020204030204" pitchFamily="34" charset="0"/>
+                        </a:rPr>
+                        <a:t>trained on 2015</a:t>
+                      </a:r>
+                    </a:p>
+                  </a:txBody>
+                  <a:tcPr marL="9525" marR="9525" marT="9525" marB="0" anchor="b">
+                    <a:lnL>
+                      <a:noFill/>
+                    </a:lnL>
+                    <a:lnR>
+                      <a:noFill/>
+                    </a:lnR>
+                    <a:lnT>
+                      <a:noFill/>
+                    </a:lnT>
+                    <a:lnB>
+                      <a:noFill/>
+                    </a:lnB>
+                  </a:tcPr>
+                </a:tc>
+                <a:tc>
+                  <a:txBody>
+                    <a:bodyPr/>
+                    <a:lstStyle/>
+                    <a:p>
+                      <a:pPr algn="r" fontAlgn="b"/>
+                      <a:r>
+                        <a:rPr lang="nl-NL" sz="2800" b="0" i="0" u="none" strike="noStrike">
+                          <a:solidFill>
+                            <a:srgbClr val="000000"/>
+                          </a:solidFill>
+                          <a:effectLst/>
+                          <a:latin typeface="Calibri" panose="020F0502020204030204" pitchFamily="34" charset="0"/>
+                        </a:rPr>
+                        <a:t>0.41384</a:t>
+                      </a:r>
+                    </a:p>
+                  </a:txBody>
+                  <a:tcPr marL="9525" marR="9525" marT="9525" marB="0" anchor="b">
+                    <a:lnL>
+                      <a:noFill/>
+                    </a:lnL>
+                    <a:lnR>
+                      <a:noFill/>
+                    </a:lnR>
+                    <a:lnT>
+                      <a:noFill/>
+                    </a:lnT>
+                    <a:lnB>
+                      <a:noFill/>
+                    </a:lnB>
+                  </a:tcPr>
+                </a:tc>
+                <a:tc>
+                  <a:txBody>
+                    <a:bodyPr/>
+                    <a:lstStyle/>
+                    <a:p>
+                      <a:pPr algn="r" fontAlgn="b"/>
+                      <a:r>
+                        <a:rPr lang="nl-NL" sz="2800" b="0" i="0" u="none" strike="noStrike">
+                          <a:solidFill>
+                            <a:srgbClr val="000000"/>
+                          </a:solidFill>
+                          <a:effectLst/>
+                          <a:latin typeface="Calibri" panose="020F0502020204030204" pitchFamily="34" charset="0"/>
+                        </a:rPr>
+                        <a:t>2767</a:t>
+                      </a:r>
+                    </a:p>
+                  </a:txBody>
+                  <a:tcPr marL="9525" marR="9525" marT="9525" marB="0" anchor="b">
+                    <a:lnL>
+                      <a:noFill/>
+                    </a:lnL>
+                    <a:lnR>
+                      <a:noFill/>
+                    </a:lnR>
+                    <a:lnT>
+                      <a:noFill/>
+                    </a:lnT>
+                    <a:lnB>
+                      <a:noFill/>
+                    </a:lnB>
+                  </a:tcPr>
+                </a:tc>
+              </a:tr>
+              <a:tr h="418024">
+                <a:tc>
+                  <a:txBody>
+                    <a:bodyPr/>
+                    <a:lstStyle/>
+                    <a:p>
+                      <a:pPr algn="l" fontAlgn="b"/>
+                      <a:r>
+                        <a:rPr lang="nl-NL" sz="2800" b="0" i="0" u="none" strike="noStrike">
+                          <a:solidFill>
+                            <a:srgbClr val="000000"/>
+                          </a:solidFill>
+                          <a:effectLst/>
+                          <a:latin typeface="Calibri" panose="020F0502020204030204" pitchFamily="34" charset="0"/>
+                        </a:rPr>
+                        <a:t>DNN</a:t>
+                      </a:r>
+                    </a:p>
+                  </a:txBody>
+                  <a:tcPr marL="9525" marR="9525" marT="9525" marB="0" anchor="b">
+                    <a:lnL>
+                      <a:noFill/>
+                    </a:lnL>
+                    <a:lnR>
+                      <a:noFill/>
+                    </a:lnR>
+                    <a:lnT>
+                      <a:noFill/>
+                    </a:lnT>
+                    <a:lnB>
+                      <a:noFill/>
+                    </a:lnB>
+                  </a:tcPr>
+                </a:tc>
+                <a:tc>
+                  <a:txBody>
+                    <a:bodyPr/>
+                    <a:lstStyle/>
+                    <a:p>
+                      <a:pPr algn="l" fontAlgn="b"/>
+                      <a:r>
+                        <a:rPr lang="nl-NL" sz="2800" b="0" i="0" u="none" strike="noStrike">
+                          <a:solidFill>
+                            <a:srgbClr val="000000"/>
+                          </a:solidFill>
+                          <a:effectLst/>
+                          <a:latin typeface="Calibri" panose="020F0502020204030204" pitchFamily="34" charset="0"/>
+                        </a:rPr>
+                        <a:t>10-layer </a:t>
+                      </a:r>
+                    </a:p>
+                  </a:txBody>
+                  <a:tcPr marL="9525" marR="9525" marT="9525" marB="0" anchor="b">
+                    <a:lnL>
+                      <a:noFill/>
+                    </a:lnL>
+                    <a:lnR>
+                      <a:noFill/>
+                    </a:lnR>
+                    <a:lnT>
+                      <a:noFill/>
+                    </a:lnT>
+                    <a:lnB>
+                      <a:noFill/>
+                    </a:lnB>
+                  </a:tcPr>
+                </a:tc>
+                <a:tc>
+                  <a:txBody>
+                    <a:bodyPr/>
+                    <a:lstStyle/>
+                    <a:p>
+                      <a:pPr algn="r" fontAlgn="b"/>
+                      <a:r>
+                        <a:rPr lang="nl-NL" sz="2800" b="0" i="0" u="none" strike="noStrike">
+                          <a:solidFill>
+                            <a:srgbClr val="000000"/>
+                          </a:solidFill>
+                          <a:effectLst/>
+                          <a:latin typeface="Calibri" panose="020F0502020204030204" pitchFamily="34" charset="0"/>
+                        </a:rPr>
+                        <a:t>0.467445</a:t>
+                      </a:r>
+                    </a:p>
+                  </a:txBody>
+                  <a:tcPr marL="9525" marR="9525" marT="9525" marB="0" anchor="b">
+                    <a:lnL>
+                      <a:noFill/>
+                    </a:lnL>
+                    <a:lnR>
+                      <a:noFill/>
+                    </a:lnR>
+                    <a:lnT>
+                      <a:noFill/>
+                    </a:lnT>
+                    <a:lnB>
+                      <a:noFill/>
+                    </a:lnB>
+                  </a:tcPr>
+                </a:tc>
+                <a:tc>
+                  <a:txBody>
+                    <a:bodyPr/>
+                    <a:lstStyle/>
+                    <a:p>
+                      <a:pPr algn="r" fontAlgn="b"/>
+                      <a:r>
+                        <a:rPr lang="nl-NL" sz="2800" b="0" i="0" u="none" strike="noStrike">
+                          <a:solidFill>
+                            <a:srgbClr val="000000"/>
+                          </a:solidFill>
+                          <a:effectLst/>
+                          <a:latin typeface="Calibri" panose="020F0502020204030204" pitchFamily="34" charset="0"/>
+                        </a:rPr>
+                        <a:t>2870</a:t>
+                      </a:r>
+                    </a:p>
+                  </a:txBody>
+                  <a:tcPr marL="9525" marR="9525" marT="9525" marB="0" anchor="b">
+                    <a:lnL>
+                      <a:noFill/>
+                    </a:lnL>
+                    <a:lnR>
+                      <a:noFill/>
+                    </a:lnR>
+                    <a:lnT>
+                      <a:noFill/>
+                    </a:lnT>
+                    <a:lnB>
+                      <a:noFill/>
+                    </a:lnB>
+                  </a:tcPr>
+                </a:tc>
+              </a:tr>
+              <a:tr h="418024">
+                <a:tc>
+                  <a:txBody>
+                    <a:bodyPr/>
+                    <a:lstStyle/>
+                    <a:p>
+                      <a:pPr algn="l" fontAlgn="b"/>
+                      <a:r>
+                        <a:rPr lang="nl-NL" sz="2800" b="0" i="0" u="none" strike="noStrike">
+                          <a:solidFill>
+                            <a:srgbClr val="000000"/>
+                          </a:solidFill>
+                          <a:effectLst/>
+                          <a:latin typeface="Calibri" panose="020F0502020204030204" pitchFamily="34" charset="0"/>
+                        </a:rPr>
+                        <a:t>Linear Regression</a:t>
+                      </a:r>
+                    </a:p>
+                  </a:txBody>
+                  <a:tcPr marL="9525" marR="9525" marT="9525" marB="0" anchor="b">
+                    <a:lnL>
+                      <a:noFill/>
+                    </a:lnL>
+                    <a:lnR>
+                      <a:noFill/>
+                    </a:lnR>
+                    <a:lnT>
+                      <a:noFill/>
+                    </a:lnT>
+                    <a:lnB>
+                      <a:noFill/>
+                    </a:lnB>
+                  </a:tcPr>
+                </a:tc>
+                <a:tc>
+                  <a:txBody>
+                    <a:bodyPr/>
+                    <a:lstStyle/>
+                    <a:p>
+                      <a:pPr algn="l" fontAlgn="b"/>
+                      <a:r>
+                        <a:rPr lang="nl-NL" sz="2800" b="0" i="0" u="none" strike="noStrike">
+                          <a:solidFill>
+                            <a:srgbClr val="000000"/>
+                          </a:solidFill>
+                          <a:effectLst/>
+                          <a:latin typeface="Calibri" panose="020F0502020204030204" pitchFamily="34" charset="0"/>
+                        </a:rPr>
+                        <a:t>trained on 2015</a:t>
+                      </a:r>
+                    </a:p>
+                  </a:txBody>
+                  <a:tcPr marL="9525" marR="9525" marT="9525" marB="0" anchor="b">
+                    <a:lnL>
+                      <a:noFill/>
+                    </a:lnL>
+                    <a:lnR>
+                      <a:noFill/>
+                    </a:lnR>
+                    <a:lnT>
+                      <a:noFill/>
+                    </a:lnT>
+                    <a:lnB>
+                      <a:noFill/>
+                    </a:lnB>
+                  </a:tcPr>
+                </a:tc>
+                <a:tc>
+                  <a:txBody>
+                    <a:bodyPr/>
+                    <a:lstStyle/>
+                    <a:p>
+                      <a:pPr algn="r" fontAlgn="b"/>
+                      <a:r>
+                        <a:rPr lang="nl-NL" sz="2800" b="0" i="0" u="none" strike="noStrike">
+                          <a:solidFill>
+                            <a:srgbClr val="000000"/>
+                          </a:solidFill>
+                          <a:effectLst/>
+                          <a:latin typeface="Calibri" panose="020F0502020204030204" pitchFamily="34" charset="0"/>
+                        </a:rPr>
+                        <a:t>0.49689</a:t>
+                      </a:r>
+                    </a:p>
+                  </a:txBody>
+                  <a:tcPr marL="9525" marR="9525" marT="9525" marB="0" anchor="b">
+                    <a:lnL>
+                      <a:noFill/>
+                    </a:lnL>
+                    <a:lnR>
+                      <a:noFill/>
+                    </a:lnR>
+                    <a:lnT>
+                      <a:noFill/>
+                    </a:lnT>
+                    <a:lnB>
+                      <a:noFill/>
+                    </a:lnB>
+                  </a:tcPr>
+                </a:tc>
+                <a:tc>
+                  <a:txBody>
+                    <a:bodyPr/>
+                    <a:lstStyle/>
+                    <a:p>
+                      <a:pPr algn="r" fontAlgn="b"/>
+                      <a:r>
+                        <a:rPr lang="nl-NL" sz="2800" b="0" i="0" u="none" strike="noStrike">
+                          <a:solidFill>
+                            <a:srgbClr val="000000"/>
+                          </a:solidFill>
+                          <a:effectLst/>
+                          <a:latin typeface="Calibri" panose="020F0502020204030204" pitchFamily="34" charset="0"/>
+                        </a:rPr>
+                        <a:t>2897</a:t>
+                      </a:r>
+                    </a:p>
+                  </a:txBody>
+                  <a:tcPr marL="9525" marR="9525" marT="9525" marB="0" anchor="b">
+                    <a:lnL>
+                      <a:noFill/>
+                    </a:lnL>
+                    <a:lnR>
+                      <a:noFill/>
+                    </a:lnR>
+                    <a:lnT>
+                      <a:noFill/>
+                    </a:lnT>
+                    <a:lnB>
+                      <a:noFill/>
+                    </a:lnB>
+                  </a:tcPr>
+                </a:tc>
+              </a:tr>
+              <a:tr h="418024">
+                <a:tc>
+                  <a:txBody>
+                    <a:bodyPr/>
+                    <a:lstStyle/>
+                    <a:p>
+                      <a:pPr algn="l" fontAlgn="b"/>
+                      <a:r>
+                        <a:rPr lang="nl-NL" sz="2800" b="0" i="0" u="none" strike="noStrike">
+                          <a:solidFill>
+                            <a:srgbClr val="000000"/>
+                          </a:solidFill>
+                          <a:effectLst/>
+                          <a:latin typeface="Calibri" panose="020F0502020204030204" pitchFamily="34" charset="0"/>
+                        </a:rPr>
+                        <a:t>Decision Tree </a:t>
+                      </a:r>
+                    </a:p>
+                  </a:txBody>
+                  <a:tcPr marL="9525" marR="9525" marT="9525" marB="0" anchor="b">
+                    <a:lnL>
+                      <a:noFill/>
+                    </a:lnL>
+                    <a:lnR>
+                      <a:noFill/>
+                    </a:lnR>
+                    <a:lnT>
+                      <a:noFill/>
+                    </a:lnT>
+                    <a:lnB>
+                      <a:noFill/>
+                    </a:lnB>
+                  </a:tcPr>
+                </a:tc>
+                <a:tc>
+                  <a:txBody>
+                    <a:bodyPr/>
+                    <a:lstStyle/>
+                    <a:p>
+                      <a:pPr algn="l" fontAlgn="b"/>
+                      <a:r>
+                        <a:rPr lang="nl-NL" sz="2800" b="0" i="0" u="none" strike="noStrike">
+                          <a:solidFill>
+                            <a:srgbClr val="000000"/>
+                          </a:solidFill>
+                          <a:effectLst/>
+                          <a:latin typeface="Calibri" panose="020F0502020204030204" pitchFamily="34" charset="0"/>
+                        </a:rPr>
+                        <a:t>trained on 2015</a:t>
+                      </a:r>
+                    </a:p>
+                  </a:txBody>
+                  <a:tcPr marL="9525" marR="9525" marT="9525" marB="0" anchor="b">
+                    <a:lnL>
+                      <a:noFill/>
+                    </a:lnL>
+                    <a:lnR>
+                      <a:noFill/>
+                    </a:lnR>
+                    <a:lnT>
+                      <a:noFill/>
+                    </a:lnT>
+                    <a:lnB>
+                      <a:noFill/>
+                    </a:lnB>
+                  </a:tcPr>
+                </a:tc>
+                <a:tc>
+                  <a:txBody>
+                    <a:bodyPr/>
+                    <a:lstStyle/>
+                    <a:p>
+                      <a:pPr algn="r" fontAlgn="b"/>
+                      <a:r>
+                        <a:rPr lang="nl-NL" sz="2800" b="0" i="0" u="none" strike="noStrike">
+                          <a:solidFill>
+                            <a:srgbClr val="000000"/>
+                          </a:solidFill>
+                          <a:effectLst/>
+                          <a:latin typeface="Calibri" panose="020F0502020204030204" pitchFamily="34" charset="0"/>
+                        </a:rPr>
+                        <a:t>0.5846</a:t>
+                      </a:r>
+                    </a:p>
+                  </a:txBody>
+                  <a:tcPr marL="9525" marR="9525" marT="9525" marB="0" anchor="b">
+                    <a:lnL>
+                      <a:noFill/>
+                    </a:lnL>
+                    <a:lnR>
+                      <a:noFill/>
+                    </a:lnR>
+                    <a:lnT>
+                      <a:noFill/>
+                    </a:lnT>
+                    <a:lnB>
+                      <a:noFill/>
+                    </a:lnB>
+                  </a:tcPr>
+                </a:tc>
+                <a:tc>
+                  <a:txBody>
+                    <a:bodyPr/>
+                    <a:lstStyle/>
+                    <a:p>
+                      <a:pPr algn="r" fontAlgn="b"/>
+                      <a:r>
+                        <a:rPr lang="nl-NL" sz="2800" b="0" i="0" u="none" strike="noStrike">
+                          <a:solidFill>
+                            <a:srgbClr val="000000"/>
+                          </a:solidFill>
+                          <a:effectLst/>
+                          <a:latin typeface="Calibri" panose="020F0502020204030204" pitchFamily="34" charset="0"/>
+                        </a:rPr>
+                        <a:t>3020</a:t>
+                      </a:r>
+                    </a:p>
+                  </a:txBody>
+                  <a:tcPr marL="9525" marR="9525" marT="9525" marB="0" anchor="b">
+                    <a:lnL>
+                      <a:noFill/>
+                    </a:lnL>
+                    <a:lnR>
+                      <a:noFill/>
+                    </a:lnR>
+                    <a:lnT>
+                      <a:noFill/>
+                    </a:lnT>
+                    <a:lnB>
+                      <a:noFill/>
+                    </a:lnB>
+                  </a:tcPr>
+                </a:tc>
+              </a:tr>
+              <a:tr h="418024">
+                <a:tc>
+                  <a:txBody>
+                    <a:bodyPr/>
+                    <a:lstStyle/>
+                    <a:p>
+                      <a:pPr algn="l" fontAlgn="b"/>
+                      <a:r>
+                        <a:rPr lang="nl-NL" sz="2800" b="0" i="0" u="none" strike="noStrike">
+                          <a:solidFill>
+                            <a:srgbClr val="000000"/>
+                          </a:solidFill>
+                          <a:effectLst/>
+                          <a:latin typeface="Calibri" panose="020F0502020204030204" pitchFamily="34" charset="0"/>
+                        </a:rPr>
+                        <a:t>SGD Regressor</a:t>
+                      </a:r>
+                    </a:p>
+                  </a:txBody>
+                  <a:tcPr marL="9525" marR="9525" marT="9525" marB="0" anchor="b">
+                    <a:lnL>
+                      <a:noFill/>
+                    </a:lnL>
+                    <a:lnR>
+                      <a:noFill/>
+                    </a:lnR>
+                    <a:lnT>
+                      <a:noFill/>
+                    </a:lnT>
+                    <a:lnB>
+                      <a:noFill/>
+                    </a:lnB>
+                  </a:tcPr>
+                </a:tc>
+                <a:tc>
+                  <a:txBody>
+                    <a:bodyPr/>
+                    <a:lstStyle/>
+                    <a:p>
+                      <a:pPr algn="l" fontAlgn="b"/>
+                      <a:r>
+                        <a:rPr lang="nl-NL" sz="2800" b="0" i="0" u="none" strike="noStrike">
+                          <a:solidFill>
+                            <a:srgbClr val="000000"/>
+                          </a:solidFill>
+                          <a:effectLst/>
+                          <a:latin typeface="Calibri" panose="020F0502020204030204" pitchFamily="34" charset="0"/>
+                        </a:rPr>
+                        <a:t>Naive</a:t>
+                      </a:r>
+                    </a:p>
+                  </a:txBody>
+                  <a:tcPr marL="9525" marR="9525" marT="9525" marB="0" anchor="b">
+                    <a:lnL>
+                      <a:noFill/>
+                    </a:lnL>
+                    <a:lnR>
+                      <a:noFill/>
+                    </a:lnR>
+                    <a:lnT>
+                      <a:noFill/>
+                    </a:lnT>
+                    <a:lnB>
+                      <a:noFill/>
+                    </a:lnB>
+                  </a:tcPr>
+                </a:tc>
+                <a:tc>
+                  <a:txBody>
+                    <a:bodyPr/>
+                    <a:lstStyle/>
+                    <a:p>
+                      <a:pPr algn="r" fontAlgn="b"/>
+                      <a:r>
+                        <a:rPr lang="nl-NL" sz="2800" b="0" i="0" u="none" strike="noStrike">
+                          <a:solidFill>
+                            <a:srgbClr val="000000"/>
+                          </a:solidFill>
+                          <a:effectLst/>
+                          <a:latin typeface="Calibri" panose="020F0502020204030204" pitchFamily="34" charset="0"/>
+                        </a:rPr>
+                        <a:t>0.5956</a:t>
+                      </a:r>
+                    </a:p>
+                  </a:txBody>
+                  <a:tcPr marL="9525" marR="9525" marT="9525" marB="0" anchor="b">
+                    <a:lnL>
+                      <a:noFill/>
+                    </a:lnL>
+                    <a:lnR>
+                      <a:noFill/>
+                    </a:lnR>
+                    <a:lnT>
+                      <a:noFill/>
+                    </a:lnT>
+                    <a:lnB>
+                      <a:noFill/>
+                    </a:lnB>
+                  </a:tcPr>
+                </a:tc>
+                <a:tc>
+                  <a:txBody>
+                    <a:bodyPr/>
+                    <a:lstStyle/>
+                    <a:p>
+                      <a:pPr algn="r" fontAlgn="b"/>
+                      <a:r>
+                        <a:rPr lang="nl-NL" sz="2800" b="0" i="0" u="none" strike="noStrike">
+                          <a:solidFill>
+                            <a:srgbClr val="000000"/>
+                          </a:solidFill>
+                          <a:effectLst/>
+                          <a:latin typeface="Calibri" panose="020F0502020204030204" pitchFamily="34" charset="0"/>
+                        </a:rPr>
+                        <a:t>3021</a:t>
+                      </a:r>
+                    </a:p>
+                  </a:txBody>
+                  <a:tcPr marL="9525" marR="9525" marT="9525" marB="0" anchor="b">
+                    <a:lnL>
+                      <a:noFill/>
+                    </a:lnL>
+                    <a:lnR>
+                      <a:noFill/>
+                    </a:lnR>
+                    <a:lnT>
+                      <a:noFill/>
+                    </a:lnT>
+                    <a:lnB>
+                      <a:noFill/>
+                    </a:lnB>
+                  </a:tcPr>
+                </a:tc>
+              </a:tr>
+              <a:tr h="418024">
+                <a:tc>
+                  <a:txBody>
+                    <a:bodyPr/>
+                    <a:lstStyle/>
+                    <a:p>
+                      <a:pPr algn="l" fontAlgn="b"/>
+                      <a:r>
+                        <a:rPr lang="nl-NL" sz="2800" b="0" i="0" u="none" strike="noStrike">
+                          <a:solidFill>
+                            <a:srgbClr val="000000"/>
+                          </a:solidFill>
+                          <a:effectLst/>
+                          <a:latin typeface="Calibri" panose="020F0502020204030204" pitchFamily="34" charset="0"/>
+                        </a:rPr>
+                        <a:t>XGBoost </a:t>
+                      </a:r>
+                    </a:p>
+                  </a:txBody>
+                  <a:tcPr marL="9525" marR="9525" marT="9525" marB="0" anchor="b">
+                    <a:lnL>
+                      <a:noFill/>
+                    </a:lnL>
+                    <a:lnR>
+                      <a:noFill/>
+                    </a:lnR>
+                    <a:lnT>
+                      <a:noFill/>
+                    </a:lnT>
+                    <a:lnB>
+                      <a:noFill/>
+                    </a:lnB>
+                  </a:tcPr>
+                </a:tc>
+                <a:tc>
+                  <a:txBody>
+                    <a:bodyPr/>
+                    <a:lstStyle/>
+                    <a:p>
+                      <a:pPr algn="l" fontAlgn="b"/>
+                      <a:r>
+                        <a:rPr lang="nl-NL" sz="2800" b="0" i="0" u="none" strike="noStrike">
+                          <a:solidFill>
+                            <a:srgbClr val="000000"/>
+                          </a:solidFill>
+                          <a:effectLst/>
+                          <a:latin typeface="Calibri" panose="020F0502020204030204" pitchFamily="34" charset="0"/>
+                        </a:rPr>
+                        <a:t>Baseline Model</a:t>
+                      </a:r>
+                    </a:p>
+                  </a:txBody>
+                  <a:tcPr marL="9525" marR="9525" marT="9525" marB="0" anchor="b">
+                    <a:lnL>
+                      <a:noFill/>
+                    </a:lnL>
+                    <a:lnR>
+                      <a:noFill/>
+                    </a:lnR>
+                    <a:lnT>
+                      <a:noFill/>
+                    </a:lnT>
+                    <a:lnB>
+                      <a:noFill/>
+                    </a:lnB>
+                  </a:tcPr>
+                </a:tc>
+                <a:tc>
+                  <a:txBody>
+                    <a:bodyPr/>
+                    <a:lstStyle/>
+                    <a:p>
+                      <a:pPr algn="r" fontAlgn="b"/>
+                      <a:r>
+                        <a:rPr lang="nl-NL" sz="2800" b="0" i="0" u="none" strike="noStrike">
+                          <a:solidFill>
+                            <a:srgbClr val="000000"/>
+                          </a:solidFill>
+                          <a:effectLst/>
+                          <a:latin typeface="Calibri" panose="020F0502020204030204" pitchFamily="34" charset="0"/>
+                        </a:rPr>
+                        <a:t>0.67333</a:t>
+                      </a:r>
+                    </a:p>
+                  </a:txBody>
+                  <a:tcPr marL="9525" marR="9525" marT="9525" marB="0" anchor="b">
+                    <a:lnL>
+                      <a:noFill/>
+                    </a:lnL>
+                    <a:lnR>
+                      <a:noFill/>
+                    </a:lnR>
+                    <a:lnT>
+                      <a:noFill/>
+                    </a:lnT>
+                    <a:lnB>
+                      <a:noFill/>
+                    </a:lnB>
+                  </a:tcPr>
+                </a:tc>
+                <a:tc>
+                  <a:txBody>
+                    <a:bodyPr/>
+                    <a:lstStyle/>
+                    <a:p>
+                      <a:pPr algn="r" fontAlgn="b"/>
+                      <a:r>
+                        <a:rPr lang="nl-NL" sz="2800" b="0" i="0" u="none" strike="noStrike">
+                          <a:solidFill>
+                            <a:srgbClr val="000000"/>
+                          </a:solidFill>
+                          <a:effectLst/>
+                          <a:latin typeface="Calibri" panose="020F0502020204030204" pitchFamily="34" charset="0"/>
+                        </a:rPr>
+                        <a:t>3034</a:t>
+                      </a:r>
+                    </a:p>
+                  </a:txBody>
+                  <a:tcPr marL="9525" marR="9525" marT="9525" marB="0" anchor="b">
+                    <a:lnL>
+                      <a:noFill/>
+                    </a:lnL>
+                    <a:lnR>
+                      <a:noFill/>
+                    </a:lnR>
+                    <a:lnT>
+                      <a:noFill/>
+                    </a:lnT>
+                    <a:lnB>
+                      <a:noFill/>
+                    </a:lnB>
+                  </a:tcPr>
+                </a:tc>
+              </a:tr>
+              <a:tr h="418024">
+                <a:tc>
+                  <a:txBody>
+                    <a:bodyPr/>
+                    <a:lstStyle/>
+                    <a:p>
+                      <a:pPr algn="l" fontAlgn="b"/>
+                      <a:r>
+                        <a:rPr lang="nl-NL" sz="2800" b="0" i="0" u="none" strike="noStrike">
+                          <a:solidFill>
+                            <a:srgbClr val="000000"/>
+                          </a:solidFill>
+                          <a:effectLst/>
+                          <a:latin typeface="Calibri" panose="020F0502020204030204" pitchFamily="34" charset="0"/>
+                        </a:rPr>
+                        <a:t>Random Forest</a:t>
+                      </a:r>
+                    </a:p>
+                  </a:txBody>
+                  <a:tcPr marL="9525" marR="9525" marT="9525" marB="0" anchor="b">
+                    <a:lnL>
+                      <a:noFill/>
+                    </a:lnL>
+                    <a:lnR>
+                      <a:noFill/>
+                    </a:lnR>
+                    <a:lnT>
+                      <a:noFill/>
+                    </a:lnT>
+                    <a:lnB>
+                      <a:noFill/>
+                    </a:lnB>
+                  </a:tcPr>
+                </a:tc>
+                <a:tc>
+                  <a:txBody>
+                    <a:bodyPr/>
+                    <a:lstStyle/>
+                    <a:p>
+                      <a:pPr algn="l" fontAlgn="b"/>
+                      <a:r>
+                        <a:rPr lang="nl-NL" sz="2800" b="0" i="0" u="none" strike="noStrike">
+                          <a:solidFill>
+                            <a:srgbClr val="000000"/>
+                          </a:solidFill>
+                          <a:effectLst/>
+                          <a:latin typeface="Calibri" panose="020F0502020204030204" pitchFamily="34" charset="0"/>
+                        </a:rPr>
+                        <a:t>trained on 2015</a:t>
+                      </a:r>
+                    </a:p>
+                  </a:txBody>
+                  <a:tcPr marL="9525" marR="9525" marT="9525" marB="0" anchor="b">
+                    <a:lnL>
+                      <a:noFill/>
+                    </a:lnL>
+                    <a:lnR>
+                      <a:noFill/>
+                    </a:lnR>
+                    <a:lnT>
+                      <a:noFill/>
+                    </a:lnT>
+                    <a:lnB>
+                      <a:noFill/>
+                    </a:lnB>
+                  </a:tcPr>
+                </a:tc>
+                <a:tc>
+                  <a:txBody>
+                    <a:bodyPr/>
+                    <a:lstStyle/>
+                    <a:p>
+                      <a:pPr algn="r" fontAlgn="b"/>
+                      <a:r>
+                        <a:rPr lang="nl-NL" sz="2800" b="0" i="0" u="none" strike="noStrike" dirty="0">
+                          <a:solidFill>
+                            <a:srgbClr val="000000"/>
+                          </a:solidFill>
+                          <a:effectLst/>
+                          <a:latin typeface="Calibri" panose="020F0502020204030204" pitchFamily="34" charset="0"/>
+                        </a:rPr>
+                        <a:t>0.75239</a:t>
+                      </a:r>
+                    </a:p>
+                  </a:txBody>
+                  <a:tcPr marL="9525" marR="9525" marT="9525" marB="0" anchor="b">
+                    <a:lnL>
+                      <a:noFill/>
+                    </a:lnL>
+                    <a:lnR>
+                      <a:noFill/>
+                    </a:lnR>
+                    <a:lnT>
+                      <a:noFill/>
+                    </a:lnT>
+                    <a:lnB>
+                      <a:noFill/>
+                    </a:lnB>
+                  </a:tcPr>
+                </a:tc>
+                <a:tc>
+                  <a:txBody>
+                    <a:bodyPr/>
+                    <a:lstStyle/>
+                    <a:p>
+                      <a:pPr algn="r" fontAlgn="b"/>
+                      <a:r>
+                        <a:rPr lang="nl-NL" sz="2800" b="0" i="0" u="none" strike="noStrike">
+                          <a:solidFill>
+                            <a:srgbClr val="000000"/>
+                          </a:solidFill>
+                          <a:effectLst/>
+                          <a:latin typeface="Calibri" panose="020F0502020204030204" pitchFamily="34" charset="0"/>
+                        </a:rPr>
+                        <a:t>3040</a:t>
+                      </a:r>
+                    </a:p>
+                  </a:txBody>
+                  <a:tcPr marL="9525" marR="9525" marT="9525" marB="0" anchor="b">
+                    <a:lnL>
+                      <a:noFill/>
+                    </a:lnL>
+                    <a:lnR>
+                      <a:noFill/>
+                    </a:lnR>
+                    <a:lnT>
+                      <a:noFill/>
+                    </a:lnT>
+                    <a:lnB>
+                      <a:noFill/>
+                    </a:lnB>
+                  </a:tcPr>
+                </a:tc>
+              </a:tr>
+              <a:tr h="418024">
+                <a:tc>
+                  <a:txBody>
+                    <a:bodyPr/>
+                    <a:lstStyle/>
+                    <a:p>
+                      <a:pPr algn="l" fontAlgn="b"/>
+                      <a:r>
+                        <a:rPr lang="nl-NL" sz="2800" b="0" i="0" u="none" strike="noStrike">
+                          <a:solidFill>
+                            <a:srgbClr val="000000"/>
+                          </a:solidFill>
+                          <a:effectLst/>
+                          <a:latin typeface="Calibri" panose="020F0502020204030204" pitchFamily="34" charset="0"/>
+                        </a:rPr>
+                        <a:t>KNN Regressor</a:t>
+                      </a:r>
+                    </a:p>
+                  </a:txBody>
+                  <a:tcPr marL="9525" marR="9525" marT="9525" marB="0" anchor="b">
+                    <a:lnL>
+                      <a:noFill/>
+                    </a:lnL>
+                    <a:lnR>
+                      <a:noFill/>
+                    </a:lnR>
+                    <a:lnT>
+                      <a:noFill/>
+                    </a:lnT>
+                    <a:lnB>
+                      <a:noFill/>
+                    </a:lnB>
+                  </a:tcPr>
+                </a:tc>
+                <a:tc>
+                  <a:txBody>
+                    <a:bodyPr/>
+                    <a:lstStyle/>
+                    <a:p>
+                      <a:pPr algn="l" fontAlgn="b"/>
+                      <a:r>
+                        <a:rPr lang="nl-NL" sz="2800" b="0" i="0" u="none" strike="noStrike">
+                          <a:solidFill>
+                            <a:srgbClr val="000000"/>
+                          </a:solidFill>
+                          <a:effectLst/>
+                          <a:latin typeface="Calibri" panose="020F0502020204030204" pitchFamily="34" charset="0"/>
+                        </a:rPr>
+                        <a:t>trained on 2015</a:t>
+                      </a:r>
+                    </a:p>
+                  </a:txBody>
+                  <a:tcPr marL="9525" marR="9525" marT="9525" marB="0" anchor="b">
+                    <a:lnL>
+                      <a:noFill/>
+                    </a:lnL>
+                    <a:lnR>
+                      <a:noFill/>
+                    </a:lnR>
+                    <a:lnT>
+                      <a:noFill/>
+                    </a:lnT>
+                    <a:lnB>
+                      <a:noFill/>
+                    </a:lnB>
+                  </a:tcPr>
+                </a:tc>
+                <a:tc>
+                  <a:txBody>
+                    <a:bodyPr/>
+                    <a:lstStyle/>
+                    <a:p>
+                      <a:pPr algn="r" fontAlgn="b"/>
+                      <a:r>
+                        <a:rPr lang="nl-NL" sz="2800" b="0" i="0" u="none" strike="noStrike">
+                          <a:solidFill>
+                            <a:srgbClr val="000000"/>
+                          </a:solidFill>
+                          <a:effectLst/>
+                          <a:latin typeface="Calibri" panose="020F0502020204030204" pitchFamily="34" charset="0"/>
+                        </a:rPr>
+                        <a:t>0.93122</a:t>
+                      </a:r>
+                    </a:p>
+                  </a:txBody>
+                  <a:tcPr marL="9525" marR="9525" marT="9525" marB="0" anchor="b">
+                    <a:lnL>
+                      <a:noFill/>
+                    </a:lnL>
+                    <a:lnR>
+                      <a:noFill/>
+                    </a:lnR>
+                    <a:lnT>
+                      <a:noFill/>
+                    </a:lnT>
+                    <a:lnB>
+                      <a:noFill/>
+                    </a:lnB>
+                  </a:tcPr>
+                </a:tc>
+                <a:tc>
+                  <a:txBody>
+                    <a:bodyPr/>
+                    <a:lstStyle/>
+                    <a:p>
+                      <a:pPr algn="r" fontAlgn="b"/>
+                      <a:r>
+                        <a:rPr lang="nl-NL" sz="2800" b="0" i="0" u="none" strike="noStrike">
+                          <a:solidFill>
+                            <a:srgbClr val="000000"/>
+                          </a:solidFill>
+                          <a:effectLst/>
+                          <a:latin typeface="Calibri" panose="020F0502020204030204" pitchFamily="34" charset="0"/>
+                        </a:rPr>
+                        <a:t>3050</a:t>
+                      </a:r>
+                    </a:p>
+                  </a:txBody>
+                  <a:tcPr marL="9525" marR="9525" marT="9525" marB="0" anchor="b">
+                    <a:lnL>
+                      <a:noFill/>
+                    </a:lnL>
+                    <a:lnR>
+                      <a:noFill/>
+                    </a:lnR>
+                    <a:lnT>
+                      <a:noFill/>
+                    </a:lnT>
+                    <a:lnB>
+                      <a:noFill/>
+                    </a:lnB>
+                  </a:tcPr>
+                </a:tc>
+              </a:tr>
+              <a:tr h="418024">
+                <a:tc>
+                  <a:txBody>
+                    <a:bodyPr/>
+                    <a:lstStyle/>
+                    <a:p>
+                      <a:pPr algn="l" fontAlgn="b"/>
+                      <a:r>
+                        <a:rPr lang="nl-NL" sz="2800" b="0" i="0" u="none" strike="noStrike" dirty="0">
+                          <a:solidFill>
+                            <a:srgbClr val="000000"/>
+                          </a:solidFill>
+                          <a:effectLst/>
+                          <a:latin typeface="Calibri" panose="020F0502020204030204" pitchFamily="34" charset="0"/>
+                        </a:rPr>
+                        <a:t>Random </a:t>
+                      </a:r>
+                      <a:r>
+                        <a:rPr lang="nl-NL" sz="2800" b="0" i="0" u="none" strike="noStrike" dirty="0" err="1">
+                          <a:solidFill>
+                            <a:srgbClr val="000000"/>
+                          </a:solidFill>
+                          <a:effectLst/>
+                          <a:latin typeface="Calibri" panose="020F0502020204030204" pitchFamily="34" charset="0"/>
+                        </a:rPr>
+                        <a:t>Forest</a:t>
+                      </a:r>
+                      <a:endParaRPr lang="nl-NL" sz="2800" b="0" i="0" u="none" strike="noStrike" dirty="0">
+                        <a:solidFill>
+                          <a:srgbClr val="000000"/>
+                        </a:solidFill>
+                        <a:effectLst/>
+                        <a:latin typeface="Calibri" panose="020F0502020204030204" pitchFamily="34" charset="0"/>
+                      </a:endParaRPr>
+                    </a:p>
+                  </a:txBody>
+                  <a:tcPr marL="9525" marR="9525" marT="9525" marB="0" anchor="b">
+                    <a:lnL>
+                      <a:noFill/>
+                    </a:lnL>
+                    <a:lnR>
+                      <a:noFill/>
+                    </a:lnR>
+                    <a:lnT>
+                      <a:noFill/>
+                    </a:lnT>
+                    <a:lnB>
+                      <a:noFill/>
+                    </a:lnB>
+                  </a:tcPr>
+                </a:tc>
+                <a:tc>
+                  <a:txBody>
+                    <a:bodyPr/>
+                    <a:lstStyle/>
+                    <a:p>
+                      <a:pPr algn="l" fontAlgn="b"/>
+                      <a:r>
+                        <a:rPr lang="nl-NL" sz="2800" b="0" i="0" u="none" strike="noStrike">
+                          <a:solidFill>
+                            <a:srgbClr val="000000"/>
+                          </a:solidFill>
+                          <a:effectLst/>
+                          <a:latin typeface="Calibri" panose="020F0502020204030204" pitchFamily="34" charset="0"/>
+                        </a:rPr>
+                        <a:t>Naive</a:t>
+                      </a:r>
+                    </a:p>
+                  </a:txBody>
+                  <a:tcPr marL="9525" marR="9525" marT="9525" marB="0" anchor="b">
+                    <a:lnL>
+                      <a:noFill/>
+                    </a:lnL>
+                    <a:lnR>
+                      <a:noFill/>
+                    </a:lnR>
+                    <a:lnT>
+                      <a:noFill/>
+                    </a:lnT>
+                    <a:lnB>
+                      <a:noFill/>
+                    </a:lnB>
+                  </a:tcPr>
+                </a:tc>
+                <a:tc>
+                  <a:txBody>
+                    <a:bodyPr/>
+                    <a:lstStyle/>
+                    <a:p>
+                      <a:pPr algn="r" fontAlgn="b"/>
+                      <a:r>
+                        <a:rPr lang="nl-NL" sz="2800" b="0" i="0" u="none" strike="noStrike">
+                          <a:solidFill>
+                            <a:srgbClr val="000000"/>
+                          </a:solidFill>
+                          <a:effectLst/>
+                          <a:latin typeface="Calibri" panose="020F0502020204030204" pitchFamily="34" charset="0"/>
+                        </a:rPr>
+                        <a:t>6.12138</a:t>
+                      </a:r>
+                    </a:p>
+                  </a:txBody>
+                  <a:tcPr marL="9525" marR="9525" marT="9525" marB="0" anchor="b">
+                    <a:lnL>
+                      <a:noFill/>
+                    </a:lnL>
+                    <a:lnR>
+                      <a:noFill/>
+                    </a:lnR>
+                    <a:lnT>
+                      <a:noFill/>
+                    </a:lnT>
+                    <a:lnB>
+                      <a:noFill/>
+                    </a:lnB>
+                  </a:tcPr>
+                </a:tc>
+                <a:tc>
+                  <a:txBody>
+                    <a:bodyPr/>
+                    <a:lstStyle/>
+                    <a:p>
+                      <a:pPr algn="r" fontAlgn="b"/>
+                      <a:r>
+                        <a:rPr lang="nl-NL" sz="2800" b="0" i="0" u="none" strike="noStrike" dirty="0">
+                          <a:solidFill>
+                            <a:srgbClr val="000000"/>
+                          </a:solidFill>
+                          <a:effectLst/>
+                          <a:latin typeface="Calibri" panose="020F0502020204030204" pitchFamily="34" charset="0"/>
+                        </a:rPr>
+                        <a:t>3072</a:t>
+                      </a:r>
+                    </a:p>
+                  </a:txBody>
+                  <a:tcPr marL="9525" marR="9525" marT="9525" marB="0" anchor="b">
+                    <a:lnL>
+                      <a:noFill/>
+                    </a:lnL>
+                    <a:lnR>
+                      <a:noFill/>
+                    </a:lnR>
+                    <a:lnT>
+                      <a:noFill/>
+                    </a:lnT>
+                    <a:lnB>
+                      <a:noFill/>
+                    </a:lnB>
+                  </a:tcPr>
+                </a:tc>
+              </a:tr>
+            </a:tbl>
+          </a:graphicData>
+        </a:graphic>
+      </p:graphicFrame>
       <p:sp>
         <p:nvSpPr>
           <p:cNvPr id="10" name="Rectangle 4"/>
@@ -8780,1707 +13911,6 @@
           </a:p>
         </p:txBody>
       </p:sp>
-      <p:graphicFrame>
-        <p:nvGraphicFramePr>
-          <p:cNvPr id="17" name="Tabel 16"/>
-          <p:cNvGraphicFramePr>
-            <a:graphicFrameLocks noGrp="1"/>
-          </p:cNvGraphicFramePr>
-          <p:nvPr>
-            <p:extLst>
-              <p:ext uri="{D42A27DB-BD31-4B8C-83A1-F6EECF244321}">
-                <p14:modId xmlns:p14="http://schemas.microsoft.com/office/powerpoint/2010/main" val="4098078252"/>
-              </p:ext>
-            </p:extLst>
-          </p:nvPr>
-        </p:nvGraphicFramePr>
-        <p:xfrm>
-          <a:off x="3723879" y="1581633"/>
-          <a:ext cx="9900443" cy="6593509"/>
-        </p:xfrm>
-        <a:graphic>
-          <a:graphicData uri="http://schemas.openxmlformats.org/drawingml/2006/table">
-            <a:tbl>
-              <a:tblPr firstRow="1" firstCol="1" bandRow="1">
-                <a:tableStyleId>{5C22544A-7EE6-4342-B048-85BDC9FD1C3A}</a:tableStyleId>
-              </a:tblPr>
-              <a:tblGrid>
-                <a:gridCol w="3273917"/>
-                <a:gridCol w="3160503"/>
-                <a:gridCol w="1325074"/>
-                <a:gridCol w="2140949"/>
-              </a:tblGrid>
-              <a:tr h="584344">
-                <a:tc>
-                  <a:txBody>
-                    <a:bodyPr/>
-                    <a:lstStyle/>
-                    <a:p>
-                      <a:pPr>
-                        <a:lnSpc>
-                          <a:spcPct val="107000"/>
-                        </a:lnSpc>
-                        <a:spcAft>
-                          <a:spcPts val="0"/>
-                        </a:spcAft>
-                      </a:pPr>
-                      <a:r>
-                        <a:rPr lang="en-US" sz="1800" dirty="0">
-                          <a:effectLst/>
-                        </a:rPr>
-                        <a:t>Classifier</a:t>
-                      </a:r>
-                      <a:endParaRPr lang="nl-NL" sz="1800" dirty="0">
-                        <a:effectLst/>
-                        <a:latin typeface="Calibri"/>
-                        <a:ea typeface="Calibri"/>
-                        <a:cs typeface="Times New Roman"/>
-                      </a:endParaRPr>
-                    </a:p>
-                  </a:txBody>
-                  <a:tcPr marL="68580" marR="68580" marT="0" marB="0"/>
-                </a:tc>
-                <a:tc>
-                  <a:txBody>
-                    <a:bodyPr/>
-                    <a:lstStyle/>
-                    <a:p>
-                      <a:pPr>
-                        <a:lnSpc>
-                          <a:spcPct val="107000"/>
-                        </a:lnSpc>
-                        <a:spcAft>
-                          <a:spcPts val="0"/>
-                        </a:spcAft>
-                      </a:pPr>
-                      <a:r>
-                        <a:rPr lang="en-US" sz="1800">
-                          <a:effectLst/>
-                        </a:rPr>
-                        <a:t>Method</a:t>
-                      </a:r>
-                      <a:endParaRPr lang="nl-NL" sz="1800">
-                        <a:effectLst/>
-                        <a:latin typeface="Calibri"/>
-                        <a:ea typeface="Calibri"/>
-                        <a:cs typeface="Times New Roman"/>
-                      </a:endParaRPr>
-                    </a:p>
-                  </a:txBody>
-                  <a:tcPr marL="68580" marR="68580" marT="0" marB="0"/>
-                </a:tc>
-                <a:tc>
-                  <a:txBody>
-                    <a:bodyPr/>
-                    <a:lstStyle/>
-                    <a:p>
-                      <a:pPr>
-                        <a:lnSpc>
-                          <a:spcPct val="107000"/>
-                        </a:lnSpc>
-                        <a:spcAft>
-                          <a:spcPts val="0"/>
-                        </a:spcAft>
-                      </a:pPr>
-                      <a:r>
-                        <a:rPr lang="en-US" sz="1800">
-                          <a:effectLst/>
-                        </a:rPr>
-                        <a:t>RMSLE </a:t>
-                      </a:r>
-                      <a:endParaRPr lang="nl-NL" sz="1800">
-                        <a:effectLst/>
-                        <a:latin typeface="Calibri"/>
-                        <a:ea typeface="Calibri"/>
-                        <a:cs typeface="Times New Roman"/>
-                      </a:endParaRPr>
-                    </a:p>
-                  </a:txBody>
-                  <a:tcPr marL="68580" marR="68580" marT="0" marB="0"/>
-                </a:tc>
-                <a:tc>
-                  <a:txBody>
-                    <a:bodyPr/>
-                    <a:lstStyle/>
-                    <a:p>
-                      <a:pPr>
-                        <a:lnSpc>
-                          <a:spcPct val="107000"/>
-                        </a:lnSpc>
-                        <a:spcAft>
-                          <a:spcPts val="0"/>
-                        </a:spcAft>
-                      </a:pPr>
-                      <a:r>
-                        <a:rPr lang="en-US" sz="1800">
-                          <a:effectLst/>
-                        </a:rPr>
-                        <a:t>Kaggle Rank (3077)</a:t>
-                      </a:r>
-                      <a:endParaRPr lang="nl-NL" sz="1800">
-                        <a:effectLst/>
-                        <a:latin typeface="Calibri"/>
-                        <a:ea typeface="Calibri"/>
-                        <a:cs typeface="Times New Roman"/>
-                      </a:endParaRPr>
-                    </a:p>
-                  </a:txBody>
-                  <a:tcPr marL="68580" marR="68580" marT="0" marB="0"/>
-                </a:tc>
-              </a:tr>
-              <a:tr h="296667">
-                <a:tc>
-                  <a:txBody>
-                    <a:bodyPr/>
-                    <a:lstStyle/>
-                    <a:p>
-                      <a:pPr>
-                        <a:lnSpc>
-                          <a:spcPct val="107000"/>
-                        </a:lnSpc>
-                        <a:spcAft>
-                          <a:spcPts val="0"/>
-                        </a:spcAft>
-                      </a:pPr>
-                      <a:r>
-                        <a:rPr lang="en-US" sz="1800">
-                          <a:effectLst/>
-                        </a:rPr>
-                        <a:t>Benchmark Submission</a:t>
-                      </a:r>
-                      <a:endParaRPr lang="nl-NL" sz="1800">
-                        <a:effectLst/>
-                        <a:latin typeface="Calibri"/>
-                        <a:ea typeface="Calibri"/>
-                        <a:cs typeface="Times New Roman"/>
-                      </a:endParaRPr>
-                    </a:p>
-                  </a:txBody>
-                  <a:tcPr marL="68580" marR="68580" marT="0" marB="0"/>
-                </a:tc>
-                <a:tc>
-                  <a:txBody>
-                    <a:bodyPr/>
-                    <a:lstStyle/>
-                    <a:p>
-                      <a:pPr>
-                        <a:lnSpc>
-                          <a:spcPct val="107000"/>
-                        </a:lnSpc>
-                        <a:spcAft>
-                          <a:spcPts val="0"/>
-                        </a:spcAft>
-                      </a:pPr>
-                      <a:r>
-                        <a:rPr lang="en-US" sz="1800">
-                          <a:effectLst/>
-                        </a:rPr>
-                        <a:t>Naïve XGBoost</a:t>
-                      </a:r>
-                      <a:endParaRPr lang="nl-NL" sz="1800">
-                        <a:effectLst/>
-                        <a:latin typeface="Calibri"/>
-                        <a:ea typeface="Calibri"/>
-                        <a:cs typeface="Times New Roman"/>
-                      </a:endParaRPr>
-                    </a:p>
-                  </a:txBody>
-                  <a:tcPr marL="68580" marR="68580" marT="0" marB="0"/>
-                </a:tc>
-                <a:tc>
-                  <a:txBody>
-                    <a:bodyPr/>
-                    <a:lstStyle/>
-                    <a:p>
-                      <a:pPr>
-                        <a:lnSpc>
-                          <a:spcPct val="107000"/>
-                        </a:lnSpc>
-                        <a:spcAft>
-                          <a:spcPts val="0"/>
-                        </a:spcAft>
-                      </a:pPr>
-                      <a:r>
-                        <a:rPr lang="en-US" sz="1800">
-                          <a:effectLst/>
-                        </a:rPr>
-                        <a:t>0.67333</a:t>
-                      </a:r>
-                      <a:endParaRPr lang="nl-NL" sz="1800">
-                        <a:effectLst/>
-                        <a:latin typeface="Calibri"/>
-                        <a:ea typeface="Calibri"/>
-                        <a:cs typeface="Times New Roman"/>
-                      </a:endParaRPr>
-                    </a:p>
-                  </a:txBody>
-                  <a:tcPr marL="68580" marR="68580" marT="0" marB="0"/>
-                </a:tc>
-                <a:tc>
-                  <a:txBody>
-                    <a:bodyPr/>
-                    <a:lstStyle/>
-                    <a:p>
-                      <a:pPr>
-                        <a:lnSpc>
-                          <a:spcPct val="107000"/>
-                        </a:lnSpc>
-                        <a:spcAft>
-                          <a:spcPts val="0"/>
-                        </a:spcAft>
-                      </a:pPr>
-                      <a:r>
-                        <a:rPr lang="en-US" sz="1800">
-                          <a:effectLst/>
-                        </a:rPr>
-                        <a:t>3034</a:t>
-                      </a:r>
-                      <a:endParaRPr lang="nl-NL" sz="1800">
-                        <a:effectLst/>
-                        <a:latin typeface="Calibri"/>
-                        <a:ea typeface="Calibri"/>
-                        <a:cs typeface="Times New Roman"/>
-                      </a:endParaRPr>
-                    </a:p>
-                  </a:txBody>
-                  <a:tcPr marL="68580" marR="68580" marT="0" marB="0"/>
-                </a:tc>
-              </a:tr>
-              <a:tr h="296667">
-                <a:tc>
-                  <a:txBody>
-                    <a:bodyPr/>
-                    <a:lstStyle/>
-                    <a:p>
-                      <a:pPr>
-                        <a:lnSpc>
-                          <a:spcPct val="107000"/>
-                        </a:lnSpc>
-                        <a:spcAft>
-                          <a:spcPts val="0"/>
-                        </a:spcAft>
-                      </a:pPr>
-                      <a:r>
-                        <a:rPr lang="en-US" sz="1800">
-                          <a:effectLst/>
-                        </a:rPr>
-                        <a:t>XGBoost</a:t>
-                      </a:r>
-                      <a:endParaRPr lang="nl-NL" sz="1800">
-                        <a:effectLst/>
-                        <a:latin typeface="Calibri"/>
-                        <a:ea typeface="Calibri"/>
-                        <a:cs typeface="Times New Roman"/>
-                      </a:endParaRPr>
-                    </a:p>
-                  </a:txBody>
-                  <a:tcPr marL="68580" marR="68580" marT="0" marB="0"/>
-                </a:tc>
-                <a:tc>
-                  <a:txBody>
-                    <a:bodyPr/>
-                    <a:lstStyle/>
-                    <a:p>
-                      <a:pPr>
-                        <a:lnSpc>
-                          <a:spcPct val="107000"/>
-                        </a:lnSpc>
-                        <a:spcAft>
-                          <a:spcPts val="0"/>
-                        </a:spcAft>
-                      </a:pPr>
-                      <a:r>
-                        <a:rPr lang="en-US" sz="1800">
-                          <a:effectLst/>
-                        </a:rPr>
-                        <a:t>Single</a:t>
-                      </a:r>
-                      <a:endParaRPr lang="nl-NL" sz="1800">
-                        <a:effectLst/>
-                        <a:latin typeface="Calibri"/>
-                        <a:ea typeface="Calibri"/>
-                        <a:cs typeface="Times New Roman"/>
-                      </a:endParaRPr>
-                    </a:p>
-                  </a:txBody>
-                  <a:tcPr marL="68580" marR="68580" marT="0" marB="0"/>
-                </a:tc>
-                <a:tc>
-                  <a:txBody>
-                    <a:bodyPr/>
-                    <a:lstStyle/>
-                    <a:p>
-                      <a:pPr>
-                        <a:lnSpc>
-                          <a:spcPct val="107000"/>
-                        </a:lnSpc>
-                        <a:spcAft>
-                          <a:spcPts val="0"/>
-                        </a:spcAft>
-                      </a:pPr>
-                      <a:r>
-                        <a:rPr lang="en-US" sz="1800">
-                          <a:effectLst/>
-                        </a:rPr>
-                        <a:t>0.32575</a:t>
-                      </a:r>
-                      <a:endParaRPr lang="nl-NL" sz="1800">
-                        <a:effectLst/>
-                        <a:latin typeface="Calibri"/>
-                        <a:ea typeface="Calibri"/>
-                        <a:cs typeface="Times New Roman"/>
-                      </a:endParaRPr>
-                    </a:p>
-                  </a:txBody>
-                  <a:tcPr marL="68580" marR="68580" marT="0" marB="0"/>
-                </a:tc>
-                <a:tc>
-                  <a:txBody>
-                    <a:bodyPr/>
-                    <a:lstStyle/>
-                    <a:p>
-                      <a:pPr>
-                        <a:lnSpc>
-                          <a:spcPct val="107000"/>
-                        </a:lnSpc>
-                        <a:spcAft>
-                          <a:spcPts val="0"/>
-                        </a:spcAft>
-                      </a:pPr>
-                      <a:r>
-                        <a:rPr lang="en-US" sz="1800" dirty="0">
-                          <a:effectLst/>
-                        </a:rPr>
-                        <a:t>1856</a:t>
-                      </a:r>
-                      <a:endParaRPr lang="nl-NL" sz="1800" dirty="0">
-                        <a:effectLst/>
-                        <a:latin typeface="Calibri"/>
-                        <a:ea typeface="Calibri"/>
-                        <a:cs typeface="Times New Roman"/>
-                      </a:endParaRPr>
-                    </a:p>
-                  </a:txBody>
-                  <a:tcPr marL="68580" marR="68580" marT="0" marB="0"/>
-                </a:tc>
-              </a:tr>
-              <a:tr h="296667">
-                <a:tc>
-                  <a:txBody>
-                    <a:bodyPr/>
-                    <a:lstStyle/>
-                    <a:p>
-                      <a:pPr>
-                        <a:lnSpc>
-                          <a:spcPct val="107000"/>
-                        </a:lnSpc>
-                        <a:spcAft>
-                          <a:spcPts val="0"/>
-                        </a:spcAft>
-                      </a:pPr>
-                      <a:r>
-                        <a:rPr lang="en-US" sz="1800">
-                          <a:effectLst/>
-                        </a:rPr>
-                        <a:t>XGBoost</a:t>
-                      </a:r>
-                      <a:endParaRPr lang="nl-NL" sz="1800">
-                        <a:effectLst/>
-                        <a:latin typeface="Calibri"/>
-                        <a:ea typeface="Calibri"/>
-                        <a:cs typeface="Times New Roman"/>
-                      </a:endParaRPr>
-                    </a:p>
-                  </a:txBody>
-                  <a:tcPr marL="68580" marR="68580" marT="0" marB="0"/>
-                </a:tc>
-                <a:tc>
-                  <a:txBody>
-                    <a:bodyPr/>
-                    <a:lstStyle/>
-                    <a:p>
-                      <a:pPr>
-                        <a:lnSpc>
-                          <a:spcPct val="107000"/>
-                        </a:lnSpc>
-                        <a:spcAft>
-                          <a:spcPts val="0"/>
-                        </a:spcAft>
-                      </a:pPr>
-                      <a:r>
-                        <a:rPr lang="en-US" sz="1800">
-                          <a:effectLst/>
-                        </a:rPr>
-                        <a:t>Ensemble with 3 models</a:t>
-                      </a:r>
-                      <a:endParaRPr lang="nl-NL" sz="1800">
-                        <a:effectLst/>
-                        <a:latin typeface="Calibri"/>
-                        <a:ea typeface="Calibri"/>
-                        <a:cs typeface="Times New Roman"/>
-                      </a:endParaRPr>
-                    </a:p>
-                  </a:txBody>
-                  <a:tcPr marL="68580" marR="68580" marT="0" marB="0"/>
-                </a:tc>
-                <a:tc>
-                  <a:txBody>
-                    <a:bodyPr/>
-                    <a:lstStyle/>
-                    <a:p>
-                      <a:pPr>
-                        <a:lnSpc>
-                          <a:spcPct val="107000"/>
-                        </a:lnSpc>
-                        <a:spcAft>
-                          <a:spcPts val="0"/>
-                        </a:spcAft>
-                      </a:pPr>
-                      <a:r>
-                        <a:rPr lang="en-US" sz="1800">
-                          <a:effectLst/>
-                        </a:rPr>
-                        <a:t>0.31062</a:t>
-                      </a:r>
-                      <a:endParaRPr lang="nl-NL" sz="1800">
-                        <a:effectLst/>
-                        <a:latin typeface="Calibri"/>
-                        <a:ea typeface="Calibri"/>
-                        <a:cs typeface="Times New Roman"/>
-                      </a:endParaRPr>
-                    </a:p>
-                  </a:txBody>
-                  <a:tcPr marL="68580" marR="68580" marT="0" marB="0"/>
-                </a:tc>
-                <a:tc>
-                  <a:txBody>
-                    <a:bodyPr/>
-                    <a:lstStyle/>
-                    <a:p>
-                      <a:pPr>
-                        <a:lnSpc>
-                          <a:spcPct val="107000"/>
-                        </a:lnSpc>
-                        <a:spcAft>
-                          <a:spcPts val="0"/>
-                        </a:spcAft>
-                      </a:pPr>
-                      <a:r>
-                        <a:rPr lang="en-US" sz="1800">
-                          <a:effectLst/>
-                        </a:rPr>
-                        <a:t>266</a:t>
-                      </a:r>
-                      <a:endParaRPr lang="nl-NL" sz="1800">
-                        <a:effectLst/>
-                        <a:latin typeface="Calibri"/>
-                        <a:ea typeface="Calibri"/>
-                        <a:cs typeface="Times New Roman"/>
-                      </a:endParaRPr>
-                    </a:p>
-                  </a:txBody>
-                  <a:tcPr marL="68580" marR="68580" marT="0" marB="0"/>
-                </a:tc>
-              </a:tr>
-              <a:tr h="883141">
-                <a:tc>
-                  <a:txBody>
-                    <a:bodyPr/>
-                    <a:lstStyle/>
-                    <a:p>
-                      <a:pPr>
-                        <a:lnSpc>
-                          <a:spcPct val="107000"/>
-                        </a:lnSpc>
-                        <a:spcAft>
-                          <a:spcPts val="0"/>
-                        </a:spcAft>
-                      </a:pPr>
-                      <a:r>
-                        <a:rPr lang="en-US" sz="1800">
-                          <a:effectLst/>
-                        </a:rPr>
-                        <a:t>XGBoost</a:t>
-                      </a:r>
-                      <a:endParaRPr lang="nl-NL" sz="1800">
-                        <a:effectLst/>
-                        <a:latin typeface="Calibri"/>
-                        <a:ea typeface="Calibri"/>
-                        <a:cs typeface="Times New Roman"/>
-                      </a:endParaRPr>
-                    </a:p>
-                  </a:txBody>
-                  <a:tcPr marL="68580" marR="68580" marT="0" marB="0"/>
-                </a:tc>
-                <a:tc>
-                  <a:txBody>
-                    <a:bodyPr/>
-                    <a:lstStyle/>
-                    <a:p>
-                      <a:pPr>
-                        <a:lnSpc>
-                          <a:spcPct val="107000"/>
-                        </a:lnSpc>
-                        <a:spcAft>
-                          <a:spcPts val="0"/>
-                        </a:spcAft>
-                      </a:pPr>
-                      <a:r>
-                        <a:rPr lang="en-US" sz="1800">
-                          <a:effectLst/>
-                        </a:rPr>
-                        <a:t>Ensemble with 3 models</a:t>
-                      </a:r>
-                      <a:endParaRPr lang="nl-NL" sz="1800">
-                        <a:effectLst/>
-                      </a:endParaRPr>
-                    </a:p>
-                    <a:p>
-                      <a:pPr>
-                        <a:lnSpc>
-                          <a:spcPct val="107000"/>
-                        </a:lnSpc>
-                        <a:spcAft>
-                          <a:spcPts val="0"/>
-                        </a:spcAft>
-                      </a:pPr>
-                      <a:r>
-                        <a:rPr lang="en-US" sz="1800">
-                          <a:effectLst/>
-                        </a:rPr>
-                        <a:t>Readjustment of submission</a:t>
-                      </a:r>
-                      <a:endParaRPr lang="nl-NL" sz="1800">
-                        <a:effectLst/>
-                        <a:latin typeface="Calibri"/>
-                        <a:ea typeface="Calibri"/>
-                        <a:cs typeface="Times New Roman"/>
-                      </a:endParaRPr>
-                    </a:p>
-                  </a:txBody>
-                  <a:tcPr marL="68580" marR="68580" marT="0" marB="0"/>
-                </a:tc>
-                <a:tc>
-                  <a:txBody>
-                    <a:bodyPr/>
-                    <a:lstStyle/>
-                    <a:p>
-                      <a:pPr>
-                        <a:lnSpc>
-                          <a:spcPct val="107000"/>
-                        </a:lnSpc>
-                        <a:spcAft>
-                          <a:spcPts val="0"/>
-                        </a:spcAft>
-                      </a:pPr>
-                      <a:r>
-                        <a:rPr lang="en-US" sz="1800">
-                          <a:effectLst/>
-                        </a:rPr>
-                        <a:t>0.31051</a:t>
-                      </a:r>
-                      <a:endParaRPr lang="nl-NL" sz="1800">
-                        <a:effectLst/>
-                        <a:latin typeface="Calibri"/>
-                        <a:ea typeface="Calibri"/>
-                        <a:cs typeface="Times New Roman"/>
-                      </a:endParaRPr>
-                    </a:p>
-                  </a:txBody>
-                  <a:tcPr marL="68580" marR="68580" marT="0" marB="0"/>
-                </a:tc>
-                <a:tc>
-                  <a:txBody>
-                    <a:bodyPr/>
-                    <a:lstStyle/>
-                    <a:p>
-                      <a:pPr>
-                        <a:lnSpc>
-                          <a:spcPct val="107000"/>
-                        </a:lnSpc>
-                        <a:spcAft>
-                          <a:spcPts val="0"/>
-                        </a:spcAft>
-                      </a:pPr>
-                      <a:r>
-                        <a:rPr lang="en-US" sz="1800">
-                          <a:effectLst/>
-                        </a:rPr>
-                        <a:t>168</a:t>
-                      </a:r>
-                      <a:endParaRPr lang="nl-NL" sz="1800">
-                        <a:effectLst/>
-                        <a:latin typeface="Calibri"/>
-                        <a:ea typeface="Calibri"/>
-                        <a:cs typeface="Times New Roman"/>
-                      </a:endParaRPr>
-                    </a:p>
-                  </a:txBody>
-                  <a:tcPr marL="68580" marR="68580" marT="0" marB="0"/>
-                </a:tc>
-              </a:tr>
-              <a:tr h="296667">
-                <a:tc>
-                  <a:txBody>
-                    <a:bodyPr/>
-                    <a:lstStyle/>
-                    <a:p>
-                      <a:pPr>
-                        <a:lnSpc>
-                          <a:spcPct val="107000"/>
-                        </a:lnSpc>
-                        <a:spcAft>
-                          <a:spcPts val="0"/>
-                        </a:spcAft>
-                      </a:pPr>
-                      <a:r>
-                        <a:rPr lang="en-US" sz="1800">
-                          <a:effectLst/>
-                        </a:rPr>
-                        <a:t>Deep Learning</a:t>
-                      </a:r>
-                      <a:endParaRPr lang="nl-NL" sz="1800">
-                        <a:effectLst/>
-                        <a:latin typeface="Calibri"/>
-                        <a:ea typeface="Calibri"/>
-                        <a:cs typeface="Times New Roman"/>
-                      </a:endParaRPr>
-                    </a:p>
-                  </a:txBody>
-                  <a:tcPr marL="68580" marR="68580" marT="0" marB="0"/>
-                </a:tc>
-                <a:tc>
-                  <a:txBody>
-                    <a:bodyPr/>
-                    <a:lstStyle/>
-                    <a:p>
-                      <a:pPr>
-                        <a:lnSpc>
-                          <a:spcPct val="107000"/>
-                        </a:lnSpc>
-                        <a:spcAft>
-                          <a:spcPts val="0"/>
-                        </a:spcAft>
-                      </a:pPr>
-                      <a:r>
-                        <a:rPr lang="en-US" sz="1800">
-                          <a:effectLst/>
-                        </a:rPr>
-                        <a:t>Dense and Dropout</a:t>
-                      </a:r>
-                      <a:endParaRPr lang="nl-NL" sz="1800">
-                        <a:effectLst/>
-                        <a:latin typeface="Calibri"/>
-                        <a:ea typeface="Calibri"/>
-                        <a:cs typeface="Times New Roman"/>
-                      </a:endParaRPr>
-                    </a:p>
-                  </a:txBody>
-                  <a:tcPr marL="68580" marR="68580" marT="0" marB="0"/>
-                </a:tc>
-                <a:tc>
-                  <a:txBody>
-                    <a:bodyPr/>
-                    <a:lstStyle/>
-                    <a:p>
-                      <a:pPr>
-                        <a:lnSpc>
-                          <a:spcPct val="107000"/>
-                        </a:lnSpc>
-                        <a:spcAft>
-                          <a:spcPts val="0"/>
-                        </a:spcAft>
-                      </a:pPr>
-                      <a:r>
-                        <a:rPr lang="en-US" sz="1800">
-                          <a:effectLst/>
-                        </a:rPr>
-                        <a:t>0.46745</a:t>
-                      </a:r>
-                      <a:endParaRPr lang="nl-NL" sz="1800">
-                        <a:effectLst/>
-                        <a:latin typeface="Calibri"/>
-                        <a:ea typeface="Calibri"/>
-                        <a:cs typeface="Times New Roman"/>
-                      </a:endParaRPr>
-                    </a:p>
-                  </a:txBody>
-                  <a:tcPr marL="68580" marR="68580" marT="0" marB="0"/>
-                </a:tc>
-                <a:tc>
-                  <a:txBody>
-                    <a:bodyPr/>
-                    <a:lstStyle/>
-                    <a:p>
-                      <a:pPr>
-                        <a:lnSpc>
-                          <a:spcPct val="107000"/>
-                        </a:lnSpc>
-                        <a:spcAft>
-                          <a:spcPts val="0"/>
-                        </a:spcAft>
-                      </a:pPr>
-                      <a:r>
-                        <a:rPr lang="en-US" sz="1800">
-                          <a:effectLst/>
-                        </a:rPr>
-                        <a:t>2870</a:t>
-                      </a:r>
-                      <a:endParaRPr lang="nl-NL" sz="1800">
-                        <a:effectLst/>
-                        <a:latin typeface="Calibri"/>
-                        <a:ea typeface="Calibri"/>
-                        <a:cs typeface="Times New Roman"/>
-                      </a:endParaRPr>
-                    </a:p>
-                  </a:txBody>
-                  <a:tcPr marL="68580" marR="68580" marT="0" marB="0"/>
-                </a:tc>
-              </a:tr>
-              <a:tr h="296667">
-                <a:tc>
-                  <a:txBody>
-                    <a:bodyPr/>
-                    <a:lstStyle/>
-                    <a:p>
-                      <a:pPr>
-                        <a:lnSpc>
-                          <a:spcPct val="107000"/>
-                        </a:lnSpc>
-                        <a:spcAft>
-                          <a:spcPts val="0"/>
-                        </a:spcAft>
-                      </a:pPr>
-                      <a:r>
-                        <a:rPr lang="en-US" sz="1800">
-                          <a:effectLst/>
-                        </a:rPr>
-                        <a:t>Random Forest</a:t>
-                      </a:r>
-                      <a:endParaRPr lang="nl-NL" sz="1800">
-                        <a:effectLst/>
-                        <a:latin typeface="Calibri"/>
-                        <a:ea typeface="Calibri"/>
-                        <a:cs typeface="Times New Roman"/>
-                      </a:endParaRPr>
-                    </a:p>
-                  </a:txBody>
-                  <a:tcPr marL="68580" marR="68580" marT="0" marB="0"/>
-                </a:tc>
-                <a:tc>
-                  <a:txBody>
-                    <a:bodyPr/>
-                    <a:lstStyle/>
-                    <a:p>
-                      <a:pPr>
-                        <a:lnSpc>
-                          <a:spcPct val="107000"/>
-                        </a:lnSpc>
-                        <a:spcAft>
-                          <a:spcPts val="0"/>
-                        </a:spcAft>
-                      </a:pPr>
-                      <a:r>
-                        <a:rPr lang="en-US" sz="1800">
-                          <a:effectLst/>
-                        </a:rPr>
-                        <a:t>Naïve</a:t>
-                      </a:r>
-                      <a:endParaRPr lang="nl-NL" sz="1800">
-                        <a:effectLst/>
-                        <a:latin typeface="Calibri"/>
-                        <a:ea typeface="Calibri"/>
-                        <a:cs typeface="Times New Roman"/>
-                      </a:endParaRPr>
-                    </a:p>
-                  </a:txBody>
-                  <a:tcPr marL="68580" marR="68580" marT="0" marB="0"/>
-                </a:tc>
-                <a:tc>
-                  <a:txBody>
-                    <a:bodyPr/>
-                    <a:lstStyle/>
-                    <a:p>
-                      <a:pPr>
-                        <a:lnSpc>
-                          <a:spcPct val="107000"/>
-                        </a:lnSpc>
-                        <a:spcAft>
-                          <a:spcPts val="0"/>
-                        </a:spcAft>
-                      </a:pPr>
-                      <a:r>
-                        <a:rPr lang="en-US" sz="1800">
-                          <a:effectLst/>
-                        </a:rPr>
-                        <a:t>6.12138</a:t>
-                      </a:r>
-                      <a:endParaRPr lang="nl-NL" sz="1800">
-                        <a:effectLst/>
-                        <a:latin typeface="Calibri"/>
-                        <a:ea typeface="Calibri"/>
-                        <a:cs typeface="Times New Roman"/>
-                      </a:endParaRPr>
-                    </a:p>
-                  </a:txBody>
-                  <a:tcPr marL="68580" marR="68580" marT="0" marB="0"/>
-                </a:tc>
-                <a:tc>
-                  <a:txBody>
-                    <a:bodyPr/>
-                    <a:lstStyle/>
-                    <a:p>
-                      <a:pPr>
-                        <a:lnSpc>
-                          <a:spcPct val="107000"/>
-                        </a:lnSpc>
-                        <a:spcAft>
-                          <a:spcPts val="0"/>
-                        </a:spcAft>
-                      </a:pPr>
-                      <a:r>
-                        <a:rPr lang="en-US" sz="1800">
-                          <a:effectLst/>
-                        </a:rPr>
-                        <a:t>3072</a:t>
-                      </a:r>
-                      <a:endParaRPr lang="nl-NL" sz="1800">
-                        <a:effectLst/>
-                        <a:latin typeface="Calibri"/>
-                        <a:ea typeface="Calibri"/>
-                        <a:cs typeface="Times New Roman"/>
-                      </a:endParaRPr>
-                    </a:p>
-                  </a:txBody>
-                  <a:tcPr marL="68580" marR="68580" marT="0" marB="0"/>
-                </a:tc>
-              </a:tr>
-              <a:tr h="296667">
-                <a:tc>
-                  <a:txBody>
-                    <a:bodyPr/>
-                    <a:lstStyle/>
-                    <a:p>
-                      <a:pPr>
-                        <a:lnSpc>
-                          <a:spcPct val="107000"/>
-                        </a:lnSpc>
-                        <a:spcAft>
-                          <a:spcPts val="0"/>
-                        </a:spcAft>
-                      </a:pPr>
-                      <a:r>
-                        <a:rPr lang="en-US" sz="1800">
-                          <a:effectLst/>
-                        </a:rPr>
-                        <a:t>SGD Regressor</a:t>
-                      </a:r>
-                      <a:endParaRPr lang="nl-NL" sz="1800">
-                        <a:effectLst/>
-                        <a:latin typeface="Calibri"/>
-                        <a:ea typeface="Calibri"/>
-                        <a:cs typeface="Times New Roman"/>
-                      </a:endParaRPr>
-                    </a:p>
-                  </a:txBody>
-                  <a:tcPr marL="68580" marR="68580" marT="0" marB="0"/>
-                </a:tc>
-                <a:tc>
-                  <a:txBody>
-                    <a:bodyPr/>
-                    <a:lstStyle/>
-                    <a:p>
-                      <a:pPr>
-                        <a:lnSpc>
-                          <a:spcPct val="107000"/>
-                        </a:lnSpc>
-                        <a:spcAft>
-                          <a:spcPts val="0"/>
-                        </a:spcAft>
-                      </a:pPr>
-                      <a:r>
-                        <a:rPr lang="en-US" sz="1800">
-                          <a:effectLst/>
-                        </a:rPr>
-                        <a:t>Naïve</a:t>
-                      </a:r>
-                      <a:endParaRPr lang="nl-NL" sz="1800">
-                        <a:effectLst/>
-                        <a:latin typeface="Calibri"/>
-                        <a:ea typeface="Calibri"/>
-                        <a:cs typeface="Times New Roman"/>
-                      </a:endParaRPr>
-                    </a:p>
-                  </a:txBody>
-                  <a:tcPr marL="68580" marR="68580" marT="0" marB="0"/>
-                </a:tc>
-                <a:tc>
-                  <a:txBody>
-                    <a:bodyPr/>
-                    <a:lstStyle/>
-                    <a:p>
-                      <a:pPr>
-                        <a:lnSpc>
-                          <a:spcPct val="107000"/>
-                        </a:lnSpc>
-                        <a:spcAft>
-                          <a:spcPts val="0"/>
-                        </a:spcAft>
-                      </a:pPr>
-                      <a:r>
-                        <a:rPr lang="en-US" sz="1800">
-                          <a:effectLst/>
-                        </a:rPr>
-                        <a:t>0.59560</a:t>
-                      </a:r>
-                      <a:endParaRPr lang="nl-NL" sz="1800">
-                        <a:effectLst/>
-                        <a:latin typeface="Calibri"/>
-                        <a:ea typeface="Calibri"/>
-                        <a:cs typeface="Times New Roman"/>
-                      </a:endParaRPr>
-                    </a:p>
-                  </a:txBody>
-                  <a:tcPr marL="68580" marR="68580" marT="0" marB="0"/>
-                </a:tc>
-                <a:tc>
-                  <a:txBody>
-                    <a:bodyPr/>
-                    <a:lstStyle/>
-                    <a:p>
-                      <a:pPr>
-                        <a:lnSpc>
-                          <a:spcPct val="107000"/>
-                        </a:lnSpc>
-                        <a:spcAft>
-                          <a:spcPts val="0"/>
-                        </a:spcAft>
-                      </a:pPr>
-                      <a:r>
-                        <a:rPr lang="en-US" sz="1800">
-                          <a:effectLst/>
-                        </a:rPr>
-                        <a:t>3021</a:t>
-                      </a:r>
-                      <a:endParaRPr lang="nl-NL" sz="1800">
-                        <a:effectLst/>
-                        <a:latin typeface="Calibri"/>
-                        <a:ea typeface="Calibri"/>
-                        <a:cs typeface="Times New Roman"/>
-                      </a:endParaRPr>
-                    </a:p>
-                  </a:txBody>
-                  <a:tcPr marL="68580" marR="68580" marT="0" marB="0"/>
-                </a:tc>
-              </a:tr>
-              <a:tr h="607115">
-                <a:tc>
-                  <a:txBody>
-                    <a:bodyPr/>
-                    <a:lstStyle/>
-                    <a:p>
-                      <a:pPr>
-                        <a:lnSpc>
-                          <a:spcPct val="107000"/>
-                        </a:lnSpc>
-                        <a:spcAft>
-                          <a:spcPts val="0"/>
-                        </a:spcAft>
-                      </a:pPr>
-                      <a:r>
-                        <a:rPr lang="en-US" sz="1800">
-                          <a:effectLst/>
-                        </a:rPr>
-                        <a:t>Linear Regression</a:t>
-                      </a:r>
-                      <a:endParaRPr lang="nl-NL" sz="1800">
-                        <a:effectLst/>
-                        <a:latin typeface="Calibri"/>
-                        <a:ea typeface="Calibri"/>
-                        <a:cs typeface="Times New Roman"/>
-                      </a:endParaRPr>
-                    </a:p>
-                  </a:txBody>
-                  <a:tcPr marL="68580" marR="68580" marT="0" marB="0"/>
-                </a:tc>
-                <a:tc>
-                  <a:txBody>
-                    <a:bodyPr/>
-                    <a:lstStyle/>
-                    <a:p>
-                      <a:pPr>
-                        <a:lnSpc>
-                          <a:spcPct val="107000"/>
-                        </a:lnSpc>
-                        <a:spcAft>
-                          <a:spcPts val="0"/>
-                        </a:spcAft>
-                      </a:pPr>
-                      <a:r>
-                        <a:rPr lang="en-US" sz="1800">
-                          <a:effectLst/>
-                        </a:rPr>
-                        <a:t>Complete dataset</a:t>
-                      </a:r>
-                      <a:endParaRPr lang="nl-NL" sz="1800">
-                        <a:effectLst/>
-                      </a:endParaRPr>
-                    </a:p>
-                    <a:p>
-                      <a:pPr>
-                        <a:lnSpc>
-                          <a:spcPct val="107000"/>
-                        </a:lnSpc>
-                        <a:spcAft>
-                          <a:spcPts val="0"/>
-                        </a:spcAft>
-                      </a:pPr>
-                      <a:r>
-                        <a:rPr lang="en-US" sz="1800">
-                          <a:effectLst/>
-                        </a:rPr>
-                        <a:t>Only 2015</a:t>
-                      </a:r>
-                      <a:endParaRPr lang="nl-NL" sz="1800">
-                        <a:effectLst/>
-                        <a:latin typeface="Calibri"/>
-                        <a:ea typeface="Calibri"/>
-                        <a:cs typeface="Times New Roman"/>
-                      </a:endParaRPr>
-                    </a:p>
-                  </a:txBody>
-                  <a:tcPr marL="68580" marR="68580" marT="0" marB="0"/>
-                </a:tc>
-                <a:tc>
-                  <a:txBody>
-                    <a:bodyPr/>
-                    <a:lstStyle/>
-                    <a:p>
-                      <a:pPr>
-                        <a:lnSpc>
-                          <a:spcPct val="107000"/>
-                        </a:lnSpc>
-                        <a:spcAft>
-                          <a:spcPts val="0"/>
-                        </a:spcAft>
-                      </a:pPr>
-                      <a:r>
-                        <a:rPr lang="en-US" sz="1800">
-                          <a:effectLst/>
-                        </a:rPr>
-                        <a:t>0.49689</a:t>
-                      </a:r>
-                      <a:endParaRPr lang="nl-NL" sz="1800">
-                        <a:effectLst/>
-                        <a:latin typeface="Calibri"/>
-                        <a:ea typeface="Calibri"/>
-                        <a:cs typeface="Times New Roman"/>
-                      </a:endParaRPr>
-                    </a:p>
-                  </a:txBody>
-                  <a:tcPr marL="68580" marR="68580" marT="0" marB="0"/>
-                </a:tc>
-                <a:tc>
-                  <a:txBody>
-                    <a:bodyPr/>
-                    <a:lstStyle/>
-                    <a:p>
-                      <a:pPr>
-                        <a:lnSpc>
-                          <a:spcPct val="107000"/>
-                        </a:lnSpc>
-                        <a:spcAft>
-                          <a:spcPts val="0"/>
-                        </a:spcAft>
-                      </a:pPr>
-                      <a:r>
-                        <a:rPr lang="en-US" sz="1800">
-                          <a:effectLst/>
-                        </a:rPr>
-                        <a:t>2897</a:t>
-                      </a:r>
-                      <a:endParaRPr lang="nl-NL" sz="1800">
-                        <a:effectLst/>
-                        <a:latin typeface="Calibri"/>
-                        <a:ea typeface="Calibri"/>
-                        <a:cs typeface="Times New Roman"/>
-                      </a:endParaRPr>
-                    </a:p>
-                  </a:txBody>
-                  <a:tcPr marL="68580" marR="68580" marT="0" marB="0"/>
-                </a:tc>
-              </a:tr>
-              <a:tr h="917562">
-                <a:tc>
-                  <a:txBody>
-                    <a:bodyPr/>
-                    <a:lstStyle/>
-                    <a:p>
-                      <a:pPr>
-                        <a:lnSpc>
-                          <a:spcPct val="107000"/>
-                        </a:lnSpc>
-                        <a:spcAft>
-                          <a:spcPts val="0"/>
-                        </a:spcAft>
-                      </a:pPr>
-                      <a:r>
-                        <a:rPr lang="en-US" sz="1800">
-                          <a:effectLst/>
-                        </a:rPr>
-                        <a:t>KNNeighbors</a:t>
-                      </a:r>
-                      <a:endParaRPr lang="nl-NL" sz="1800">
-                        <a:effectLst/>
-                        <a:latin typeface="Calibri"/>
-                        <a:ea typeface="Calibri"/>
-                        <a:cs typeface="Times New Roman"/>
-                      </a:endParaRPr>
-                    </a:p>
-                  </a:txBody>
-                  <a:tcPr marL="68580" marR="68580" marT="0" marB="0"/>
-                </a:tc>
-                <a:tc>
-                  <a:txBody>
-                    <a:bodyPr/>
-                    <a:lstStyle/>
-                    <a:p>
-                      <a:pPr>
-                        <a:lnSpc>
-                          <a:spcPct val="107000"/>
-                        </a:lnSpc>
-                        <a:spcAft>
-                          <a:spcPts val="0"/>
-                        </a:spcAft>
-                      </a:pPr>
-                      <a:r>
-                        <a:rPr lang="en-US" sz="1800">
-                          <a:effectLst/>
-                        </a:rPr>
-                        <a:t>Amount of neighbors (6)</a:t>
-                      </a:r>
-                      <a:endParaRPr lang="nl-NL" sz="1800">
-                        <a:effectLst/>
-                      </a:endParaRPr>
-                    </a:p>
-                    <a:p>
-                      <a:pPr>
-                        <a:lnSpc>
-                          <a:spcPct val="107000"/>
-                        </a:lnSpc>
-                        <a:spcAft>
-                          <a:spcPts val="0"/>
-                        </a:spcAft>
-                      </a:pPr>
-                      <a:r>
-                        <a:rPr lang="en-US" sz="1800">
-                          <a:effectLst/>
-                        </a:rPr>
-                        <a:t>Removing outliers</a:t>
-                      </a:r>
-                      <a:endParaRPr lang="nl-NL" sz="1800">
-                        <a:effectLst/>
-                      </a:endParaRPr>
-                    </a:p>
-                    <a:p>
-                      <a:pPr>
-                        <a:lnSpc>
-                          <a:spcPct val="107000"/>
-                        </a:lnSpc>
-                        <a:spcAft>
-                          <a:spcPts val="0"/>
-                        </a:spcAft>
-                      </a:pPr>
-                      <a:r>
-                        <a:rPr lang="en-US" sz="1800">
-                          <a:effectLst/>
-                        </a:rPr>
-                        <a:t>Only 2015</a:t>
-                      </a:r>
-                      <a:endParaRPr lang="nl-NL" sz="1800">
-                        <a:effectLst/>
-                        <a:latin typeface="Calibri"/>
-                        <a:ea typeface="Calibri"/>
-                        <a:cs typeface="Times New Roman"/>
-                      </a:endParaRPr>
-                    </a:p>
-                  </a:txBody>
-                  <a:tcPr marL="68580" marR="68580" marT="0" marB="0"/>
-                </a:tc>
-                <a:tc>
-                  <a:txBody>
-                    <a:bodyPr/>
-                    <a:lstStyle/>
-                    <a:p>
-                      <a:pPr>
-                        <a:lnSpc>
-                          <a:spcPct val="107000"/>
-                        </a:lnSpc>
-                        <a:spcAft>
-                          <a:spcPts val="0"/>
-                        </a:spcAft>
-                      </a:pPr>
-                      <a:r>
-                        <a:rPr lang="en-US" sz="1800">
-                          <a:effectLst/>
-                        </a:rPr>
-                        <a:t>0.93122</a:t>
-                      </a:r>
-                      <a:endParaRPr lang="nl-NL" sz="1800">
-                        <a:effectLst/>
-                        <a:latin typeface="Calibri"/>
-                        <a:ea typeface="Calibri"/>
-                        <a:cs typeface="Times New Roman"/>
-                      </a:endParaRPr>
-                    </a:p>
-                  </a:txBody>
-                  <a:tcPr marL="68580" marR="68580" marT="0" marB="0"/>
-                </a:tc>
-                <a:tc>
-                  <a:txBody>
-                    <a:bodyPr/>
-                    <a:lstStyle/>
-                    <a:p>
-                      <a:pPr>
-                        <a:lnSpc>
-                          <a:spcPct val="107000"/>
-                        </a:lnSpc>
-                        <a:spcAft>
-                          <a:spcPts val="0"/>
-                        </a:spcAft>
-                      </a:pPr>
-                      <a:r>
-                        <a:rPr lang="en-US" sz="1800">
-                          <a:effectLst/>
-                        </a:rPr>
-                        <a:t>3050</a:t>
-                      </a:r>
-                      <a:endParaRPr lang="nl-NL" sz="1800">
-                        <a:effectLst/>
-                        <a:latin typeface="Calibri"/>
-                        <a:ea typeface="Calibri"/>
-                        <a:cs typeface="Times New Roman"/>
-                      </a:endParaRPr>
-                    </a:p>
-                  </a:txBody>
-                  <a:tcPr marL="68580" marR="68580" marT="0" marB="0"/>
-                </a:tc>
-              </a:tr>
-              <a:tr h="607115">
-                <a:tc>
-                  <a:txBody>
-                    <a:bodyPr/>
-                    <a:lstStyle/>
-                    <a:p>
-                      <a:pPr>
-                        <a:lnSpc>
-                          <a:spcPct val="107000"/>
-                        </a:lnSpc>
-                        <a:spcAft>
-                          <a:spcPts val="0"/>
-                        </a:spcAft>
-                      </a:pPr>
-                      <a:r>
-                        <a:rPr lang="en-US" sz="1800">
-                          <a:effectLst/>
-                        </a:rPr>
-                        <a:t>Decision Tree</a:t>
-                      </a:r>
-                      <a:endParaRPr lang="nl-NL" sz="1800">
-                        <a:effectLst/>
-                        <a:latin typeface="Calibri"/>
-                        <a:ea typeface="Calibri"/>
-                        <a:cs typeface="Times New Roman"/>
-                      </a:endParaRPr>
-                    </a:p>
-                  </a:txBody>
-                  <a:tcPr marL="68580" marR="68580" marT="0" marB="0"/>
-                </a:tc>
-                <a:tc>
-                  <a:txBody>
-                    <a:bodyPr/>
-                    <a:lstStyle/>
-                    <a:p>
-                      <a:pPr>
-                        <a:lnSpc>
-                          <a:spcPct val="107000"/>
-                        </a:lnSpc>
-                        <a:spcAft>
-                          <a:spcPts val="0"/>
-                        </a:spcAft>
-                      </a:pPr>
-                      <a:r>
-                        <a:rPr lang="en-US" sz="1800">
-                          <a:effectLst/>
-                        </a:rPr>
-                        <a:t>Complete dataset</a:t>
-                      </a:r>
-                      <a:endParaRPr lang="nl-NL" sz="1800">
-                        <a:effectLst/>
-                      </a:endParaRPr>
-                    </a:p>
-                    <a:p>
-                      <a:pPr>
-                        <a:lnSpc>
-                          <a:spcPct val="107000"/>
-                        </a:lnSpc>
-                        <a:spcAft>
-                          <a:spcPts val="0"/>
-                        </a:spcAft>
-                      </a:pPr>
-                      <a:r>
-                        <a:rPr lang="en-US" sz="1800">
-                          <a:effectLst/>
-                        </a:rPr>
-                        <a:t>Only 2015</a:t>
-                      </a:r>
-                      <a:endParaRPr lang="nl-NL" sz="1800">
-                        <a:effectLst/>
-                        <a:latin typeface="Calibri"/>
-                        <a:ea typeface="Calibri"/>
-                        <a:cs typeface="Times New Roman"/>
-                      </a:endParaRPr>
-                    </a:p>
-                  </a:txBody>
-                  <a:tcPr marL="68580" marR="68580" marT="0" marB="0"/>
-                </a:tc>
-                <a:tc>
-                  <a:txBody>
-                    <a:bodyPr/>
-                    <a:lstStyle/>
-                    <a:p>
-                      <a:pPr>
-                        <a:lnSpc>
-                          <a:spcPct val="107000"/>
-                        </a:lnSpc>
-                        <a:spcAft>
-                          <a:spcPts val="0"/>
-                        </a:spcAft>
-                      </a:pPr>
-                      <a:r>
-                        <a:rPr lang="en-US" sz="1800">
-                          <a:effectLst/>
-                        </a:rPr>
-                        <a:t>0.58460</a:t>
-                      </a:r>
-                      <a:endParaRPr lang="nl-NL" sz="1800">
-                        <a:effectLst/>
-                        <a:latin typeface="Calibri"/>
-                        <a:ea typeface="Calibri"/>
-                        <a:cs typeface="Times New Roman"/>
-                      </a:endParaRPr>
-                    </a:p>
-                  </a:txBody>
-                  <a:tcPr marL="68580" marR="68580" marT="0" marB="0"/>
-                </a:tc>
-                <a:tc>
-                  <a:txBody>
-                    <a:bodyPr/>
-                    <a:lstStyle/>
-                    <a:p>
-                      <a:pPr>
-                        <a:lnSpc>
-                          <a:spcPct val="107000"/>
-                        </a:lnSpc>
-                        <a:spcAft>
-                          <a:spcPts val="0"/>
-                        </a:spcAft>
-                      </a:pPr>
-                      <a:r>
-                        <a:rPr lang="en-US" sz="1800">
-                          <a:effectLst/>
-                        </a:rPr>
-                        <a:t>3020</a:t>
-                      </a:r>
-                      <a:endParaRPr lang="nl-NL" sz="1800">
-                        <a:effectLst/>
-                        <a:latin typeface="Calibri"/>
-                        <a:ea typeface="Calibri"/>
-                        <a:cs typeface="Times New Roman"/>
-                      </a:endParaRPr>
-                    </a:p>
-                  </a:txBody>
-                  <a:tcPr marL="68580" marR="68580" marT="0" marB="0"/>
-                </a:tc>
-              </a:tr>
-              <a:tr h="607115">
-                <a:tc>
-                  <a:txBody>
-                    <a:bodyPr/>
-                    <a:lstStyle/>
-                    <a:p>
-                      <a:pPr>
-                        <a:lnSpc>
-                          <a:spcPct val="107000"/>
-                        </a:lnSpc>
-                        <a:spcAft>
-                          <a:spcPts val="0"/>
-                        </a:spcAft>
-                      </a:pPr>
-                      <a:r>
-                        <a:rPr lang="en-US" sz="1800">
-                          <a:effectLst/>
-                        </a:rPr>
-                        <a:t>Random Forest</a:t>
-                      </a:r>
-                      <a:endParaRPr lang="nl-NL" sz="1800">
-                        <a:effectLst/>
-                        <a:latin typeface="Calibri"/>
-                        <a:ea typeface="Calibri"/>
-                        <a:cs typeface="Times New Roman"/>
-                      </a:endParaRPr>
-                    </a:p>
-                  </a:txBody>
-                  <a:tcPr marL="68580" marR="68580" marT="0" marB="0"/>
-                </a:tc>
-                <a:tc>
-                  <a:txBody>
-                    <a:bodyPr/>
-                    <a:lstStyle/>
-                    <a:p>
-                      <a:pPr>
-                        <a:lnSpc>
-                          <a:spcPct val="107000"/>
-                        </a:lnSpc>
-                        <a:spcAft>
-                          <a:spcPts val="0"/>
-                        </a:spcAft>
-                      </a:pPr>
-                      <a:r>
-                        <a:rPr lang="en-US" sz="1800">
-                          <a:effectLst/>
-                        </a:rPr>
-                        <a:t>Removing outliers</a:t>
-                      </a:r>
-                      <a:endParaRPr lang="nl-NL" sz="1800">
-                        <a:effectLst/>
-                      </a:endParaRPr>
-                    </a:p>
-                    <a:p>
-                      <a:pPr>
-                        <a:lnSpc>
-                          <a:spcPct val="107000"/>
-                        </a:lnSpc>
-                        <a:spcAft>
-                          <a:spcPts val="0"/>
-                        </a:spcAft>
-                      </a:pPr>
-                      <a:r>
-                        <a:rPr lang="en-US" sz="1800">
-                          <a:effectLst/>
-                        </a:rPr>
-                        <a:t>Only 2015</a:t>
-                      </a:r>
-                      <a:endParaRPr lang="nl-NL" sz="1800">
-                        <a:effectLst/>
-                        <a:latin typeface="Calibri"/>
-                        <a:ea typeface="Calibri"/>
-                        <a:cs typeface="Times New Roman"/>
-                      </a:endParaRPr>
-                    </a:p>
-                  </a:txBody>
-                  <a:tcPr marL="68580" marR="68580" marT="0" marB="0"/>
-                </a:tc>
-                <a:tc>
-                  <a:txBody>
-                    <a:bodyPr/>
-                    <a:lstStyle/>
-                    <a:p>
-                      <a:pPr>
-                        <a:lnSpc>
-                          <a:spcPct val="107000"/>
-                        </a:lnSpc>
-                        <a:spcAft>
-                          <a:spcPts val="0"/>
-                        </a:spcAft>
-                      </a:pPr>
-                      <a:r>
-                        <a:rPr lang="en-US" sz="1800">
-                          <a:effectLst/>
-                        </a:rPr>
-                        <a:t>0.75239</a:t>
-                      </a:r>
-                      <a:endParaRPr lang="nl-NL" sz="1800">
-                        <a:effectLst/>
-                        <a:latin typeface="Calibri"/>
-                        <a:ea typeface="Calibri"/>
-                        <a:cs typeface="Times New Roman"/>
-                      </a:endParaRPr>
-                    </a:p>
-                  </a:txBody>
-                  <a:tcPr marL="68580" marR="68580" marT="0" marB="0"/>
-                </a:tc>
-                <a:tc>
-                  <a:txBody>
-                    <a:bodyPr/>
-                    <a:lstStyle/>
-                    <a:p>
-                      <a:pPr>
-                        <a:lnSpc>
-                          <a:spcPct val="107000"/>
-                        </a:lnSpc>
-                        <a:spcAft>
-                          <a:spcPts val="0"/>
-                        </a:spcAft>
-                      </a:pPr>
-                      <a:r>
-                        <a:rPr lang="en-US" sz="1800">
-                          <a:effectLst/>
-                        </a:rPr>
-                        <a:t>3040</a:t>
-                      </a:r>
-                      <a:endParaRPr lang="nl-NL" sz="1800">
-                        <a:effectLst/>
-                        <a:latin typeface="Calibri"/>
-                        <a:ea typeface="Calibri"/>
-                        <a:cs typeface="Times New Roman"/>
-                      </a:endParaRPr>
-                    </a:p>
-                  </a:txBody>
-                  <a:tcPr marL="68580" marR="68580" marT="0" marB="0"/>
-                </a:tc>
-              </a:tr>
-              <a:tr h="607115">
-                <a:tc>
-                  <a:txBody>
-                    <a:bodyPr/>
-                    <a:lstStyle/>
-                    <a:p>
-                      <a:pPr>
-                        <a:lnSpc>
-                          <a:spcPct val="107000"/>
-                        </a:lnSpc>
-                        <a:spcAft>
-                          <a:spcPts val="0"/>
-                        </a:spcAft>
-                      </a:pPr>
-                      <a:r>
-                        <a:rPr lang="en-US" sz="1800">
-                          <a:effectLst/>
-                        </a:rPr>
-                        <a:t>Gradientboosting Regressor</a:t>
-                      </a:r>
-                      <a:endParaRPr lang="nl-NL" sz="1800">
-                        <a:effectLst/>
-                        <a:latin typeface="Calibri"/>
-                        <a:ea typeface="Calibri"/>
-                        <a:cs typeface="Times New Roman"/>
-                      </a:endParaRPr>
-                    </a:p>
-                  </a:txBody>
-                  <a:tcPr marL="68580" marR="68580" marT="0" marB="0"/>
-                </a:tc>
-                <a:tc>
-                  <a:txBody>
-                    <a:bodyPr/>
-                    <a:lstStyle/>
-                    <a:p>
-                      <a:pPr>
-                        <a:lnSpc>
-                          <a:spcPct val="107000"/>
-                        </a:lnSpc>
-                        <a:spcAft>
-                          <a:spcPts val="0"/>
-                        </a:spcAft>
-                      </a:pPr>
-                      <a:r>
-                        <a:rPr lang="en-US" sz="1800">
-                          <a:effectLst/>
-                        </a:rPr>
-                        <a:t>Complete dataset</a:t>
-                      </a:r>
-                      <a:endParaRPr lang="nl-NL" sz="1800">
-                        <a:effectLst/>
-                      </a:endParaRPr>
-                    </a:p>
-                    <a:p>
-                      <a:pPr>
-                        <a:lnSpc>
-                          <a:spcPct val="107000"/>
-                        </a:lnSpc>
-                        <a:spcAft>
-                          <a:spcPts val="0"/>
-                        </a:spcAft>
-                      </a:pPr>
-                      <a:r>
-                        <a:rPr lang="en-US" sz="1800">
-                          <a:effectLst/>
-                        </a:rPr>
-                        <a:t>Only 2015</a:t>
-                      </a:r>
-                      <a:endParaRPr lang="nl-NL" sz="1800">
-                        <a:effectLst/>
-                        <a:latin typeface="Calibri"/>
-                        <a:ea typeface="Calibri"/>
-                        <a:cs typeface="Times New Roman"/>
-                      </a:endParaRPr>
-                    </a:p>
-                  </a:txBody>
-                  <a:tcPr marL="68580" marR="68580" marT="0" marB="0"/>
-                </a:tc>
-                <a:tc>
-                  <a:txBody>
-                    <a:bodyPr/>
-                    <a:lstStyle/>
-                    <a:p>
-                      <a:pPr>
-                        <a:lnSpc>
-                          <a:spcPct val="107000"/>
-                        </a:lnSpc>
-                        <a:spcAft>
-                          <a:spcPts val="0"/>
-                        </a:spcAft>
-                      </a:pPr>
-                      <a:r>
-                        <a:rPr lang="en-US" sz="1800">
-                          <a:effectLst/>
-                        </a:rPr>
-                        <a:t>0.41384</a:t>
-                      </a:r>
-                      <a:endParaRPr lang="nl-NL" sz="1800">
-                        <a:effectLst/>
-                        <a:latin typeface="Calibri"/>
-                        <a:ea typeface="Calibri"/>
-                        <a:cs typeface="Times New Roman"/>
-                      </a:endParaRPr>
-                    </a:p>
-                  </a:txBody>
-                  <a:tcPr marL="68580" marR="68580" marT="0" marB="0"/>
-                </a:tc>
-                <a:tc>
-                  <a:txBody>
-                    <a:bodyPr/>
-                    <a:lstStyle/>
-                    <a:p>
-                      <a:pPr>
-                        <a:lnSpc>
-                          <a:spcPct val="107000"/>
-                        </a:lnSpc>
-                        <a:spcAft>
-                          <a:spcPts val="0"/>
-                        </a:spcAft>
-                      </a:pPr>
-                      <a:r>
-                        <a:rPr lang="en-US" sz="1800" dirty="0">
-                          <a:effectLst/>
-                        </a:rPr>
-                        <a:t>2767</a:t>
-                      </a:r>
-                      <a:endParaRPr lang="nl-NL" sz="1800" dirty="0">
-                        <a:effectLst/>
-                        <a:latin typeface="Calibri"/>
-                        <a:ea typeface="Calibri"/>
-                        <a:cs typeface="Times New Roman"/>
-                      </a:endParaRPr>
-                    </a:p>
-                  </a:txBody>
-                  <a:tcPr marL="68580" marR="68580" marT="0" marB="0"/>
-                </a:tc>
-              </a:tr>
-            </a:tbl>
-          </a:graphicData>
-        </a:graphic>
-      </p:graphicFrame>
       <p:sp>
         <p:nvSpPr>
           <p:cNvPr id="18" name="Rectangle 10"/>
@@ -10597,92 +14027,50 @@
           </a:p>
         </p:txBody>
       </p:sp>
-    </p:spTree>
-    <p:extLst>
-      <p:ext uri="{BB962C8B-B14F-4D97-AF65-F5344CB8AC3E}">
-        <p14:creationId xmlns:p14="http://schemas.microsoft.com/office/powerpoint/2010/main" val="1269790973"/>
-      </p:ext>
-    </p:extLst>
-  </p:cSld>
-  <p:clrMapOvr>
-    <a:masterClrMapping/>
-  </p:clrMapOvr>
-  <p:transition spd="med">
-    <p:fade/>
-  </p:transition>
-  <p:timing>
-    <p:tnLst>
-      <p:par>
-        <p:cTn id="1" dur="indefinite" restart="never" nodeType="tmRoot"/>
-      </p:par>
-    </p:tnLst>
-  </p:timing>
-</p:sld>
-</file>
-
-<file path=ppt/slides/slide8.xml><?xml version="1.0" encoding="utf-8"?>
-<p:sld xmlns:a="http://schemas.openxmlformats.org/drawingml/2006/main" xmlns:r="http://schemas.openxmlformats.org/officeDocument/2006/relationships" xmlns:p="http://schemas.openxmlformats.org/presentationml/2006/main">
-  <p:cSld>
-    <p:spTree>
-      <p:nvGrpSpPr>
-        <p:cNvPr id="1" name=""/>
-        <p:cNvGrpSpPr/>
-        <p:nvPr/>
-      </p:nvGrpSpPr>
-      <p:grpSpPr>
-        <a:xfrm>
-          <a:off x="0" y="0"/>
-          <a:ext cx="0" cy="0"/>
-          <a:chOff x="0" y="0"/>
-          <a:chExt cx="0" cy="0"/>
-        </a:xfrm>
-      </p:grpSpPr>
       <p:sp>
         <p:nvSpPr>
-          <p:cNvPr id="4" name="Titel 3"/>
-          <p:cNvSpPr>
-            <a:spLocks noGrp="1"/>
-          </p:cNvSpPr>
-          <p:nvPr>
-            <p:ph type="title"/>
-          </p:nvPr>
+          <p:cNvPr id="7" name="TextBox 6"/>
+          <p:cNvSpPr txBox="1"/>
+          <p:nvPr/>
         </p:nvSpPr>
-        <p:spPr/>
+        <p:spPr>
+          <a:xfrm>
+            <a:off x="1958496" y="8009199"/>
+            <a:ext cx="14131637" cy="523220"/>
+          </a:xfrm>
+          <a:prstGeom prst="rect">
+            <a:avLst/>
+          </a:prstGeom>
+          <a:noFill/>
+        </p:spPr>
         <p:txBody>
-          <a:bodyPr/>
+          <a:bodyPr wrap="square" rtlCol="0">
+            <a:spAutoFit/>
+          </a:bodyPr>
           <a:lstStyle/>
           <a:p>
-            <a:endParaRPr lang="nl-NL"/>
-          </a:p>
-        </p:txBody>
-      </p:sp>
-      <p:sp>
-        <p:nvSpPr>
-          <p:cNvPr id="3" name="Tijdelijke aanduiding voor inhoud 2"/>
-          <p:cNvSpPr>
-            <a:spLocks noGrp="1"/>
-          </p:cNvSpPr>
-          <p:nvPr>
-            <p:ph idx="1"/>
-          </p:nvPr>
-        </p:nvSpPr>
-        <p:spPr/>
-        <p:txBody>
-          <a:bodyPr/>
-          <a:lstStyle/>
-          <a:p>
-            <a:r>
-              <a:rPr lang="en-US" dirty="0"/>
-              <a:t>(discuss other things worth mentioning here)</a:t>
-            </a:r>
-            <a:endParaRPr lang="nl-NL" dirty="0"/>
+            <a:r>
+              <a:rPr lang="en-US" sz="2800" i="1" dirty="0" smtClean="0">
+                <a:latin typeface="+mn-lt"/>
+              </a:rPr>
+              <a:t>Best obtained score from each implementation is shown, </a:t>
+            </a:r>
+            <a:r>
+              <a:rPr lang="en-US" sz="2800" i="1" dirty="0" smtClean="0">
+                <a:solidFill>
+                  <a:srgbClr val="C00000"/>
+                </a:solidFill>
+                <a:latin typeface="+mn-lt"/>
+              </a:rPr>
+              <a:t>if submitted.</a:t>
+            </a:r>
           </a:p>
         </p:txBody>
       </p:sp>
     </p:spTree>
     <p:extLst>
       <p:ext uri="{BB962C8B-B14F-4D97-AF65-F5344CB8AC3E}">
-        <p14:creationId xmlns:p14="http://schemas.microsoft.com/office/powerpoint/2010/main" val="4215910740"/>
+        <p14:creationId xmlns:p14="http://schemas.microsoft.com/office/powerpoint/2010/main" val="1554255970"/>
       </p:ext>
     </p:extLst>
   </p:cSld>
@@ -10721,7 +14109,7 @@
       </p:grpSpPr>
       <p:sp>
         <p:nvSpPr>
-          <p:cNvPr id="2" name="Titel 1"/>
+          <p:cNvPr id="4" name="Titel 3"/>
           <p:cNvSpPr>
             <a:spLocks noGrp="1"/>
           </p:cNvSpPr>
@@ -10735,24 +14123,24 @@
           <a:lstStyle/>
           <a:p>
             <a:r>
-              <a:rPr lang="nl-NL" dirty="0" err="1" smtClean="0"/>
-              <a:t>Further</a:t>
-            </a:r>
-            <a:r>
-              <a:rPr lang="nl-NL" dirty="0" smtClean="0"/>
-              <a:t> </a:t>
-            </a:r>
-            <a:r>
-              <a:rPr lang="nl-NL" dirty="0" err="1" smtClean="0"/>
-              <a:t>work</a:t>
-            </a:r>
-            <a:endParaRPr lang="nl-NL" dirty="0"/>
+              <a:rPr lang="nl-NL" dirty="0" err="1" smtClean="0">
+                <a:solidFill>
+                  <a:srgbClr val="C00000"/>
+                </a:solidFill>
+              </a:rPr>
+              <a:t>Conclusion</a:t>
+            </a:r>
+            <a:endParaRPr lang="nl-NL" dirty="0">
+              <a:solidFill>
+                <a:srgbClr val="C00000"/>
+              </a:solidFill>
+            </a:endParaRPr>
           </a:p>
         </p:txBody>
       </p:sp>
       <p:sp>
         <p:nvSpPr>
-          <p:cNvPr id="4" name="Tijdelijke aanduiding voor inhoud 3"/>
+          <p:cNvPr id="3" name="Tijdelijke aanduiding voor inhoud 2"/>
           <p:cNvSpPr>
             <a:spLocks noGrp="1"/>
           </p:cNvSpPr>
@@ -10765,14 +14153,138 @@
           <a:bodyPr/>
           <a:lstStyle/>
           <a:p>
-            <a:endParaRPr lang="nl-NL"/>
+            <a:r>
+              <a:rPr lang="en-US" dirty="0" smtClean="0"/>
+              <a:t>Top scores </a:t>
+            </a:r>
+            <a:r>
+              <a:rPr lang="en-US" dirty="0" smtClean="0">
+                <a:solidFill>
+                  <a:srgbClr val="C00000"/>
+                </a:solidFill>
+              </a:rPr>
+              <a:t>very close </a:t>
+            </a:r>
+            <a:r>
+              <a:rPr lang="en-US" dirty="0" smtClean="0"/>
+              <a:t>together</a:t>
+            </a:r>
+          </a:p>
+          <a:p>
+            <a:r>
+              <a:rPr lang="nl-NL" dirty="0" smtClean="0"/>
+              <a:t>Ensembles, Ensembles, Ensembles..</a:t>
+            </a:r>
+          </a:p>
+          <a:p>
+            <a:r>
+              <a:rPr lang="nl-NL" dirty="0" err="1" smtClean="0">
+                <a:solidFill>
+                  <a:srgbClr val="C00000"/>
+                </a:solidFill>
+              </a:rPr>
+              <a:t>XGBoost</a:t>
+            </a:r>
+            <a:r>
+              <a:rPr lang="nl-NL" dirty="0" smtClean="0">
+                <a:solidFill>
+                  <a:srgbClr val="C00000"/>
+                </a:solidFill>
+              </a:rPr>
+              <a:t> </a:t>
+            </a:r>
+            <a:r>
+              <a:rPr lang="nl-NL" dirty="0" err="1" smtClean="0"/>
+              <a:t>outperformed</a:t>
+            </a:r>
+            <a:r>
+              <a:rPr lang="nl-NL" dirty="0" smtClean="0"/>
+              <a:t> </a:t>
+            </a:r>
+            <a:r>
+              <a:rPr lang="nl-NL" dirty="0" err="1" smtClean="0"/>
+              <a:t>other</a:t>
+            </a:r>
+            <a:r>
+              <a:rPr lang="nl-NL" dirty="0" smtClean="0"/>
+              <a:t> </a:t>
+            </a:r>
+            <a:r>
+              <a:rPr lang="nl-NL" dirty="0" err="1" smtClean="0"/>
+              <a:t>models</a:t>
+            </a:r>
+            <a:endParaRPr lang="nl-NL" dirty="0" smtClean="0"/>
+          </a:p>
+          <a:p>
+            <a:r>
+              <a:rPr lang="nl-NL" dirty="0" smtClean="0">
+                <a:solidFill>
+                  <a:srgbClr val="C00000"/>
+                </a:solidFill>
+              </a:rPr>
+              <a:t>Pre-processing</a:t>
+            </a:r>
+            <a:r>
+              <a:rPr lang="nl-NL" dirty="0" smtClean="0"/>
+              <a:t> </a:t>
+            </a:r>
+            <a:r>
+              <a:rPr lang="nl-NL" dirty="0" err="1" smtClean="0"/>
+              <a:t>helped</a:t>
+            </a:r>
+            <a:r>
+              <a:rPr lang="nl-NL" dirty="0" smtClean="0"/>
+              <a:t> </a:t>
+            </a:r>
+            <a:r>
+              <a:rPr lang="nl-NL" dirty="0" err="1" smtClean="0"/>
+              <a:t>tremendously</a:t>
+            </a:r>
+            <a:endParaRPr lang="nl-NL" dirty="0"/>
+          </a:p>
+          <a:p>
+            <a:r>
+              <a:rPr lang="nl-NL" dirty="0" err="1" smtClean="0"/>
+              <a:t>Compensating</a:t>
+            </a:r>
+            <a:r>
+              <a:rPr lang="nl-NL" dirty="0" smtClean="0"/>
+              <a:t> </a:t>
+            </a:r>
+            <a:r>
+              <a:rPr lang="nl-NL" dirty="0" err="1" smtClean="0"/>
+              <a:t>for</a:t>
+            </a:r>
+            <a:r>
+              <a:rPr lang="nl-NL" dirty="0" smtClean="0"/>
+              <a:t> </a:t>
+            </a:r>
+            <a:r>
+              <a:rPr lang="nl-NL" dirty="0" err="1" smtClean="0">
+                <a:solidFill>
+                  <a:srgbClr val="C00000"/>
+                </a:solidFill>
+              </a:rPr>
+              <a:t>inflation</a:t>
+            </a:r>
+            <a:r>
+              <a:rPr lang="nl-NL" dirty="0" smtClean="0">
+                <a:solidFill>
+                  <a:srgbClr val="C00000"/>
+                </a:solidFill>
+              </a:rPr>
+              <a:t> </a:t>
+            </a:r>
+          </a:p>
+          <a:p>
+            <a:endParaRPr lang="en-US" dirty="0" smtClean="0"/>
           </a:p>
         </p:txBody>
       </p:sp>
     </p:spTree>
     <p:extLst>
       <p:ext uri="{BB962C8B-B14F-4D97-AF65-F5344CB8AC3E}">
-        <p14:creationId xmlns:p14="http://schemas.microsoft.com/office/powerpoint/2010/main" val="3221512643"/>
+        <p14:creationId xmlns:p14="http://schemas.microsoft.com/office/powerpoint/2010/main" val="1027410596"/>
       </p:ext>
     </p:extLst>
   </p:cSld>
@@ -10785,7 +14297,226 @@
   <p:timing>
     <p:tnLst>
       <p:par>
-        <p:cTn id="1" dur="indefinite" restart="never" nodeType="tmRoot"/>
+        <p:cTn id="1" dur="indefinite" restart="never" nodeType="tmRoot">
+          <p:childTnLst>
+            <p:seq concurrent="1" nextAc="seek">
+              <p:cTn id="2" dur="indefinite" nodeType="mainSeq">
+                <p:childTnLst>
+                  <p:par>
+                    <p:cTn id="3" fill="hold">
+                      <p:stCondLst>
+                        <p:cond delay="indefinite"/>
+                      </p:stCondLst>
+                      <p:childTnLst>
+                        <p:par>
+                          <p:cTn id="4" fill="hold">
+                            <p:stCondLst>
+                              <p:cond delay="0"/>
+                            </p:stCondLst>
+                            <p:childTnLst>
+                              <p:par>
+                                <p:cTn id="5" presetID="1" presetClass="entr" presetSubtype="0" fill="hold" nodeType="clickEffect">
+                                  <p:stCondLst>
+                                    <p:cond delay="0"/>
+                                  </p:stCondLst>
+                                  <p:childTnLst>
+                                    <p:set>
+                                      <p:cBhvr>
+                                        <p:cTn id="6" dur="1" fill="hold">
+                                          <p:stCondLst>
+                                            <p:cond delay="0"/>
+                                          </p:stCondLst>
+                                        </p:cTn>
+                                        <p:tgtEl>
+                                          <p:spTgt spid="3">
+                                            <p:txEl>
+                                              <p:pRg st="1" end="1"/>
+                                            </p:txEl>
+                                          </p:spTgt>
+                                        </p:tgtEl>
+                                        <p:attrNameLst>
+                                          <p:attrName>style.visibility</p:attrName>
+                                        </p:attrNameLst>
+                                      </p:cBhvr>
+                                      <p:to>
+                                        <p:strVal val="visible"/>
+                                      </p:to>
+                                    </p:set>
+                                  </p:childTnLst>
+                                </p:cTn>
+                              </p:par>
+                            </p:childTnLst>
+                          </p:cTn>
+                        </p:par>
+                      </p:childTnLst>
+                    </p:cTn>
+                  </p:par>
+                  <p:par>
+                    <p:cTn id="7" fill="hold">
+                      <p:stCondLst>
+                        <p:cond delay="indefinite"/>
+                      </p:stCondLst>
+                      <p:childTnLst>
+                        <p:par>
+                          <p:cTn id="8" fill="hold">
+                            <p:stCondLst>
+                              <p:cond delay="0"/>
+                            </p:stCondLst>
+                            <p:childTnLst>
+                              <p:par>
+                                <p:cTn id="9" presetID="1" presetClass="entr" presetSubtype="0" fill="hold" nodeType="clickEffect">
+                                  <p:stCondLst>
+                                    <p:cond delay="0"/>
+                                  </p:stCondLst>
+                                  <p:childTnLst>
+                                    <p:set>
+                                      <p:cBhvr>
+                                        <p:cTn id="10" dur="1" fill="hold">
+                                          <p:stCondLst>
+                                            <p:cond delay="0"/>
+                                          </p:stCondLst>
+                                        </p:cTn>
+                                        <p:tgtEl>
+                                          <p:spTgt spid="3">
+                                            <p:txEl>
+                                              <p:pRg st="2" end="2"/>
+                                            </p:txEl>
+                                          </p:spTgt>
+                                        </p:tgtEl>
+                                        <p:attrNameLst>
+                                          <p:attrName>style.visibility</p:attrName>
+                                        </p:attrNameLst>
+                                      </p:cBhvr>
+                                      <p:to>
+                                        <p:strVal val="visible"/>
+                                      </p:to>
+                                    </p:set>
+                                  </p:childTnLst>
+                                </p:cTn>
+                              </p:par>
+                            </p:childTnLst>
+                          </p:cTn>
+                        </p:par>
+                      </p:childTnLst>
+                    </p:cTn>
+                  </p:par>
+                  <p:par>
+                    <p:cTn id="11" fill="hold">
+                      <p:stCondLst>
+                        <p:cond delay="indefinite"/>
+                      </p:stCondLst>
+                      <p:childTnLst>
+                        <p:par>
+                          <p:cTn id="12" fill="hold">
+                            <p:stCondLst>
+                              <p:cond delay="0"/>
+                            </p:stCondLst>
+                            <p:childTnLst>
+                              <p:par>
+                                <p:cTn id="13" presetID="1" presetClass="entr" presetSubtype="0" fill="hold" nodeType="clickEffect">
+                                  <p:stCondLst>
+                                    <p:cond delay="0"/>
+                                  </p:stCondLst>
+                                  <p:childTnLst>
+                                    <p:set>
+                                      <p:cBhvr>
+                                        <p:cTn id="14" dur="1" fill="hold">
+                                          <p:stCondLst>
+                                            <p:cond delay="0"/>
+                                          </p:stCondLst>
+                                        </p:cTn>
+                                        <p:tgtEl>
+                                          <p:spTgt spid="3">
+                                            <p:txEl>
+                                              <p:pRg st="3" end="3"/>
+                                            </p:txEl>
+                                          </p:spTgt>
+                                        </p:tgtEl>
+                                        <p:attrNameLst>
+                                          <p:attrName>style.visibility</p:attrName>
+                                        </p:attrNameLst>
+                                      </p:cBhvr>
+                                      <p:to>
+                                        <p:strVal val="visible"/>
+                                      </p:to>
+                                    </p:set>
+                                  </p:childTnLst>
+                                </p:cTn>
+                              </p:par>
+                            </p:childTnLst>
+                          </p:cTn>
+                        </p:par>
+                      </p:childTnLst>
+                    </p:cTn>
+                  </p:par>
+                  <p:par>
+                    <p:cTn id="15" fill="hold">
+                      <p:stCondLst>
+                        <p:cond delay="indefinite"/>
+                      </p:stCondLst>
+                      <p:childTnLst>
+                        <p:par>
+                          <p:cTn id="16" fill="hold">
+                            <p:stCondLst>
+                              <p:cond delay="0"/>
+                            </p:stCondLst>
+                            <p:childTnLst>
+                              <p:par>
+                                <p:cTn id="17" presetID="1" presetClass="entr" presetSubtype="0" fill="hold" nodeType="clickEffect">
+                                  <p:stCondLst>
+                                    <p:cond delay="0"/>
+                                  </p:stCondLst>
+                                  <p:childTnLst>
+                                    <p:set>
+                                      <p:cBhvr>
+                                        <p:cTn id="18" dur="1" fill="hold">
+                                          <p:stCondLst>
+                                            <p:cond delay="0"/>
+                                          </p:stCondLst>
+                                        </p:cTn>
+                                        <p:tgtEl>
+                                          <p:spTgt spid="3">
+                                            <p:txEl>
+                                              <p:pRg st="4" end="4"/>
+                                            </p:txEl>
+                                          </p:spTgt>
+                                        </p:tgtEl>
+                                        <p:attrNameLst>
+                                          <p:attrName>style.visibility</p:attrName>
+                                        </p:attrNameLst>
+                                      </p:cBhvr>
+                                      <p:to>
+                                        <p:strVal val="visible"/>
+                                      </p:to>
+                                    </p:set>
+                                  </p:childTnLst>
+                                </p:cTn>
+                              </p:par>
+                            </p:childTnLst>
+                          </p:cTn>
+                        </p:par>
+                      </p:childTnLst>
+                    </p:cTn>
+                  </p:par>
+                </p:childTnLst>
+              </p:cTn>
+              <p:prevCondLst>
+                <p:cond evt="onPrev" delay="0">
+                  <p:tgtEl>
+                    <p:sldTgt/>
+                  </p:tgtEl>
+                </p:cond>
+              </p:prevCondLst>
+              <p:nextCondLst>
+                <p:cond evt="onNext" delay="0">
+                  <p:tgtEl>
+                    <p:sldTgt/>
+                  </p:tgtEl>
+                </p:cond>
+              </p:nextCondLst>
+            </p:seq>
+          </p:childTnLst>
+        </p:cTn>
       </p:par>
     </p:tnLst>
   </p:timing>

--- a/presentatie/Classified_MLiP_final_presentation_2.pptx
+++ b/presentatie/Classified_MLiP_final_presentation_2.pptx
@@ -156,7 +156,7 @@
   </p:defaultTextStyle>
   <p:extLst>
     <p:ext uri="{EFAFB233-063F-42B5-8137-9DF3F51BA10A}">
-      <p15:sldGuideLst xmlns:p15="http://schemas.microsoft.com/office/powerpoint/2012/main" xmlns="">
+      <p15:sldGuideLst xmlns="" xmlns:p15="http://schemas.microsoft.com/office/powerpoint/2012/main">
         <p15:guide id="1" orient="horz" pos="3073" userDrawn="1">
           <p15:clr>
             <a:srgbClr val="A4A3A4"/>
@@ -170,7 +170,7 @@
       </p15:sldGuideLst>
     </p:ext>
     <p:ext uri="{2D200454-40CA-4A62-9FC3-DE9A4176ACB9}">
-      <p15:notesGuideLst xmlns:p15="http://schemas.microsoft.com/office/powerpoint/2012/main" xmlns="">
+      <p15:notesGuideLst xmlns="" xmlns:p15="http://schemas.microsoft.com/office/powerpoint/2012/main">
         <p15:guide id="1" orient="horz" pos="2880">
           <p15:clr>
             <a:srgbClr val="A4A3A4"/>
@@ -3012,7 +3012,7 @@
               </a14:hiddenLine>
             </a:ext>
             <a:ext uri="{FAA26D3D-D897-4be2-8F04-BA451C77F1D7}">
-              <ma14:placeholderFlag xmlns:ma14="http://schemas.microsoft.com/office/mac/drawingml/2011/main" xmlns="" val="1"/>
+              <ma14:placeholderFlag xmlns="" xmlns:ma14="http://schemas.microsoft.com/office/mac/drawingml/2011/main" val="1"/>
             </a:ext>
           </a:extLst>
         </p:spPr>
@@ -3073,7 +3073,7 @@
               </a14:hiddenLine>
             </a:ext>
             <a:ext uri="{FAA26D3D-D897-4be2-8F04-BA451C77F1D7}">
-              <ma14:placeholderFlag xmlns:ma14="http://schemas.microsoft.com/office/mac/drawingml/2011/main" xmlns="" val="1"/>
+              <ma14:placeholderFlag xmlns="" xmlns:ma14="http://schemas.microsoft.com/office/mac/drawingml/2011/main" val="1"/>
             </a:ext>
           </a:extLst>
         </p:spPr>
@@ -3752,7 +3752,7 @@
               </a14:hiddenLine>
             </a:ext>
             <a:ext uri="{FAA26D3D-D897-4be2-8F04-BA451C77F1D7}">
-              <ma14:placeholderFlag xmlns:ma14="http://schemas.microsoft.com/office/mac/drawingml/2011/main" xmlns="" val="1"/>
+              <ma14:placeholderFlag xmlns="" xmlns:ma14="http://schemas.microsoft.com/office/mac/drawingml/2011/main" val="1"/>
             </a:ext>
           </a:extLst>
         </p:spPr>
@@ -3813,7 +3813,7 @@
               </a14:hiddenLine>
             </a:ext>
             <a:ext uri="{FAA26D3D-D897-4be2-8F04-BA451C77F1D7}">
-              <ma14:placeholderFlag xmlns:ma14="http://schemas.microsoft.com/office/mac/drawingml/2011/main" xmlns="" val="1"/>
+              <ma14:placeholderFlag xmlns="" xmlns:ma14="http://schemas.microsoft.com/office/mac/drawingml/2011/main" val="1"/>
             </a:ext>
           </a:extLst>
         </p:spPr>
@@ -6707,15 +6707,7 @@
                   <a:srgbClr val="C00000"/>
                 </a:solidFill>
               </a:rPr>
-              <a:t>financial </a:t>
-            </a:r>
-            <a:r>
-              <a:rPr lang="en-US" dirty="0" smtClean="0">
-                <a:solidFill>
-                  <a:srgbClr val="C00000"/>
-                </a:solidFill>
-              </a:rPr>
-              <a:t>sector</a:t>
+              <a:t>financial sector</a:t>
             </a:r>
           </a:p>
         </p:txBody>
@@ -7100,9 +7092,6 @@
               </a:rPr>
               <a:t>Most important features</a:t>
             </a:r>
-            <a:endParaRPr lang="nl-NL" sz="2000" dirty="0" smtClean="0">
-              <a:latin typeface="+mn-lt"/>
-            </a:endParaRPr>
           </a:p>
         </p:txBody>
       </p:sp>
@@ -7165,9 +7154,6 @@
               </a:rPr>
               <a:t> of rooms</a:t>
             </a:r>
-            <a:endParaRPr lang="nl-NL" sz="2000" dirty="0" smtClean="0">
-              <a:latin typeface="+mn-lt"/>
-            </a:endParaRPr>
           </a:p>
         </p:txBody>
       </p:sp>
@@ -7181,13 +7167,13 @@
   <p:clrMapOvr>
     <a:masterClrMapping/>
   </p:clrMapOvr>
-  <mc:AlternateContent xmlns:mc="http://schemas.openxmlformats.org/markup-compatibility/2006">
-    <mc:Choice xmlns:p14="http://schemas.microsoft.com/office/powerpoint/2010/main" Requires="p14">
+  <mc:AlternateContent xmlns:mc="http://schemas.openxmlformats.org/markup-compatibility/2006" xmlns:p14="http://schemas.microsoft.com/office/powerpoint/2010/main">
+    <mc:Choice Requires="p14">
       <p:transition spd="med" p14:dur="700">
         <p:fade/>
       </p:transition>
     </mc:Choice>
-    <mc:Fallback>
+    <mc:Fallback xmlns="">
       <p:transition spd="med">
         <p:fade/>
       </p:transition>
@@ -7265,12 +7251,20 @@
               <a:t>Training data </a:t>
             </a:r>
             <a:r>
+              <a:rPr lang="nl-NL" dirty="0" smtClean="0"/>
+              <a:t>was </a:t>
+            </a:r>
+            <a:r>
               <a:rPr lang="nl-NL" dirty="0" err="1" smtClean="0"/>
               <a:t>supplied</a:t>
             </a:r>
             <a:r>
               <a:rPr lang="nl-NL" dirty="0" smtClean="0"/>
-              <a:t> as </a:t>
+              <a:t> </a:t>
+            </a:r>
+            <a:r>
+              <a:rPr lang="nl-NL" dirty="0" smtClean="0"/>
+              <a:t>as </a:t>
             </a:r>
             <a:r>
               <a:rPr lang="nl-NL" dirty="0" err="1" smtClean="0">
@@ -7418,7 +7412,435 @@
               <a:rPr lang="nl-NL" dirty="0" smtClean="0"/>
               <a:t>data</a:t>
             </a:r>
+          </a:p>
+          <a:p>
+            <a:r>
+              <a:rPr lang="nl-NL" dirty="0" err="1" smtClean="0"/>
+              <a:t>To</a:t>
+            </a:r>
+            <a:r>
+              <a:rPr lang="nl-NL" dirty="0" smtClean="0"/>
+              <a:t> deal </a:t>
+            </a:r>
+            <a:r>
+              <a:rPr lang="nl-NL" dirty="0" err="1" smtClean="0"/>
+              <a:t>with</a:t>
+            </a:r>
+            <a:r>
+              <a:rPr lang="nl-NL" dirty="0" smtClean="0"/>
+              <a:t> missing data, </a:t>
+            </a:r>
+            <a:r>
+              <a:rPr lang="nl-NL" dirty="0" err="1" smtClean="0"/>
+              <a:t>imputing</a:t>
+            </a:r>
+            <a:r>
+              <a:rPr lang="nl-NL" dirty="0" smtClean="0"/>
+              <a:t> data has been </a:t>
+            </a:r>
+            <a:r>
+              <a:rPr lang="nl-NL" dirty="0" err="1" smtClean="0"/>
+              <a:t>tried</a:t>
+            </a:r>
+            <a:r>
+              <a:rPr lang="nl-NL" dirty="0" smtClean="0"/>
+              <a:t> (</a:t>
+            </a:r>
+            <a:r>
+              <a:rPr lang="nl-NL" dirty="0" err="1" smtClean="0"/>
+              <a:t>for</a:t>
+            </a:r>
+            <a:r>
+              <a:rPr lang="nl-NL" dirty="0" smtClean="0"/>
+              <a:t> </a:t>
+            </a:r>
+            <a:r>
+              <a:rPr lang="nl-NL" dirty="0" err="1" smtClean="0"/>
+              <a:t>example</a:t>
+            </a:r>
+            <a:r>
+              <a:rPr lang="nl-NL" dirty="0" smtClean="0"/>
+              <a:t> KNN </a:t>
+            </a:r>
+            <a:r>
+              <a:rPr lang="nl-NL" dirty="0" err="1" smtClean="0"/>
+              <a:t>and</a:t>
+            </a:r>
+            <a:r>
+              <a:rPr lang="nl-NL" dirty="0" smtClean="0"/>
+              <a:t> SVD-</a:t>
+            </a:r>
+            <a:r>
+              <a:rPr lang="nl-NL" dirty="0" err="1" smtClean="0"/>
+              <a:t>based</a:t>
+            </a:r>
+            <a:r>
+              <a:rPr lang="nl-NL" dirty="0" smtClean="0"/>
+              <a:t> </a:t>
+            </a:r>
+            <a:r>
+              <a:rPr lang="nl-NL" dirty="0" err="1" smtClean="0"/>
+              <a:t>methods</a:t>
+            </a:r>
+            <a:r>
+              <a:rPr lang="nl-NL" dirty="0" smtClean="0"/>
+              <a:t>), but </a:t>
+            </a:r>
+            <a:r>
+              <a:rPr lang="nl-NL" dirty="0" err="1" smtClean="0"/>
+              <a:t>were</a:t>
+            </a:r>
+            <a:r>
+              <a:rPr lang="nl-NL" dirty="0" smtClean="0"/>
+              <a:t> </a:t>
+            </a:r>
+            <a:r>
+              <a:rPr lang="nl-NL" dirty="0" err="1" smtClean="0"/>
+              <a:t>ultimately</a:t>
+            </a:r>
+            <a:r>
+              <a:rPr lang="nl-NL" dirty="0" smtClean="0"/>
+              <a:t> </a:t>
+            </a:r>
+            <a:r>
+              <a:rPr lang="nl-NL" dirty="0" err="1" smtClean="0">
+                <a:solidFill>
+                  <a:srgbClr val="C00000"/>
+                </a:solidFill>
+              </a:rPr>
+              <a:t>too</a:t>
+            </a:r>
+            <a:r>
+              <a:rPr lang="nl-NL" dirty="0" smtClean="0">
+                <a:solidFill>
+                  <a:srgbClr val="C00000"/>
+                </a:solidFill>
+              </a:rPr>
+              <a:t> </a:t>
+            </a:r>
+            <a:r>
+              <a:rPr lang="nl-NL" dirty="0" err="1" smtClean="0">
+                <a:solidFill>
+                  <a:srgbClr val="C00000"/>
+                </a:solidFill>
+              </a:rPr>
+              <a:t>costly</a:t>
+            </a:r>
+            <a:r>
+              <a:rPr lang="nl-NL" dirty="0" smtClean="0"/>
+              <a:t> </a:t>
+            </a:r>
+            <a:r>
+              <a:rPr lang="nl-NL" dirty="0" err="1" smtClean="0"/>
+              <a:t>to</a:t>
+            </a:r>
+            <a:r>
+              <a:rPr lang="nl-NL" dirty="0" smtClean="0"/>
+              <a:t> </a:t>
+            </a:r>
+            <a:r>
+              <a:rPr lang="nl-NL" dirty="0" err="1" smtClean="0"/>
+              <a:t>develop</a:t>
+            </a:r>
+            <a:r>
+              <a:rPr lang="nl-NL" dirty="0" smtClean="0"/>
+              <a:t> </a:t>
+            </a:r>
+            <a:r>
+              <a:rPr lang="nl-NL" dirty="0" err="1" smtClean="0"/>
+              <a:t>internally</a:t>
+            </a:r>
             <a:endParaRPr lang="nl-NL" dirty="0" smtClean="0"/>
+          </a:p>
+          <a:p>
+            <a:r>
+              <a:rPr lang="nl-NL" dirty="0" err="1" smtClean="0"/>
+              <a:t>Simpler</a:t>
+            </a:r>
+            <a:r>
+              <a:rPr lang="nl-NL" dirty="0" smtClean="0"/>
+              <a:t> </a:t>
+            </a:r>
+            <a:r>
+              <a:rPr lang="nl-NL" dirty="0" err="1" smtClean="0"/>
+              <a:t>methods</a:t>
+            </a:r>
+            <a:r>
+              <a:rPr lang="nl-NL" dirty="0" smtClean="0"/>
+              <a:t> like </a:t>
+            </a:r>
+            <a:r>
+              <a:rPr lang="nl-NL" dirty="0" err="1" smtClean="0"/>
+              <a:t>using</a:t>
+            </a:r>
+            <a:r>
+              <a:rPr lang="nl-NL" dirty="0" smtClean="0"/>
+              <a:t> </a:t>
+            </a:r>
+            <a:r>
+              <a:rPr lang="nl-NL" dirty="0" err="1" smtClean="0">
+                <a:solidFill>
+                  <a:srgbClr val="C00000"/>
+                </a:solidFill>
+              </a:rPr>
+              <a:t>mean</a:t>
+            </a:r>
+            <a:r>
+              <a:rPr lang="nl-NL" dirty="0" smtClean="0"/>
+              <a:t>, </a:t>
+            </a:r>
+            <a:r>
+              <a:rPr lang="nl-NL" dirty="0" smtClean="0">
+                <a:solidFill>
+                  <a:srgbClr val="C00000"/>
+                </a:solidFill>
+              </a:rPr>
+              <a:t>modus</a:t>
+            </a:r>
+            <a:r>
+              <a:rPr lang="nl-NL" dirty="0" smtClean="0"/>
+              <a:t>, </a:t>
+            </a:r>
+            <a:r>
+              <a:rPr lang="nl-NL" dirty="0" err="1" smtClean="0">
+                <a:solidFill>
+                  <a:srgbClr val="C00000"/>
+                </a:solidFill>
+              </a:rPr>
+              <a:t>median</a:t>
+            </a:r>
+            <a:r>
+              <a:rPr lang="nl-NL" dirty="0" smtClean="0"/>
+              <a:t> </a:t>
+            </a:r>
+            <a:r>
+              <a:rPr lang="nl-NL" dirty="0" err="1" smtClean="0"/>
+              <a:t>offered</a:t>
+            </a:r>
+            <a:r>
+              <a:rPr lang="nl-NL" dirty="0" smtClean="0"/>
+              <a:t> </a:t>
+            </a:r>
+            <a:r>
+              <a:rPr lang="nl-NL" dirty="0" smtClean="0">
+                <a:solidFill>
+                  <a:srgbClr val="C00000"/>
+                </a:solidFill>
+              </a:rPr>
+              <a:t>no </a:t>
+            </a:r>
+            <a:r>
+              <a:rPr lang="nl-NL" dirty="0" err="1" smtClean="0">
+                <a:solidFill>
+                  <a:srgbClr val="C00000"/>
+                </a:solidFill>
+              </a:rPr>
+              <a:t>improvement</a:t>
+            </a:r>
+            <a:r>
+              <a:rPr lang="nl-NL" dirty="0" smtClean="0">
+                <a:solidFill>
+                  <a:srgbClr val="C00000"/>
+                </a:solidFill>
+              </a:rPr>
+              <a:t> </a:t>
+            </a:r>
+            <a:r>
+              <a:rPr lang="nl-NL" dirty="0" smtClean="0"/>
+              <a:t>over </a:t>
+            </a:r>
+            <a:r>
+              <a:rPr lang="nl-NL" dirty="0" err="1" smtClean="0"/>
+              <a:t>not</a:t>
+            </a:r>
+            <a:r>
+              <a:rPr lang="nl-NL" dirty="0" smtClean="0"/>
+              <a:t> </a:t>
+            </a:r>
+            <a:r>
+              <a:rPr lang="nl-NL" dirty="0" err="1" smtClean="0"/>
+              <a:t>replacing</a:t>
+            </a:r>
+            <a:r>
+              <a:rPr lang="nl-NL" dirty="0" smtClean="0"/>
+              <a:t> </a:t>
+            </a:r>
+            <a:r>
+              <a:rPr lang="nl-NL" dirty="0" err="1" smtClean="0"/>
+              <a:t>NaN</a:t>
+            </a:r>
+            <a:r>
+              <a:rPr lang="nl-NL" dirty="0" smtClean="0"/>
+              <a:t> </a:t>
+            </a:r>
+            <a:r>
+              <a:rPr lang="nl-NL" dirty="0" err="1" smtClean="0"/>
+              <a:t>values</a:t>
+            </a:r>
+            <a:endParaRPr lang="nl-NL" dirty="0"/>
+          </a:p>
+          <a:p>
+            <a:r>
+              <a:rPr lang="nl-NL" dirty="0" err="1" smtClean="0"/>
+              <a:t>Not</a:t>
+            </a:r>
+            <a:r>
+              <a:rPr lang="nl-NL" dirty="0" smtClean="0"/>
+              <a:t> </a:t>
+            </a:r>
+            <a:r>
+              <a:rPr lang="nl-NL" dirty="0" err="1" smtClean="0"/>
+              <a:t>replacing</a:t>
+            </a:r>
+            <a:r>
+              <a:rPr lang="nl-NL" dirty="0" smtClean="0"/>
+              <a:t> </a:t>
+            </a:r>
+            <a:r>
+              <a:rPr lang="nl-NL" dirty="0" err="1" smtClean="0"/>
+              <a:t>NaN</a:t>
+            </a:r>
+            <a:r>
+              <a:rPr lang="nl-NL" dirty="0" smtClean="0"/>
+              <a:t> </a:t>
+            </a:r>
+            <a:r>
+              <a:rPr lang="nl-NL" dirty="0" err="1" smtClean="0"/>
+              <a:t>values</a:t>
+            </a:r>
+            <a:r>
+              <a:rPr lang="nl-NL" dirty="0" smtClean="0"/>
+              <a:t> means </a:t>
+            </a:r>
+            <a:r>
+              <a:rPr lang="nl-NL" dirty="0" err="1" smtClean="0"/>
+              <a:t>that</a:t>
+            </a:r>
+            <a:r>
+              <a:rPr lang="nl-NL" dirty="0" smtClean="0"/>
+              <a:t> </a:t>
+            </a:r>
+            <a:r>
+              <a:rPr lang="nl-NL" dirty="0" err="1" smtClean="0"/>
+              <a:t>some</a:t>
+            </a:r>
+            <a:r>
+              <a:rPr lang="nl-NL" dirty="0" smtClean="0"/>
+              <a:t> </a:t>
+            </a:r>
+            <a:r>
+              <a:rPr lang="nl-NL" dirty="0" err="1" smtClean="0"/>
+              <a:t>numerical</a:t>
+            </a:r>
+            <a:r>
+              <a:rPr lang="nl-NL" dirty="0" smtClean="0"/>
+              <a:t> data </a:t>
+            </a:r>
+            <a:r>
+              <a:rPr lang="nl-NL" dirty="0" err="1" smtClean="0">
+                <a:solidFill>
+                  <a:srgbClr val="C00000"/>
+                </a:solidFill>
+              </a:rPr>
+              <a:t>can</a:t>
+            </a:r>
+            <a:r>
+              <a:rPr lang="nl-NL" dirty="0" smtClean="0">
+                <a:solidFill>
+                  <a:srgbClr val="C00000"/>
+                </a:solidFill>
+              </a:rPr>
+              <a:t> </a:t>
+            </a:r>
+            <a:r>
+              <a:rPr lang="nl-NL" dirty="0" err="1" smtClean="0">
+                <a:solidFill>
+                  <a:srgbClr val="C00000"/>
+                </a:solidFill>
+              </a:rPr>
+              <a:t>not</a:t>
+            </a:r>
+            <a:r>
+              <a:rPr lang="nl-NL" dirty="0" smtClean="0">
+                <a:solidFill>
+                  <a:srgbClr val="C00000"/>
+                </a:solidFill>
+              </a:rPr>
+              <a:t> </a:t>
+            </a:r>
+            <a:r>
+              <a:rPr lang="nl-NL" dirty="0" err="1" smtClean="0">
+                <a:solidFill>
+                  <a:srgbClr val="C00000"/>
+                </a:solidFill>
+              </a:rPr>
+              <a:t>be</a:t>
+            </a:r>
+            <a:r>
+              <a:rPr lang="nl-NL" dirty="0" smtClean="0">
+                <a:solidFill>
+                  <a:srgbClr val="C00000"/>
+                </a:solidFill>
+              </a:rPr>
+              <a:t> </a:t>
+            </a:r>
+            <a:r>
+              <a:rPr lang="nl-NL" dirty="0" err="1" smtClean="0">
+                <a:solidFill>
+                  <a:srgbClr val="C00000"/>
+                </a:solidFill>
+              </a:rPr>
+              <a:t>used</a:t>
+            </a:r>
+            <a:r>
+              <a:rPr lang="nl-NL" dirty="0" smtClean="0"/>
+              <a:t>. </a:t>
+            </a:r>
+            <a:r>
+              <a:rPr lang="nl-NL" dirty="0" err="1" smtClean="0"/>
+              <a:t>Categorical</a:t>
+            </a:r>
+            <a:r>
+              <a:rPr lang="nl-NL" dirty="0" smtClean="0"/>
+              <a:t> </a:t>
+            </a:r>
+            <a:r>
+              <a:rPr lang="nl-NL" dirty="0" err="1" smtClean="0"/>
+              <a:t>treats</a:t>
+            </a:r>
+            <a:r>
+              <a:rPr lang="nl-NL" dirty="0" smtClean="0"/>
+              <a:t> </a:t>
+            </a:r>
+            <a:r>
+              <a:rPr lang="nl-NL" dirty="0" err="1" smtClean="0"/>
+              <a:t>NaN</a:t>
+            </a:r>
+            <a:r>
+              <a:rPr lang="nl-NL" dirty="0" smtClean="0"/>
+              <a:t> data as a </a:t>
+            </a:r>
+            <a:r>
+              <a:rPr lang="nl-NL" dirty="0" smtClean="0">
+                <a:solidFill>
+                  <a:srgbClr val="C00000"/>
+                </a:solidFill>
+              </a:rPr>
+              <a:t>separate </a:t>
+            </a:r>
+            <a:r>
+              <a:rPr lang="nl-NL" dirty="0" err="1" smtClean="0">
+                <a:solidFill>
+                  <a:srgbClr val="C00000"/>
+                </a:solidFill>
+              </a:rPr>
+              <a:t>category</a:t>
+            </a:r>
+            <a:endParaRPr lang="nl-NL" dirty="0" smtClean="0">
+              <a:solidFill>
+                <a:srgbClr val="C00000"/>
+              </a:solidFill>
+            </a:endParaRPr>
           </a:p>
         </p:txBody>
       </p:sp>
@@ -7508,81 +7930,25 @@
                   <a:buNone/>
                 </a:pPr>
                 <a:r>
-                  <a:rPr lang="nl-NL" dirty="0" smtClean="0">
+                  <a:rPr lang="en-US" dirty="0" smtClean="0">
                     <a:solidFill>
                       <a:srgbClr val="C00000"/>
                     </a:solidFill>
                   </a:rPr>
-                  <a:t>Root </a:t>
+                  <a:t>Root Mean Squared Logarithmic Error </a:t>
                 </a:r>
                 <a:r>
-                  <a:rPr lang="nl-NL" dirty="0" err="1" smtClean="0">
-                    <a:solidFill>
-                      <a:srgbClr val="C00000"/>
-                    </a:solidFill>
-                  </a:rPr>
-                  <a:t>Mean</a:t>
+                  <a:rPr lang="en-US" dirty="0" smtClean="0"/>
+                  <a:t>(RMSLE)		</a:t>
                 </a:r>
                 <a:r>
-                  <a:rPr lang="nl-NL" dirty="0" smtClean="0">
-                    <a:solidFill>
-                      <a:srgbClr val="C00000"/>
-                    </a:solidFill>
-                  </a:rPr>
+                  <a:rPr lang="en-US" dirty="0" smtClean="0"/>
                   <a:t> </a:t>
-                </a:r>
-                <a:r>
-                  <a:rPr lang="nl-NL" dirty="0" err="1" smtClean="0">
-                    <a:solidFill>
-                      <a:srgbClr val="C00000"/>
-                    </a:solidFill>
-                  </a:rPr>
-                  <a:t>Squared</a:t>
-                </a:r>
-                <a:r>
-                  <a:rPr lang="nl-NL" dirty="0" smtClean="0">
-                    <a:solidFill>
-                      <a:srgbClr val="C00000"/>
-                    </a:solidFill>
-                  </a:rPr>
-                  <a:t> </a:t>
-                </a:r>
-                <a:r>
-                  <a:rPr lang="nl-NL" dirty="0" err="1" smtClean="0">
-                    <a:solidFill>
-                      <a:srgbClr val="C00000"/>
-                    </a:solidFill>
-                  </a:rPr>
-                  <a:t>Logarithmic</a:t>
-                </a:r>
-                <a:r>
-                  <a:rPr lang="nl-NL" dirty="0" smtClean="0">
-                    <a:solidFill>
-                      <a:srgbClr val="C00000"/>
-                    </a:solidFill>
-                  </a:rPr>
-                  <a:t> </a:t>
-                </a:r>
-                <a:r>
-                  <a:rPr lang="nl-NL" dirty="0" smtClean="0">
-                    <a:solidFill>
-                      <a:srgbClr val="C00000"/>
-                    </a:solidFill>
-                  </a:rPr>
-                  <a:t>Error </a:t>
-                </a:r>
-                <a:r>
-                  <a:rPr lang="nl-NL" dirty="0" smtClean="0"/>
-                  <a:t>(RMSLE)</a:t>
-                </a:r>
-                <a:r>
-                  <a:rPr lang="nl-NL" dirty="0" smtClean="0"/>
-                  <a:t>		 </a:t>
                 </a:r>
                 <a14:m>
                   <m:oMath xmlns:m="http://schemas.openxmlformats.org/officeDocument/2006/math">
                     <m:r>
-                      <a:rPr lang="nl-NL">
+                      <a:rPr lang="en-US">
                         <a:latin typeface="Cambria Math"/>
                       </a:rPr>
                       <m:t>	</m:t>
@@ -7591,7 +7957,7 @@
                       <m:radPr>
                         <m:degHide m:val="on"/>
                         <m:ctrlPr>
-                          <a:rPr lang="nl-NL" i="1" smtClean="0">
+                          <a:rPr lang="en-US" i="1" smtClean="0">
                             <a:latin typeface="Cambria Math"/>
                           </a:rPr>
                         </m:ctrlPr>
@@ -7601,14 +7967,14 @@
                         <m:f>
                           <m:fPr>
                             <m:ctrlPr>
-                              <a:rPr lang="nl-NL" i="1" smtClean="0">
+                              <a:rPr lang="en-US" i="1" smtClean="0">
                                 <a:latin typeface="Cambria Math"/>
                               </a:rPr>
                             </m:ctrlPr>
                           </m:fPr>
                           <m:num>
                             <m:r>
-                              <a:rPr lang="nl-NL" b="0" i="1" smtClean="0">
+                              <a:rPr lang="en-US" b="0" i="1" smtClean="0">
                                 <a:latin typeface="Cambria Math"/>
                               </a:rPr>
                               <m:t>1</m:t>
@@ -7616,7 +7982,7 @@
                           </m:num>
                           <m:den>
                             <m:r>
-                              <a:rPr lang="nl-NL" b="0" i="1" smtClean="0">
+                              <a:rPr lang="en-US" b="0" i="1" smtClean="0">
                                 <a:latin typeface="Cambria Math"/>
                               </a:rPr>
                               <m:t>𝑛</m:t>
@@ -7627,7 +7993,7 @@
                           <m:naryPr>
                             <m:chr m:val="∑"/>
                             <m:ctrlPr>
-                              <a:rPr lang="nl-NL" i="1" smtClean="0">
+                              <a:rPr lang="en-US" i="1" smtClean="0">
                                 <a:latin typeface="Cambria Math"/>
                               </a:rPr>
                             </m:ctrlPr>
@@ -7637,13 +8003,13 @@
                               <m:rPr>
                                 <m:brk m:alnAt="23"/>
                               </m:rPr>
-                              <a:rPr lang="nl-NL" b="0" i="1" smtClean="0">
+                              <a:rPr lang="en-US" b="0" i="1" smtClean="0">
                                 <a:latin typeface="Cambria Math"/>
                               </a:rPr>
                               <m:t>𝑖</m:t>
                             </m:r>
                             <m:r>
-                              <a:rPr lang="nl-NL" b="0" i="1" smtClean="0">
+                              <a:rPr lang="en-US" b="0" i="1" smtClean="0">
                                 <a:latin typeface="Cambria Math"/>
                               </a:rPr>
                               <m:t>=1</m:t>
@@ -7651,7 +8017,7 @@
                           </m:sub>
                           <m:sup>
                             <m:r>
-                              <a:rPr lang="nl-NL" b="0" i="1" smtClean="0">
+                              <a:rPr lang="en-US" b="0" i="1" smtClean="0">
                                 <a:latin typeface="Cambria Math"/>
                               </a:rPr>
                               <m:t>𝑛</m:t>
@@ -7661,14 +8027,14 @@
                             <m:sSup>
                               <m:sSupPr>
                                 <m:ctrlPr>
-                                  <a:rPr lang="nl-NL" b="0" i="1" smtClean="0">
+                                  <a:rPr lang="en-US" b="0" i="1" smtClean="0">
                                     <a:latin typeface="Cambria Math"/>
                                   </a:rPr>
                                 </m:ctrlPr>
                               </m:sSupPr>
                               <m:e>
                                 <m:r>
-                                  <a:rPr lang="nl-NL" i="1">
+                                  <a:rPr lang="en-US" i="1">
                                     <a:latin typeface="Cambria Math"/>
                                   </a:rPr>
                                   <m:t>(</m:t>
@@ -7676,7 +8042,7 @@
                                 <m:func>
                                   <m:funcPr>
                                     <m:ctrlPr>
-                                      <a:rPr lang="nl-NL" i="1">
+                                      <a:rPr lang="en-US" i="1">
                                         <a:latin typeface="Cambria Math"/>
                                       </a:rPr>
                                     </m:ctrlPr>
@@ -7686,7 +8052,7 @@
                                       <m:rPr>
                                         <m:sty m:val="p"/>
                                       </m:rPr>
-                                      <a:rPr lang="nl-NL">
+                                      <a:rPr lang="en-US">
                                         <a:latin typeface="Cambria Math"/>
                                       </a:rPr>
                                       <m:t>log</m:t>
@@ -7696,14 +8062,14 @@
                                     <m:sSub>
                                       <m:sSubPr>
                                         <m:ctrlPr>
-                                          <a:rPr lang="nl-NL" i="1">
+                                          <a:rPr lang="en-US" i="1">
                                             <a:latin typeface="Cambria Math"/>
                                           </a:rPr>
                                         </m:ctrlPr>
                                       </m:sSubPr>
                                       <m:e>
                                         <m:r>
-                                          <a:rPr lang="nl-NL" i="1">
+                                          <a:rPr lang="en-US" i="1">
                                             <a:latin typeface="Cambria Math"/>
                                           </a:rPr>
                                           <m:t>𝑦</m:t>
@@ -7711,7 +8077,7 @@
                                       </m:e>
                                       <m:sub>
                                         <m:r>
-                                          <a:rPr lang="nl-NL" i="1">
+                                          <a:rPr lang="en-US" i="1">
                                             <a:latin typeface="Cambria Math"/>
                                           </a:rPr>
                                           <m:t>𝑖</m:t>
@@ -7721,7 +8087,7 @@
                                   </m:e>
                                 </m:func>
                                 <m:r>
-                                  <a:rPr lang="nl-NL" i="1">
+                                  <a:rPr lang="en-US" i="1">
                                     <a:latin typeface="Cambria Math"/>
                                   </a:rPr>
                                   <m:t>−</m:t>
@@ -7729,7 +8095,7 @@
                                 <m:func>
                                   <m:funcPr>
                                     <m:ctrlPr>
-                                      <a:rPr lang="nl-NL" i="1">
+                                      <a:rPr lang="en-US" i="1">
                                         <a:latin typeface="Cambria Math"/>
                                       </a:rPr>
                                     </m:ctrlPr>
@@ -7739,7 +8105,7 @@
                                       <m:rPr>
                                         <m:sty m:val="p"/>
                                       </m:rPr>
-                                      <a:rPr lang="nl-NL">
+                                      <a:rPr lang="en-US">
                                         <a:latin typeface="Cambria Math"/>
                                       </a:rPr>
                                       <m:t>log</m:t>
@@ -7749,7 +8115,7 @@
                                     <m:sSub>
                                       <m:sSubPr>
                                         <m:ctrlPr>
-                                          <a:rPr lang="nl-NL" i="1">
+                                          <a:rPr lang="en-US" i="1">
                                             <a:latin typeface="Cambria Math"/>
                                           </a:rPr>
                                         </m:ctrlPr>
@@ -7759,14 +8125,14 @@
                                           <m:accPr>
                                             <m:chr m:val="̂"/>
                                             <m:ctrlPr>
-                                              <a:rPr lang="nl-NL" i="1">
+                                              <a:rPr lang="en-US" i="1">
                                                 <a:latin typeface="Cambria Math"/>
                                               </a:rPr>
                                             </m:ctrlPr>
                                           </m:accPr>
                                           <m:e>
                                             <m:r>
-                                              <a:rPr lang="nl-NL" i="1">
+                                              <a:rPr lang="en-US" i="1">
                                                 <a:latin typeface="Cambria Math"/>
                                               </a:rPr>
                                               <m:t>𝑦</m:t>
@@ -7776,7 +8142,7 @@
                                       </m:e>
                                       <m:sub>
                                         <m:r>
-                                          <a:rPr lang="nl-NL" i="1">
+                                          <a:rPr lang="en-US" i="1">
                                             <a:latin typeface="Cambria Math"/>
                                           </a:rPr>
                                           <m:t>𝑖</m:t>
@@ -7786,7 +8152,7 @@
                                   </m:e>
                                 </m:func>
                                 <m:r>
-                                  <a:rPr lang="nl-NL" i="1">
+                                  <a:rPr lang="en-US" i="1">
                                     <a:latin typeface="Cambria Math"/>
                                   </a:rPr>
                                   <m:t>)</m:t>
@@ -7794,7 +8160,7 @@
                               </m:e>
                               <m:sup>
                                 <m:r>
-                                  <a:rPr lang="nl-NL" b="0" i="1" smtClean="0">
+                                  <a:rPr lang="en-US" b="0" i="1" smtClean="0">
                                     <a:latin typeface="Cambria Math"/>
                                   </a:rPr>
                                   <m:t>2</m:t>
@@ -7807,58 +8173,30 @@
                     </m:rad>
                   </m:oMath>
                 </a14:m>
-                <a:endParaRPr lang="nl-NL" dirty="0" smtClean="0"/>
+                <a:endParaRPr lang="en-US" dirty="0" smtClean="0"/>
               </a:p>
               <a:p>
                 <a:pPr marL="0" indent="0">
                   <a:buNone/>
                 </a:pPr>
                 <a:r>
-                  <a:rPr lang="nl-NL" dirty="0" smtClean="0"/>
-                  <a:t>Split </a:t>
+                  <a:rPr lang="en-US" dirty="0" smtClean="0"/>
+                  <a:t>Split the train data between data </a:t>
                 </a:r>
                 <a:r>
-                  <a:rPr lang="nl-NL" dirty="0" err="1" smtClean="0"/>
-                  <a:t>the</a:t>
-                </a:r>
-                <a:r>
-                  <a:rPr lang="nl-NL" dirty="0" smtClean="0"/>
-                  <a:t> train data </a:t>
-                </a:r>
-                <a:r>
-                  <a:rPr lang="nl-NL" dirty="0" err="1" smtClean="0"/>
-                  <a:t>between</a:t>
-                </a:r>
-                <a:r>
-                  <a:rPr lang="nl-NL" dirty="0" smtClean="0"/>
-                  <a:t> data </a:t>
-                </a:r>
-                <a:r>
-                  <a:rPr lang="nl-NL" dirty="0" err="1" smtClean="0">
+                  <a:rPr lang="en-US" dirty="0" smtClean="0">
                     <a:solidFill>
                       <a:srgbClr val="C00000"/>
                     </a:solidFill>
                   </a:rPr>
-                  <a:t>before</a:t>
+                  <a:t>before 2015 </a:t>
                 </a:r>
                 <a:r>
-                  <a:rPr lang="nl-NL" dirty="0" smtClean="0">
-                    <a:solidFill>
-                      <a:srgbClr val="C00000"/>
-                    </a:solidFill>
-                  </a:rPr>
-                  <a:t> 2015 </a:t>
+                  <a:rPr lang="en-US" dirty="0" smtClean="0"/>
+                  <a:t>and </a:t>
                 </a:r>
                 <a:r>
-                  <a:rPr lang="nl-NL" dirty="0" err="1" smtClean="0"/>
-                  <a:t>and</a:t>
-                </a:r>
-                <a:r>
-                  <a:rPr lang="nl-NL" dirty="0" smtClean="0"/>
-                  <a:t> </a:t>
-                </a:r>
-                <a:r>
-                  <a:rPr lang="nl-NL" dirty="0" smtClean="0">
+                  <a:rPr lang="en-US" dirty="0" smtClean="0">
                     <a:solidFill>
                       <a:srgbClr val="C00000"/>
                     </a:solidFill>
@@ -7866,30 +8204,96 @@
                   <a:t>in 2015</a:t>
                 </a:r>
                 <a:r>
-                  <a:rPr lang="nl-NL" dirty="0" smtClean="0"/>
-                  <a:t>, </a:t>
+                  <a:rPr lang="en-US" dirty="0" smtClean="0"/>
+                  <a:t>, for internal </a:t>
                 </a:r>
                 <a:r>
-                  <a:rPr lang="nl-NL" dirty="0" err="1" smtClean="0"/>
-                  <a:t>for</a:t>
+                  <a:rPr lang="en-US" dirty="0" smtClean="0"/>
+                  <a:t>validation</a:t>
+                </a:r>
+              </a:p>
+              <a:p>
+                <a:pPr marL="0" indent="0">
+                  <a:buNone/>
+                </a:pPr>
+                <a:endParaRPr lang="en-US" dirty="0" smtClean="0"/>
+              </a:p>
+              <a:p>
+                <a:pPr marL="0" indent="0">
+                  <a:buNone/>
+                </a:pPr>
+                <a:r>
+                  <a:rPr lang="en-US" dirty="0" smtClean="0">
+                    <a:solidFill>
+                      <a:srgbClr val="C00000"/>
+                    </a:solidFill>
+                  </a:rPr>
+                  <a:t>Little correlation </a:t>
                 </a:r>
                 <a:r>
-                  <a:rPr lang="nl-NL" dirty="0" smtClean="0"/>
-                  <a:t> </a:t>
+                  <a:rPr lang="en-US" dirty="0" smtClean="0"/>
+                  <a:t>with validation used by </a:t>
                 </a:r>
                 <a:r>
-                  <a:rPr lang="nl-NL" dirty="0" err="1" smtClean="0"/>
-                  <a:t>internal</a:t>
+                  <a:rPr lang="en-US" dirty="0" err="1" smtClean="0"/>
+                  <a:t>Kaggle</a:t>
                 </a:r>
                 <a:r>
-                  <a:rPr lang="nl-NL" dirty="0" smtClean="0"/>
-                  <a:t> </a:t>
+                  <a:rPr lang="en-US" dirty="0" smtClean="0"/>
+                  <a:t> submissions</a:t>
+                </a:r>
+                <a:endParaRPr lang="en-US" dirty="0"/>
+              </a:p>
+              <a:p>
+                <a:pPr marL="0" indent="0">
+                  <a:buNone/>
+                </a:pPr>
+                <a:r>
+                  <a:rPr lang="en-US" dirty="0" smtClean="0"/>
+                  <a:t>Possibly </a:t>
                 </a:r>
                 <a:r>
-                  <a:rPr lang="nl-NL" dirty="0" err="1" smtClean="0"/>
-                  <a:t>validation</a:t>
+                  <a:rPr lang="en-US" dirty="0" smtClean="0">
+                    <a:solidFill>
+                      <a:srgbClr val="C00000"/>
+                    </a:solidFill>
+                  </a:rPr>
+                  <a:t>fraud</a:t>
                 </a:r>
-                <a:endParaRPr lang="nl-NL" dirty="0" smtClean="0"/>
+                <a:r>
+                  <a:rPr lang="en-US" dirty="0" smtClean="0"/>
+                  <a:t> in data, or </a:t>
+                </a:r>
+                <a:r>
+                  <a:rPr lang="en-US" dirty="0" smtClean="0">
+                    <a:solidFill>
+                      <a:srgbClr val="C00000"/>
+                    </a:solidFill>
+                  </a:rPr>
+                  <a:t>discrepancies</a:t>
+                </a:r>
+                <a:r>
+                  <a:rPr lang="en-US" dirty="0" smtClean="0"/>
+                  <a:t> in the time-price                                                                   trend correction</a:t>
+                </a:r>
+              </a:p>
+              <a:p>
+                <a:pPr marL="0" indent="0">
+                  <a:buNone/>
+                </a:pPr>
+                <a:r>
+                  <a:rPr lang="en-US" smtClean="0"/>
+                  <a:t>Result: usefulness </a:t>
+                </a:r>
+                <a:r>
+                  <a:rPr lang="en-US" dirty="0" smtClean="0"/>
+                  <a:t>of validation </a:t>
+                </a:r>
+                <a:r>
+                  <a:rPr lang="en-US" smtClean="0"/>
+                  <a:t>greatly decreased</a:t>
+                </a:r>
+                <a:endParaRPr lang="en-US" dirty="0" smtClean="0"/>
               </a:p>
             </p:txBody>
           </p:sp>
@@ -7951,8 +8355,8 @@
         </p:blipFill>
         <p:spPr bwMode="auto">
           <a:xfrm>
-            <a:off x="5218150" y="3848100"/>
-            <a:ext cx="6911901" cy="4657725"/>
+            <a:off x="10676199" y="4838700"/>
+            <a:ext cx="5413616" cy="3648075"/>
           </a:xfrm>
           <a:prstGeom prst="rect">
             <a:avLst/>
@@ -8076,7 +8480,7 @@
         </p:spPr>
         <p:txBody>
           <a:bodyPr>
-            <a:normAutofit fontScale="92500" lnSpcReduction="20000"/>
+            <a:normAutofit lnSpcReduction="10000"/>
           </a:bodyPr>
           <a:lstStyle/>
           <a:p>
@@ -8178,11 +8582,7 @@
             </a:pPr>
             <a:r>
               <a:rPr lang="en-US" sz="2200" dirty="0" smtClean="0"/>
-              <a:t>Deep </a:t>
-            </a:r>
-            <a:r>
-              <a:rPr lang="en-US" sz="2200" dirty="0" smtClean="0"/>
-              <a:t>Learning (</a:t>
+              <a:t>Deep Learning (</a:t>
             </a:r>
             <a:r>
               <a:rPr lang="en-US" sz="2200" dirty="0" err="1" smtClean="0"/>
@@ -8230,98 +8630,96 @@
               <a:rPr lang="nl-NL" dirty="0" smtClean="0"/>
               <a:t>)</a:t>
             </a:r>
-            <a:endParaRPr lang="nl-NL" u="sng" dirty="0" smtClean="0"/>
+            <a:endParaRPr lang="nl-NL" dirty="0" smtClean="0"/>
           </a:p>
           <a:p>
             <a:pPr marL="0" indent="0">
               <a:buNone/>
             </a:pPr>
+            <a:r>
+              <a:rPr lang="nl-NL" dirty="0" err="1" smtClean="0"/>
+              <a:t>Methods</a:t>
+            </a:r>
+            <a:r>
+              <a:rPr lang="nl-NL" dirty="0" smtClean="0"/>
+              <a:t> are easy </a:t>
+            </a:r>
+            <a:r>
+              <a:rPr lang="nl-NL" dirty="0" err="1" smtClean="0"/>
+              <a:t>to</a:t>
+            </a:r>
+            <a:r>
+              <a:rPr lang="nl-NL" dirty="0" smtClean="0"/>
+              <a:t> </a:t>
+            </a:r>
+            <a:r>
+              <a:rPr lang="nl-NL" dirty="0" err="1" smtClean="0"/>
+              <a:t>use</a:t>
+            </a:r>
+            <a:r>
+              <a:rPr lang="nl-NL" dirty="0" smtClean="0"/>
+              <a:t>, </a:t>
+            </a:r>
+            <a:r>
+              <a:rPr lang="nl-NL" dirty="0" err="1" smtClean="0"/>
+              <a:t>readily</a:t>
+            </a:r>
+            <a:r>
+              <a:rPr lang="nl-NL" dirty="0" smtClean="0"/>
+              <a:t> </a:t>
+            </a:r>
+            <a:r>
+              <a:rPr lang="nl-NL" dirty="0" err="1" smtClean="0"/>
+              <a:t>available</a:t>
+            </a:r>
+            <a:r>
+              <a:rPr lang="nl-NL" dirty="0" smtClean="0"/>
+              <a:t>, </a:t>
+            </a:r>
+            <a:r>
+              <a:rPr lang="nl-NL" dirty="0" err="1" smtClean="0"/>
+              <a:t>and</a:t>
+            </a:r>
+            <a:r>
+              <a:rPr lang="nl-NL" dirty="0" smtClean="0"/>
+              <a:t> proven </a:t>
+            </a:r>
+            <a:r>
+              <a:rPr lang="nl-NL" dirty="0" err="1" smtClean="0"/>
+              <a:t>to</a:t>
+            </a:r>
+            <a:r>
+              <a:rPr lang="nl-NL" dirty="0" smtClean="0"/>
+              <a:t> </a:t>
+            </a:r>
+            <a:r>
+              <a:rPr lang="nl-NL" dirty="0" err="1" smtClean="0"/>
+              <a:t>work</a:t>
+            </a:r>
+            <a:r>
+              <a:rPr lang="nl-NL" dirty="0" smtClean="0"/>
+              <a:t> </a:t>
+            </a:r>
+            <a:r>
+              <a:rPr lang="nl-NL" dirty="0" err="1" smtClean="0"/>
+              <a:t>decently</a:t>
+            </a:r>
             <a:endParaRPr lang="nl-NL" dirty="0" smtClean="0"/>
           </a:p>
           <a:p>
             <a:pPr marL="0" indent="0">
               <a:buNone/>
             </a:pPr>
-            <a:r>
-              <a:rPr lang="nl-NL" dirty="0" err="1" smtClean="0"/>
-              <a:t>Methods</a:t>
-            </a:r>
-            <a:r>
-              <a:rPr lang="nl-NL" dirty="0" smtClean="0"/>
-              <a:t> are easy </a:t>
-            </a:r>
-            <a:r>
-              <a:rPr lang="nl-NL" dirty="0" err="1" smtClean="0"/>
-              <a:t>to</a:t>
-            </a:r>
-            <a:r>
-              <a:rPr lang="nl-NL" dirty="0" smtClean="0"/>
-              <a:t> </a:t>
-            </a:r>
-            <a:r>
-              <a:rPr lang="nl-NL" dirty="0" err="1" smtClean="0"/>
-              <a:t>use</a:t>
-            </a:r>
-            <a:r>
-              <a:rPr lang="nl-NL" dirty="0" smtClean="0"/>
-              <a:t>, </a:t>
-            </a:r>
-            <a:r>
-              <a:rPr lang="nl-NL" dirty="0" err="1" smtClean="0"/>
-              <a:t>readily</a:t>
-            </a:r>
-            <a:r>
-              <a:rPr lang="nl-NL" dirty="0" smtClean="0"/>
-              <a:t> </a:t>
-            </a:r>
-            <a:r>
-              <a:rPr lang="nl-NL" dirty="0" err="1" smtClean="0"/>
-              <a:t>available</a:t>
-            </a:r>
-            <a:r>
-              <a:rPr lang="nl-NL" dirty="0" smtClean="0"/>
-              <a:t>, </a:t>
-            </a:r>
-            <a:r>
-              <a:rPr lang="nl-NL" dirty="0" err="1" smtClean="0"/>
-              <a:t>and</a:t>
-            </a:r>
-            <a:r>
-              <a:rPr lang="nl-NL" dirty="0" smtClean="0"/>
-              <a:t> proven </a:t>
-            </a:r>
-            <a:r>
-              <a:rPr lang="nl-NL" dirty="0" err="1" smtClean="0"/>
-              <a:t>to</a:t>
-            </a:r>
-            <a:r>
-              <a:rPr lang="nl-NL" dirty="0" smtClean="0"/>
-              <a:t> </a:t>
-            </a:r>
-            <a:r>
-              <a:rPr lang="nl-NL" dirty="0" err="1" smtClean="0"/>
-              <a:t>work</a:t>
-            </a:r>
-            <a:r>
-              <a:rPr lang="nl-NL" dirty="0" smtClean="0"/>
-              <a:t> </a:t>
-            </a:r>
-            <a:r>
-              <a:rPr lang="nl-NL" dirty="0" err="1" smtClean="0"/>
-              <a:t>decently</a:t>
-            </a:r>
-            <a:endParaRPr lang="nl-NL" dirty="0" smtClean="0"/>
+            <a:endParaRPr lang="nl-NL" dirty="0" smtClean="0">
+              <a:solidFill>
+                <a:srgbClr val="C00000"/>
+              </a:solidFill>
+            </a:endParaRPr>
           </a:p>
           <a:p>
             <a:pPr marL="0" indent="0">
               <a:buNone/>
             </a:pPr>
-            <a:endParaRPr lang="nl-NL" dirty="0"/>
-          </a:p>
-          <a:p>
-            <a:pPr marL="0" indent="0">
-              <a:buNone/>
-            </a:pPr>
             <a:r>
               <a:rPr lang="nl-NL" dirty="0" err="1" smtClean="0">
                 <a:solidFill>
@@ -8376,7 +8774,11 @@
             </a:r>
             <a:r>
               <a:rPr lang="nl-NL" dirty="0" smtClean="0"/>
-              <a:t> later </a:t>
+              <a:t> </a:t>
+            </a:r>
+            <a:r>
+              <a:rPr lang="nl-NL" dirty="0" smtClean="0"/>
+              <a:t>later </a:t>
             </a:r>
             <a:r>
               <a:rPr lang="nl-NL" dirty="0" err="1" smtClean="0"/>
@@ -14857,7 +15259,7 @@
   <a:extraClrSchemeLst/>
   <a:extLst>
     <a:ext uri="{05A4C25C-085E-4340-85A3-A5531E510DB2}">
-      <thm15:themeFamily xmlns:thm15="http://schemas.microsoft.com/office/thememl/2012/main" xmlns="" name="RU_PPT_ENG_CP" id="{A2B2A2E5-8C10-3D48-B879-97090C454E52}" vid="{FD09F00C-FDC6-E347-A03D-C9781C1DC58D}"/>
+      <thm15:themeFamily xmlns="" xmlns:thm15="http://schemas.microsoft.com/office/thememl/2012/main" name="RU_PPT_ENG_CP" id="{A2B2A2E5-8C10-3D48-B879-97090C454E52}" vid="{FD09F00C-FDC6-E347-A03D-C9781C1DC58D}"/>
     </a:ext>
   </a:extLst>
 </a:theme>
@@ -15197,7 +15599,7 @@
   <a:extraClrSchemeLst/>
   <a:extLst>
     <a:ext uri="{05A4C25C-085E-4340-85A3-A5531E510DB2}">
-      <thm15:themeFamily xmlns:thm15="http://schemas.microsoft.com/office/thememl/2012/main" xmlns="" name="RU_PPT_ENG_CP" id="{A2B2A2E5-8C10-3D48-B879-97090C454E52}" vid="{7DEE8FA5-744F-DF47-8956-AA68E72134BF}"/>
+      <thm15:themeFamily xmlns="" xmlns:thm15="http://schemas.microsoft.com/office/thememl/2012/main" name="RU_PPT_ENG_CP" id="{A2B2A2E5-8C10-3D48-B879-97090C454E52}" vid="{7DEE8FA5-744F-DF47-8956-AA68E72134BF}"/>
     </a:ext>
   </a:extLst>
 </a:theme>

--- a/presentatie/Classified_MLiP_final_presentation_2.pptx
+++ b/presentatie/Classified_MLiP_final_presentation_2.pptx
@@ -292,7 +292,7 @@
             <a:fld id="{17A39E9D-B438-D94D-AF2A-93757548558C}" type="datetime1">
               <a:rPr lang="nl-NL" altLang="nl-NL"/>
               <a:pPr/>
-              <a:t>20-6-2017</a:t>
+              <a:t>21-6-2017</a:t>
             </a:fld>
             <a:endParaRPr lang="nl-NL" altLang="nl-NL"/>
           </a:p>
@@ -504,7 +504,7 @@
             <a:fld id="{3AA95554-0BC3-EC48-BCE0-DB850053191D}" type="datetime1">
               <a:rPr lang="nl-NL" altLang="nl-NL"/>
               <a:pPr/>
-              <a:t>20-6-2017</a:t>
+              <a:t>21-6-2017</a:t>
             </a:fld>
             <a:endParaRPr lang="nl-NL" altLang="nl-NL"/>
           </a:p>
@@ -1218,7 +1218,7 @@
           <a:p>
             <a:fld id="{9E1ED08B-741D-9E48-95DA-82644AB503BC}" type="datetime1">
               <a:rPr lang="nl-NL" altLang="nl-NL" smtClean="0"/>
-              <a:t>20-6-2017</a:t>
+              <a:t>21-6-2017</a:t>
             </a:fld>
             <a:endParaRPr lang="nl-NL" altLang="nl-NL"/>
           </a:p>
@@ -1589,7 +1589,7 @@
             <a:fld id="{9E1ED08B-741D-9E48-95DA-82644AB503BC}" type="datetime1">
               <a:rPr lang="nl-NL" altLang="nl-NL" smtClean="0"/>
               <a:pPr/>
-              <a:t>20-6-2017</a:t>
+              <a:t>21-6-2017</a:t>
             </a:fld>
             <a:endParaRPr lang="nl-NL" altLang="nl-NL" dirty="0"/>
           </a:p>
@@ -1878,7 +1878,7 @@
           <a:p>
             <a:fld id="{418C17E9-359A-1148-9DEA-7F27ED0F3E46}" type="datetime1">
               <a:rPr lang="nl-NL" altLang="nl-NL" smtClean="0"/>
-              <a:t>20-6-2017</a:t>
+              <a:t>21-6-2017</a:t>
             </a:fld>
             <a:endParaRPr lang="nl-NL" altLang="nl-NL"/>
           </a:p>
@@ -2094,7 +2094,7 @@
           <a:p>
             <a:fld id="{46CB0545-8C00-A544-A88F-C33FBC7A7630}" type="datetime1">
               <a:rPr lang="nl-NL" altLang="nl-NL" smtClean="0"/>
-              <a:t>20-6-2017</a:t>
+              <a:t>21-6-2017</a:t>
             </a:fld>
             <a:endParaRPr lang="nl-NL" altLang="nl-NL" dirty="0"/>
           </a:p>
@@ -2464,7 +2464,7 @@
           <a:p>
             <a:fld id="{46CB0545-8C00-A544-A88F-C33FBC7A7630}" type="datetime1">
               <a:rPr lang="nl-NL" altLang="nl-NL" smtClean="0"/>
-              <a:t>20-6-2017</a:t>
+              <a:t>21-6-2017</a:t>
             </a:fld>
             <a:endParaRPr lang="nl-NL" altLang="nl-NL" dirty="0"/>
           </a:p>
@@ -2857,7 +2857,7 @@
             <a:fld id="{9E1ED08B-741D-9E48-95DA-82644AB503BC}" type="datetime1">
               <a:rPr lang="nl-NL" altLang="nl-NL" smtClean="0"/>
               <a:pPr/>
-              <a:t>20-6-2017</a:t>
+              <a:t>21-6-2017</a:t>
             </a:fld>
             <a:endParaRPr lang="nl-NL" altLang="nl-NL" dirty="0"/>
           </a:p>
@@ -3253,7 +3253,7 @@
             <a:fld id="{B3873A8C-A209-FC40-86BC-D3E9A671FD81}" type="datetime1">
               <a:rPr lang="nl-NL" altLang="nl-NL" smtClean="0"/>
               <a:pPr/>
-              <a:t>20-6-2017</a:t>
+              <a:t>21-6-2017</a:t>
             </a:fld>
             <a:endParaRPr lang="nl-NL" altLang="nl-NL" dirty="0"/>
           </a:p>
@@ -3994,7 +3994,7 @@
             <a:fld id="{FB5CF2AB-20FF-5442-9E53-3C6EDD7FBCEA}" type="datetime1">
               <a:rPr lang="nl-NL" altLang="nl-NL" smtClean="0"/>
               <a:pPr/>
-              <a:t>20-6-2017</a:t>
+              <a:t>21-6-2017</a:t>
             </a:fld>
             <a:endParaRPr lang="nl-NL" altLang="nl-NL" dirty="0"/>
           </a:p>
@@ -7248,11 +7248,7 @@
           <a:p>
             <a:r>
               <a:rPr lang="nl-NL" dirty="0" smtClean="0"/>
-              <a:t>Training data </a:t>
-            </a:r>
-            <a:r>
-              <a:rPr lang="nl-NL" dirty="0" smtClean="0"/>
-              <a:t>was </a:t>
+              <a:t>Training data was </a:t>
             </a:r>
             <a:r>
               <a:rPr lang="nl-NL" dirty="0" err="1" smtClean="0"/>
@@ -7260,11 +7256,7 @@
             </a:r>
             <a:r>
               <a:rPr lang="nl-NL" dirty="0" smtClean="0"/>
-              <a:t> </a:t>
-            </a:r>
-            <a:r>
-              <a:rPr lang="nl-NL" dirty="0" smtClean="0"/>
-              <a:t>as </a:t>
+              <a:t> as </a:t>
             </a:r>
             <a:r>
               <a:rPr lang="nl-NL" dirty="0" err="1" smtClean="0">
@@ -7406,11 +7398,7 @@
             </a:r>
             <a:r>
               <a:rPr lang="nl-NL" dirty="0" smtClean="0"/>
-              <a:t> </a:t>
-            </a:r>
-            <a:r>
-              <a:rPr lang="nl-NL" dirty="0" smtClean="0"/>
-              <a:t>data</a:t>
+              <a:t> data</a:t>
             </a:r>
           </a:p>
           <a:p>
@@ -7677,170 +7665,7 @@
               <a:rPr lang="nl-NL" dirty="0" err="1" smtClean="0"/>
               <a:t>values</a:t>
             </a:r>
-            <a:endParaRPr lang="nl-NL" dirty="0"/>
-          </a:p>
-          <a:p>
-            <a:r>
-              <a:rPr lang="nl-NL" dirty="0" err="1" smtClean="0"/>
-              <a:t>Not</a:t>
-            </a:r>
-            <a:r>
-              <a:rPr lang="nl-NL" dirty="0" smtClean="0"/>
-              <a:t> </a:t>
-            </a:r>
-            <a:r>
-              <a:rPr lang="nl-NL" dirty="0" err="1" smtClean="0"/>
-              <a:t>replacing</a:t>
-            </a:r>
-            <a:r>
-              <a:rPr lang="nl-NL" dirty="0" smtClean="0"/>
-              <a:t> </a:t>
-            </a:r>
-            <a:r>
-              <a:rPr lang="nl-NL" dirty="0" err="1" smtClean="0"/>
-              <a:t>NaN</a:t>
-            </a:r>
-            <a:r>
-              <a:rPr lang="nl-NL" dirty="0" smtClean="0"/>
-              <a:t> </a:t>
-            </a:r>
-            <a:r>
-              <a:rPr lang="nl-NL" dirty="0" err="1" smtClean="0"/>
-              <a:t>values</a:t>
-            </a:r>
-            <a:r>
-              <a:rPr lang="nl-NL" dirty="0" smtClean="0"/>
-              <a:t> means </a:t>
-            </a:r>
-            <a:r>
-              <a:rPr lang="nl-NL" dirty="0" err="1" smtClean="0"/>
-              <a:t>that</a:t>
-            </a:r>
-            <a:r>
-              <a:rPr lang="nl-NL" dirty="0" smtClean="0"/>
-              <a:t> </a:t>
-            </a:r>
-            <a:r>
-              <a:rPr lang="nl-NL" dirty="0" err="1" smtClean="0"/>
-              <a:t>some</a:t>
-            </a:r>
-            <a:r>
-              <a:rPr lang="nl-NL" dirty="0" smtClean="0"/>
-              <a:t> </a:t>
-            </a:r>
-            <a:r>
-              <a:rPr lang="nl-NL" dirty="0" err="1" smtClean="0"/>
-              <a:t>numerical</a:t>
-            </a:r>
-            <a:r>
-              <a:rPr lang="nl-NL" dirty="0" smtClean="0"/>
-              <a:t> data </a:t>
-            </a:r>
-            <a:r>
-              <a:rPr lang="nl-NL" dirty="0" err="1" smtClean="0">
-                <a:solidFill>
-                  <a:srgbClr val="C00000"/>
-                </a:solidFill>
-              </a:rPr>
-              <a:t>can</a:t>
-            </a:r>
-            <a:r>
-              <a:rPr lang="nl-NL" dirty="0" smtClean="0">
-                <a:solidFill>
-                  <a:srgbClr val="C00000"/>
-                </a:solidFill>
-              </a:rPr>
-              <a:t> </a:t>
-            </a:r>
-            <a:r>
-              <a:rPr lang="nl-NL" dirty="0" err="1" smtClean="0">
-                <a:solidFill>
-                  <a:srgbClr val="C00000"/>
-                </a:solidFill>
-              </a:rPr>
-              <a:t>not</a:t>
-            </a:r>
-            <a:r>
-              <a:rPr lang="nl-NL" dirty="0" smtClean="0">
-                <a:solidFill>
-                  <a:srgbClr val="C00000"/>
-                </a:solidFill>
-              </a:rPr>
-              <a:t> </a:t>
-            </a:r>
-            <a:r>
-              <a:rPr lang="nl-NL" dirty="0" err="1" smtClean="0">
-                <a:solidFill>
-                  <a:srgbClr val="C00000"/>
-                </a:solidFill>
-              </a:rPr>
-              <a:t>be</a:t>
-            </a:r>
-            <a:r>
-              <a:rPr lang="nl-NL" dirty="0" smtClean="0">
-                <a:solidFill>
-                  <a:srgbClr val="C00000"/>
-                </a:solidFill>
-              </a:rPr>
-              <a:t> </a:t>
-            </a:r>
-            <a:r>
-              <a:rPr lang="nl-NL" dirty="0" err="1" smtClean="0">
-                <a:solidFill>
-                  <a:srgbClr val="C00000"/>
-                </a:solidFill>
-              </a:rPr>
-              <a:t>used</a:t>
-            </a:r>
-            <a:r>
-              <a:rPr lang="nl-NL" dirty="0" smtClean="0"/>
-              <a:t>. </a:t>
-            </a:r>
-            <a:r>
-              <a:rPr lang="nl-NL" dirty="0" err="1" smtClean="0"/>
-              <a:t>Categorical</a:t>
-            </a:r>
-            <a:r>
-              <a:rPr lang="nl-NL" dirty="0" smtClean="0"/>
-              <a:t> </a:t>
-            </a:r>
-            <a:r>
-              <a:rPr lang="nl-NL" dirty="0" err="1" smtClean="0"/>
-              <a:t>treats</a:t>
-            </a:r>
-            <a:r>
-              <a:rPr lang="nl-NL" dirty="0" smtClean="0"/>
-              <a:t> </a:t>
-            </a:r>
-            <a:r>
-              <a:rPr lang="nl-NL" dirty="0" err="1" smtClean="0"/>
-              <a:t>NaN</a:t>
-            </a:r>
-            <a:r>
-              <a:rPr lang="nl-NL" dirty="0" smtClean="0"/>
-              <a:t> data as a </a:t>
-            </a:r>
-            <a:r>
-              <a:rPr lang="nl-NL" dirty="0" smtClean="0">
-                <a:solidFill>
-                  <a:srgbClr val="C00000"/>
-                </a:solidFill>
-              </a:rPr>
-              <a:t>separate </a:t>
-            </a:r>
-            <a:r>
-              <a:rPr lang="nl-NL" dirty="0" err="1" smtClean="0">
-                <a:solidFill>
-                  <a:srgbClr val="C00000"/>
-                </a:solidFill>
-              </a:rPr>
-              <a:t>category</a:t>
-            </a:r>
-            <a:endParaRPr lang="nl-NL" dirty="0" smtClean="0">
-              <a:solidFill>
-                <a:srgbClr val="C00000"/>
-              </a:solidFill>
-            </a:endParaRPr>
+            <a:endParaRPr lang="nl-NL" dirty="0" smtClean="0"/>
           </a:p>
         </p:txBody>
       </p:sp>
@@ -7907,8 +7732,8 @@
           </a:p>
         </p:txBody>
       </p:sp>
-      <mc:AlternateContent xmlns:mc="http://schemas.openxmlformats.org/markup-compatibility/2006">
-        <mc:Choice xmlns:a14="http://schemas.microsoft.com/office/drawing/2010/main" Requires="a14">
+      <mc:AlternateContent xmlns:mc="http://schemas.openxmlformats.org/markup-compatibility/2006" xmlns:a14="http://schemas.microsoft.com/office/drawing/2010/main">
+        <mc:Choice Requires="a14">
           <p:sp>
             <p:nvSpPr>
               <p:cNvPr id="3" name="Tijdelijke aanduiding voor inhoud 2"/>
@@ -7939,11 +7764,7 @@
                 </a:r>
                 <a:r>
                   <a:rPr lang="en-US" dirty="0" smtClean="0"/>
-                  <a:t>(RMSLE)		</a:t>
-                </a:r>
-                <a:r>
-                  <a:rPr lang="en-US" dirty="0" smtClean="0"/>
-                  <a:t> </a:t>
+                  <a:t>(RMSLE)		 </a:t>
                 </a:r>
                 <a14:m>
                   <m:oMath xmlns:m="http://schemas.openxmlformats.org/officeDocument/2006/math">
@@ -8205,11 +8026,7 @@
                 </a:r>
                 <a:r>
                   <a:rPr lang="en-US" dirty="0" smtClean="0"/>
-                  <a:t>, for internal </a:t>
-                </a:r>
-                <a:r>
-                  <a:rPr lang="en-US" dirty="0" smtClean="0"/>
-                  <a:t>validation</a:t>
+                  <a:t>, for internal validation</a:t>
                 </a:r>
               </a:p>
               <a:p>
@@ -8298,7 +8115,7 @@
             </p:txBody>
           </p:sp>
         </mc:Choice>
-        <mc:Fallback>
+        <mc:Fallback xmlns="">
           <p:sp>
             <p:nvSpPr>
               <p:cNvPr id="3" name="Tijdelijke aanduiding voor inhoud 2"/>
@@ -8630,7 +8447,6 @@
               <a:rPr lang="nl-NL" dirty="0" smtClean="0"/>
               <a:t>)</a:t>
             </a:r>
-            <a:endParaRPr lang="nl-NL" dirty="0" smtClean="0"/>
           </a:p>
           <a:p>
             <a:pPr marL="0" indent="0">
@@ -8774,11 +8590,7 @@
             </a:r>
             <a:r>
               <a:rPr lang="nl-NL" dirty="0" smtClean="0"/>
-              <a:t> </a:t>
-            </a:r>
-            <a:r>
-              <a:rPr lang="nl-NL" dirty="0" smtClean="0"/>
-              <a:t>later </a:t>
+              <a:t> later </a:t>
             </a:r>
             <a:r>
               <a:rPr lang="nl-NL" dirty="0" err="1" smtClean="0"/>
@@ -14619,33 +14431,6 @@
           </a:p>
           <a:p>
             <a:r>
-              <a:rPr lang="nl-NL" dirty="0" smtClean="0">
-                <a:solidFill>
-                  <a:srgbClr val="C00000"/>
-                </a:solidFill>
-              </a:rPr>
-              <a:t>Pre-processing</a:t>
-            </a:r>
-            <a:r>
-              <a:rPr lang="nl-NL" dirty="0" smtClean="0"/>
-              <a:t> </a:t>
-            </a:r>
-            <a:r>
-              <a:rPr lang="nl-NL" dirty="0" err="1" smtClean="0"/>
-              <a:t>helped</a:t>
-            </a:r>
-            <a:r>
-              <a:rPr lang="nl-NL" dirty="0" smtClean="0"/>
-              <a:t> </a:t>
-            </a:r>
-            <a:r>
-              <a:rPr lang="nl-NL" dirty="0" err="1" smtClean="0"/>
-              <a:t>tremendously</a:t>
-            </a:r>
-            <a:endParaRPr lang="nl-NL" dirty="0"/>
-          </a:p>
-          <a:p>
-            <a:r>
               <a:rPr lang="nl-NL" dirty="0" err="1" smtClean="0"/>
               <a:t>Compensating</a:t>
             </a:r>
@@ -14831,55 +14616,6 @@
                                           <p:spTgt spid="3">
                                             <p:txEl>
                                               <p:pRg st="3" end="3"/>
-                                            </p:txEl>
-                                          </p:spTgt>
-                                        </p:tgtEl>
-                                        <p:attrNameLst>
-                                          <p:attrName>style.visibility</p:attrName>
-                                        </p:attrNameLst>
-                                      </p:cBhvr>
-                                      <p:to>
-                                        <p:strVal val="visible"/>
-                                      </p:to>
-                                    </p:set>
-                                  </p:childTnLst>
-                                </p:cTn>
-                              </p:par>
-                            </p:childTnLst>
-                          </p:cTn>
-                        </p:par>
-                      </p:childTnLst>
-                    </p:cTn>
-                  </p:par>
-                  <p:par>
-                    <p:cTn id="15" fill="hold">
-                      <p:stCondLst>
-                        <p:cond delay="indefinite"/>
-                      </p:stCondLst>
-                      <p:childTnLst>
-                        <p:par>
-                          <p:cTn id="16" fill="hold">
-                            <p:stCondLst>
-                              <p:cond delay="0"/>
-                            </p:stCondLst>
-                            <p:childTnLst>
-                              <p:par>
-                                <p:cTn id="17" presetID="1" presetClass="entr" presetSubtype="0" fill="hold" nodeType="clickEffect">
-                                  <p:stCondLst>
-                                    <p:cond delay="0"/>
-                                  </p:stCondLst>
-                                  <p:childTnLst>
-                                    <p:set>
-                                      <p:cBhvr>
-                                        <p:cTn id="18" dur="1" fill="hold">
-                                          <p:stCondLst>
-                                            <p:cond delay="0"/>
-                                          </p:stCondLst>
-                                        </p:cTn>
-                                        <p:tgtEl>
-                                          <p:spTgt spid="3">
-                                            <p:txEl>
-                                              <p:pRg st="4" end="4"/>
                                             </p:txEl>
                                           </p:spTgt>
                                         </p:tgtEl>
